--- a/presentation/presentation-partitioned-progress.pptx
+++ b/presentation/presentation-partitioned-progress.pptx
@@ -357,7 +357,7 @@
             <a:pPr indent="0" algn="r">
               <a:buNone/>
             </a:pPr>
-            <a:fld id="{9F50C5BA-3B9B-4B44-A0D9-97A3F8B314F0}" type="slidenum">
+            <a:fld id="{F19437E9-740A-48E0-A501-D0C0CF7E2C8E}" type="slidenum">
               <a:rPr b="0" lang="en-US" sz="1400" spc="-1" strike="noStrike">
                 <a:solidFill>
                   <a:srgbClr val="000000"/>
@@ -2579,7 +2579,7 @@
         <p:txBody>
           <a:bodyPr/>
           <a:p>
-            <a:fld id="{177F4889-7634-4691-B033-8A8D54A04159}" type="slidenum">
+            <a:fld id="{39FF55A7-647F-45CD-9954-A7E31C1B4619}" type="slidenum">
               <a:t>&lt;#&gt;</a:t>
             </a:fld>
           </a:p>
@@ -2803,7 +2803,70 @@
                 </a:solidFill>
                 <a:latin typeface="Arial"/>
               </a:rPr>
-              <a:t>Click to edit the title text format</a:t>
+              <a:t>Clic</a:t>
+            </a:r>
+            <a:r>
+              <a:rPr b="0" lang="en-US" sz="4400" spc="-1" strike="noStrike">
+                <a:solidFill>
+                  <a:srgbClr val="000000"/>
+                </a:solidFill>
+                <a:latin typeface="Arial"/>
+              </a:rPr>
+              <a:t>k to </a:t>
+            </a:r>
+            <a:r>
+              <a:rPr b="0" lang="en-US" sz="4400" spc="-1" strike="noStrike">
+                <a:solidFill>
+                  <a:srgbClr val="000000"/>
+                </a:solidFill>
+                <a:latin typeface="Arial"/>
+              </a:rPr>
+              <a:t>edit </a:t>
+            </a:r>
+            <a:r>
+              <a:rPr b="0" lang="en-US" sz="4400" spc="-1" strike="noStrike">
+                <a:solidFill>
+                  <a:srgbClr val="000000"/>
+                </a:solidFill>
+                <a:latin typeface="Arial"/>
+              </a:rPr>
+              <a:t>the </a:t>
+            </a:r>
+            <a:r>
+              <a:rPr b="0" lang="en-US" sz="4400" spc="-1" strike="noStrike">
+                <a:solidFill>
+                  <a:srgbClr val="000000"/>
+                </a:solidFill>
+                <a:latin typeface="Arial"/>
+              </a:rPr>
+              <a:t>title </a:t>
+            </a:r>
+            <a:r>
+              <a:rPr b="0" lang="en-US" sz="4400" spc="-1" strike="noStrike">
+                <a:solidFill>
+                  <a:srgbClr val="000000"/>
+                </a:solidFill>
+                <a:latin typeface="Arial"/>
+              </a:rPr>
+              <a:t>text </a:t>
+            </a:r>
+            <a:r>
+              <a:rPr b="0" lang="en-US" sz="4400" spc="-1" strike="noStrike">
+                <a:solidFill>
+                  <a:srgbClr val="000000"/>
+                </a:solidFill>
+                <a:latin typeface="Arial"/>
+              </a:rPr>
+              <a:t>for</a:t>
+            </a:r>
+            <a:r>
+              <a:rPr b="0" lang="en-US" sz="4400" spc="-1" strike="noStrike">
+                <a:solidFill>
+                  <a:srgbClr val="000000"/>
+                </a:solidFill>
+                <a:latin typeface="Arial"/>
+              </a:rPr>
+              <a:t>mat</a:t>
             </a:r>
             <a:endParaRPr b="0" lang="en-US" sz="4400" spc="-1" strike="noStrike">
               <a:solidFill>
@@ -3266,7 +3329,7 @@
                 <a:tab algn="l" pos="0"/>
               </a:tabLst>
             </a:pPr>
-            <a:fld id="{02A36D8E-45A1-47AE-9150-383461BBF342}" type="slidenum">
+            <a:fld id="{3854AD86-852B-4866-A597-A0290A301EF9}" type="slidenum">
               <a:rPr b="0" lang="de-DE" sz="1100" spc="-1" strike="noStrike">
                 <a:solidFill>
                   <a:srgbClr val="1d3c91"/>
@@ -3382,7 +3445,70 @@
                 </a:solidFill>
                 <a:latin typeface="Arial"/>
               </a:rPr>
-              <a:t>Click to edit the title text format</a:t>
+              <a:t>Clic</a:t>
+            </a:r>
+            <a:r>
+              <a:rPr b="0" lang="en-US" sz="4400" spc="-1" strike="noStrike">
+                <a:solidFill>
+                  <a:srgbClr val="000000"/>
+                </a:solidFill>
+                <a:latin typeface="Arial"/>
+              </a:rPr>
+              <a:t>k to </a:t>
+            </a:r>
+            <a:r>
+              <a:rPr b="0" lang="en-US" sz="4400" spc="-1" strike="noStrike">
+                <a:solidFill>
+                  <a:srgbClr val="000000"/>
+                </a:solidFill>
+                <a:latin typeface="Arial"/>
+              </a:rPr>
+              <a:t>edit </a:t>
+            </a:r>
+            <a:r>
+              <a:rPr b="0" lang="en-US" sz="4400" spc="-1" strike="noStrike">
+                <a:solidFill>
+                  <a:srgbClr val="000000"/>
+                </a:solidFill>
+                <a:latin typeface="Arial"/>
+              </a:rPr>
+              <a:t>the </a:t>
+            </a:r>
+            <a:r>
+              <a:rPr b="0" lang="en-US" sz="4400" spc="-1" strike="noStrike">
+                <a:solidFill>
+                  <a:srgbClr val="000000"/>
+                </a:solidFill>
+                <a:latin typeface="Arial"/>
+              </a:rPr>
+              <a:t>title </a:t>
+            </a:r>
+            <a:r>
+              <a:rPr b="0" lang="en-US" sz="4400" spc="-1" strike="noStrike">
+                <a:solidFill>
+                  <a:srgbClr val="000000"/>
+                </a:solidFill>
+                <a:latin typeface="Arial"/>
+              </a:rPr>
+              <a:t>text </a:t>
+            </a:r>
+            <a:r>
+              <a:rPr b="0" lang="en-US" sz="4400" spc="-1" strike="noStrike">
+                <a:solidFill>
+                  <a:srgbClr val="000000"/>
+                </a:solidFill>
+                <a:latin typeface="Arial"/>
+              </a:rPr>
+              <a:t>for</a:t>
+            </a:r>
+            <a:r>
+              <a:rPr b="0" lang="en-US" sz="4400" spc="-1" strike="noStrike">
+                <a:solidFill>
+                  <a:srgbClr val="000000"/>
+                </a:solidFill>
+                <a:latin typeface="Arial"/>
+              </a:rPr>
+              <a:t>mat</a:t>
             </a:r>
             <a:endParaRPr b="0" lang="en-US" sz="4400" spc="-1" strike="noStrike">
               <a:solidFill>
@@ -8559,21 +8685,21 @@
           <p:nvPr/>
         </p:nvGraphicFramePr>
         <p:xfrm>
-          <a:off x="1181160" y="1399320"/>
-          <a:ext cx="9829440" cy="2370600"/>
+          <a:off x="898560" y="1427400"/>
+          <a:ext cx="10531440" cy="4322160"/>
         </p:xfrm>
         <a:graphic>
           <a:graphicData uri="http://schemas.openxmlformats.org/drawingml/2006/table">
             <a:tbl>
               <a:tblPr/>
               <a:tblGrid>
-                <a:gridCol w="1965240"/>
-                <a:gridCol w="1965240"/>
-                <a:gridCol w="1965240"/>
-                <a:gridCol w="1965240"/>
-                <a:gridCol w="1968840"/>
+                <a:gridCol w="1983600"/>
+                <a:gridCol w="1983600"/>
+                <a:gridCol w="1983600"/>
+                <a:gridCol w="1983600"/>
+                <a:gridCol w="2777760"/>
               </a:tblGrid>
-              <a:tr h="364680">
+              <a:tr h="343440">
                 <a:tc>
                   <a:txBody>
                     <a:bodyPr lIns="36000" rIns="36000" tIns="36000" bIns="36000" anchor="t">
@@ -9959,7 +10085,7 @@
                           </a:solidFill>
                           <a:latin typeface="Arial"/>
                         </a:rPr>
-                        <a:t>MPI_request_get_status</a:t>
+                        <a:t>MPI_Request_get_status</a:t>
                       </a:r>
                       <a:endParaRPr b="0" lang="en-US" sz="1800" spc="-1" strike="noStrike">
                         <a:solidFill>

--- a/presentation/presentation-partitioned-progress.pptx
+++ b/presentation/presentation-partitioned-progress.pptx
@@ -27,6 +27,7 @@
     <p:sldId id="270" r:id="rId20"/>
     <p:sldId id="271" r:id="rId21"/>
     <p:sldId id="272" r:id="rId22"/>
+    <p:sldId id="273" r:id="rId23"/>
   </p:sldIdLst>
   <p:sldSz cx="12192000" cy="6858000"/>
   <p:notesSz cx="7559675" cy="10691813"/>
@@ -86,7 +87,34 @@
                 </a:solidFill>
                 <a:latin typeface="Arial"/>
               </a:rPr>
-              <a:t>Click to move the slide</a:t>
+              <a:t>Click to </a:t>
+            </a:r>
+            <a:r>
+              <a:rPr b="0" lang="en-US" sz="4400" spc="-1" strike="noStrike">
+                <a:solidFill>
+                  <a:srgbClr val="000000"/>
+                </a:solidFill>
+                <a:latin typeface="Arial"/>
+              </a:rPr>
+              <a:t>move </a:t>
+            </a:r>
+            <a:r>
+              <a:rPr b="0" lang="en-US" sz="4400" spc="-1" strike="noStrike">
+                <a:solidFill>
+                  <a:srgbClr val="000000"/>
+                </a:solidFill>
+                <a:latin typeface="Arial"/>
+              </a:rPr>
+              <a:t>the </a:t>
+            </a:r>
+            <a:r>
+              <a:rPr b="0" lang="en-US" sz="4400" spc="-1" strike="noStrike">
+                <a:solidFill>
+                  <a:srgbClr val="000000"/>
+                </a:solidFill>
+                <a:latin typeface="Arial"/>
+              </a:rPr>
+              <a:t>slide</a:t>
             </a:r>
             <a:endParaRPr b="0" lang="en-US" sz="4400" spc="-1" strike="noStrike">
               <a:solidFill>
@@ -135,7 +163,16 @@
                 </a:solidFill>
                 <a:latin typeface="Arial"/>
               </a:rPr>
-              <a:t>Click to edit the notes format</a:t>
+              <a:t>Click to edit the </a:t>
+            </a:r>
+            <a:r>
+              <a:rPr b="0" lang="en-US" sz="2000" spc="-1" strike="noStrike">
+                <a:solidFill>
+                  <a:srgbClr val="000000"/>
+                </a:solidFill>
+                <a:latin typeface="Arial"/>
+              </a:rPr>
+              <a:t>notes format</a:t>
             </a:r>
             <a:endParaRPr b="0" lang="en-US" sz="2000" spc="-1" strike="noStrike">
               <a:solidFill>
@@ -357,7 +394,7 @@
             <a:pPr indent="0" algn="r">
               <a:buNone/>
             </a:pPr>
-            <a:fld id="{F19437E9-740A-48E0-A501-D0C0CF7E2C8E}" type="slidenum">
+            <a:fld id="{7869320E-CC39-412E-AEDE-D18BF98B0912}" type="slidenum">
               <a:rPr b="0" lang="en-US" sz="1400" spc="-1" strike="noStrike">
                 <a:solidFill>
                   <a:srgbClr val="000000"/>
@@ -400,7 +437,7 @@
       </p:grpSpPr>
       <p:sp>
         <p:nvSpPr>
-          <p:cNvPr id="82" name="PlaceHolder 1"/>
+          <p:cNvPr id="78" name="PlaceHolder 1"/>
           <p:cNvSpPr>
             <a:spLocks noGrp="1"/>
           </p:cNvSpPr>
@@ -423,7 +460,7 @@
       </p:sp>
       <p:sp>
         <p:nvSpPr>
-          <p:cNvPr id="83" name="PlaceHolder 2"/>
+          <p:cNvPr id="79" name="PlaceHolder 2"/>
           <p:cNvSpPr>
             <a:spLocks noGrp="1"/>
           </p:cNvSpPr>
@@ -434,7 +471,7 @@
         <p:spPr>
           <a:xfrm>
             <a:off x="685800" y="4400640"/>
-            <a:ext cx="5485680" cy="3599640"/>
+            <a:ext cx="5485320" cy="3599280"/>
           </a:xfrm>
           <a:prstGeom prst="rect">
             <a:avLst/>
@@ -463,18 +500,18 @@
       </p:sp>
       <p:sp>
         <p:nvSpPr>
-          <p:cNvPr id="84" name="PlaceHolder 3"/>
+          <p:cNvPr id="80" name="PlaceHolder 3"/>
           <p:cNvSpPr>
             <a:spLocks noGrp="1"/>
           </p:cNvSpPr>
           <p:nvPr>
-            <p:ph type="sldNum" idx="18"/>
+            <p:ph type="sldNum" idx="11"/>
           </p:nvPr>
         </p:nvSpPr>
         <p:spPr>
           <a:xfrm>
             <a:off x="3884760" y="8685360"/>
-            <a:ext cx="2971080" cy="457920"/>
+            <a:ext cx="2970720" cy="457560"/>
           </a:xfrm>
           <a:prstGeom prst="rect">
             <a:avLst/>
@@ -525,7 +562,7 @@
       </p:grpSpPr>
       <p:sp>
         <p:nvSpPr>
-          <p:cNvPr id="109" name="PlaceHolder 1"/>
+          <p:cNvPr id="105" name="PlaceHolder 1"/>
           <p:cNvSpPr>
             <a:spLocks noGrp="1"/>
           </p:cNvSpPr>
@@ -548,7 +585,7 @@
       </p:sp>
       <p:sp>
         <p:nvSpPr>
-          <p:cNvPr id="110" name="PlaceHolder 2"/>
+          <p:cNvPr id="106" name="PlaceHolder 2"/>
           <p:cNvSpPr>
             <a:spLocks noGrp="1"/>
           </p:cNvSpPr>
@@ -559,7 +596,7 @@
         <p:spPr>
           <a:xfrm>
             <a:off x="685800" y="4400640"/>
-            <a:ext cx="5485680" cy="3599640"/>
+            <a:ext cx="5485320" cy="3599280"/>
           </a:xfrm>
           <a:prstGeom prst="rect">
             <a:avLst/>
@@ -588,18 +625,18 @@
       </p:sp>
       <p:sp>
         <p:nvSpPr>
-          <p:cNvPr id="111" name="PlaceHolder 3"/>
+          <p:cNvPr id="107" name="PlaceHolder 3"/>
           <p:cNvSpPr>
             <a:spLocks noGrp="1"/>
           </p:cNvSpPr>
           <p:nvPr>
-            <p:ph type="sldNum" idx="27"/>
+            <p:ph type="sldNum" idx="20"/>
           </p:nvPr>
         </p:nvSpPr>
         <p:spPr>
           <a:xfrm>
             <a:off x="3884760" y="8685360"/>
-            <a:ext cx="2971080" cy="457920"/>
+            <a:ext cx="2970720" cy="457560"/>
           </a:xfrm>
           <a:prstGeom prst="rect">
             <a:avLst/>
@@ -650,7 +687,7 @@
       </p:grpSpPr>
       <p:sp>
         <p:nvSpPr>
-          <p:cNvPr id="112" name="PlaceHolder 1"/>
+          <p:cNvPr id="108" name="PlaceHolder 1"/>
           <p:cNvSpPr>
             <a:spLocks noGrp="1"/>
           </p:cNvSpPr>
@@ -673,7 +710,7 @@
       </p:sp>
       <p:sp>
         <p:nvSpPr>
-          <p:cNvPr id="113" name="PlaceHolder 2"/>
+          <p:cNvPr id="109" name="PlaceHolder 2"/>
           <p:cNvSpPr>
             <a:spLocks noGrp="1"/>
           </p:cNvSpPr>
@@ -684,7 +721,7 @@
         <p:spPr>
           <a:xfrm>
             <a:off x="685800" y="4400640"/>
-            <a:ext cx="5485680" cy="3599640"/>
+            <a:ext cx="5485320" cy="3599280"/>
           </a:xfrm>
           <a:prstGeom prst="rect">
             <a:avLst/>
@@ -713,18 +750,18 @@
       </p:sp>
       <p:sp>
         <p:nvSpPr>
-          <p:cNvPr id="114" name="PlaceHolder 3"/>
+          <p:cNvPr id="110" name="PlaceHolder 3"/>
           <p:cNvSpPr>
             <a:spLocks noGrp="1"/>
           </p:cNvSpPr>
           <p:nvPr>
-            <p:ph type="sldNum" idx="28"/>
+            <p:ph type="sldNum" idx="21"/>
           </p:nvPr>
         </p:nvSpPr>
         <p:spPr>
           <a:xfrm>
             <a:off x="3884760" y="8685360"/>
-            <a:ext cx="2971080" cy="457920"/>
+            <a:ext cx="2970720" cy="457560"/>
           </a:xfrm>
           <a:prstGeom prst="rect">
             <a:avLst/>
@@ -775,7 +812,7 @@
       </p:grpSpPr>
       <p:sp>
         <p:nvSpPr>
-          <p:cNvPr id="115" name="PlaceHolder 1"/>
+          <p:cNvPr id="111" name="PlaceHolder 1"/>
           <p:cNvSpPr>
             <a:spLocks noGrp="1"/>
           </p:cNvSpPr>
@@ -798,7 +835,7 @@
       </p:sp>
       <p:sp>
         <p:nvSpPr>
-          <p:cNvPr id="116" name="PlaceHolder 2"/>
+          <p:cNvPr id="112" name="PlaceHolder 2"/>
           <p:cNvSpPr>
             <a:spLocks noGrp="1"/>
           </p:cNvSpPr>
@@ -809,7 +846,7 @@
         <p:spPr>
           <a:xfrm>
             <a:off x="685800" y="4400640"/>
-            <a:ext cx="5485680" cy="3599640"/>
+            <a:ext cx="5485320" cy="3599280"/>
           </a:xfrm>
           <a:prstGeom prst="rect">
             <a:avLst/>
@@ -838,18 +875,18 @@
       </p:sp>
       <p:sp>
         <p:nvSpPr>
-          <p:cNvPr id="117" name="PlaceHolder 3"/>
+          <p:cNvPr id="113" name="PlaceHolder 3"/>
           <p:cNvSpPr>
             <a:spLocks noGrp="1"/>
           </p:cNvSpPr>
           <p:nvPr>
-            <p:ph type="sldNum" idx="29"/>
+            <p:ph type="sldNum" idx="22"/>
           </p:nvPr>
         </p:nvSpPr>
         <p:spPr>
           <a:xfrm>
             <a:off x="3884760" y="8685360"/>
-            <a:ext cx="2971080" cy="457920"/>
+            <a:ext cx="2970720" cy="457560"/>
           </a:xfrm>
           <a:prstGeom prst="rect">
             <a:avLst/>
@@ -900,7 +937,7 @@
       </p:grpSpPr>
       <p:sp>
         <p:nvSpPr>
-          <p:cNvPr id="118" name="PlaceHolder 1"/>
+          <p:cNvPr id="114" name="PlaceHolder 1"/>
           <p:cNvSpPr>
             <a:spLocks noGrp="1"/>
           </p:cNvSpPr>
@@ -923,7 +960,7 @@
       </p:sp>
       <p:sp>
         <p:nvSpPr>
-          <p:cNvPr id="119" name="PlaceHolder 2"/>
+          <p:cNvPr id="115" name="PlaceHolder 2"/>
           <p:cNvSpPr>
             <a:spLocks noGrp="1"/>
           </p:cNvSpPr>
@@ -934,7 +971,7 @@
         <p:spPr>
           <a:xfrm>
             <a:off x="685800" y="4400640"/>
-            <a:ext cx="5485680" cy="3599640"/>
+            <a:ext cx="5485320" cy="3599280"/>
           </a:xfrm>
           <a:prstGeom prst="rect">
             <a:avLst/>
@@ -963,18 +1000,18 @@
       </p:sp>
       <p:sp>
         <p:nvSpPr>
-          <p:cNvPr id="120" name="PlaceHolder 3"/>
+          <p:cNvPr id="116" name="PlaceHolder 3"/>
           <p:cNvSpPr>
             <a:spLocks noGrp="1"/>
           </p:cNvSpPr>
           <p:nvPr>
-            <p:ph type="sldNum" idx="30"/>
+            <p:ph type="sldNum" idx="23"/>
           </p:nvPr>
         </p:nvSpPr>
         <p:spPr>
           <a:xfrm>
             <a:off x="3884760" y="8685360"/>
-            <a:ext cx="2971080" cy="457920"/>
+            <a:ext cx="2970720" cy="457560"/>
           </a:xfrm>
           <a:prstGeom prst="rect">
             <a:avLst/>
@@ -1025,7 +1062,7 @@
       </p:grpSpPr>
       <p:sp>
         <p:nvSpPr>
-          <p:cNvPr id="121" name="PlaceHolder 1"/>
+          <p:cNvPr id="117" name="PlaceHolder 1"/>
           <p:cNvSpPr>
             <a:spLocks noGrp="1"/>
           </p:cNvSpPr>
@@ -1048,7 +1085,7 @@
       </p:sp>
       <p:sp>
         <p:nvSpPr>
-          <p:cNvPr id="122" name="PlaceHolder 2"/>
+          <p:cNvPr id="118" name="PlaceHolder 2"/>
           <p:cNvSpPr>
             <a:spLocks noGrp="1"/>
           </p:cNvSpPr>
@@ -1059,7 +1096,7 @@
         <p:spPr>
           <a:xfrm>
             <a:off x="685800" y="4400640"/>
-            <a:ext cx="5485680" cy="3599640"/>
+            <a:ext cx="5485320" cy="3599280"/>
           </a:xfrm>
           <a:prstGeom prst="rect">
             <a:avLst/>
@@ -1088,18 +1125,18 @@
       </p:sp>
       <p:sp>
         <p:nvSpPr>
-          <p:cNvPr id="123" name="PlaceHolder 3"/>
+          <p:cNvPr id="119" name="PlaceHolder 3"/>
           <p:cNvSpPr>
             <a:spLocks noGrp="1"/>
           </p:cNvSpPr>
           <p:nvPr>
-            <p:ph type="sldNum" idx="31"/>
+            <p:ph type="sldNum" idx="24"/>
           </p:nvPr>
         </p:nvSpPr>
         <p:spPr>
           <a:xfrm>
             <a:off x="3884760" y="8685360"/>
-            <a:ext cx="2971080" cy="457920"/>
+            <a:ext cx="2970720" cy="457560"/>
           </a:xfrm>
           <a:prstGeom prst="rect">
             <a:avLst/>
@@ -1150,7 +1187,7 @@
       </p:grpSpPr>
       <p:sp>
         <p:nvSpPr>
-          <p:cNvPr id="124" name="PlaceHolder 1"/>
+          <p:cNvPr id="120" name="PlaceHolder 1"/>
           <p:cNvSpPr>
             <a:spLocks noGrp="1"/>
           </p:cNvSpPr>
@@ -1173,7 +1210,7 @@
       </p:sp>
       <p:sp>
         <p:nvSpPr>
-          <p:cNvPr id="125" name="PlaceHolder 2"/>
+          <p:cNvPr id="121" name="PlaceHolder 2"/>
           <p:cNvSpPr>
             <a:spLocks noGrp="1"/>
           </p:cNvSpPr>
@@ -1184,7 +1221,7 @@
         <p:spPr>
           <a:xfrm>
             <a:off x="685800" y="4400640"/>
-            <a:ext cx="5485680" cy="3599640"/>
+            <a:ext cx="5485320" cy="3599280"/>
           </a:xfrm>
           <a:prstGeom prst="rect">
             <a:avLst/>
@@ -1213,18 +1250,18 @@
       </p:sp>
       <p:sp>
         <p:nvSpPr>
-          <p:cNvPr id="126" name="PlaceHolder 3"/>
+          <p:cNvPr id="122" name="PlaceHolder 3"/>
           <p:cNvSpPr>
             <a:spLocks noGrp="1"/>
           </p:cNvSpPr>
           <p:nvPr>
-            <p:ph type="sldNum" idx="32"/>
+            <p:ph type="sldNum" idx="25"/>
           </p:nvPr>
         </p:nvSpPr>
         <p:spPr>
           <a:xfrm>
             <a:off x="3884760" y="8685360"/>
-            <a:ext cx="2971080" cy="457920"/>
+            <a:ext cx="2970720" cy="457560"/>
           </a:xfrm>
           <a:prstGeom prst="rect">
             <a:avLst/>
@@ -1275,7 +1312,7 @@
       </p:grpSpPr>
       <p:sp>
         <p:nvSpPr>
-          <p:cNvPr id="127" name="PlaceHolder 1"/>
+          <p:cNvPr id="123" name="PlaceHolder 1"/>
           <p:cNvSpPr>
             <a:spLocks noGrp="1"/>
           </p:cNvSpPr>
@@ -1298,7 +1335,7 @@
       </p:sp>
       <p:sp>
         <p:nvSpPr>
-          <p:cNvPr id="128" name="PlaceHolder 2"/>
+          <p:cNvPr id="124" name="PlaceHolder 2"/>
           <p:cNvSpPr>
             <a:spLocks noGrp="1"/>
           </p:cNvSpPr>
@@ -1309,7 +1346,7 @@
         <p:spPr>
           <a:xfrm>
             <a:off x="685800" y="4400640"/>
-            <a:ext cx="5485680" cy="3599640"/>
+            <a:ext cx="5485320" cy="3599280"/>
           </a:xfrm>
           <a:prstGeom prst="rect">
             <a:avLst/>
@@ -1338,18 +1375,18 @@
       </p:sp>
       <p:sp>
         <p:nvSpPr>
-          <p:cNvPr id="129" name="PlaceHolder 3"/>
+          <p:cNvPr id="125" name="PlaceHolder 3"/>
           <p:cNvSpPr>
             <a:spLocks noGrp="1"/>
           </p:cNvSpPr>
           <p:nvPr>
-            <p:ph type="sldNum" idx="33"/>
+            <p:ph type="sldNum" idx="26"/>
           </p:nvPr>
         </p:nvSpPr>
         <p:spPr>
           <a:xfrm>
             <a:off x="3884760" y="8685360"/>
-            <a:ext cx="2971080" cy="457920"/>
+            <a:ext cx="2970720" cy="457560"/>
           </a:xfrm>
           <a:prstGeom prst="rect">
             <a:avLst/>
@@ -1400,7 +1437,7 @@
       </p:grpSpPr>
       <p:sp>
         <p:nvSpPr>
-          <p:cNvPr id="130" name="PlaceHolder 1"/>
+          <p:cNvPr id="126" name="PlaceHolder 1"/>
           <p:cNvSpPr>
             <a:spLocks noGrp="1"/>
           </p:cNvSpPr>
@@ -1423,7 +1460,7 @@
       </p:sp>
       <p:sp>
         <p:nvSpPr>
-          <p:cNvPr id="131" name="PlaceHolder 2"/>
+          <p:cNvPr id="127" name="PlaceHolder 2"/>
           <p:cNvSpPr>
             <a:spLocks noGrp="1"/>
           </p:cNvSpPr>
@@ -1434,7 +1471,7 @@
         <p:spPr>
           <a:xfrm>
             <a:off x="685800" y="4400640"/>
-            <a:ext cx="5485680" cy="3599640"/>
+            <a:ext cx="5485320" cy="3599280"/>
           </a:xfrm>
           <a:prstGeom prst="rect">
             <a:avLst/>
@@ -1463,18 +1500,143 @@
       </p:sp>
       <p:sp>
         <p:nvSpPr>
-          <p:cNvPr id="132" name="PlaceHolder 3"/>
+          <p:cNvPr id="128" name="PlaceHolder 3"/>
           <p:cNvSpPr>
             <a:spLocks noGrp="1"/>
           </p:cNvSpPr>
           <p:nvPr>
-            <p:ph type="sldNum" idx="34"/>
+            <p:ph type="sldNum" idx="27"/>
           </p:nvPr>
         </p:nvSpPr>
         <p:spPr>
           <a:xfrm>
             <a:off x="3884760" y="8685360"/>
-            <a:ext cx="2971080" cy="457920"/>
+            <a:ext cx="2970720" cy="457560"/>
+          </a:xfrm>
+          <a:prstGeom prst="rect">
+            <a:avLst/>
+          </a:prstGeom>
+          <a:noFill/>
+          <a:ln w="0">
+            <a:noFill/>
+          </a:ln>
+        </p:spPr>
+        <p:txBody>
+          <a:bodyPr lIns="91440" rIns="91440" tIns="45720" bIns="45720" anchor="b">
+            <a:noAutofit/>
+          </a:bodyPr>
+          <a:p>
+            <a:pPr indent="0">
+              <a:buNone/>
+            </a:pPr>
+            <a:endParaRPr b="0" lang="en-US" sz="1400" spc="-1" strike="noStrike">
+              <a:solidFill>
+                <a:srgbClr val="000000"/>
+              </a:solidFill>
+              <a:latin typeface="Times New Roman"/>
+            </a:endParaRPr>
+          </a:p>
+        </p:txBody>
+      </p:sp>
+    </p:spTree>
+  </p:cSld>
+</p:notes>
+</file>
+
+<file path=ppt/notesSlides/notesSlide18.xml><?xml version="1.0" encoding="utf-8"?>
+<p:notes xmlns:a="http://schemas.openxmlformats.org/drawingml/2006/main" xmlns:p="http://schemas.openxmlformats.org/presentationml/2006/main" xmlns:r="http://schemas.openxmlformats.org/officeDocument/2006/relationships" xmlns:p14="http://schemas.microsoft.com/office/powerpoint/2010/main" xmlns:p15="http://schemas.microsoft.com/office/powerpoint/2012/main" xmlns:mc="http://schemas.openxmlformats.org/markup-compatibility/2006">
+  <p:cSld>
+    <p:spTree>
+      <p:nvGrpSpPr>
+        <p:cNvPr id="1" name=""/>
+        <p:cNvGrpSpPr/>
+        <p:nvPr/>
+      </p:nvGrpSpPr>
+      <p:grpSpPr>
+        <a:xfrm>
+          <a:off x="0" y="0"/>
+          <a:ext cx="0" cy="0"/>
+          <a:chOff x="0" y="0"/>
+          <a:chExt cx="0" cy="0"/>
+        </a:xfrm>
+      </p:grpSpPr>
+      <p:sp>
+        <p:nvSpPr>
+          <p:cNvPr id="129" name="PlaceHolder 1"/>
+          <p:cNvSpPr>
+            <a:spLocks noGrp="1"/>
+          </p:cNvSpPr>
+          <p:nvPr>
+            <p:ph type="sldImg"/>
+          </p:nvPr>
+        </p:nvSpPr>
+        <p:spPr>
+          <a:xfrm>
+            <a:off x="0" y="0"/>
+            <a:ext cx="0" cy="0"/>
+          </a:xfrm>
+          <a:prstGeom prst="rect">
+            <a:avLst/>
+          </a:prstGeom>
+          <a:ln w="0">
+            <a:noFill/>
+          </a:ln>
+        </p:spPr>
+      </p:sp>
+      <p:sp>
+        <p:nvSpPr>
+          <p:cNvPr id="130" name="PlaceHolder 2"/>
+          <p:cNvSpPr>
+            <a:spLocks noGrp="1"/>
+          </p:cNvSpPr>
+          <p:nvPr>
+            <p:ph type="body"/>
+          </p:nvPr>
+        </p:nvSpPr>
+        <p:spPr>
+          <a:xfrm>
+            <a:off x="685800" y="4400640"/>
+            <a:ext cx="5485320" cy="3599280"/>
+          </a:xfrm>
+          <a:prstGeom prst="rect">
+            <a:avLst/>
+          </a:prstGeom>
+          <a:noFill/>
+          <a:ln w="0">
+            <a:noFill/>
+          </a:ln>
+        </p:spPr>
+        <p:txBody>
+          <a:bodyPr lIns="91440" rIns="91440" tIns="45720" bIns="45720" anchor="ctr">
+            <a:noAutofit/>
+          </a:bodyPr>
+          <a:p>
+            <a:pPr marL="216000" indent="-216000">
+              <a:buNone/>
+            </a:pPr>
+            <a:endParaRPr b="0" lang="en-US" sz="1800" spc="-1" strike="noStrike">
+              <a:solidFill>
+                <a:srgbClr val="000000"/>
+              </a:solidFill>
+              <a:latin typeface="Arial"/>
+            </a:endParaRPr>
+          </a:p>
+        </p:txBody>
+      </p:sp>
+      <p:sp>
+        <p:nvSpPr>
+          <p:cNvPr id="131" name="PlaceHolder 3"/>
+          <p:cNvSpPr>
+            <a:spLocks noGrp="1"/>
+          </p:cNvSpPr>
+          <p:nvPr>
+            <p:ph type="sldNum" idx="28"/>
+          </p:nvPr>
+        </p:nvSpPr>
+        <p:spPr>
+          <a:xfrm>
+            <a:off x="3884760" y="8685360"/>
+            <a:ext cx="2970720" cy="457560"/>
           </a:xfrm>
           <a:prstGeom prst="rect">
             <a:avLst/>
@@ -1525,7 +1687,7 @@
       </p:grpSpPr>
       <p:sp>
         <p:nvSpPr>
-          <p:cNvPr id="85" name="PlaceHolder 1"/>
+          <p:cNvPr id="81" name="PlaceHolder 1"/>
           <p:cNvSpPr>
             <a:spLocks noGrp="1"/>
           </p:cNvSpPr>
@@ -1548,7 +1710,7 @@
       </p:sp>
       <p:sp>
         <p:nvSpPr>
-          <p:cNvPr id="86" name="PlaceHolder 2"/>
+          <p:cNvPr id="82" name="PlaceHolder 2"/>
           <p:cNvSpPr>
             <a:spLocks noGrp="1"/>
           </p:cNvSpPr>
@@ -1559,7 +1721,7 @@
         <p:spPr>
           <a:xfrm>
             <a:off x="685800" y="4400640"/>
-            <a:ext cx="5485680" cy="3599640"/>
+            <a:ext cx="5485320" cy="3599280"/>
           </a:xfrm>
           <a:prstGeom prst="rect">
             <a:avLst/>
@@ -1588,18 +1750,18 @@
       </p:sp>
       <p:sp>
         <p:nvSpPr>
-          <p:cNvPr id="87" name="PlaceHolder 3"/>
+          <p:cNvPr id="83" name="PlaceHolder 3"/>
           <p:cNvSpPr>
             <a:spLocks noGrp="1"/>
           </p:cNvSpPr>
           <p:nvPr>
-            <p:ph type="sldNum" idx="19"/>
+            <p:ph type="sldNum" idx="12"/>
           </p:nvPr>
         </p:nvSpPr>
         <p:spPr>
           <a:xfrm>
             <a:off x="3884760" y="8685360"/>
-            <a:ext cx="2971080" cy="457920"/>
+            <a:ext cx="2970720" cy="457560"/>
           </a:xfrm>
           <a:prstGeom prst="rect">
             <a:avLst/>
@@ -1650,7 +1812,7 @@
       </p:grpSpPr>
       <p:sp>
         <p:nvSpPr>
-          <p:cNvPr id="88" name="PlaceHolder 1"/>
+          <p:cNvPr id="84" name="PlaceHolder 1"/>
           <p:cNvSpPr>
             <a:spLocks noGrp="1"/>
           </p:cNvSpPr>
@@ -1673,7 +1835,7 @@
       </p:sp>
       <p:sp>
         <p:nvSpPr>
-          <p:cNvPr id="89" name="PlaceHolder 2"/>
+          <p:cNvPr id="85" name="PlaceHolder 2"/>
           <p:cNvSpPr>
             <a:spLocks noGrp="1"/>
           </p:cNvSpPr>
@@ -1684,7 +1846,7 @@
         <p:spPr>
           <a:xfrm>
             <a:off x="685800" y="4400640"/>
-            <a:ext cx="5485680" cy="3599640"/>
+            <a:ext cx="5485320" cy="3599280"/>
           </a:xfrm>
           <a:prstGeom prst="rect">
             <a:avLst/>
@@ -1713,18 +1875,18 @@
       </p:sp>
       <p:sp>
         <p:nvSpPr>
-          <p:cNvPr id="90" name="PlaceHolder 3"/>
+          <p:cNvPr id="86" name="PlaceHolder 3"/>
           <p:cNvSpPr>
             <a:spLocks noGrp="1"/>
           </p:cNvSpPr>
           <p:nvPr>
-            <p:ph type="sldNum" idx="20"/>
+            <p:ph type="sldNum" idx="13"/>
           </p:nvPr>
         </p:nvSpPr>
         <p:spPr>
           <a:xfrm>
             <a:off x="3884760" y="8685360"/>
-            <a:ext cx="2971080" cy="457920"/>
+            <a:ext cx="2970720" cy="457560"/>
           </a:xfrm>
           <a:prstGeom prst="rect">
             <a:avLst/>
@@ -1775,7 +1937,7 @@
       </p:grpSpPr>
       <p:sp>
         <p:nvSpPr>
-          <p:cNvPr id="91" name="PlaceHolder 1"/>
+          <p:cNvPr id="87" name="PlaceHolder 1"/>
           <p:cNvSpPr>
             <a:spLocks noGrp="1"/>
           </p:cNvSpPr>
@@ -1798,7 +1960,7 @@
       </p:sp>
       <p:sp>
         <p:nvSpPr>
-          <p:cNvPr id="92" name="PlaceHolder 2"/>
+          <p:cNvPr id="88" name="PlaceHolder 2"/>
           <p:cNvSpPr>
             <a:spLocks noGrp="1"/>
           </p:cNvSpPr>
@@ -1809,7 +1971,7 @@
         <p:spPr>
           <a:xfrm>
             <a:off x="685800" y="4400640"/>
-            <a:ext cx="5485680" cy="3599640"/>
+            <a:ext cx="5485320" cy="3599280"/>
           </a:xfrm>
           <a:prstGeom prst="rect">
             <a:avLst/>
@@ -1838,18 +2000,18 @@
       </p:sp>
       <p:sp>
         <p:nvSpPr>
-          <p:cNvPr id="93" name="PlaceHolder 3"/>
+          <p:cNvPr id="89" name="PlaceHolder 3"/>
           <p:cNvSpPr>
             <a:spLocks noGrp="1"/>
           </p:cNvSpPr>
           <p:nvPr>
-            <p:ph type="sldNum" idx="21"/>
+            <p:ph type="sldNum" idx="14"/>
           </p:nvPr>
         </p:nvSpPr>
         <p:spPr>
           <a:xfrm>
             <a:off x="3884760" y="8685360"/>
-            <a:ext cx="2971080" cy="457920"/>
+            <a:ext cx="2970720" cy="457560"/>
           </a:xfrm>
           <a:prstGeom prst="rect">
             <a:avLst/>
@@ -1900,7 +2062,7 @@
       </p:grpSpPr>
       <p:sp>
         <p:nvSpPr>
-          <p:cNvPr id="94" name="PlaceHolder 1"/>
+          <p:cNvPr id="90" name="PlaceHolder 1"/>
           <p:cNvSpPr>
             <a:spLocks noGrp="1"/>
           </p:cNvSpPr>
@@ -1923,7 +2085,7 @@
       </p:sp>
       <p:sp>
         <p:nvSpPr>
-          <p:cNvPr id="95" name="PlaceHolder 2"/>
+          <p:cNvPr id="91" name="PlaceHolder 2"/>
           <p:cNvSpPr>
             <a:spLocks noGrp="1"/>
           </p:cNvSpPr>
@@ -1934,7 +2096,7 @@
         <p:spPr>
           <a:xfrm>
             <a:off x="685800" y="4400640"/>
-            <a:ext cx="5485680" cy="3599640"/>
+            <a:ext cx="5485320" cy="3599280"/>
           </a:xfrm>
           <a:prstGeom prst="rect">
             <a:avLst/>
@@ -1963,18 +2125,18 @@
       </p:sp>
       <p:sp>
         <p:nvSpPr>
-          <p:cNvPr id="96" name="PlaceHolder 3"/>
+          <p:cNvPr id="92" name="PlaceHolder 3"/>
           <p:cNvSpPr>
             <a:spLocks noGrp="1"/>
           </p:cNvSpPr>
           <p:nvPr>
-            <p:ph type="sldNum" idx="22"/>
+            <p:ph type="sldNum" idx="15"/>
           </p:nvPr>
         </p:nvSpPr>
         <p:spPr>
           <a:xfrm>
             <a:off x="3884760" y="8685360"/>
-            <a:ext cx="2971080" cy="457920"/>
+            <a:ext cx="2970720" cy="457560"/>
           </a:xfrm>
           <a:prstGeom prst="rect">
             <a:avLst/>
@@ -2025,7 +2187,7 @@
       </p:grpSpPr>
       <p:sp>
         <p:nvSpPr>
-          <p:cNvPr id="97" name="PlaceHolder 1"/>
+          <p:cNvPr id="93" name="PlaceHolder 1"/>
           <p:cNvSpPr>
             <a:spLocks noGrp="1"/>
           </p:cNvSpPr>
@@ -2048,7 +2210,7 @@
       </p:sp>
       <p:sp>
         <p:nvSpPr>
-          <p:cNvPr id="98" name="PlaceHolder 2"/>
+          <p:cNvPr id="94" name="PlaceHolder 2"/>
           <p:cNvSpPr>
             <a:spLocks noGrp="1"/>
           </p:cNvSpPr>
@@ -2059,7 +2221,7 @@
         <p:spPr>
           <a:xfrm>
             <a:off x="685800" y="4400640"/>
-            <a:ext cx="5485680" cy="3599640"/>
+            <a:ext cx="5485320" cy="3599280"/>
           </a:xfrm>
           <a:prstGeom prst="rect">
             <a:avLst/>
@@ -2088,18 +2250,18 @@
       </p:sp>
       <p:sp>
         <p:nvSpPr>
-          <p:cNvPr id="99" name="PlaceHolder 3"/>
+          <p:cNvPr id="95" name="PlaceHolder 3"/>
           <p:cNvSpPr>
             <a:spLocks noGrp="1"/>
           </p:cNvSpPr>
           <p:nvPr>
-            <p:ph type="sldNum" idx="23"/>
+            <p:ph type="sldNum" idx="16"/>
           </p:nvPr>
         </p:nvSpPr>
         <p:spPr>
           <a:xfrm>
             <a:off x="3884760" y="8685360"/>
-            <a:ext cx="2971080" cy="457920"/>
+            <a:ext cx="2970720" cy="457560"/>
           </a:xfrm>
           <a:prstGeom prst="rect">
             <a:avLst/>
@@ -2150,7 +2312,7 @@
       </p:grpSpPr>
       <p:sp>
         <p:nvSpPr>
-          <p:cNvPr id="100" name="PlaceHolder 1"/>
+          <p:cNvPr id="96" name="PlaceHolder 1"/>
           <p:cNvSpPr>
             <a:spLocks noGrp="1"/>
           </p:cNvSpPr>
@@ -2173,7 +2335,7 @@
       </p:sp>
       <p:sp>
         <p:nvSpPr>
-          <p:cNvPr id="101" name="PlaceHolder 2"/>
+          <p:cNvPr id="97" name="PlaceHolder 2"/>
           <p:cNvSpPr>
             <a:spLocks noGrp="1"/>
           </p:cNvSpPr>
@@ -2184,7 +2346,7 @@
         <p:spPr>
           <a:xfrm>
             <a:off x="685800" y="4400640"/>
-            <a:ext cx="5485680" cy="3599640"/>
+            <a:ext cx="5485320" cy="3599280"/>
           </a:xfrm>
           <a:prstGeom prst="rect">
             <a:avLst/>
@@ -2213,18 +2375,18 @@
       </p:sp>
       <p:sp>
         <p:nvSpPr>
-          <p:cNvPr id="102" name="PlaceHolder 3"/>
+          <p:cNvPr id="98" name="PlaceHolder 3"/>
           <p:cNvSpPr>
             <a:spLocks noGrp="1"/>
           </p:cNvSpPr>
           <p:nvPr>
-            <p:ph type="sldNum" idx="24"/>
+            <p:ph type="sldNum" idx="17"/>
           </p:nvPr>
         </p:nvSpPr>
         <p:spPr>
           <a:xfrm>
             <a:off x="3884760" y="8685360"/>
-            <a:ext cx="2971080" cy="457920"/>
+            <a:ext cx="2970720" cy="457560"/>
           </a:xfrm>
           <a:prstGeom prst="rect">
             <a:avLst/>
@@ -2275,7 +2437,7 @@
       </p:grpSpPr>
       <p:sp>
         <p:nvSpPr>
-          <p:cNvPr id="103" name="PlaceHolder 1"/>
+          <p:cNvPr id="99" name="PlaceHolder 1"/>
           <p:cNvSpPr>
             <a:spLocks noGrp="1"/>
           </p:cNvSpPr>
@@ -2298,7 +2460,7 @@
       </p:sp>
       <p:sp>
         <p:nvSpPr>
-          <p:cNvPr id="104" name="PlaceHolder 2"/>
+          <p:cNvPr id="100" name="PlaceHolder 2"/>
           <p:cNvSpPr>
             <a:spLocks noGrp="1"/>
           </p:cNvSpPr>
@@ -2309,7 +2471,7 @@
         <p:spPr>
           <a:xfrm>
             <a:off x="685800" y="4400640"/>
-            <a:ext cx="5485680" cy="3599640"/>
+            <a:ext cx="5485320" cy="3599280"/>
           </a:xfrm>
           <a:prstGeom prst="rect">
             <a:avLst/>
@@ -2338,18 +2500,18 @@
       </p:sp>
       <p:sp>
         <p:nvSpPr>
-          <p:cNvPr id="105" name="PlaceHolder 3"/>
+          <p:cNvPr id="101" name="PlaceHolder 3"/>
           <p:cNvSpPr>
             <a:spLocks noGrp="1"/>
           </p:cNvSpPr>
           <p:nvPr>
-            <p:ph type="sldNum" idx="25"/>
+            <p:ph type="sldNum" idx="18"/>
           </p:nvPr>
         </p:nvSpPr>
         <p:spPr>
           <a:xfrm>
             <a:off x="3884760" y="8685360"/>
-            <a:ext cx="2971080" cy="457920"/>
+            <a:ext cx="2970720" cy="457560"/>
           </a:xfrm>
           <a:prstGeom prst="rect">
             <a:avLst/>
@@ -2400,7 +2562,7 @@
       </p:grpSpPr>
       <p:sp>
         <p:nvSpPr>
-          <p:cNvPr id="106" name="PlaceHolder 1"/>
+          <p:cNvPr id="102" name="PlaceHolder 1"/>
           <p:cNvSpPr>
             <a:spLocks noGrp="1"/>
           </p:cNvSpPr>
@@ -2423,7 +2585,7 @@
       </p:sp>
       <p:sp>
         <p:nvSpPr>
-          <p:cNvPr id="107" name="PlaceHolder 2"/>
+          <p:cNvPr id="103" name="PlaceHolder 2"/>
           <p:cNvSpPr>
             <a:spLocks noGrp="1"/>
           </p:cNvSpPr>
@@ -2434,7 +2596,7 @@
         <p:spPr>
           <a:xfrm>
             <a:off x="685800" y="4400640"/>
-            <a:ext cx="5485680" cy="3599640"/>
+            <a:ext cx="5485320" cy="3599280"/>
           </a:xfrm>
           <a:prstGeom prst="rect">
             <a:avLst/>
@@ -2463,18 +2625,18 @@
       </p:sp>
       <p:sp>
         <p:nvSpPr>
-          <p:cNvPr id="108" name="PlaceHolder 3"/>
+          <p:cNvPr id="104" name="PlaceHolder 3"/>
           <p:cNvSpPr>
             <a:spLocks noGrp="1"/>
           </p:cNvSpPr>
           <p:nvPr>
-            <p:ph type="sldNum" idx="26"/>
+            <p:ph type="sldNum" idx="19"/>
           </p:nvPr>
         </p:nvSpPr>
         <p:spPr>
           <a:xfrm>
             <a:off x="3884760" y="8685360"/>
-            <a:ext cx="2971080" cy="457920"/>
+            <a:ext cx="2970720" cy="457560"/>
           </a:xfrm>
           <a:prstGeom prst="rect">
             <a:avLst/>
@@ -2579,7 +2741,7 @@
         <p:txBody>
           <a:bodyPr/>
           <a:p>
-            <a:fld id="{39FF55A7-647F-45CD-9954-A7E31C1B4619}" type="slidenum">
+            <a:fld id="{6B8EC556-FA7E-4B08-B9D9-CC8A5789BBBF}" type="slidenum">
               <a:t>&lt;#&gt;</a:t>
             </a:fld>
           </a:p>
@@ -2670,7 +2832,7 @@
         <p:spPr>
           <a:xfrm>
             <a:off x="0" y="1630080"/>
-            <a:ext cx="12189600" cy="5225400"/>
+            <a:ext cx="12189240" cy="5225040"/>
           </a:xfrm>
           <a:prstGeom prst="rect">
             <a:avLst/>
@@ -2693,7 +2855,7 @@
         <p:spPr>
           <a:xfrm>
             <a:off x="0" y="0"/>
-            <a:ext cx="12189600" cy="6855480"/>
+            <a:ext cx="12189240" cy="6855120"/>
           </a:xfrm>
           <a:prstGeom prst="rect">
             <a:avLst/>
@@ -2712,7 +2874,7 @@
         <p:spPr>
           <a:xfrm>
             <a:off x="633600" y="2893320"/>
-            <a:ext cx="1888200" cy="928800"/>
+            <a:ext cx="1887840" cy="928440"/>
           </a:xfrm>
           <a:prstGeom prst="rect">
             <a:avLst/>
@@ -2803,7 +2965,7 @@
                 </a:solidFill>
                 <a:latin typeface="Arial"/>
               </a:rPr>
-              <a:t>Clic</a:t>
+              <a:t>Click to </a:t>
             </a:r>
             <a:r>
               <a:rPr b="0" lang="en-US" sz="4400" spc="-1" strike="noStrike">
@@ -2812,7 +2974,7 @@
                 </a:solidFill>
                 <a:latin typeface="Arial"/>
               </a:rPr>
-              <a:t>k to </a:t>
+              <a:t>edit the </a:t>
             </a:r>
             <a:r>
               <a:rPr b="0" lang="en-US" sz="4400" spc="-1" strike="noStrike">
@@ -2821,7 +2983,7 @@
                 </a:solidFill>
                 <a:latin typeface="Arial"/>
               </a:rPr>
-              <a:t>edit </a:t>
+              <a:t>title </a:t>
             </a:r>
             <a:r>
               <a:rPr b="0" lang="en-US" sz="4400" spc="-1" strike="noStrike">
@@ -2830,7 +2992,7 @@
                 </a:solidFill>
                 <a:latin typeface="Arial"/>
               </a:rPr>
-              <a:t>the </a:t>
+              <a:t>text </a:t>
             </a:r>
             <a:r>
               <a:rPr b="0" lang="en-US" sz="4400" spc="-1" strike="noStrike">
@@ -2839,34 +3001,7 @@
                 </a:solidFill>
                 <a:latin typeface="Arial"/>
               </a:rPr>
-              <a:t>title </a:t>
-            </a:r>
-            <a:r>
-              <a:rPr b="0" lang="en-US" sz="4400" spc="-1" strike="noStrike">
-                <a:solidFill>
-                  <a:srgbClr val="000000"/>
-                </a:solidFill>
-                <a:latin typeface="Arial"/>
-              </a:rPr>
-              <a:t>text </a:t>
-            </a:r>
-            <a:r>
-              <a:rPr b="0" lang="en-US" sz="4400" spc="-1" strike="noStrike">
-                <a:solidFill>
-                  <a:srgbClr val="000000"/>
-                </a:solidFill>
-                <a:latin typeface="Arial"/>
-              </a:rPr>
-              <a:t>for</a:t>
-            </a:r>
-            <a:r>
-              <a:rPr b="0" lang="en-US" sz="4400" spc="-1" strike="noStrike">
-                <a:solidFill>
-                  <a:srgbClr val="000000"/>
-                </a:solidFill>
-                <a:latin typeface="Arial"/>
-              </a:rPr>
-              <a:t>mat</a:t>
+              <a:t>format</a:t>
             </a:r>
             <a:endParaRPr b="0" lang="en-US" sz="4400" spc="-1" strike="noStrike">
               <a:solidFill>
@@ -3148,7 +3283,7 @@
         <p:spPr>
           <a:xfrm>
             <a:off x="0" y="0"/>
-            <a:ext cx="12189600" cy="6855480"/>
+            <a:ext cx="12189240" cy="6855120"/>
           </a:xfrm>
           <a:prstGeom prst="rect">
             <a:avLst/>
@@ -3167,7 +3302,7 @@
         <p:spPr>
           <a:xfrm>
             <a:off x="10488600" y="6453360"/>
-            <a:ext cx="643320" cy="166680"/>
+            <a:ext cx="642960" cy="166320"/>
           </a:xfrm>
           <a:prstGeom prst="rect">
             <a:avLst/>
@@ -3216,7 +3351,7 @@
         <p:spPr>
           <a:xfrm>
             <a:off x="1981080" y="6344640"/>
-            <a:ext cx="8750160" cy="362520"/>
+            <a:ext cx="8749800" cy="362160"/>
           </a:xfrm>
           <a:prstGeom prst="rect">
             <a:avLst/>
@@ -3288,7 +3423,7 @@
         <p:spPr>
           <a:xfrm>
             <a:off x="10848960" y="6344640"/>
-            <a:ext cx="810720" cy="362520"/>
+            <a:ext cx="810360" cy="362160"/>
           </a:xfrm>
           <a:prstGeom prst="rect">
             <a:avLst/>
@@ -3329,7 +3464,7 @@
                 <a:tab algn="l" pos="0"/>
               </a:tabLst>
             </a:pPr>
-            <a:fld id="{3854AD86-852B-4866-A597-A0290A301EF9}" type="slidenum">
+            <a:fld id="{3733BEAF-59A5-481D-B3AA-BF19C69ECC3D}" type="slidenum">
               <a:rPr b="0" lang="de-DE" sz="1100" spc="-1" strike="noStrike">
                 <a:solidFill>
                   <a:srgbClr val="1d3c91"/>
@@ -3360,7 +3495,7 @@
         <p:spPr>
           <a:xfrm>
             <a:off x="630720" y="6344640"/>
-            <a:ext cx="1237680" cy="362520"/>
+            <a:ext cx="1237320" cy="362160"/>
           </a:xfrm>
           <a:prstGeom prst="rect">
             <a:avLst/>
@@ -3445,7 +3580,7 @@
                 </a:solidFill>
                 <a:latin typeface="Arial"/>
               </a:rPr>
-              <a:t>Clic</a:t>
+              <a:t>Click to </a:t>
             </a:r>
             <a:r>
               <a:rPr b="0" lang="en-US" sz="4400" spc="-1" strike="noStrike">
@@ -3454,7 +3589,7 @@
                 </a:solidFill>
                 <a:latin typeface="Arial"/>
               </a:rPr>
-              <a:t>k to </a:t>
+              <a:t>edit the </a:t>
             </a:r>
             <a:r>
               <a:rPr b="0" lang="en-US" sz="4400" spc="-1" strike="noStrike">
@@ -3463,7 +3598,7 @@
                 </a:solidFill>
                 <a:latin typeface="Arial"/>
               </a:rPr>
-              <a:t>edit </a:t>
+              <a:t>title </a:t>
             </a:r>
             <a:r>
               <a:rPr b="0" lang="en-US" sz="4400" spc="-1" strike="noStrike">
@@ -3472,7 +3607,7 @@
                 </a:solidFill>
                 <a:latin typeface="Arial"/>
               </a:rPr>
-              <a:t>the </a:t>
+              <a:t>text </a:t>
             </a:r>
             <a:r>
               <a:rPr b="0" lang="en-US" sz="4400" spc="-1" strike="noStrike">
@@ -3481,34 +3616,7 @@
                 </a:solidFill>
                 <a:latin typeface="Arial"/>
               </a:rPr>
-              <a:t>title </a:t>
-            </a:r>
-            <a:r>
-              <a:rPr b="0" lang="en-US" sz="4400" spc="-1" strike="noStrike">
-                <a:solidFill>
-                  <a:srgbClr val="000000"/>
-                </a:solidFill>
-                <a:latin typeface="Arial"/>
-              </a:rPr>
-              <a:t>text </a:t>
-            </a:r>
-            <a:r>
-              <a:rPr b="0" lang="en-US" sz="4400" spc="-1" strike="noStrike">
-                <a:solidFill>
-                  <a:srgbClr val="000000"/>
-                </a:solidFill>
-                <a:latin typeface="Arial"/>
-              </a:rPr>
-              <a:t>for</a:t>
-            </a:r>
-            <a:r>
-              <a:rPr b="0" lang="en-US" sz="4400" spc="-1" strike="noStrike">
-                <a:solidFill>
-                  <a:srgbClr val="000000"/>
-                </a:solidFill>
-                <a:latin typeface="Arial"/>
-              </a:rPr>
-              <a:t>mat</a:t>
+              <a:t>format</a:t>
             </a:r>
             <a:endParaRPr b="0" lang="en-US" sz="4400" spc="-1" strike="noStrike">
               <a:solidFill>
@@ -3790,7 +3898,7 @@
         <p:spPr>
           <a:xfrm>
             <a:off x="0" y="1630080"/>
-            <a:ext cx="12189960" cy="5225760"/>
+            <a:ext cx="12189600" cy="5225400"/>
           </a:xfrm>
           <a:prstGeom prst="rect">
             <a:avLst/>
@@ -3813,7 +3921,7 @@
         <p:spPr>
           <a:xfrm>
             <a:off x="0" y="0"/>
-            <a:ext cx="12189960" cy="6855840"/>
+            <a:ext cx="12189600" cy="6855480"/>
           </a:xfrm>
           <a:prstGeom prst="rect">
             <a:avLst/>
@@ -3832,7 +3940,7 @@
         <p:spPr>
           <a:xfrm>
             <a:off x="633600" y="2893320"/>
-            <a:ext cx="1888560" cy="929160"/>
+            <a:ext cx="1888200" cy="928800"/>
           </a:xfrm>
           <a:prstGeom prst="rect">
             <a:avLst/>
@@ -3923,7 +4031,43 @@
                 </a:solidFill>
                 <a:latin typeface="Arial"/>
               </a:rPr>
-              <a:t>Click to edit the title text format</a:t>
+              <a:t>Click to </a:t>
+            </a:r>
+            <a:r>
+              <a:rPr b="0" lang="en-US" sz="4400" spc="-1" strike="noStrike">
+                <a:solidFill>
+                  <a:srgbClr val="000000"/>
+                </a:solidFill>
+                <a:latin typeface="Arial"/>
+              </a:rPr>
+              <a:t>edit the </a:t>
+            </a:r>
+            <a:r>
+              <a:rPr b="0" lang="en-US" sz="4400" spc="-1" strike="noStrike">
+                <a:solidFill>
+                  <a:srgbClr val="000000"/>
+                </a:solidFill>
+                <a:latin typeface="Arial"/>
+              </a:rPr>
+              <a:t>title </a:t>
+            </a:r>
+            <a:r>
+              <a:rPr b="0" lang="en-US" sz="4400" spc="-1" strike="noStrike">
+                <a:solidFill>
+                  <a:srgbClr val="000000"/>
+                </a:solidFill>
+                <a:latin typeface="Arial"/>
+              </a:rPr>
+              <a:t>text </a:t>
+            </a:r>
+            <a:r>
+              <a:rPr b="0" lang="en-US" sz="4400" spc="-1" strike="noStrike">
+                <a:solidFill>
+                  <a:srgbClr val="000000"/>
+                </a:solidFill>
+                <a:latin typeface="Arial"/>
+              </a:rPr>
+              <a:t>format</a:t>
             </a:r>
             <a:endParaRPr b="0" lang="en-US" sz="4400" spc="-1" strike="noStrike">
               <a:solidFill>
@@ -4198,7 +4342,7 @@
         <p:spPr>
           <a:xfrm>
             <a:off x="623160" y="4437000"/>
-            <a:ext cx="10936080" cy="541080"/>
+            <a:ext cx="10935720" cy="540720"/>
           </a:xfrm>
           <a:prstGeom prst="rect">
             <a:avLst/>
@@ -4229,7 +4373,79 @@
                 </a:solidFill>
                 <a:latin typeface="Overpass"/>
               </a:rPr>
-              <a:t>Transfer optimizations on partitioned communication</a:t>
+              <a:t>Transfe</a:t>
+            </a:r>
+            <a:r>
+              <a:rPr b="1" lang="de-DE" sz="3300" spc="-1" strike="noStrike">
+                <a:solidFill>
+                  <a:srgbClr val="ffffff"/>
+                </a:solidFill>
+                <a:latin typeface="Overpass"/>
+              </a:rPr>
+              <a:t>r </a:t>
+            </a:r>
+            <a:r>
+              <a:rPr b="1" lang="de-DE" sz="3300" spc="-1" strike="noStrike">
+                <a:solidFill>
+                  <a:srgbClr val="ffffff"/>
+                </a:solidFill>
+                <a:latin typeface="Overpass"/>
+              </a:rPr>
+              <a:t>optimiz</a:t>
+            </a:r>
+            <a:r>
+              <a:rPr b="1" lang="de-DE" sz="3300" spc="-1" strike="noStrike">
+                <a:solidFill>
+                  <a:srgbClr val="ffffff"/>
+                </a:solidFill>
+                <a:latin typeface="Overpass"/>
+              </a:rPr>
+              <a:t>ations </a:t>
+            </a:r>
+            <a:r>
+              <a:rPr b="1" lang="de-DE" sz="3300" spc="-1" strike="noStrike">
+                <a:solidFill>
+                  <a:srgbClr val="ffffff"/>
+                </a:solidFill>
+                <a:latin typeface="Overpass"/>
+              </a:rPr>
+              <a:t>on </a:t>
+            </a:r>
+            <a:r>
+              <a:rPr b="1" lang="de-DE" sz="3300" spc="-1" strike="noStrike">
+                <a:solidFill>
+                  <a:srgbClr val="ffffff"/>
+                </a:solidFill>
+                <a:latin typeface="Overpass"/>
+              </a:rPr>
+              <a:t>partitio</a:t>
+            </a:r>
+            <a:r>
+              <a:rPr b="1" lang="de-DE" sz="3300" spc="-1" strike="noStrike">
+                <a:solidFill>
+                  <a:srgbClr val="ffffff"/>
+                </a:solidFill>
+                <a:latin typeface="Overpass"/>
+              </a:rPr>
+              <a:t>ned </a:t>
+            </a:r>
+            <a:r>
+              <a:rPr b="1" lang="de-DE" sz="3300" spc="-1" strike="noStrike">
+                <a:solidFill>
+                  <a:srgbClr val="ffffff"/>
+                </a:solidFill>
+                <a:latin typeface="Overpass"/>
+              </a:rPr>
+              <a:t>commu</a:t>
+            </a:r>
+            <a:r>
+              <a:rPr b="1" lang="de-DE" sz="3300" spc="-1" strike="noStrike">
+                <a:solidFill>
+                  <a:srgbClr val="ffffff"/>
+                </a:solidFill>
+                <a:latin typeface="Overpass"/>
+              </a:rPr>
+              <a:t>nication</a:t>
             </a:r>
             <a:endParaRPr b="0" lang="en-US" sz="3300" spc="-1" strike="noStrike">
               <a:solidFill>
@@ -4249,7 +4465,7 @@
         <p:spPr>
           <a:xfrm>
             <a:off x="623520" y="5337360"/>
-            <a:ext cx="10513080" cy="541080"/>
+            <a:ext cx="10512720" cy="540720"/>
           </a:xfrm>
           <a:prstGeom prst="rect">
             <a:avLst/>
@@ -4326,14 +4542,14 @@
       </p:grpSpPr>
       <p:sp>
         <p:nvSpPr>
-          <p:cNvPr id="53" name=""/>
+          <p:cNvPr id="51" name=""/>
           <p:cNvSpPr/>
           <p:nvPr/>
         </p:nvSpPr>
         <p:spPr>
           <a:xfrm>
             <a:off x="685800" y="1371600"/>
-            <a:ext cx="10742760" cy="4570560"/>
+            <a:ext cx="10742400" cy="4570200"/>
           </a:xfrm>
           <a:prstGeom prst="rect">
             <a:avLst/>
@@ -4371,14 +4587,14 @@
       </p:sp>
       <p:sp>
         <p:nvSpPr>
-          <p:cNvPr id="54" name="PlaceHolder 4"/>
+          <p:cNvPr id="52" name="PlaceHolder 4"/>
           <p:cNvSpPr/>
           <p:nvPr/>
         </p:nvSpPr>
         <p:spPr>
           <a:xfrm>
             <a:off x="624240" y="479880"/>
-            <a:ext cx="8067600" cy="609480"/>
+            <a:ext cx="8067240" cy="609120"/>
           </a:xfrm>
           <a:prstGeom prst="rect">
             <a:avLst/>
@@ -4426,81 +4642,9 @@
           </a:p>
         </p:txBody>
       </p:sp>
-      <p:sp>
-        <p:nvSpPr>
-          <p:cNvPr id="55" name="PlaceHolder 1"/>
-          <p:cNvSpPr>
-            <a:spLocks noGrp="1"/>
-          </p:cNvSpPr>
-          <p:nvPr>
-            <p:ph type="ftr" idx="12"/>
-          </p:nvPr>
-        </p:nvSpPr>
-        <p:spPr>
-          <a:xfrm>
-            <a:off x="1981080" y="6344640"/>
-            <a:ext cx="8750160" cy="362520"/>
-          </a:xfrm>
-          <a:prstGeom prst="rect">
-            <a:avLst/>
-          </a:prstGeom>
-          <a:noFill/>
-          <a:ln w="0">
-            <a:noFill/>
-          </a:ln>
-        </p:spPr>
-        <p:txBody>
-          <a:bodyPr lIns="90000" rIns="90000" tIns="45000" bIns="45000" anchor="ctr">
-            <a:noAutofit/>
-          </a:bodyPr>
-          <a:lstStyle>
-            <a:lvl1pPr indent="0" algn="ctr">
-              <a:lnSpc>
-                <a:spcPct val="100000"/>
-              </a:lnSpc>
-              <a:buNone/>
-              <a:tabLst>
-                <a:tab algn="l" pos="0"/>
-              </a:tabLst>
-              <a:defRPr b="1" lang="de-DE" sz="1100" spc="-1" strike="noStrike">
-                <a:solidFill>
-                  <a:srgbClr val="1d3c91"/>
-                </a:solidFill>
-                <a:latin typeface="Overpass"/>
-              </a:defRPr>
-            </a:lvl1pPr>
-          </a:lstStyle>
-          <a:p>
-            <a:pPr indent="0" algn="ctr">
-              <a:lnSpc>
-                <a:spcPct val="100000"/>
-              </a:lnSpc>
-              <a:buNone/>
-              <a:tabLst>
-                <a:tab algn="l" pos="0"/>
-              </a:tabLst>
-            </a:pPr>
-            <a:r>
-              <a:rPr b="1" lang="de-DE" sz="1100" spc="-1" strike="noStrike">
-                <a:solidFill>
-                  <a:srgbClr val="1d3c91"/>
-                </a:solidFill>
-                <a:latin typeface="Overpass"/>
-              </a:rPr>
-              <a:t>IPTW 2023 - 5./6. October 2023</a:t>
-            </a:r>
-            <a:endParaRPr b="0" lang="en-US" sz="1100" spc="-1" strike="noStrike">
-              <a:solidFill>
-                <a:srgbClr val="000000"/>
-              </a:solidFill>
-              <a:latin typeface="Times New Roman"/>
-            </a:endParaRPr>
-          </a:p>
-        </p:txBody>
-      </p:sp>
       <p:pic>
         <p:nvPicPr>
-          <p:cNvPr id="56" name="" descr=""/>
+          <p:cNvPr id="53" name="" descr=""/>
           <p:cNvPicPr/>
           <p:nvPr/>
         </p:nvPicPr>
@@ -4511,7 +4655,7 @@
         <p:spPr>
           <a:xfrm>
             <a:off x="3182400" y="1237680"/>
-            <a:ext cx="5851440" cy="4388400"/>
+            <a:ext cx="5851080" cy="4388040"/>
           </a:xfrm>
           <a:prstGeom prst="rect">
             <a:avLst/>
@@ -4553,14 +4697,14 @@
       </p:grpSpPr>
       <p:sp>
         <p:nvSpPr>
-          <p:cNvPr id="57" name=""/>
+          <p:cNvPr id="54" name=""/>
           <p:cNvSpPr/>
           <p:nvPr/>
         </p:nvSpPr>
         <p:spPr>
           <a:xfrm>
             <a:off x="685800" y="1371600"/>
-            <a:ext cx="10742760" cy="4570560"/>
+            <a:ext cx="10742400" cy="4570200"/>
           </a:xfrm>
           <a:prstGeom prst="rect">
             <a:avLst/>
@@ -4598,14 +4742,14 @@
       </p:sp>
       <p:sp>
         <p:nvSpPr>
-          <p:cNvPr id="58" name="PlaceHolder 4"/>
+          <p:cNvPr id="55" name="PlaceHolder 4"/>
           <p:cNvSpPr/>
           <p:nvPr/>
         </p:nvSpPr>
         <p:spPr>
           <a:xfrm>
             <a:off x="624240" y="479880"/>
-            <a:ext cx="8067600" cy="609480"/>
+            <a:ext cx="8067240" cy="609120"/>
           </a:xfrm>
           <a:prstGeom prst="rect">
             <a:avLst/>
@@ -4653,81 +4797,9 @@
           </a:p>
         </p:txBody>
       </p:sp>
-      <p:sp>
-        <p:nvSpPr>
-          <p:cNvPr id="59" name="PlaceHolder 1"/>
-          <p:cNvSpPr>
-            <a:spLocks noGrp="1"/>
-          </p:cNvSpPr>
-          <p:nvPr>
-            <p:ph type="ftr" idx="13"/>
-          </p:nvPr>
-        </p:nvSpPr>
-        <p:spPr>
-          <a:xfrm>
-            <a:off x="1981080" y="6344640"/>
-            <a:ext cx="8750160" cy="362520"/>
-          </a:xfrm>
-          <a:prstGeom prst="rect">
-            <a:avLst/>
-          </a:prstGeom>
-          <a:noFill/>
-          <a:ln w="0">
-            <a:noFill/>
-          </a:ln>
-        </p:spPr>
-        <p:txBody>
-          <a:bodyPr lIns="90000" rIns="90000" tIns="45000" bIns="45000" anchor="ctr">
-            <a:noAutofit/>
-          </a:bodyPr>
-          <a:lstStyle>
-            <a:lvl1pPr indent="0" algn="ctr">
-              <a:lnSpc>
-                <a:spcPct val="100000"/>
-              </a:lnSpc>
-              <a:buNone/>
-              <a:tabLst>
-                <a:tab algn="l" pos="0"/>
-              </a:tabLst>
-              <a:defRPr b="1" lang="de-DE" sz="1100" spc="-1" strike="noStrike">
-                <a:solidFill>
-                  <a:srgbClr val="1d3c91"/>
-                </a:solidFill>
-                <a:latin typeface="Overpass"/>
-              </a:defRPr>
-            </a:lvl1pPr>
-          </a:lstStyle>
-          <a:p>
-            <a:pPr indent="0" algn="ctr">
-              <a:lnSpc>
-                <a:spcPct val="100000"/>
-              </a:lnSpc>
-              <a:buNone/>
-              <a:tabLst>
-                <a:tab algn="l" pos="0"/>
-              </a:tabLst>
-            </a:pPr>
-            <a:r>
-              <a:rPr b="1" lang="de-DE" sz="1100" spc="-1" strike="noStrike">
-                <a:solidFill>
-                  <a:srgbClr val="1d3c91"/>
-                </a:solidFill>
-                <a:latin typeface="Overpass"/>
-              </a:rPr>
-              <a:t>IPTW 2023 - 5./6. October 2023</a:t>
-            </a:r>
-            <a:endParaRPr b="0" lang="en-US" sz="1100" spc="-1" strike="noStrike">
-              <a:solidFill>
-                <a:srgbClr val="000000"/>
-              </a:solidFill>
-              <a:latin typeface="Times New Roman"/>
-            </a:endParaRPr>
-          </a:p>
-        </p:txBody>
-      </p:sp>
       <p:pic>
         <p:nvPicPr>
-          <p:cNvPr id="60" name="" descr=""/>
+          <p:cNvPr id="56" name="" descr=""/>
           <p:cNvPicPr/>
           <p:nvPr/>
         </p:nvPicPr>
@@ -4738,7 +4810,7 @@
         <p:spPr>
           <a:xfrm>
             <a:off x="3182400" y="1237680"/>
-            <a:ext cx="5851800" cy="4388760"/>
+            <a:ext cx="5851440" cy="4388400"/>
           </a:xfrm>
           <a:prstGeom prst="rect">
             <a:avLst/>
@@ -4780,14 +4852,14 @@
       </p:grpSpPr>
       <p:sp>
         <p:nvSpPr>
-          <p:cNvPr id="61" name=""/>
+          <p:cNvPr id="57" name=""/>
           <p:cNvSpPr/>
           <p:nvPr/>
         </p:nvSpPr>
         <p:spPr>
           <a:xfrm>
             <a:off x="685800" y="1371600"/>
-            <a:ext cx="10742760" cy="4570560"/>
+            <a:ext cx="10742400" cy="4570200"/>
           </a:xfrm>
           <a:prstGeom prst="rect">
             <a:avLst/>
@@ -4825,14 +4897,14 @@
       </p:sp>
       <p:sp>
         <p:nvSpPr>
-          <p:cNvPr id="62" name="PlaceHolder 4"/>
+          <p:cNvPr id="58" name="PlaceHolder 4"/>
           <p:cNvSpPr/>
           <p:nvPr/>
         </p:nvSpPr>
         <p:spPr>
           <a:xfrm>
             <a:off x="624240" y="479880"/>
-            <a:ext cx="8067600" cy="609480"/>
+            <a:ext cx="8067240" cy="609120"/>
           </a:xfrm>
           <a:prstGeom prst="rect">
             <a:avLst/>
@@ -4869,92 +4941,20 @@
                 <a:latin typeface="Overpass"/>
                 <a:ea typeface="DejaVu Sans"/>
               </a:rPr>
-              <a:t>OpenMPI: Pready</a:t>
+              <a:t>OpenMPI: Psend</a:t>
             </a:r>
             <a:endParaRPr b="0" lang="en-US" sz="2400" spc="-1" strike="noStrike">
               <a:solidFill>
                 <a:srgbClr val="000000"/>
               </a:solidFill>
               <a:latin typeface="Arial"/>
-            </a:endParaRPr>
-          </a:p>
-        </p:txBody>
-      </p:sp>
-      <p:sp>
-        <p:nvSpPr>
-          <p:cNvPr id="63" name="PlaceHolder 1"/>
-          <p:cNvSpPr>
-            <a:spLocks noGrp="1"/>
-          </p:cNvSpPr>
-          <p:nvPr>
-            <p:ph type="ftr" idx="14"/>
-          </p:nvPr>
-        </p:nvSpPr>
-        <p:spPr>
-          <a:xfrm>
-            <a:off x="1981080" y="6344640"/>
-            <a:ext cx="8750160" cy="362520"/>
-          </a:xfrm>
-          <a:prstGeom prst="rect">
-            <a:avLst/>
-          </a:prstGeom>
-          <a:noFill/>
-          <a:ln w="0">
-            <a:noFill/>
-          </a:ln>
-        </p:spPr>
-        <p:txBody>
-          <a:bodyPr lIns="90000" rIns="90000" tIns="45000" bIns="45000" anchor="ctr">
-            <a:noAutofit/>
-          </a:bodyPr>
-          <a:lstStyle>
-            <a:lvl1pPr indent="0" algn="ctr">
-              <a:lnSpc>
-                <a:spcPct val="100000"/>
-              </a:lnSpc>
-              <a:buNone/>
-              <a:tabLst>
-                <a:tab algn="l" pos="0"/>
-              </a:tabLst>
-              <a:defRPr b="1" lang="de-DE" sz="1100" spc="-1" strike="noStrike">
-                <a:solidFill>
-                  <a:srgbClr val="1d3c91"/>
-                </a:solidFill>
-                <a:latin typeface="Overpass"/>
-              </a:defRPr>
-            </a:lvl1pPr>
-          </a:lstStyle>
-          <a:p>
-            <a:pPr indent="0" algn="ctr">
-              <a:lnSpc>
-                <a:spcPct val="100000"/>
-              </a:lnSpc>
-              <a:buNone/>
-              <a:tabLst>
-                <a:tab algn="l" pos="0"/>
-              </a:tabLst>
-            </a:pPr>
-            <a:r>
-              <a:rPr b="1" lang="de-DE" sz="1100" spc="-1" strike="noStrike">
-                <a:solidFill>
-                  <a:srgbClr val="1d3c91"/>
-                </a:solidFill>
-                <a:latin typeface="Overpass"/>
-              </a:rPr>
-              <a:t>IPTW 2023 - 5./6. October 2023</a:t>
-            </a:r>
-            <a:endParaRPr b="0" lang="en-US" sz="1100" spc="-1" strike="noStrike">
-              <a:solidFill>
-                <a:srgbClr val="000000"/>
-              </a:solidFill>
-              <a:latin typeface="Times New Roman"/>
             </a:endParaRPr>
           </a:p>
         </p:txBody>
       </p:sp>
       <p:pic>
         <p:nvPicPr>
-          <p:cNvPr id="64" name="" descr=""/>
+          <p:cNvPr id="59" name="" descr=""/>
           <p:cNvPicPr/>
           <p:nvPr/>
         </p:nvPicPr>
@@ -4965,7 +4965,7 @@
         <p:spPr>
           <a:xfrm>
             <a:off x="3182400" y="1237680"/>
-            <a:ext cx="5851800" cy="4388760"/>
+            <a:ext cx="5851440" cy="4388400"/>
           </a:xfrm>
           <a:prstGeom prst="rect">
             <a:avLst/>
@@ -5007,14 +5007,14 @@
       </p:grpSpPr>
       <p:sp>
         <p:nvSpPr>
-          <p:cNvPr id="65" name=""/>
+          <p:cNvPr id="60" name=""/>
           <p:cNvSpPr/>
           <p:nvPr/>
         </p:nvSpPr>
         <p:spPr>
           <a:xfrm>
             <a:off x="685800" y="1371600"/>
-            <a:ext cx="10742760" cy="4570560"/>
+            <a:ext cx="10742400" cy="4570200"/>
           </a:xfrm>
           <a:prstGeom prst="rect">
             <a:avLst/>
@@ -5052,14 +5052,14 @@
       </p:sp>
       <p:sp>
         <p:nvSpPr>
-          <p:cNvPr id="66" name="PlaceHolder 4"/>
+          <p:cNvPr id="61" name="PlaceHolder 4"/>
           <p:cNvSpPr/>
           <p:nvPr/>
         </p:nvSpPr>
         <p:spPr>
           <a:xfrm>
             <a:off x="624240" y="479880"/>
-            <a:ext cx="8067600" cy="609480"/>
+            <a:ext cx="8067240" cy="609120"/>
           </a:xfrm>
           <a:prstGeom prst="rect">
             <a:avLst/>
@@ -5096,92 +5096,20 @@
                 <a:latin typeface="Overpass"/>
                 <a:ea typeface="DejaVu Sans"/>
               </a:rPr>
-              <a:t>OpenMPI: MPI_Win per partition</a:t>
+              <a:t>OpenMPI: Psend vs Isend</a:t>
             </a:r>
             <a:endParaRPr b="0" lang="en-US" sz="2400" spc="-1" strike="noStrike">
               <a:solidFill>
                 <a:srgbClr val="000000"/>
               </a:solidFill>
               <a:latin typeface="Arial"/>
-            </a:endParaRPr>
-          </a:p>
-        </p:txBody>
-      </p:sp>
-      <p:sp>
-        <p:nvSpPr>
-          <p:cNvPr id="67" name="PlaceHolder 1"/>
-          <p:cNvSpPr>
-            <a:spLocks noGrp="1"/>
-          </p:cNvSpPr>
-          <p:nvPr>
-            <p:ph type="ftr" idx="15"/>
-          </p:nvPr>
-        </p:nvSpPr>
-        <p:spPr>
-          <a:xfrm>
-            <a:off x="1981080" y="6344640"/>
-            <a:ext cx="8750160" cy="362520"/>
-          </a:xfrm>
-          <a:prstGeom prst="rect">
-            <a:avLst/>
-          </a:prstGeom>
-          <a:noFill/>
-          <a:ln w="0">
-            <a:noFill/>
-          </a:ln>
-        </p:spPr>
-        <p:txBody>
-          <a:bodyPr lIns="90000" rIns="90000" tIns="45000" bIns="45000" anchor="ctr">
-            <a:noAutofit/>
-          </a:bodyPr>
-          <a:lstStyle>
-            <a:lvl1pPr indent="0" algn="ctr">
-              <a:lnSpc>
-                <a:spcPct val="100000"/>
-              </a:lnSpc>
-              <a:buNone/>
-              <a:tabLst>
-                <a:tab algn="l" pos="0"/>
-              </a:tabLst>
-              <a:defRPr b="1" lang="de-DE" sz="1100" spc="-1" strike="noStrike">
-                <a:solidFill>
-                  <a:srgbClr val="1d3c91"/>
-                </a:solidFill>
-                <a:latin typeface="Overpass"/>
-              </a:defRPr>
-            </a:lvl1pPr>
-          </a:lstStyle>
-          <a:p>
-            <a:pPr indent="0" algn="ctr">
-              <a:lnSpc>
-                <a:spcPct val="100000"/>
-              </a:lnSpc>
-              <a:buNone/>
-              <a:tabLst>
-                <a:tab algn="l" pos="0"/>
-              </a:tabLst>
-            </a:pPr>
-            <a:r>
-              <a:rPr b="1" lang="de-DE" sz="1100" spc="-1" strike="noStrike">
-                <a:solidFill>
-                  <a:srgbClr val="1d3c91"/>
-                </a:solidFill>
-                <a:latin typeface="Overpass"/>
-              </a:rPr>
-              <a:t>IPTW 2023 - 5./6. October 2023</a:t>
-            </a:r>
-            <a:endParaRPr b="0" lang="en-US" sz="1100" spc="-1" strike="noStrike">
-              <a:solidFill>
-                <a:srgbClr val="000000"/>
-              </a:solidFill>
-              <a:latin typeface="Times New Roman"/>
             </a:endParaRPr>
           </a:p>
         </p:txBody>
       </p:sp>
       <p:pic>
         <p:nvPicPr>
-          <p:cNvPr id="68" name="" descr=""/>
+          <p:cNvPr id="62" name="" descr=""/>
           <p:cNvPicPr/>
           <p:nvPr/>
         </p:nvPicPr>
@@ -5234,14 +5162,14 @@
       </p:grpSpPr>
       <p:sp>
         <p:nvSpPr>
-          <p:cNvPr id="69" name=""/>
+          <p:cNvPr id="63" name=""/>
           <p:cNvSpPr/>
           <p:nvPr/>
         </p:nvSpPr>
         <p:spPr>
           <a:xfrm>
             <a:off x="685800" y="1371600"/>
-            <a:ext cx="10742760" cy="4570560"/>
+            <a:ext cx="10742400" cy="4570200"/>
           </a:xfrm>
           <a:prstGeom prst="rect">
             <a:avLst/>
@@ -5279,14 +5207,14 @@
       </p:sp>
       <p:sp>
         <p:nvSpPr>
-          <p:cNvPr id="70" name="PlaceHolder 4"/>
+          <p:cNvPr id="64" name="PlaceHolder 4"/>
           <p:cNvSpPr/>
           <p:nvPr/>
         </p:nvSpPr>
         <p:spPr>
           <a:xfrm>
             <a:off x="624240" y="479880"/>
-            <a:ext cx="8572320" cy="609480"/>
+            <a:ext cx="8067240" cy="609120"/>
           </a:xfrm>
           <a:prstGeom prst="rect">
             <a:avLst/>
@@ -5323,92 +5251,20 @@
                 <a:latin typeface="Overpass"/>
                 <a:ea typeface="DejaVu Sans"/>
               </a:rPr>
-              <a:t>OpenMPI: MPI_Win for entire buffer</a:t>
+              <a:t>OpenMPI: MPI_Win per partition</a:t>
             </a:r>
             <a:endParaRPr b="0" lang="en-US" sz="2400" spc="-1" strike="noStrike">
               <a:solidFill>
                 <a:srgbClr val="000000"/>
               </a:solidFill>
               <a:latin typeface="Arial"/>
-            </a:endParaRPr>
-          </a:p>
-        </p:txBody>
-      </p:sp>
-      <p:sp>
-        <p:nvSpPr>
-          <p:cNvPr id="71" name="PlaceHolder 1"/>
-          <p:cNvSpPr>
-            <a:spLocks noGrp="1"/>
-          </p:cNvSpPr>
-          <p:nvPr>
-            <p:ph type="ftr" idx="16"/>
-          </p:nvPr>
-        </p:nvSpPr>
-        <p:spPr>
-          <a:xfrm>
-            <a:off x="1981080" y="6344640"/>
-            <a:ext cx="8750160" cy="362520"/>
-          </a:xfrm>
-          <a:prstGeom prst="rect">
-            <a:avLst/>
-          </a:prstGeom>
-          <a:noFill/>
-          <a:ln w="0">
-            <a:noFill/>
-          </a:ln>
-        </p:spPr>
-        <p:txBody>
-          <a:bodyPr lIns="90000" rIns="90000" tIns="45000" bIns="45000" anchor="ctr">
-            <a:noAutofit/>
-          </a:bodyPr>
-          <a:lstStyle>
-            <a:lvl1pPr indent="0" algn="ctr">
-              <a:lnSpc>
-                <a:spcPct val="100000"/>
-              </a:lnSpc>
-              <a:buNone/>
-              <a:tabLst>
-                <a:tab algn="l" pos="0"/>
-              </a:tabLst>
-              <a:defRPr b="1" lang="de-DE" sz="1100" spc="-1" strike="noStrike">
-                <a:solidFill>
-                  <a:srgbClr val="1d3c91"/>
-                </a:solidFill>
-                <a:latin typeface="Overpass"/>
-              </a:defRPr>
-            </a:lvl1pPr>
-          </a:lstStyle>
-          <a:p>
-            <a:pPr indent="0" algn="ctr">
-              <a:lnSpc>
-                <a:spcPct val="100000"/>
-              </a:lnSpc>
-              <a:buNone/>
-              <a:tabLst>
-                <a:tab algn="l" pos="0"/>
-              </a:tabLst>
-            </a:pPr>
-            <a:r>
-              <a:rPr b="1" lang="de-DE" sz="1100" spc="-1" strike="noStrike">
-                <a:solidFill>
-                  <a:srgbClr val="1d3c91"/>
-                </a:solidFill>
-                <a:latin typeface="Overpass"/>
-              </a:rPr>
-              <a:t>IPTW 2023 - 5./6. October 2023</a:t>
-            </a:r>
-            <a:endParaRPr b="0" lang="en-US" sz="1100" spc="-1" strike="noStrike">
-              <a:solidFill>
-                <a:srgbClr val="000000"/>
-              </a:solidFill>
-              <a:latin typeface="Times New Roman"/>
             </a:endParaRPr>
           </a:p>
         </p:txBody>
       </p:sp>
       <p:pic>
         <p:nvPicPr>
-          <p:cNvPr id="72" name="" descr=""/>
+          <p:cNvPr id="65" name="" descr=""/>
           <p:cNvPicPr/>
           <p:nvPr/>
         </p:nvPicPr>
@@ -5419,7 +5275,7 @@
         <p:spPr>
           <a:xfrm>
             <a:off x="3182400" y="1237680"/>
-            <a:ext cx="5851800" cy="4388760"/>
+            <a:ext cx="5851440" cy="4388400"/>
           </a:xfrm>
           <a:prstGeom prst="rect">
             <a:avLst/>
@@ -5461,14 +5317,14 @@
       </p:grpSpPr>
       <p:sp>
         <p:nvSpPr>
-          <p:cNvPr id="73" name=""/>
+          <p:cNvPr id="66" name=""/>
           <p:cNvSpPr/>
           <p:nvPr/>
         </p:nvSpPr>
         <p:spPr>
           <a:xfrm>
             <a:off x="685800" y="1371600"/>
-            <a:ext cx="10742760" cy="4570560"/>
+            <a:ext cx="10742400" cy="4570200"/>
           </a:xfrm>
           <a:prstGeom prst="rect">
             <a:avLst/>
@@ -5506,14 +5362,14 @@
       </p:sp>
       <p:sp>
         <p:nvSpPr>
-          <p:cNvPr id="74" name="PlaceHolder 4"/>
+          <p:cNvPr id="67" name="PlaceHolder 4"/>
           <p:cNvSpPr/>
           <p:nvPr/>
         </p:nvSpPr>
         <p:spPr>
           <a:xfrm>
             <a:off x="624240" y="479880"/>
-            <a:ext cx="8067600" cy="609480"/>
+            <a:ext cx="8571960" cy="609120"/>
           </a:xfrm>
           <a:prstGeom prst="rect">
             <a:avLst/>
@@ -5550,7 +5406,7 @@
                 <a:latin typeface="Overpass"/>
                 <a:ea typeface="DejaVu Sans"/>
               </a:rPr>
-              <a:t>Results: Psend on MPICH-4.1.2</a:t>
+              <a:t>OpenMPI: MPI_Win for entire buffer</a:t>
             </a:r>
             <a:endParaRPr b="0" lang="en-US" sz="2400" spc="-1" strike="noStrike">
               <a:solidFill>
@@ -5563,7 +5419,7 @@
       </p:sp>
       <p:pic>
         <p:nvPicPr>
-          <p:cNvPr id="75" name="" descr=""/>
+          <p:cNvPr id="68" name="" descr=""/>
           <p:cNvPicPr/>
           <p:nvPr/>
         </p:nvPicPr>
@@ -5573,8 +5429,8 @@
         </p:blipFill>
         <p:spPr>
           <a:xfrm>
-            <a:off x="3085200" y="1263240"/>
-            <a:ext cx="6020640" cy="4697640"/>
+            <a:off x="3182400" y="1237680"/>
+            <a:ext cx="5851440" cy="4388400"/>
           </a:xfrm>
           <a:prstGeom prst="rect">
             <a:avLst/>
@@ -5616,18 +5472,14 @@
       </p:grpSpPr>
       <p:sp>
         <p:nvSpPr>
-          <p:cNvPr id="76" name="PlaceHolder 1"/>
-          <p:cNvSpPr>
-            <a:spLocks noGrp="1"/>
-          </p:cNvSpPr>
-          <p:nvPr>
-            <p:ph type="title"/>
-          </p:nvPr>
-        </p:nvSpPr>
-        <p:spPr>
-          <a:xfrm>
-            <a:off x="623880" y="479880"/>
-            <a:ext cx="8067600" cy="609480"/>
+          <p:cNvPr id="69" name=""/>
+          <p:cNvSpPr/>
+          <p:nvPr/>
+        </p:nvSpPr>
+        <p:spPr>
+          <a:xfrm>
+            <a:off x="685800" y="1371600"/>
+            <a:ext cx="10742400" cy="4570200"/>
           </a:xfrm>
           <a:prstGeom prst="rect">
             <a:avLst/>
@@ -5637,16 +5489,66 @@
             <a:noFill/>
           </a:ln>
         </p:spPr>
+        <p:style>
+          <a:lnRef idx="0"/>
+          <a:fillRef idx="0"/>
+          <a:effectRef idx="0"/>
+          <a:fontRef idx="minor"/>
+        </p:style>
+        <p:txBody>
+          <a:bodyPr lIns="90000" rIns="90000" tIns="45000" bIns="45000" anchor="t">
+            <a:noAutofit/>
+          </a:bodyPr>
+          <a:p>
+            <a:pPr>
+              <a:lnSpc>
+                <a:spcPct val="100000"/>
+              </a:lnSpc>
+            </a:pPr>
+            <a:endParaRPr b="0" lang="en-US" sz="1800" spc="-1" strike="noStrike">
+              <a:solidFill>
+                <a:srgbClr val="000000"/>
+              </a:solidFill>
+              <a:latin typeface="Arial"/>
+              <a:ea typeface="DejaVu Sans"/>
+            </a:endParaRPr>
+          </a:p>
+        </p:txBody>
+      </p:sp>
+      <p:sp>
+        <p:nvSpPr>
+          <p:cNvPr id="70" name="PlaceHolder 4"/>
+          <p:cNvSpPr/>
+          <p:nvPr/>
+        </p:nvSpPr>
+        <p:spPr>
+          <a:xfrm>
+            <a:off x="624240" y="479880"/>
+            <a:ext cx="8067240" cy="609120"/>
+          </a:xfrm>
+          <a:prstGeom prst="rect">
+            <a:avLst/>
+          </a:prstGeom>
+          <a:noFill/>
+          <a:ln w="0">
+            <a:noFill/>
+          </a:ln>
+        </p:spPr>
+        <p:style>
+          <a:lnRef idx="0"/>
+          <a:fillRef idx="0"/>
+          <a:effectRef idx="0"/>
+          <a:fontRef idx="minor"/>
+        </p:style>
         <p:txBody>
           <a:bodyPr lIns="0" rIns="0" tIns="0" bIns="0" anchor="b">
             <a:noAutofit/>
           </a:bodyPr>
           <a:p>
-            <a:pPr indent="0">
+            <a:pPr>
               <a:lnSpc>
                 <a:spcPct val="90000"/>
               </a:lnSpc>
-              <a:buNone/>
               <a:tabLst>
                 <a:tab algn="l" pos="0"/>
               </a:tabLst>
@@ -5657,12 +5559,10 @@
                   <a:srgbClr val="1d3d91"/>
                 </a:solidFill>
                 <a:latin typeface="Overpass"/>
-              </a:rPr>
-              <a:t>Program Day 2:</a:t>
-            </a:r>
-            <a:br>
-              <a:rPr sz="2400"/>
-            </a:br>
+                <a:ea typeface="DejaVu Sans"/>
+              </a:rPr>
+              <a:t>Results: Psend on MPICH-4.1.2</a:t>
+            </a:r>
             <a:endParaRPr b="0" lang="en-US" sz="2400" spc="-1" strike="noStrike">
               <a:solidFill>
                 <a:srgbClr val="000000"/>
@@ -5674,7 +5574,7 @@
       </p:sp>
       <p:pic>
         <p:nvPicPr>
-          <p:cNvPr id="77" name="" descr=""/>
+          <p:cNvPr id="71" name="" descr=""/>
           <p:cNvPicPr/>
           <p:nvPr/>
         </p:nvPicPr>
@@ -5684,8 +5584,8 @@
         </p:blipFill>
         <p:spPr>
           <a:xfrm>
-            <a:off x="900000" y="848160"/>
-            <a:ext cx="6117840" cy="5369040"/>
+            <a:off x="3085200" y="1263240"/>
+            <a:ext cx="6020280" cy="4697280"/>
           </a:xfrm>
           <a:prstGeom prst="rect">
             <a:avLst/>
@@ -5695,78 +5595,6 @@
           </a:ln>
         </p:spPr>
       </p:pic>
-      <p:sp>
-        <p:nvSpPr>
-          <p:cNvPr id="78" name="PlaceHolder 2"/>
-          <p:cNvSpPr>
-            <a:spLocks noGrp="1"/>
-          </p:cNvSpPr>
-          <p:nvPr>
-            <p:ph type="ftr" idx="17"/>
-          </p:nvPr>
-        </p:nvSpPr>
-        <p:spPr>
-          <a:xfrm>
-            <a:off x="1981080" y="6344640"/>
-            <a:ext cx="8750160" cy="362520"/>
-          </a:xfrm>
-          <a:prstGeom prst="rect">
-            <a:avLst/>
-          </a:prstGeom>
-          <a:noFill/>
-          <a:ln w="0">
-            <a:noFill/>
-          </a:ln>
-        </p:spPr>
-        <p:txBody>
-          <a:bodyPr lIns="90000" rIns="90000" tIns="45000" bIns="45000" anchor="ctr">
-            <a:noAutofit/>
-          </a:bodyPr>
-          <a:lstStyle>
-            <a:lvl1pPr indent="0" algn="ctr">
-              <a:lnSpc>
-                <a:spcPct val="100000"/>
-              </a:lnSpc>
-              <a:buNone/>
-              <a:tabLst>
-                <a:tab algn="l" pos="0"/>
-              </a:tabLst>
-              <a:defRPr b="1" lang="de-DE" sz="1100" spc="-1" strike="noStrike">
-                <a:solidFill>
-                  <a:srgbClr val="1d3c91"/>
-                </a:solidFill>
-                <a:latin typeface="Overpass"/>
-              </a:defRPr>
-            </a:lvl1pPr>
-          </a:lstStyle>
-          <a:p>
-            <a:pPr indent="0" algn="ctr">
-              <a:lnSpc>
-                <a:spcPct val="100000"/>
-              </a:lnSpc>
-              <a:buNone/>
-              <a:tabLst>
-                <a:tab algn="l" pos="0"/>
-              </a:tabLst>
-            </a:pPr>
-            <a:r>
-              <a:rPr b="1" lang="de-DE" sz="1100" spc="-1" strike="noStrike">
-                <a:solidFill>
-                  <a:srgbClr val="1d3c91"/>
-                </a:solidFill>
-                <a:latin typeface="Overpass"/>
-              </a:rPr>
-              <a:t>IPTW 2023 - 5./6. October 2023</a:t>
-            </a:r>
-            <a:endParaRPr b="0" lang="en-US" sz="1100" spc="-1" strike="noStrike">
-              <a:solidFill>
-                <a:srgbClr val="000000"/>
-              </a:solidFill>
-              <a:latin typeface="Times New Roman"/>
-            </a:endParaRPr>
-          </a:p>
-        </p:txBody>
-      </p:sp>
     </p:spTree>
   </p:cSld>
   <mc:AlternateContent>
@@ -5799,7 +5627,7 @@
       </p:grpSpPr>
       <p:sp>
         <p:nvSpPr>
-          <p:cNvPr id="79" name="PlaceHolder 1"/>
+          <p:cNvPr id="72" name="PlaceHolder 1"/>
           <p:cNvSpPr>
             <a:spLocks noGrp="1"/>
           </p:cNvSpPr>
@@ -5809,8 +5637,8 @@
         </p:nvSpPr>
         <p:spPr>
           <a:xfrm>
-            <a:off x="623160" y="4437000"/>
-            <a:ext cx="10513440" cy="541440"/>
+            <a:off x="623880" y="479880"/>
+            <a:ext cx="8067240" cy="609120"/>
           </a:xfrm>
           <a:prstGeom prst="rect">
             <a:avLst/>
@@ -5821,7 +5649,7 @@
           </a:ln>
         </p:spPr>
         <p:txBody>
-          <a:bodyPr lIns="0" rIns="0" tIns="0" bIns="0" anchor="t">
+          <a:bodyPr lIns="0" rIns="0" tIns="0" bIns="0" anchor="b">
             <a:noAutofit/>
           </a:bodyPr>
           <a:p>
@@ -5835,15 +5663,27 @@
               </a:tabLst>
             </a:pPr>
             <a:r>
-              <a:rPr b="1" lang="de-DE" sz="3300" spc="-1" strike="noStrike">
-                <a:solidFill>
-                  <a:srgbClr val="ffffff"/>
+              <a:rPr b="1" lang="de-DE" sz="2400" spc="-1" strike="noStrike">
+                <a:solidFill>
+                  <a:srgbClr val="1d3d91"/>
                 </a:solidFill>
                 <a:latin typeface="Overpass"/>
               </a:rPr>
-              <a:t>IPTW 2023</a:t>
-            </a:r>
-            <a:endParaRPr b="0" lang="en-US" sz="3300" spc="-1" strike="noStrike">
+              <a:t>Program </a:t>
+            </a:r>
+            <a:r>
+              <a:rPr b="1" lang="de-DE" sz="2400" spc="-1" strike="noStrike">
+                <a:solidFill>
+                  <a:srgbClr val="1d3d91"/>
+                </a:solidFill>
+                <a:latin typeface="Overpass"/>
+              </a:rPr>
+              <a:t>Day 2:</a:t>
+            </a:r>
+            <a:br>
+              <a:rPr sz="2400"/>
+            </a:br>
+            <a:endParaRPr b="0" lang="en-US" sz="2400" spc="-1" strike="noStrike">
               <a:solidFill>
                 <a:srgbClr val="000000"/>
               </a:solidFill>
@@ -5852,20 +5692,154 @@
           </a:p>
         </p:txBody>
       </p:sp>
-      <p:sp>
-        <p:nvSpPr>
-          <p:cNvPr id="80" name="PlaceHolder 2"/>
+      <p:pic>
+        <p:nvPicPr>
+          <p:cNvPr id="73" name="" descr=""/>
+          <p:cNvPicPr/>
+          <p:nvPr/>
+        </p:nvPicPr>
+        <p:blipFill>
+          <a:blip r:embed="rId1"/>
+          <a:stretch/>
+        </p:blipFill>
+        <p:spPr>
+          <a:xfrm>
+            <a:off x="900000" y="848160"/>
+            <a:ext cx="6117480" cy="5368680"/>
+          </a:xfrm>
+          <a:prstGeom prst="rect">
+            <a:avLst/>
+          </a:prstGeom>
+          <a:ln w="0">
+            <a:noFill/>
+          </a:ln>
+        </p:spPr>
+      </p:pic>
+      <p:sp>
+        <p:nvSpPr>
+          <p:cNvPr id="74" name="PlaceHolder 2"/>
           <p:cNvSpPr>
             <a:spLocks noGrp="1"/>
           </p:cNvSpPr>
           <p:nvPr>
-            <p:ph/>
+            <p:ph type="ftr" idx="10"/>
           </p:nvPr>
         </p:nvSpPr>
         <p:spPr>
           <a:xfrm>
-            <a:off x="623880" y="5419800"/>
-            <a:ext cx="7487640" cy="861840"/>
+            <a:off x="1981080" y="6344640"/>
+            <a:ext cx="8749800" cy="362160"/>
+          </a:xfrm>
+          <a:prstGeom prst="rect">
+            <a:avLst/>
+          </a:prstGeom>
+          <a:noFill/>
+          <a:ln w="0">
+            <a:noFill/>
+          </a:ln>
+        </p:spPr>
+        <p:txBody>
+          <a:bodyPr lIns="90000" rIns="90000" tIns="45000" bIns="45000" anchor="ctr">
+            <a:noAutofit/>
+          </a:bodyPr>
+          <a:lstStyle>
+            <a:lvl1pPr indent="0" algn="ctr">
+              <a:lnSpc>
+                <a:spcPct val="100000"/>
+              </a:lnSpc>
+              <a:buNone/>
+              <a:tabLst>
+                <a:tab algn="l" pos="0"/>
+              </a:tabLst>
+              <a:defRPr b="1" lang="de-DE" sz="1100" spc="-1" strike="noStrike">
+                <a:solidFill>
+                  <a:srgbClr val="1d3c91"/>
+                </a:solidFill>
+                <a:latin typeface="Overpass"/>
+              </a:defRPr>
+            </a:lvl1pPr>
+          </a:lstStyle>
+          <a:p>
+            <a:pPr indent="0" algn="ctr">
+              <a:lnSpc>
+                <a:spcPct val="100000"/>
+              </a:lnSpc>
+              <a:buNone/>
+              <a:tabLst>
+                <a:tab algn="l" pos="0"/>
+              </a:tabLst>
+            </a:pPr>
+            <a:r>
+              <a:rPr b="1" lang="de-DE" sz="1100" spc="-1" strike="noStrike">
+                <a:solidFill>
+                  <a:srgbClr val="1d3c91"/>
+                </a:solidFill>
+                <a:latin typeface="Overpass"/>
+              </a:rPr>
+              <a:t>IPTW 2023 - 5./6. </a:t>
+            </a:r>
+            <a:r>
+              <a:rPr b="1" lang="de-DE" sz="1100" spc="-1" strike="noStrike">
+                <a:solidFill>
+                  <a:srgbClr val="1d3c91"/>
+                </a:solidFill>
+                <a:latin typeface="Overpass"/>
+              </a:rPr>
+              <a:t>October 2023</a:t>
+            </a:r>
+            <a:endParaRPr b="0" lang="en-US" sz="1100" spc="-1" strike="noStrike">
+              <a:solidFill>
+                <a:srgbClr val="000000"/>
+              </a:solidFill>
+              <a:latin typeface="Times New Roman"/>
+            </a:endParaRPr>
+          </a:p>
+        </p:txBody>
+      </p:sp>
+    </p:spTree>
+  </p:cSld>
+  <mc:AlternateContent>
+    <mc:Choice Requires="p14">
+      <p:transition spd="slow" p14:dur="2000"/>
+    </mc:Choice>
+    <mc:Fallback>
+      <p:transition spd="slow"/>
+    </mc:Fallback>
+  </mc:AlternateContent>
+</p:sld>
+</file>
+
+<file path=ppt/slides/slide18.xml><?xml version="1.0" encoding="utf-8"?>
+<p:sld xmlns:a="http://schemas.openxmlformats.org/drawingml/2006/main" xmlns:p="http://schemas.openxmlformats.org/presentationml/2006/main" xmlns:r="http://schemas.openxmlformats.org/officeDocument/2006/relationships" xmlns:p14="http://schemas.microsoft.com/office/powerpoint/2010/main" xmlns:p15="http://schemas.microsoft.com/office/powerpoint/2012/main" xmlns:mc="http://schemas.openxmlformats.org/markup-compatibility/2006">
+  <p:cSld>
+    <p:spTree>
+      <p:nvGrpSpPr>
+        <p:cNvPr id="1" name=""/>
+        <p:cNvGrpSpPr/>
+        <p:nvPr/>
+      </p:nvGrpSpPr>
+      <p:grpSpPr>
+        <a:xfrm>
+          <a:off x="0" y="0"/>
+          <a:ext cx="0" cy="0"/>
+          <a:chOff x="0" y="0"/>
+          <a:chExt cx="0" cy="0"/>
+        </a:xfrm>
+      </p:grpSpPr>
+      <p:sp>
+        <p:nvSpPr>
+          <p:cNvPr id="75" name="PlaceHolder 1"/>
+          <p:cNvSpPr>
+            <a:spLocks noGrp="1"/>
+          </p:cNvSpPr>
+          <p:nvPr>
+            <p:ph type="title"/>
+          </p:nvPr>
+        </p:nvSpPr>
+        <p:spPr>
+          <a:xfrm>
+            <a:off x="623160" y="4437000"/>
+            <a:ext cx="10513080" cy="541080"/>
           </a:xfrm>
           <a:prstGeom prst="rect">
             <a:avLst/>
@@ -5890,6 +5864,70 @@
               </a:tabLst>
             </a:pPr>
             <a:r>
+              <a:rPr b="1" lang="de-DE" sz="3300" spc="-1" strike="noStrike">
+                <a:solidFill>
+                  <a:srgbClr val="ffffff"/>
+                </a:solidFill>
+                <a:latin typeface="Overpass"/>
+              </a:rPr>
+              <a:t>IPTW </a:t>
+            </a:r>
+            <a:r>
+              <a:rPr b="1" lang="de-DE" sz="3300" spc="-1" strike="noStrike">
+                <a:solidFill>
+                  <a:srgbClr val="ffffff"/>
+                </a:solidFill>
+                <a:latin typeface="Overpass"/>
+              </a:rPr>
+              <a:t>2023</a:t>
+            </a:r>
+            <a:endParaRPr b="0" lang="en-US" sz="3300" spc="-1" strike="noStrike">
+              <a:solidFill>
+                <a:srgbClr val="000000"/>
+              </a:solidFill>
+              <a:latin typeface="Arial"/>
+            </a:endParaRPr>
+          </a:p>
+        </p:txBody>
+      </p:sp>
+      <p:sp>
+        <p:nvSpPr>
+          <p:cNvPr id="76" name="PlaceHolder 2"/>
+          <p:cNvSpPr>
+            <a:spLocks noGrp="1"/>
+          </p:cNvSpPr>
+          <p:nvPr>
+            <p:ph/>
+          </p:nvPr>
+        </p:nvSpPr>
+        <p:spPr>
+          <a:xfrm>
+            <a:off x="623880" y="5419800"/>
+            <a:ext cx="7487280" cy="861480"/>
+          </a:xfrm>
+          <a:prstGeom prst="rect">
+            <a:avLst/>
+          </a:prstGeom>
+          <a:noFill/>
+          <a:ln w="0">
+            <a:noFill/>
+          </a:ln>
+        </p:spPr>
+        <p:txBody>
+          <a:bodyPr lIns="0" rIns="0" tIns="0" bIns="0" anchor="t">
+            <a:noAutofit/>
+          </a:bodyPr>
+          <a:p>
+            <a:pPr indent="0">
+              <a:lnSpc>
+                <a:spcPct val="90000"/>
+              </a:lnSpc>
+              <a:buNone/>
+              <a:tabLst>
+                <a:tab algn="l" pos="0"/>
+              </a:tabLst>
+            </a:pPr>
+            <a:r>
               <a:rPr b="1" lang="de-DE" sz="1800" spc="-1" strike="noStrike">
                 <a:solidFill>
                   <a:srgbClr val="ffffff"/>
@@ -5909,14 +5947,14 @@
       </p:sp>
       <p:sp>
         <p:nvSpPr>
-          <p:cNvPr id="81" name="Titel 1"/>
+          <p:cNvPr id="77" name="Titel 1"/>
           <p:cNvSpPr/>
           <p:nvPr/>
         </p:nvSpPr>
         <p:spPr>
           <a:xfrm>
             <a:off x="3600000" y="3164760"/>
-            <a:ext cx="7738200" cy="541440"/>
+            <a:ext cx="7737840" cy="541080"/>
           </a:xfrm>
           <a:prstGeom prst="rect">
             <a:avLst/>
@@ -6004,7 +6042,7 @@
         <p:spPr>
           <a:xfrm>
             <a:off x="623880" y="479880"/>
-            <a:ext cx="8067600" cy="609480"/>
+            <a:ext cx="8067240" cy="609120"/>
           </a:xfrm>
           <a:prstGeom prst="rect">
             <a:avLst/>
@@ -6035,7 +6073,52 @@
                 </a:solidFill>
                 <a:latin typeface="Overpass"/>
               </a:rPr>
-              <a:t>MPI-4.1: Nonblocking Communication Operations</a:t>
+              <a:t>MPI-4.1: </a:t>
+            </a:r>
+            <a:r>
+              <a:rPr b="1" lang="de-DE" sz="2400" spc="-1" strike="noStrike">
+                <a:solidFill>
+                  <a:srgbClr val="1d3d91"/>
+                </a:solidFill>
+                <a:latin typeface="Overpass"/>
+              </a:rPr>
+              <a:t>Nonblocki</a:t>
+            </a:r>
+            <a:r>
+              <a:rPr b="1" lang="de-DE" sz="2400" spc="-1" strike="noStrike">
+                <a:solidFill>
+                  <a:srgbClr val="1d3d91"/>
+                </a:solidFill>
+                <a:latin typeface="Overpass"/>
+              </a:rPr>
+              <a:t>ng </a:t>
+            </a:r>
+            <a:r>
+              <a:rPr b="1" lang="de-DE" sz="2400" spc="-1" strike="noStrike">
+                <a:solidFill>
+                  <a:srgbClr val="1d3d91"/>
+                </a:solidFill>
+                <a:latin typeface="Overpass"/>
+              </a:rPr>
+              <a:t>Communic</a:t>
+            </a:r>
+            <a:r>
+              <a:rPr b="1" lang="de-DE" sz="2400" spc="-1" strike="noStrike">
+                <a:solidFill>
+                  <a:srgbClr val="1d3d91"/>
+                </a:solidFill>
+                <a:latin typeface="Overpass"/>
+              </a:rPr>
+              <a:t>ation </a:t>
+            </a:r>
+            <a:r>
+              <a:rPr b="1" lang="de-DE" sz="2400" spc="-1" strike="noStrike">
+                <a:solidFill>
+                  <a:srgbClr val="1d3d91"/>
+                </a:solidFill>
+                <a:latin typeface="Overpass"/>
+              </a:rPr>
+              <a:t>Operations</a:t>
             </a:r>
             <a:endParaRPr b="0" lang="en-US" sz="2400" spc="-1" strike="noStrike">
               <a:solidFill>
@@ -6055,7 +6138,7 @@
         <p:spPr>
           <a:xfrm>
             <a:off x="685800" y="1371600"/>
-            <a:ext cx="10742760" cy="4570560"/>
+            <a:ext cx="10742400" cy="4570200"/>
           </a:xfrm>
           <a:prstGeom prst="rect">
             <a:avLst/>
@@ -6228,7 +6311,7 @@
         <p:spPr>
           <a:xfrm>
             <a:off x="1981080" y="6344640"/>
-            <a:ext cx="8750160" cy="362520"/>
+            <a:ext cx="8749800" cy="362160"/>
           </a:xfrm>
           <a:prstGeom prst="rect">
             <a:avLst/>
@@ -6298,7 +6381,7 @@
         <p:spPr>
           <a:xfrm>
             <a:off x="623880" y="479880"/>
-            <a:ext cx="8067600" cy="609480"/>
+            <a:ext cx="8067240" cy="609120"/>
           </a:xfrm>
           <a:prstGeom prst="rect">
             <a:avLst/>
@@ -6329,7 +6412,52 @@
                 </a:solidFill>
                 <a:latin typeface="Overpass"/>
               </a:rPr>
-              <a:t>MPI-4.1: Nonblocking Communication Operations</a:t>
+              <a:t>MPI-4.1: </a:t>
+            </a:r>
+            <a:r>
+              <a:rPr b="1" lang="de-DE" sz="2400" spc="-1" strike="noStrike">
+                <a:solidFill>
+                  <a:srgbClr val="1d3d91"/>
+                </a:solidFill>
+                <a:latin typeface="Overpass"/>
+              </a:rPr>
+              <a:t>Nonblocki</a:t>
+            </a:r>
+            <a:r>
+              <a:rPr b="1" lang="de-DE" sz="2400" spc="-1" strike="noStrike">
+                <a:solidFill>
+                  <a:srgbClr val="1d3d91"/>
+                </a:solidFill>
+                <a:latin typeface="Overpass"/>
+              </a:rPr>
+              <a:t>ng </a:t>
+            </a:r>
+            <a:r>
+              <a:rPr b="1" lang="de-DE" sz="2400" spc="-1" strike="noStrike">
+                <a:solidFill>
+                  <a:srgbClr val="1d3d91"/>
+                </a:solidFill>
+                <a:latin typeface="Overpass"/>
+              </a:rPr>
+              <a:t>Communic</a:t>
+            </a:r>
+            <a:r>
+              <a:rPr b="1" lang="de-DE" sz="2400" spc="-1" strike="noStrike">
+                <a:solidFill>
+                  <a:srgbClr val="1d3d91"/>
+                </a:solidFill>
+                <a:latin typeface="Overpass"/>
+              </a:rPr>
+              <a:t>ation </a:t>
+            </a:r>
+            <a:r>
+              <a:rPr b="1" lang="de-DE" sz="2400" spc="-1" strike="noStrike">
+                <a:solidFill>
+                  <a:srgbClr val="1d3d91"/>
+                </a:solidFill>
+                <a:latin typeface="Overpass"/>
+              </a:rPr>
+              <a:t>Operations</a:t>
             </a:r>
             <a:endParaRPr b="0" lang="en-US" sz="2400" spc="-1" strike="noStrike">
               <a:solidFill>
@@ -6349,7 +6477,7 @@
         <p:spPr>
           <a:xfrm>
             <a:off x="685800" y="1371600"/>
-            <a:ext cx="10742760" cy="4570560"/>
+            <a:ext cx="10742400" cy="4570200"/>
           </a:xfrm>
           <a:prstGeom prst="rect">
             <a:avLst/>
@@ -6439,30 +6567,7 @@
                 <a:latin typeface="Arial"/>
                 <a:ea typeface="DejaVu Sans"/>
               </a:rPr>
-              <a:t>The nonovertaking requirement of Section 3.5 is extended to nonblocking communication, with this definition of order being</a:t>
-            </a:r>
-            <a:endParaRPr b="0" lang="en-US" sz="1800" spc="-1" strike="noStrike">
-              <a:solidFill>
-                <a:srgbClr val="000000"/>
-              </a:solidFill>
-              <a:latin typeface="Arial"/>
-            </a:endParaRPr>
-          </a:p>
-          <a:p>
-            <a:pPr>
-              <a:lnSpc>
-                <a:spcPct val="100000"/>
-              </a:lnSpc>
-            </a:pPr>
-            <a:r>
-              <a:rPr b="0" lang="en-US" sz="1800" spc="-1" strike="noStrike">
-                <a:solidFill>
-                  <a:srgbClr val="000000"/>
-                </a:solidFill>
-                <a:latin typeface="Arial"/>
-                <a:ea typeface="DejaVu Sans"/>
-              </a:rPr>
-              <a:t>used.</a:t>
+              <a:t>The nonovertaking requirement of Section 3.5 is extended to nonblocking communication, with this definition of order being used.</a:t>
             </a:r>
             <a:endParaRPr b="0" lang="en-US" sz="1800" spc="-1" strike="noStrike">
               <a:solidFill>
@@ -6486,7 +6591,7 @@
         <p:spPr>
           <a:xfrm>
             <a:off x="1981080" y="6344640"/>
-            <a:ext cx="8750160" cy="362520"/>
+            <a:ext cx="8749800" cy="362160"/>
           </a:xfrm>
           <a:prstGeom prst="rect">
             <a:avLst/>
@@ -6556,7 +6661,7 @@
         <p:spPr>
           <a:xfrm>
             <a:off x="623880" y="479880"/>
-            <a:ext cx="8067600" cy="609480"/>
+            <a:ext cx="8067240" cy="609120"/>
           </a:xfrm>
           <a:prstGeom prst="rect">
             <a:avLst/>
@@ -6587,7 +6692,43 @@
                 </a:solidFill>
                 <a:latin typeface="Overpass"/>
               </a:rPr>
-              <a:t>MPI-4.1: Partitioned Communication</a:t>
+              <a:t>MPI-4.1: </a:t>
+            </a:r>
+            <a:r>
+              <a:rPr b="1" lang="de-DE" sz="2400" spc="-1" strike="noStrike">
+                <a:solidFill>
+                  <a:srgbClr val="1d3d91"/>
+                </a:solidFill>
+                <a:latin typeface="Overpass"/>
+              </a:rPr>
+              <a:t>Partitione</a:t>
+            </a:r>
+            <a:r>
+              <a:rPr b="1" lang="de-DE" sz="2400" spc="-1" strike="noStrike">
+                <a:solidFill>
+                  <a:srgbClr val="1d3d91"/>
+                </a:solidFill>
+                <a:latin typeface="Overpass"/>
+              </a:rPr>
+              <a:t>d </a:t>
+            </a:r>
+            <a:r>
+              <a:rPr b="1" lang="de-DE" sz="2400" spc="-1" strike="noStrike">
+                <a:solidFill>
+                  <a:srgbClr val="1d3d91"/>
+                </a:solidFill>
+                <a:latin typeface="Overpass"/>
+              </a:rPr>
+              <a:t>Communic</a:t>
+            </a:r>
+            <a:r>
+              <a:rPr b="1" lang="de-DE" sz="2400" spc="-1" strike="noStrike">
+                <a:solidFill>
+                  <a:srgbClr val="1d3d91"/>
+                </a:solidFill>
+                <a:latin typeface="Overpass"/>
+              </a:rPr>
+              <a:t>ation</a:t>
             </a:r>
             <a:endParaRPr b="0" lang="en-US" sz="2400" spc="-1" strike="noStrike">
               <a:solidFill>
@@ -6607,7 +6748,7 @@
         <p:spPr>
           <a:xfrm>
             <a:off x="685800" y="1371600"/>
-            <a:ext cx="10742760" cy="4570560"/>
+            <a:ext cx="10742400" cy="4570200"/>
           </a:xfrm>
           <a:prstGeom prst="rect">
             <a:avLst/>
@@ -6823,7 +6964,7 @@
         <p:spPr>
           <a:xfrm>
             <a:off x="1981080" y="6344640"/>
-            <a:ext cx="8750160" cy="362520"/>
+            <a:ext cx="8749800" cy="362160"/>
           </a:xfrm>
           <a:prstGeom prst="rect">
             <a:avLst/>
@@ -6871,7 +7012,16 @@
                 </a:solidFill>
                 <a:latin typeface="Overpass"/>
               </a:rPr>
-              <a:t>IPTW 2023 - 5./6. October 2023</a:t>
+              <a:t>IPTW 2023 - 5./6. </a:t>
+            </a:r>
+            <a:r>
+              <a:rPr b="1" lang="de-DE" sz="1100" spc="-1" strike="noStrike">
+                <a:solidFill>
+                  <a:srgbClr val="1d3c91"/>
+                </a:solidFill>
+                <a:latin typeface="Overpass"/>
+              </a:rPr>
+              <a:t>October 2023</a:t>
             </a:r>
             <a:endParaRPr b="0" lang="en-US" sz="1100" spc="-1" strike="noStrike">
               <a:solidFill>
@@ -6921,7 +7071,7 @@
         <p:spPr>
           <a:xfrm>
             <a:off x="685800" y="1371600"/>
-            <a:ext cx="10742760" cy="4570560"/>
+            <a:ext cx="10742400" cy="4570200"/>
           </a:xfrm>
           <a:prstGeom prst="rect">
             <a:avLst/>
@@ -7105,7 +7255,7 @@
         <p:spPr>
           <a:xfrm>
             <a:off x="624240" y="479880"/>
-            <a:ext cx="8067600" cy="609480"/>
+            <a:ext cx="8067240" cy="609120"/>
           </a:xfrm>
           <a:prstGeom prst="rect">
             <a:avLst/>
@@ -7192,7 +7342,7 @@
         <p:spPr>
           <a:xfrm>
             <a:off x="685800" y="1371600"/>
-            <a:ext cx="10742760" cy="4570560"/>
+            <a:ext cx="10742400" cy="4570200"/>
           </a:xfrm>
           <a:prstGeom prst="rect">
             <a:avLst/>
@@ -7259,7 +7409,7 @@
                 <a:latin typeface="Arial"/>
                 <a:ea typeface="DejaVu Sans"/>
               </a:rPr>
-              <a:t>No overlap</a:t>
+              <a:t>No early-bird-gain or overlap with computation</a:t>
             </a:r>
             <a:endParaRPr b="0" lang="en-US" sz="1800" spc="-1" strike="noStrike">
               <a:solidFill>
@@ -7292,7 +7442,7 @@
         <p:spPr>
           <a:xfrm>
             <a:off x="624240" y="479880"/>
-            <a:ext cx="8067600" cy="609480"/>
+            <a:ext cx="8067240" cy="609120"/>
           </a:xfrm>
           <a:prstGeom prst="rect">
             <a:avLst/>
@@ -7349,7 +7499,7 @@
         <p:spPr>
           <a:xfrm>
             <a:off x="1230840" y="1757160"/>
-            <a:ext cx="7443720" cy="243360"/>
+            <a:ext cx="7443360" cy="243000"/>
           </a:xfrm>
           <a:prstGeom prst="rect">
             <a:avLst/>
@@ -7424,7 +7574,7 @@
         <p:spPr>
           <a:xfrm>
             <a:off x="685800" y="1371600"/>
-            <a:ext cx="10742760" cy="4570560"/>
+            <a:ext cx="10742400" cy="4570200"/>
           </a:xfrm>
           <a:prstGeom prst="rect">
             <a:avLst/>
@@ -7469,7 +7619,7 @@
         <p:spPr>
           <a:xfrm>
             <a:off x="624240" y="479880"/>
-            <a:ext cx="8067600" cy="609480"/>
+            <a:ext cx="8067240" cy="609120"/>
           </a:xfrm>
           <a:prstGeom prst="rect">
             <a:avLst/>
@@ -7519,86 +7669,14 @@
       </p:sp>
       <p:sp>
         <p:nvSpPr>
-          <p:cNvPr id="41" name="PlaceHolder 1"/>
-          <p:cNvSpPr>
-            <a:spLocks noGrp="1"/>
-          </p:cNvSpPr>
-          <p:nvPr>
-            <p:ph type="ftr" idx="10"/>
-          </p:nvPr>
-        </p:nvSpPr>
-        <p:spPr>
-          <a:xfrm>
-            <a:off x="1981080" y="6344640"/>
-            <a:ext cx="8750160" cy="362520"/>
-          </a:xfrm>
-          <a:prstGeom prst="rect">
-            <a:avLst/>
-          </a:prstGeom>
-          <a:noFill/>
-          <a:ln w="0">
-            <a:noFill/>
-          </a:ln>
-        </p:spPr>
-        <p:txBody>
-          <a:bodyPr lIns="90000" rIns="90000" tIns="45000" bIns="45000" anchor="ctr">
-            <a:noAutofit/>
-          </a:bodyPr>
-          <a:lstStyle>
-            <a:lvl1pPr indent="0" algn="ctr">
-              <a:lnSpc>
-                <a:spcPct val="100000"/>
-              </a:lnSpc>
-              <a:buNone/>
-              <a:tabLst>
-                <a:tab algn="l" pos="0"/>
-              </a:tabLst>
-              <a:defRPr b="1" lang="de-DE" sz="1100" spc="-1" strike="noStrike">
-                <a:solidFill>
-                  <a:srgbClr val="1d3c91"/>
-                </a:solidFill>
-                <a:latin typeface="Overpass"/>
-              </a:defRPr>
-            </a:lvl1pPr>
-          </a:lstStyle>
-          <a:p>
-            <a:pPr indent="0" algn="ctr">
-              <a:lnSpc>
-                <a:spcPct val="100000"/>
-              </a:lnSpc>
-              <a:buNone/>
-              <a:tabLst>
-                <a:tab algn="l" pos="0"/>
-              </a:tabLst>
-            </a:pPr>
-            <a:r>
-              <a:rPr b="1" lang="de-DE" sz="1100" spc="-1" strike="noStrike">
-                <a:solidFill>
-                  <a:srgbClr val="1d3c91"/>
-                </a:solidFill>
-                <a:latin typeface="Overpass"/>
-              </a:rPr>
-              <a:t>IPTW 2023 - 5./6. October 2023</a:t>
-            </a:r>
-            <a:endParaRPr b="0" lang="en-US" sz="1100" spc="-1" strike="noStrike">
-              <a:solidFill>
-                <a:srgbClr val="000000"/>
-              </a:solidFill>
-              <a:latin typeface="Times New Roman"/>
-            </a:endParaRPr>
-          </a:p>
-        </p:txBody>
-      </p:sp>
-      <p:sp>
-        <p:nvSpPr>
-          <p:cNvPr id="42" name=""/>
+          <p:cNvPr id="41" name=""/>
           <p:cNvSpPr/>
           <p:nvPr/>
         </p:nvSpPr>
         <p:spPr>
           <a:xfrm>
             <a:off x="1230840" y="1757160"/>
-            <a:ext cx="7443720" cy="243360"/>
+            <a:ext cx="7443360" cy="243000"/>
           </a:xfrm>
           <a:prstGeom prst="rect">
             <a:avLst/>
@@ -7636,14 +7714,14 @@
       </p:sp>
       <p:sp>
         <p:nvSpPr>
-          <p:cNvPr id="43" name=""/>
+          <p:cNvPr id="42" name=""/>
           <p:cNvSpPr/>
           <p:nvPr/>
         </p:nvSpPr>
         <p:spPr>
           <a:xfrm>
             <a:off x="838080" y="1523880"/>
-            <a:ext cx="10742760" cy="4570560"/>
+            <a:ext cx="10742400" cy="4570200"/>
           </a:xfrm>
           <a:prstGeom prst="rect">
             <a:avLst/>
@@ -7822,14 +7900,14 @@
       </p:grpSpPr>
       <p:sp>
         <p:nvSpPr>
-          <p:cNvPr id="44" name=""/>
+          <p:cNvPr id="43" name=""/>
           <p:cNvSpPr/>
           <p:nvPr/>
         </p:nvSpPr>
         <p:spPr>
           <a:xfrm>
             <a:off x="685800" y="1371600"/>
-            <a:ext cx="10742760" cy="4570560"/>
+            <a:ext cx="10742400" cy="4570200"/>
           </a:xfrm>
           <a:prstGeom prst="rect">
             <a:avLst/>
@@ -7867,14 +7945,14 @@
       </p:sp>
       <p:sp>
         <p:nvSpPr>
-          <p:cNvPr id="45" name="PlaceHolder 3"/>
+          <p:cNvPr id="44" name="PlaceHolder 3"/>
           <p:cNvSpPr/>
           <p:nvPr/>
         </p:nvSpPr>
         <p:spPr>
           <a:xfrm>
             <a:off x="624240" y="479880"/>
-            <a:ext cx="8067600" cy="609480"/>
+            <a:ext cx="8067240" cy="609120"/>
           </a:xfrm>
           <a:prstGeom prst="rect">
             <a:avLst/>
@@ -7924,14 +8002,14 @@
       </p:sp>
       <p:sp>
         <p:nvSpPr>
-          <p:cNvPr id="46" name=""/>
+          <p:cNvPr id="45" name=""/>
           <p:cNvSpPr/>
           <p:nvPr/>
         </p:nvSpPr>
         <p:spPr>
           <a:xfrm>
             <a:off x="1230840" y="1757160"/>
-            <a:ext cx="7443720" cy="243360"/>
+            <a:ext cx="7443360" cy="243000"/>
           </a:xfrm>
           <a:prstGeom prst="rect">
             <a:avLst/>
@@ -7969,14 +8047,14 @@
       </p:sp>
       <p:sp>
         <p:nvSpPr>
-          <p:cNvPr id="47" name=""/>
+          <p:cNvPr id="46" name=""/>
           <p:cNvSpPr/>
           <p:nvPr/>
         </p:nvSpPr>
         <p:spPr>
           <a:xfrm>
             <a:off x="838080" y="1523880"/>
-            <a:ext cx="10742760" cy="4570560"/>
+            <a:ext cx="10742400" cy="4570200"/>
           </a:xfrm>
           <a:prstGeom prst="rect">
             <a:avLst/>
@@ -8461,14 +8539,14 @@
       </p:grpSpPr>
       <p:sp>
         <p:nvSpPr>
-          <p:cNvPr id="48" name=""/>
+          <p:cNvPr id="47" name=""/>
           <p:cNvSpPr/>
           <p:nvPr/>
         </p:nvSpPr>
         <p:spPr>
           <a:xfrm>
             <a:off x="685800" y="1371600"/>
-            <a:ext cx="10742760" cy="4570560"/>
+            <a:ext cx="10742400" cy="4570200"/>
           </a:xfrm>
           <a:prstGeom prst="rect">
             <a:avLst/>
@@ -8506,14 +8584,14 @@
       </p:sp>
       <p:sp>
         <p:nvSpPr>
-          <p:cNvPr id="49" name="PlaceHolder 3"/>
+          <p:cNvPr id="48" name="PlaceHolder 3"/>
           <p:cNvSpPr/>
           <p:nvPr/>
         </p:nvSpPr>
         <p:spPr>
           <a:xfrm>
             <a:off x="624240" y="479880"/>
-            <a:ext cx="8067600" cy="609480"/>
+            <a:ext cx="8067240" cy="609120"/>
           </a:xfrm>
           <a:prstGeom prst="rect">
             <a:avLst/>
@@ -8563,86 +8641,14 @@
       </p:sp>
       <p:sp>
         <p:nvSpPr>
-          <p:cNvPr id="50" name="PlaceHolder 1"/>
-          <p:cNvSpPr>
-            <a:spLocks noGrp="1"/>
-          </p:cNvSpPr>
-          <p:nvPr>
-            <p:ph type="ftr" idx="11"/>
-          </p:nvPr>
-        </p:nvSpPr>
-        <p:spPr>
-          <a:xfrm>
-            <a:off x="1981080" y="6344640"/>
-            <a:ext cx="8750160" cy="362520"/>
-          </a:xfrm>
-          <a:prstGeom prst="rect">
-            <a:avLst/>
-          </a:prstGeom>
-          <a:noFill/>
-          <a:ln w="0">
-            <a:noFill/>
-          </a:ln>
-        </p:spPr>
-        <p:txBody>
-          <a:bodyPr lIns="90000" rIns="90000" tIns="45000" bIns="45000" anchor="ctr">
-            <a:noAutofit/>
-          </a:bodyPr>
-          <a:lstStyle>
-            <a:lvl1pPr indent="0" algn="ctr">
-              <a:lnSpc>
-                <a:spcPct val="100000"/>
-              </a:lnSpc>
-              <a:buNone/>
-              <a:tabLst>
-                <a:tab algn="l" pos="0"/>
-              </a:tabLst>
-              <a:defRPr b="1" lang="de-DE" sz="1100" spc="-1" strike="noStrike">
-                <a:solidFill>
-                  <a:srgbClr val="1d3c91"/>
-                </a:solidFill>
-                <a:latin typeface="Overpass"/>
-              </a:defRPr>
-            </a:lvl1pPr>
-          </a:lstStyle>
-          <a:p>
-            <a:pPr indent="0" algn="ctr">
-              <a:lnSpc>
-                <a:spcPct val="100000"/>
-              </a:lnSpc>
-              <a:buNone/>
-              <a:tabLst>
-                <a:tab algn="l" pos="0"/>
-              </a:tabLst>
-            </a:pPr>
-            <a:r>
-              <a:rPr b="1" lang="de-DE" sz="1100" spc="-1" strike="noStrike">
-                <a:solidFill>
-                  <a:srgbClr val="1d3c91"/>
-                </a:solidFill>
-                <a:latin typeface="Overpass"/>
-              </a:rPr>
-              <a:t>IPTW 2023 - 5./6. October 2023</a:t>
-            </a:r>
-            <a:endParaRPr b="0" lang="en-US" sz="1100" spc="-1" strike="noStrike">
-              <a:solidFill>
-                <a:srgbClr val="000000"/>
-              </a:solidFill>
-              <a:latin typeface="Times New Roman"/>
-            </a:endParaRPr>
-          </a:p>
-        </p:txBody>
-      </p:sp>
-      <p:sp>
-        <p:nvSpPr>
-          <p:cNvPr id="51" name=""/>
+          <p:cNvPr id="49" name=""/>
           <p:cNvSpPr/>
           <p:nvPr/>
         </p:nvSpPr>
         <p:spPr>
           <a:xfrm>
             <a:off x="1230840" y="1757160"/>
-            <a:ext cx="7443720" cy="243360"/>
+            <a:ext cx="7443360" cy="243000"/>
           </a:xfrm>
           <a:prstGeom prst="rect">
             <a:avLst/>
@@ -8680,13 +8686,13 @@
       </p:sp>
       <p:graphicFrame>
         <p:nvGraphicFramePr>
-          <p:cNvPr id="52" name=""/>
+          <p:cNvPr id="50" name=""/>
           <p:cNvGraphicFramePr/>
           <p:nvPr/>
         </p:nvGraphicFramePr>
         <p:xfrm>
           <a:off x="898560" y="1427400"/>
-          <a:ext cx="10531440" cy="4322160"/>
+          <a:ext cx="10711800" cy="4187520"/>
         </p:xfrm>
         <a:graphic>
           <a:graphicData uri="http://schemas.openxmlformats.org/drawingml/2006/table">
@@ -8702,10 +8708,15 @@
               <a:tr h="343440">
                 <a:tc>
                   <a:txBody>
-                    <a:bodyPr lIns="36000" rIns="36000" tIns="36000" bIns="36000" anchor="t">
+                    <a:bodyPr lIns="36000" rIns="36000" anchor="t">
                       <a:noAutofit/>
                     </a:bodyPr>
                     <a:p>
+                      <a:pPr>
+                        <a:lnSpc>
+                          <a:spcPct val="100000"/>
+                        </a:lnSpc>
+                      </a:pPr>
                       <a:r>
                         <a:rPr b="0" lang="en-US" sz="1800" spc="-1" strike="noStrike">
                           <a:solidFill>
@@ -8753,10 +8764,15 @@
                 </a:tc>
                 <a:tc>
                   <a:txBody>
-                    <a:bodyPr lIns="36000" rIns="36000" tIns="36000" bIns="36000" anchor="t">
+                    <a:bodyPr lIns="36000" rIns="36000" anchor="t">
                       <a:noAutofit/>
                     </a:bodyPr>
                     <a:p>
+                      <a:pPr>
+                        <a:lnSpc>
+                          <a:spcPct val="100000"/>
+                        </a:lnSpc>
+                      </a:pPr>
                       <a:r>
                         <a:rPr b="0" lang="en-US" sz="1800" spc="-1" strike="noStrike">
                           <a:solidFill>
@@ -8804,10 +8820,15 @@
                 </a:tc>
                 <a:tc>
                   <a:txBody>
-                    <a:bodyPr lIns="36000" rIns="36000" tIns="36000" bIns="36000" anchor="t">
+                    <a:bodyPr lIns="36000" rIns="36000" anchor="t">
                       <a:noAutofit/>
                     </a:bodyPr>
                     <a:p>
+                      <a:pPr>
+                        <a:lnSpc>
+                          <a:spcPct val="100000"/>
+                        </a:lnSpc>
+                      </a:pPr>
                       <a:r>
                         <a:rPr b="0" lang="en-US" sz="1800" spc="-1" strike="noStrike">
                           <a:solidFill>
@@ -8855,10 +8876,15 @@
                 </a:tc>
                 <a:tc>
                   <a:txBody>
-                    <a:bodyPr lIns="36000" rIns="36000" tIns="36000" bIns="36000" anchor="t">
+                    <a:bodyPr lIns="36000" rIns="36000" anchor="t">
                       <a:noAutofit/>
                     </a:bodyPr>
                     <a:p>
+                      <a:pPr>
+                        <a:lnSpc>
+                          <a:spcPct val="100000"/>
+                        </a:lnSpc>
+                      </a:pPr>
                       <a:r>
                         <a:rPr b="0" lang="en-US" sz="1800" spc="-1" strike="noStrike">
                           <a:solidFill>
@@ -8906,7 +8932,7 @@
                 </a:tc>
                 <a:tc>
                   <a:txBody>
-                    <a:bodyPr lIns="36000" rIns="36000" tIns="36000" bIns="36000" anchor="t">
+                    <a:bodyPr lIns="36000" rIns="36000" anchor="t">
                       <a:noAutofit/>
                     </a:bodyPr>
                     <a:p>
@@ -8950,7 +8976,7 @@
               <a:tr h="364680">
                 <a:tc>
                   <a:txBody>
-                    <a:bodyPr lIns="36000" rIns="36000" tIns="36000" bIns="36000" anchor="t">
+                    <a:bodyPr lIns="36000" rIns="36000" anchor="t">
                       <a:noAutofit/>
                     </a:bodyPr>
                     <a:p>
@@ -8992,7 +9018,7 @@
                 </a:tc>
                 <a:tc>
                   <a:txBody>
-                    <a:bodyPr lIns="36000" rIns="36000" tIns="36000" bIns="36000" anchor="t">
+                    <a:bodyPr lIns="36000" rIns="36000" anchor="t">
                       <a:noAutofit/>
                     </a:bodyPr>
                     <a:p>
@@ -9034,10 +9060,15 @@
                 </a:tc>
                 <a:tc>
                   <a:txBody>
-                    <a:bodyPr lIns="36000" rIns="36000" tIns="36000" bIns="36000" anchor="t">
+                    <a:bodyPr lIns="36000" rIns="36000" anchor="t">
                       <a:noAutofit/>
                     </a:bodyPr>
                     <a:p>
+                      <a:pPr>
+                        <a:lnSpc>
+                          <a:spcPct val="100000"/>
+                        </a:lnSpc>
+                      </a:pPr>
                       <a:r>
                         <a:rPr b="0" lang="en-US" sz="1800" spc="-1" strike="noStrike">
                           <a:solidFill>
@@ -9085,7 +9116,7 @@
                 </a:tc>
                 <a:tc>
                   <a:txBody>
-                    <a:bodyPr lIns="36000" rIns="36000" tIns="36000" bIns="36000" anchor="t">
+                    <a:bodyPr lIns="36000" rIns="36000" anchor="t">
                       <a:noAutofit/>
                     </a:bodyPr>
                     <a:p>
@@ -9127,7 +9158,7 @@
                 </a:tc>
                 <a:tc>
                   <a:txBody>
-                    <a:bodyPr lIns="36000" rIns="36000" tIns="36000" bIns="36000" anchor="t">
+                    <a:bodyPr lIns="36000" rIns="36000" anchor="t">
                       <a:noAutofit/>
                     </a:bodyPr>
                     <a:p>
@@ -9171,7 +9202,7 @@
               <a:tr h="364680">
                 <a:tc>
                   <a:txBody>
-                    <a:bodyPr lIns="36000" rIns="36000" tIns="36000" bIns="36000" anchor="t">
+                    <a:bodyPr lIns="36000" rIns="36000" anchor="t">
                       <a:noAutofit/>
                     </a:bodyPr>
                     <a:p>
@@ -9213,10 +9244,15 @@
                 </a:tc>
                 <a:tc>
                   <a:txBody>
-                    <a:bodyPr lIns="36000" rIns="36000" tIns="36000" bIns="36000" anchor="t">
+                    <a:bodyPr lIns="36000" rIns="36000" anchor="t">
                       <a:noAutofit/>
                     </a:bodyPr>
                     <a:p>
+                      <a:pPr>
+                        <a:lnSpc>
+                          <a:spcPct val="100000"/>
+                        </a:lnSpc>
+                      </a:pPr>
                       <a:r>
                         <a:rPr b="0" lang="en-US" sz="1800" spc="-1" strike="noStrike">
                           <a:solidFill>
@@ -9264,10 +9300,15 @@
                 </a:tc>
                 <a:tc>
                   <a:txBody>
-                    <a:bodyPr lIns="36000" rIns="36000" tIns="36000" bIns="36000" anchor="t">
+                    <a:bodyPr lIns="36000" rIns="36000" anchor="t">
                       <a:noAutofit/>
                     </a:bodyPr>
                     <a:p>
+                      <a:pPr>
+                        <a:lnSpc>
+                          <a:spcPct val="100000"/>
+                        </a:lnSpc>
+                      </a:pPr>
                       <a:r>
                         <a:rPr b="0" lang="en-US" sz="1800" spc="-1" strike="noStrike">
                           <a:solidFill>
@@ -9315,10 +9356,15 @@
                 </a:tc>
                 <a:tc>
                   <a:txBody>
-                    <a:bodyPr lIns="36000" rIns="36000" tIns="36000" bIns="36000" anchor="t">
+                    <a:bodyPr lIns="36000" rIns="36000" anchor="t">
                       <a:noAutofit/>
                     </a:bodyPr>
                     <a:p>
+                      <a:pPr>
+                        <a:lnSpc>
+                          <a:spcPct val="100000"/>
+                        </a:lnSpc>
+                      </a:pPr>
                       <a:r>
                         <a:rPr b="0" lang="en-US" sz="1800" spc="-1" strike="noStrike">
                           <a:solidFill>
@@ -9366,7 +9412,7 @@
                 </a:tc>
                 <a:tc>
                   <a:txBody>
-                    <a:bodyPr lIns="36000" rIns="36000" tIns="36000" bIns="36000" anchor="t">
+                    <a:bodyPr lIns="36000" rIns="36000" anchor="t">
                       <a:noAutofit/>
                     </a:bodyPr>
                     <a:p>
@@ -9410,7 +9456,7 @@
               <a:tr h="0">
                 <a:tc>
                   <a:txBody>
-                    <a:bodyPr lIns="36000" rIns="36000" tIns="36000" bIns="36000" anchor="t">
+                    <a:bodyPr lIns="36000" rIns="36000" anchor="t">
                       <a:noAutofit/>
                     </a:bodyPr>
                     <a:p>
@@ -9452,7 +9498,7 @@
                 </a:tc>
                 <a:tc>
                   <a:txBody>
-                    <a:bodyPr lIns="36000" rIns="36000" tIns="36000" bIns="36000" anchor="t">
+                    <a:bodyPr lIns="36000" rIns="36000" anchor="t">
                       <a:noAutofit/>
                     </a:bodyPr>
                     <a:p>
@@ -9494,10 +9540,15 @@
                 </a:tc>
                 <a:tc>
                   <a:txBody>
-                    <a:bodyPr lIns="36000" rIns="36000" tIns="36000" bIns="36000" anchor="t">
+                    <a:bodyPr lIns="36000" rIns="36000" anchor="t">
                       <a:noAutofit/>
                     </a:bodyPr>
                     <a:p>
+                      <a:pPr>
+                        <a:lnSpc>
+                          <a:spcPct val="100000"/>
+                        </a:lnSpc>
+                      </a:pPr>
                       <a:r>
                         <a:rPr b="0" lang="en-US" sz="1800" spc="-1" strike="noStrike">
                           <a:solidFill>
@@ -9545,10 +9596,15 @@
                 </a:tc>
                 <a:tc>
                   <a:txBody>
-                    <a:bodyPr lIns="36000" rIns="36000" tIns="36000" bIns="36000" anchor="t">
+                    <a:bodyPr lIns="36000" rIns="36000" anchor="t">
                       <a:noAutofit/>
                     </a:bodyPr>
                     <a:p>
+                      <a:pPr>
+                        <a:lnSpc>
+                          <a:spcPct val="100000"/>
+                        </a:lnSpc>
+                      </a:pPr>
                       <a:r>
                         <a:rPr b="0" lang="en-US" sz="1800" spc="-1" strike="noStrike">
                           <a:solidFill>
@@ -9596,7 +9652,7 @@
                 </a:tc>
                 <a:tc>
                   <a:txBody>
-                    <a:bodyPr lIns="36000" rIns="36000" tIns="36000" bIns="36000" anchor="t">
+                    <a:bodyPr lIns="36000" rIns="36000" anchor="t">
                       <a:noAutofit/>
                     </a:bodyPr>
                     <a:p>
@@ -9640,7 +9696,7 @@
               <a:tr h="0">
                 <a:tc>
                   <a:txBody>
-                    <a:bodyPr lIns="36000" rIns="36000" tIns="36000" bIns="36000" anchor="t">
+                    <a:bodyPr lIns="36000" rIns="36000" anchor="t">
                       <a:noAutofit/>
                     </a:bodyPr>
                     <a:p>
@@ -9682,10 +9738,15 @@
                 </a:tc>
                 <a:tc>
                   <a:txBody>
-                    <a:bodyPr lIns="36000" rIns="36000" tIns="36000" bIns="36000" anchor="t">
+                    <a:bodyPr lIns="36000" rIns="36000" anchor="t">
                       <a:noAutofit/>
                     </a:bodyPr>
                     <a:p>
+                      <a:pPr>
+                        <a:lnSpc>
+                          <a:spcPct val="100000"/>
+                        </a:lnSpc>
+                      </a:pPr>
                       <a:r>
                         <a:rPr b="0" lang="en-US" sz="1800" spc="-1" strike="noStrike">
                           <a:solidFill>
@@ -9733,10 +9794,15 @@
                 </a:tc>
                 <a:tc>
                   <a:txBody>
-                    <a:bodyPr lIns="36000" rIns="36000" tIns="36000" bIns="36000" anchor="t">
+                    <a:bodyPr lIns="36000" rIns="36000" anchor="t">
                       <a:noAutofit/>
                     </a:bodyPr>
                     <a:p>
+                      <a:pPr>
+                        <a:lnSpc>
+                          <a:spcPct val="100000"/>
+                        </a:lnSpc>
+                      </a:pPr>
                       <a:r>
                         <a:rPr b="0" lang="en-US" sz="1800" spc="-1" strike="noStrike">
                           <a:solidFill>
@@ -9784,10 +9850,15 @@
                 </a:tc>
                 <a:tc>
                   <a:txBody>
-                    <a:bodyPr lIns="36000" rIns="36000" tIns="36000" bIns="36000" anchor="t">
+                    <a:bodyPr lIns="36000" rIns="36000" anchor="t">
                       <a:noAutofit/>
                     </a:bodyPr>
                     <a:p>
+                      <a:pPr>
+                        <a:lnSpc>
+                          <a:spcPct val="100000"/>
+                        </a:lnSpc>
+                      </a:pPr>
                       <a:r>
                         <a:rPr b="0" lang="en-US" sz="1800" spc="-1" strike="noStrike">
                           <a:solidFill>
@@ -9835,7 +9906,7 @@
                 </a:tc>
                 <a:tc>
                   <a:txBody>
-                    <a:bodyPr lIns="36000" rIns="36000" tIns="36000" bIns="36000" anchor="t">
+                    <a:bodyPr lIns="36000" rIns="36000" anchor="t">
                       <a:noAutofit/>
                     </a:bodyPr>
                     <a:p>
@@ -9879,7 +9950,7 @@
               <a:tr h="0">
                 <a:tc>
                   <a:txBody>
-                    <a:bodyPr lIns="36000" rIns="36000" tIns="36000" bIns="36000" anchor="t">
+                    <a:bodyPr lIns="36000" rIns="36000" anchor="t">
                       <a:noAutofit/>
                     </a:bodyPr>
                     <a:p>
@@ -9921,10 +9992,15 @@
                 </a:tc>
                 <a:tc>
                   <a:txBody>
-                    <a:bodyPr lIns="36000" rIns="36000" tIns="36000" bIns="36000" anchor="t">
+                    <a:bodyPr lIns="36000" rIns="36000" anchor="t">
                       <a:noAutofit/>
                     </a:bodyPr>
                     <a:p>
+                      <a:pPr>
+                        <a:lnSpc>
+                          <a:spcPct val="100000"/>
+                        </a:lnSpc>
+                      </a:pPr>
                       <a:r>
                         <a:rPr b="0" lang="en-US" sz="1800" spc="-1" strike="noStrike">
                           <a:solidFill>
@@ -9972,10 +10048,15 @@
                 </a:tc>
                 <a:tc>
                   <a:txBody>
-                    <a:bodyPr lIns="36000" rIns="36000" tIns="36000" bIns="36000" anchor="t">
+                    <a:bodyPr lIns="36000" rIns="36000" anchor="t">
                       <a:noAutofit/>
                     </a:bodyPr>
                     <a:p>
+                      <a:pPr>
+                        <a:lnSpc>
+                          <a:spcPct val="100000"/>
+                        </a:lnSpc>
+                      </a:pPr>
                       <a:r>
                         <a:rPr b="0" lang="en-US" sz="1800" spc="-1" strike="noStrike">
                           <a:solidFill>
@@ -10023,10 +10104,15 @@
                 </a:tc>
                 <a:tc>
                   <a:txBody>
-                    <a:bodyPr lIns="36000" rIns="36000" tIns="36000" bIns="36000" anchor="t">
+                    <a:bodyPr lIns="36000" rIns="36000" anchor="t">
                       <a:noAutofit/>
                     </a:bodyPr>
                     <a:p>
+                      <a:pPr>
+                        <a:lnSpc>
+                          <a:spcPct val="100000"/>
+                        </a:lnSpc>
+                      </a:pPr>
                       <a:r>
                         <a:rPr b="0" lang="en-US" sz="1800" spc="-1" strike="noStrike">
                           <a:solidFill>
@@ -10074,10 +10160,15 @@
                 </a:tc>
                 <a:tc>
                   <a:txBody>
-                    <a:bodyPr lIns="36000" rIns="36000" tIns="36000" bIns="36000" anchor="t">
+                    <a:bodyPr lIns="36000" rIns="36000" anchor="t">
                       <a:noAutofit/>
                     </a:bodyPr>
                     <a:p>
+                      <a:pPr>
+                        <a:lnSpc>
+                          <a:spcPct val="100000"/>
+                        </a:lnSpc>
+                      </a:pPr>
                       <a:r>
                         <a:rPr b="0" lang="en-US" sz="1800" spc="-1" strike="noStrike">
                           <a:solidFill>
@@ -10127,7 +10218,7 @@
               <a:tr h="0">
                 <a:tc>
                   <a:txBody>
-                    <a:bodyPr lIns="36000" rIns="36000" tIns="36000" bIns="36000" anchor="t">
+                    <a:bodyPr lIns="36000" rIns="36000" anchor="t">
                       <a:noAutofit/>
                     </a:bodyPr>
                     <a:p>
@@ -10169,10 +10260,15 @@
                 </a:tc>
                 <a:tc>
                   <a:txBody>
-                    <a:bodyPr lIns="36000" rIns="36000" tIns="36000" bIns="36000" anchor="t">
+                    <a:bodyPr lIns="36000" rIns="36000" anchor="t">
                       <a:noAutofit/>
                     </a:bodyPr>
                     <a:p>
+                      <a:pPr>
+                        <a:lnSpc>
+                          <a:spcPct val="100000"/>
+                        </a:lnSpc>
+                      </a:pPr>
                       <a:r>
                         <a:rPr b="0" lang="en-US" sz="1800" spc="-1" strike="noStrike">
                           <a:solidFill>
@@ -10220,10 +10316,15 @@
                 </a:tc>
                 <a:tc>
                   <a:txBody>
-                    <a:bodyPr lIns="36000" rIns="36000" tIns="36000" bIns="36000" anchor="t">
+                    <a:bodyPr lIns="36000" rIns="36000" anchor="t">
                       <a:noAutofit/>
                     </a:bodyPr>
                     <a:p>
+                      <a:pPr>
+                        <a:lnSpc>
+                          <a:spcPct val="100000"/>
+                        </a:lnSpc>
+                      </a:pPr>
                       <a:r>
                         <a:rPr b="0" lang="en-US" sz="1800" spc="-1" strike="noStrike">
                           <a:solidFill>
@@ -10241,6 +10342,11 @@
                       </a:endParaRPr>
                     </a:p>
                     <a:p>
+                      <a:pPr>
+                        <a:lnSpc>
+                          <a:spcPct val="100000"/>
+                        </a:lnSpc>
+                      </a:pPr>
                       <a:r>
                         <a:rPr b="0" lang="en-US" sz="1800" spc="-1" strike="noStrike">
                           <a:solidFill>
@@ -10258,6 +10364,11 @@
                       </a:endParaRPr>
                     </a:p>
                     <a:p>
+                      <a:pPr>
+                        <a:lnSpc>
+                          <a:spcPct val="100000"/>
+                        </a:lnSpc>
+                      </a:pPr>
                       <a:r>
                         <a:rPr b="0" lang="en-US" sz="1800" spc="-1" strike="noStrike">
                           <a:solidFill>
@@ -10305,7 +10416,7 @@
                 </a:tc>
                 <a:tc>
                   <a:txBody>
-                    <a:bodyPr lIns="36000" rIns="36000" tIns="36000" bIns="36000" anchor="t">
+                    <a:bodyPr lIns="36000" rIns="36000" anchor="t">
                       <a:noAutofit/>
                     </a:bodyPr>
                     <a:p>
@@ -10347,7 +10458,7 @@
                 </a:tc>
                 <a:tc>
                   <a:txBody>
-                    <a:bodyPr lIns="36000" rIns="36000" tIns="36000" bIns="36000" anchor="t">
+                    <a:bodyPr lIns="36000" rIns="36000" anchor="t">
                       <a:noAutofit/>
                     </a:bodyPr>
                     <a:p>
@@ -10391,7 +10502,7 @@
               <a:tr h="0">
                 <a:tc>
                   <a:txBody>
-                    <a:bodyPr lIns="36000" rIns="36000" tIns="36000" bIns="36000" anchor="t">
+                    <a:bodyPr lIns="36000" rIns="36000" anchor="t">
                       <a:noAutofit/>
                     </a:bodyPr>
                     <a:p>
@@ -10433,10 +10544,15 @@
                 </a:tc>
                 <a:tc>
                   <a:txBody>
-                    <a:bodyPr lIns="36000" rIns="36000" tIns="36000" bIns="36000" anchor="t">
+                    <a:bodyPr lIns="36000" rIns="36000" anchor="t">
                       <a:noAutofit/>
                     </a:bodyPr>
                     <a:p>
+                      <a:pPr>
+                        <a:lnSpc>
+                          <a:spcPct val="100000"/>
+                        </a:lnSpc>
+                      </a:pPr>
                       <a:r>
                         <a:rPr b="0" lang="en-US" sz="1800" spc="-1" strike="noStrike">
                           <a:solidFill>
@@ -10484,10 +10600,15 @@
                 </a:tc>
                 <a:tc>
                   <a:txBody>
-                    <a:bodyPr lIns="36000" rIns="36000" tIns="36000" bIns="36000" anchor="t">
+                    <a:bodyPr lIns="36000" rIns="36000" anchor="t">
                       <a:noAutofit/>
                     </a:bodyPr>
                     <a:p>
+                      <a:pPr>
+                        <a:lnSpc>
+                          <a:spcPct val="100000"/>
+                        </a:lnSpc>
+                      </a:pPr>
                       <a:r>
                         <a:rPr b="0" lang="en-US" sz="1800" spc="-1" strike="noStrike">
                           <a:solidFill>
@@ -10505,6 +10626,11 @@
                       </a:endParaRPr>
                     </a:p>
                     <a:p>
+                      <a:pPr>
+                        <a:lnSpc>
+                          <a:spcPct val="100000"/>
+                        </a:lnSpc>
+                      </a:pPr>
                       <a:r>
                         <a:rPr b="0" lang="en-US" sz="1800" spc="-1" strike="noStrike">
                           <a:solidFill>
@@ -10522,6 +10648,11 @@
                       </a:endParaRPr>
                     </a:p>
                     <a:p>
+                      <a:pPr>
+                        <a:lnSpc>
+                          <a:spcPct val="100000"/>
+                        </a:lnSpc>
+                      </a:pPr>
                       <a:r>
                         <a:rPr b="0" lang="en-US" sz="1800" spc="-1" strike="noStrike">
                           <a:solidFill>
@@ -10569,7 +10700,7 @@
                 </a:tc>
                 <a:tc>
                   <a:txBody>
-                    <a:bodyPr lIns="36000" rIns="36000" tIns="36000" bIns="36000" anchor="t">
+                    <a:bodyPr lIns="36000" rIns="36000" anchor="t">
                       <a:noAutofit/>
                     </a:bodyPr>
                     <a:p>
@@ -10611,7 +10742,7 @@
                 </a:tc>
                 <a:tc>
                   <a:txBody>
-                    <a:bodyPr lIns="36000" rIns="36000" tIns="36000" bIns="36000" anchor="t">
+                    <a:bodyPr lIns="36000" rIns="36000" anchor="t">
                       <a:noAutofit/>
                     </a:bodyPr>
                     <a:p>
@@ -10655,7 +10786,7 @@
               <a:tr h="0">
                 <a:tc>
                   <a:txBody>
-                    <a:bodyPr lIns="36000" rIns="36000" tIns="36000" bIns="36000" anchor="t">
+                    <a:bodyPr lIns="36000" rIns="36000" anchor="t">
                       <a:noAutofit/>
                     </a:bodyPr>
                     <a:p>
@@ -10697,7 +10828,7 @@
                 </a:tc>
                 <a:tc>
                   <a:txBody>
-                    <a:bodyPr lIns="36000" rIns="36000" tIns="36000" bIns="36000" anchor="t">
+                    <a:bodyPr lIns="36000" rIns="36000" anchor="t">
                       <a:noAutofit/>
                     </a:bodyPr>
                     <a:p>
@@ -10739,7 +10870,7 @@
                 </a:tc>
                 <a:tc>
                   <a:txBody>
-                    <a:bodyPr lIns="36000" rIns="36000" tIns="36000" bIns="36000" anchor="t">
+                    <a:bodyPr lIns="36000" rIns="36000" anchor="t">
                       <a:noAutofit/>
                     </a:bodyPr>
                     <a:p>
@@ -10781,7 +10912,7 @@
                 </a:tc>
                 <a:tc>
                   <a:txBody>
-                    <a:bodyPr lIns="36000" rIns="36000" tIns="36000" bIns="36000" anchor="t">
+                    <a:bodyPr lIns="36000" rIns="36000" anchor="t">
                       <a:noAutofit/>
                     </a:bodyPr>
                     <a:p>
@@ -10823,7 +10954,7 @@
                 </a:tc>
                 <a:tc>
                   <a:txBody>
-                    <a:bodyPr lIns="36000" rIns="36000" tIns="36000" bIns="36000" anchor="t">
+                    <a:bodyPr lIns="36000" rIns="36000" anchor="t">
                       <a:noAutofit/>
                     </a:bodyPr>
                     <a:p>

--- a/presentation/presentation-partitioned-progress.pptx
+++ b/presentation/presentation-partitioned-progress.pptx
@@ -28,6 +28,7 @@
     <p:sldId id="271" r:id="rId21"/>
     <p:sldId id="272" r:id="rId22"/>
     <p:sldId id="273" r:id="rId23"/>
+    <p:sldId id="274" r:id="rId24"/>
   </p:sldIdLst>
   <p:sldSz cx="12192000" cy="6858000"/>
   <p:notesSz cx="7559675" cy="10691813"/>
@@ -53,7 +54,7 @@
       </p:grpSpPr>
       <p:sp>
         <p:nvSpPr>
-          <p:cNvPr id="17" name="PlaceHolder 1"/>
+          <p:cNvPr id="23" name="PlaceHolder 1"/>
           <p:cNvSpPr>
             <a:spLocks noGrp="1"/>
           </p:cNvSpPr>
@@ -87,34 +88,7 @@
                 </a:solidFill>
                 <a:latin typeface="Arial"/>
               </a:rPr>
-              <a:t>Click to </a:t>
-            </a:r>
-            <a:r>
-              <a:rPr b="0" lang="en-US" sz="4400" spc="-1" strike="noStrike">
-                <a:solidFill>
-                  <a:srgbClr val="000000"/>
-                </a:solidFill>
-                <a:latin typeface="Arial"/>
-              </a:rPr>
-              <a:t>move </a:t>
-            </a:r>
-            <a:r>
-              <a:rPr b="0" lang="en-US" sz="4400" spc="-1" strike="noStrike">
-                <a:solidFill>
-                  <a:srgbClr val="000000"/>
-                </a:solidFill>
-                <a:latin typeface="Arial"/>
-              </a:rPr>
-              <a:t>the </a:t>
-            </a:r>
-            <a:r>
-              <a:rPr b="0" lang="en-US" sz="4400" spc="-1" strike="noStrike">
-                <a:solidFill>
-                  <a:srgbClr val="000000"/>
-                </a:solidFill>
-                <a:latin typeface="Arial"/>
-              </a:rPr>
-              <a:t>slide</a:t>
+              <a:t>Click to move the slide</a:t>
             </a:r>
             <a:endParaRPr b="0" lang="en-US" sz="4400" spc="-1" strike="noStrike">
               <a:solidFill>
@@ -127,7 +101,7 @@
       </p:sp>
       <p:sp>
         <p:nvSpPr>
-          <p:cNvPr id="18" name="PlaceHolder 2"/>
+          <p:cNvPr id="24" name="PlaceHolder 2"/>
           <p:cNvSpPr>
             <a:spLocks noGrp="1"/>
           </p:cNvSpPr>
@@ -163,16 +137,7 @@
                 </a:solidFill>
                 <a:latin typeface="Arial"/>
               </a:rPr>
-              <a:t>Click to edit the </a:t>
-            </a:r>
-            <a:r>
-              <a:rPr b="0" lang="en-US" sz="2000" spc="-1" strike="noStrike">
-                <a:solidFill>
-                  <a:srgbClr val="000000"/>
-                </a:solidFill>
-                <a:latin typeface="Arial"/>
-              </a:rPr>
-              <a:t>notes format</a:t>
+              <a:t>Click to edit the notes format</a:t>
             </a:r>
             <a:endParaRPr b="0" lang="en-US" sz="2000" spc="-1" strike="noStrike">
               <a:solidFill>
@@ -185,7 +150,7 @@
       </p:sp>
       <p:sp>
         <p:nvSpPr>
-          <p:cNvPr id="19" name="PlaceHolder 3"/>
+          <p:cNvPr id="25" name="PlaceHolder 3"/>
           <p:cNvSpPr>
             <a:spLocks noGrp="1"/>
           </p:cNvSpPr>
@@ -234,7 +199,7 @@
       </p:sp>
       <p:sp>
         <p:nvSpPr>
-          <p:cNvPr id="20" name="PlaceHolder 4"/>
+          <p:cNvPr id="26" name="PlaceHolder 4"/>
           <p:cNvSpPr>
             <a:spLocks noGrp="1"/>
           </p:cNvSpPr>
@@ -294,7 +259,7 @@
       </p:sp>
       <p:sp>
         <p:nvSpPr>
-          <p:cNvPr id="21" name="PlaceHolder 5"/>
+          <p:cNvPr id="27" name="PlaceHolder 5"/>
           <p:cNvSpPr>
             <a:spLocks noGrp="1"/>
           </p:cNvSpPr>
@@ -354,7 +319,7 @@
       </p:sp>
       <p:sp>
         <p:nvSpPr>
-          <p:cNvPr id="22" name="PlaceHolder 6"/>
+          <p:cNvPr id="28" name="PlaceHolder 6"/>
           <p:cNvSpPr>
             <a:spLocks noGrp="1"/>
           </p:cNvSpPr>
@@ -394,7 +359,7 @@
             <a:pPr indent="0" algn="r">
               <a:buNone/>
             </a:pPr>
-            <a:fld id="{7869320E-CC39-412E-AEDE-D18BF98B0912}" type="slidenum">
+            <a:fld id="{92638E22-6B79-43DF-9CA8-5225DB9457D2}" type="slidenum">
               <a:rPr b="0" lang="en-US" sz="1400" spc="-1" strike="noStrike">
                 <a:solidFill>
                   <a:srgbClr val="000000"/>
@@ -437,7 +402,7 @@
       </p:grpSpPr>
       <p:sp>
         <p:nvSpPr>
-          <p:cNvPr id="78" name="PlaceHolder 1"/>
+          <p:cNvPr id="87" name="PlaceHolder 1"/>
           <p:cNvSpPr>
             <a:spLocks noGrp="1"/>
           </p:cNvSpPr>
@@ -460,7 +425,7 @@
       </p:sp>
       <p:sp>
         <p:nvSpPr>
-          <p:cNvPr id="79" name="PlaceHolder 2"/>
+          <p:cNvPr id="88" name="PlaceHolder 2"/>
           <p:cNvSpPr>
             <a:spLocks noGrp="1"/>
           </p:cNvSpPr>
@@ -471,7 +436,7 @@
         <p:spPr>
           <a:xfrm>
             <a:off x="685800" y="4400640"/>
-            <a:ext cx="5485320" cy="3599280"/>
+            <a:ext cx="5484960" cy="3598920"/>
           </a:xfrm>
           <a:prstGeom prst="rect">
             <a:avLst/>
@@ -500,7 +465,7 @@
       </p:sp>
       <p:sp>
         <p:nvSpPr>
-          <p:cNvPr id="80" name="PlaceHolder 3"/>
+          <p:cNvPr id="89" name="PlaceHolder 3"/>
           <p:cNvSpPr>
             <a:spLocks noGrp="1"/>
           </p:cNvSpPr>
@@ -511,7 +476,7 @@
         <p:spPr>
           <a:xfrm>
             <a:off x="3884760" y="8685360"/>
-            <a:ext cx="2970720" cy="457560"/>
+            <a:ext cx="2970360" cy="457200"/>
           </a:xfrm>
           <a:prstGeom prst="rect">
             <a:avLst/>
@@ -562,7 +527,7 @@
       </p:grpSpPr>
       <p:sp>
         <p:nvSpPr>
-          <p:cNvPr id="105" name="PlaceHolder 1"/>
+          <p:cNvPr id="114" name="PlaceHolder 1"/>
           <p:cNvSpPr>
             <a:spLocks noGrp="1"/>
           </p:cNvSpPr>
@@ -585,7 +550,7 @@
       </p:sp>
       <p:sp>
         <p:nvSpPr>
-          <p:cNvPr id="106" name="PlaceHolder 2"/>
+          <p:cNvPr id="115" name="PlaceHolder 2"/>
           <p:cNvSpPr>
             <a:spLocks noGrp="1"/>
           </p:cNvSpPr>
@@ -596,7 +561,7 @@
         <p:spPr>
           <a:xfrm>
             <a:off x="685800" y="4400640"/>
-            <a:ext cx="5485320" cy="3599280"/>
+            <a:ext cx="5484960" cy="3598920"/>
           </a:xfrm>
           <a:prstGeom prst="rect">
             <a:avLst/>
@@ -625,7 +590,7 @@
       </p:sp>
       <p:sp>
         <p:nvSpPr>
-          <p:cNvPr id="107" name="PlaceHolder 3"/>
+          <p:cNvPr id="116" name="PlaceHolder 3"/>
           <p:cNvSpPr>
             <a:spLocks noGrp="1"/>
           </p:cNvSpPr>
@@ -636,7 +601,7 @@
         <p:spPr>
           <a:xfrm>
             <a:off x="3884760" y="8685360"/>
-            <a:ext cx="2970720" cy="457560"/>
+            <a:ext cx="2970360" cy="457200"/>
           </a:xfrm>
           <a:prstGeom prst="rect">
             <a:avLst/>
@@ -687,7 +652,7 @@
       </p:grpSpPr>
       <p:sp>
         <p:nvSpPr>
-          <p:cNvPr id="108" name="PlaceHolder 1"/>
+          <p:cNvPr id="117" name="PlaceHolder 1"/>
           <p:cNvSpPr>
             <a:spLocks noGrp="1"/>
           </p:cNvSpPr>
@@ -710,7 +675,7 @@
       </p:sp>
       <p:sp>
         <p:nvSpPr>
-          <p:cNvPr id="109" name="PlaceHolder 2"/>
+          <p:cNvPr id="118" name="PlaceHolder 2"/>
           <p:cNvSpPr>
             <a:spLocks noGrp="1"/>
           </p:cNvSpPr>
@@ -721,7 +686,7 @@
         <p:spPr>
           <a:xfrm>
             <a:off x="685800" y="4400640"/>
-            <a:ext cx="5485320" cy="3599280"/>
+            <a:ext cx="5484960" cy="3598920"/>
           </a:xfrm>
           <a:prstGeom prst="rect">
             <a:avLst/>
@@ -750,7 +715,7 @@
       </p:sp>
       <p:sp>
         <p:nvSpPr>
-          <p:cNvPr id="110" name="PlaceHolder 3"/>
+          <p:cNvPr id="119" name="PlaceHolder 3"/>
           <p:cNvSpPr>
             <a:spLocks noGrp="1"/>
           </p:cNvSpPr>
@@ -761,7 +726,7 @@
         <p:spPr>
           <a:xfrm>
             <a:off x="3884760" y="8685360"/>
-            <a:ext cx="2970720" cy="457560"/>
+            <a:ext cx="2970360" cy="457200"/>
           </a:xfrm>
           <a:prstGeom prst="rect">
             <a:avLst/>
@@ -812,7 +777,7 @@
       </p:grpSpPr>
       <p:sp>
         <p:nvSpPr>
-          <p:cNvPr id="111" name="PlaceHolder 1"/>
+          <p:cNvPr id="120" name="PlaceHolder 1"/>
           <p:cNvSpPr>
             <a:spLocks noGrp="1"/>
           </p:cNvSpPr>
@@ -835,7 +800,7 @@
       </p:sp>
       <p:sp>
         <p:nvSpPr>
-          <p:cNvPr id="112" name="PlaceHolder 2"/>
+          <p:cNvPr id="121" name="PlaceHolder 2"/>
           <p:cNvSpPr>
             <a:spLocks noGrp="1"/>
           </p:cNvSpPr>
@@ -846,7 +811,7 @@
         <p:spPr>
           <a:xfrm>
             <a:off x="685800" y="4400640"/>
-            <a:ext cx="5485320" cy="3599280"/>
+            <a:ext cx="5484960" cy="3598920"/>
           </a:xfrm>
           <a:prstGeom prst="rect">
             <a:avLst/>
@@ -875,7 +840,7 @@
       </p:sp>
       <p:sp>
         <p:nvSpPr>
-          <p:cNvPr id="113" name="PlaceHolder 3"/>
+          <p:cNvPr id="122" name="PlaceHolder 3"/>
           <p:cNvSpPr>
             <a:spLocks noGrp="1"/>
           </p:cNvSpPr>
@@ -886,7 +851,7 @@
         <p:spPr>
           <a:xfrm>
             <a:off x="3884760" y="8685360"/>
-            <a:ext cx="2970720" cy="457560"/>
+            <a:ext cx="2970360" cy="457200"/>
           </a:xfrm>
           <a:prstGeom prst="rect">
             <a:avLst/>
@@ -937,7 +902,7 @@
       </p:grpSpPr>
       <p:sp>
         <p:nvSpPr>
-          <p:cNvPr id="114" name="PlaceHolder 1"/>
+          <p:cNvPr id="123" name="PlaceHolder 1"/>
           <p:cNvSpPr>
             <a:spLocks noGrp="1"/>
           </p:cNvSpPr>
@@ -947,20 +912,20 @@
         </p:nvSpPr>
         <p:spPr>
           <a:xfrm>
-            <a:off x="0" y="0"/>
-            <a:ext cx="0" cy="0"/>
-          </a:xfrm>
-          <a:prstGeom prst="rect">
-            <a:avLst/>
-          </a:prstGeom>
-          <a:ln w="0">
-            <a:noFill/>
-          </a:ln>
-        </p:spPr>
-      </p:sp>
-      <p:sp>
-        <p:nvSpPr>
-          <p:cNvPr id="115" name="PlaceHolder 2"/>
+            <a:off x="-360" y="-360"/>
+            <a:ext cx="720" cy="720"/>
+          </a:xfrm>
+          <a:prstGeom prst="rect">
+            <a:avLst/>
+          </a:prstGeom>
+          <a:ln w="0">
+            <a:noFill/>
+          </a:ln>
+        </p:spPr>
+      </p:sp>
+      <p:sp>
+        <p:nvSpPr>
+          <p:cNvPr id="124" name="PlaceHolder 2"/>
           <p:cNvSpPr>
             <a:spLocks noGrp="1"/>
           </p:cNvSpPr>
@@ -971,7 +936,7 @@
         <p:spPr>
           <a:xfrm>
             <a:off x="685800" y="4400640"/>
-            <a:ext cx="5485320" cy="3599280"/>
+            <a:ext cx="5484960" cy="3598920"/>
           </a:xfrm>
           <a:prstGeom prst="rect">
             <a:avLst/>
@@ -1000,7 +965,7 @@
       </p:sp>
       <p:sp>
         <p:nvSpPr>
-          <p:cNvPr id="116" name="PlaceHolder 3"/>
+          <p:cNvPr id="125" name="PlaceHolder 3"/>
           <p:cNvSpPr>
             <a:spLocks noGrp="1"/>
           </p:cNvSpPr>
@@ -1011,7 +976,7 @@
         <p:spPr>
           <a:xfrm>
             <a:off x="3884760" y="8685360"/>
-            <a:ext cx="2970720" cy="457560"/>
+            <a:ext cx="2970360" cy="457200"/>
           </a:xfrm>
           <a:prstGeom prst="rect">
             <a:avLst/>
@@ -1062,7 +1027,7 @@
       </p:grpSpPr>
       <p:sp>
         <p:nvSpPr>
-          <p:cNvPr id="117" name="PlaceHolder 1"/>
+          <p:cNvPr id="126" name="PlaceHolder 1"/>
           <p:cNvSpPr>
             <a:spLocks noGrp="1"/>
           </p:cNvSpPr>
@@ -1085,7 +1050,7 @@
       </p:sp>
       <p:sp>
         <p:nvSpPr>
-          <p:cNvPr id="118" name="PlaceHolder 2"/>
+          <p:cNvPr id="127" name="PlaceHolder 2"/>
           <p:cNvSpPr>
             <a:spLocks noGrp="1"/>
           </p:cNvSpPr>
@@ -1096,7 +1061,7 @@
         <p:spPr>
           <a:xfrm>
             <a:off x="685800" y="4400640"/>
-            <a:ext cx="5485320" cy="3599280"/>
+            <a:ext cx="5484960" cy="3598920"/>
           </a:xfrm>
           <a:prstGeom prst="rect">
             <a:avLst/>
@@ -1125,7 +1090,7 @@
       </p:sp>
       <p:sp>
         <p:nvSpPr>
-          <p:cNvPr id="119" name="PlaceHolder 3"/>
+          <p:cNvPr id="128" name="PlaceHolder 3"/>
           <p:cNvSpPr>
             <a:spLocks noGrp="1"/>
           </p:cNvSpPr>
@@ -1136,7 +1101,7 @@
         <p:spPr>
           <a:xfrm>
             <a:off x="3884760" y="8685360"/>
-            <a:ext cx="2970720" cy="457560"/>
+            <a:ext cx="2970360" cy="457200"/>
           </a:xfrm>
           <a:prstGeom prst="rect">
             <a:avLst/>
@@ -1187,7 +1152,7 @@
       </p:grpSpPr>
       <p:sp>
         <p:nvSpPr>
-          <p:cNvPr id="120" name="PlaceHolder 1"/>
+          <p:cNvPr id="129" name="PlaceHolder 1"/>
           <p:cNvSpPr>
             <a:spLocks noGrp="1"/>
           </p:cNvSpPr>
@@ -1210,7 +1175,7 @@
       </p:sp>
       <p:sp>
         <p:nvSpPr>
-          <p:cNvPr id="121" name="PlaceHolder 2"/>
+          <p:cNvPr id="130" name="PlaceHolder 2"/>
           <p:cNvSpPr>
             <a:spLocks noGrp="1"/>
           </p:cNvSpPr>
@@ -1221,7 +1186,7 @@
         <p:spPr>
           <a:xfrm>
             <a:off x="685800" y="4400640"/>
-            <a:ext cx="5485320" cy="3599280"/>
+            <a:ext cx="5484960" cy="3598920"/>
           </a:xfrm>
           <a:prstGeom prst="rect">
             <a:avLst/>
@@ -1250,7 +1215,7 @@
       </p:sp>
       <p:sp>
         <p:nvSpPr>
-          <p:cNvPr id="122" name="PlaceHolder 3"/>
+          <p:cNvPr id="131" name="PlaceHolder 3"/>
           <p:cNvSpPr>
             <a:spLocks noGrp="1"/>
           </p:cNvSpPr>
@@ -1261,7 +1226,7 @@
         <p:spPr>
           <a:xfrm>
             <a:off x="3884760" y="8685360"/>
-            <a:ext cx="2970720" cy="457560"/>
+            <a:ext cx="2970360" cy="457200"/>
           </a:xfrm>
           <a:prstGeom prst="rect">
             <a:avLst/>
@@ -1312,7 +1277,7 @@
       </p:grpSpPr>
       <p:sp>
         <p:nvSpPr>
-          <p:cNvPr id="123" name="PlaceHolder 1"/>
+          <p:cNvPr id="132" name="PlaceHolder 1"/>
           <p:cNvSpPr>
             <a:spLocks noGrp="1"/>
           </p:cNvSpPr>
@@ -1335,7 +1300,7 @@
       </p:sp>
       <p:sp>
         <p:nvSpPr>
-          <p:cNvPr id="124" name="PlaceHolder 2"/>
+          <p:cNvPr id="133" name="PlaceHolder 2"/>
           <p:cNvSpPr>
             <a:spLocks noGrp="1"/>
           </p:cNvSpPr>
@@ -1346,7 +1311,7 @@
         <p:spPr>
           <a:xfrm>
             <a:off x="685800" y="4400640"/>
-            <a:ext cx="5485320" cy="3599280"/>
+            <a:ext cx="5484960" cy="3598920"/>
           </a:xfrm>
           <a:prstGeom prst="rect">
             <a:avLst/>
@@ -1375,7 +1340,7 @@
       </p:sp>
       <p:sp>
         <p:nvSpPr>
-          <p:cNvPr id="125" name="PlaceHolder 3"/>
+          <p:cNvPr id="134" name="PlaceHolder 3"/>
           <p:cNvSpPr>
             <a:spLocks noGrp="1"/>
           </p:cNvSpPr>
@@ -1386,7 +1351,7 @@
         <p:spPr>
           <a:xfrm>
             <a:off x="3884760" y="8685360"/>
-            <a:ext cx="2970720" cy="457560"/>
+            <a:ext cx="2970360" cy="457200"/>
           </a:xfrm>
           <a:prstGeom prst="rect">
             <a:avLst/>
@@ -1437,7 +1402,7 @@
       </p:grpSpPr>
       <p:sp>
         <p:nvSpPr>
-          <p:cNvPr id="126" name="PlaceHolder 1"/>
+          <p:cNvPr id="135" name="PlaceHolder 1"/>
           <p:cNvSpPr>
             <a:spLocks noGrp="1"/>
           </p:cNvSpPr>
@@ -1460,7 +1425,7 @@
       </p:sp>
       <p:sp>
         <p:nvSpPr>
-          <p:cNvPr id="127" name="PlaceHolder 2"/>
+          <p:cNvPr id="136" name="PlaceHolder 2"/>
           <p:cNvSpPr>
             <a:spLocks noGrp="1"/>
           </p:cNvSpPr>
@@ -1471,7 +1436,7 @@
         <p:spPr>
           <a:xfrm>
             <a:off x="685800" y="4400640"/>
-            <a:ext cx="5485320" cy="3599280"/>
+            <a:ext cx="5484960" cy="3598920"/>
           </a:xfrm>
           <a:prstGeom prst="rect">
             <a:avLst/>
@@ -1500,7 +1465,7 @@
       </p:sp>
       <p:sp>
         <p:nvSpPr>
-          <p:cNvPr id="128" name="PlaceHolder 3"/>
+          <p:cNvPr id="137" name="PlaceHolder 3"/>
           <p:cNvSpPr>
             <a:spLocks noGrp="1"/>
           </p:cNvSpPr>
@@ -1511,7 +1476,7 @@
         <p:spPr>
           <a:xfrm>
             <a:off x="3884760" y="8685360"/>
-            <a:ext cx="2970720" cy="457560"/>
+            <a:ext cx="2970360" cy="457200"/>
           </a:xfrm>
           <a:prstGeom prst="rect">
             <a:avLst/>
@@ -1562,7 +1527,7 @@
       </p:grpSpPr>
       <p:sp>
         <p:nvSpPr>
-          <p:cNvPr id="129" name="PlaceHolder 1"/>
+          <p:cNvPr id="138" name="PlaceHolder 1"/>
           <p:cNvSpPr>
             <a:spLocks noGrp="1"/>
           </p:cNvSpPr>
@@ -1585,7 +1550,7 @@
       </p:sp>
       <p:sp>
         <p:nvSpPr>
-          <p:cNvPr id="130" name="PlaceHolder 2"/>
+          <p:cNvPr id="139" name="PlaceHolder 2"/>
           <p:cNvSpPr>
             <a:spLocks noGrp="1"/>
           </p:cNvSpPr>
@@ -1596,7 +1561,7 @@
         <p:spPr>
           <a:xfrm>
             <a:off x="685800" y="4400640"/>
-            <a:ext cx="5485320" cy="3599280"/>
+            <a:ext cx="5484960" cy="3598920"/>
           </a:xfrm>
           <a:prstGeom prst="rect">
             <a:avLst/>
@@ -1625,7 +1590,7 @@
       </p:sp>
       <p:sp>
         <p:nvSpPr>
-          <p:cNvPr id="131" name="PlaceHolder 3"/>
+          <p:cNvPr id="140" name="PlaceHolder 3"/>
           <p:cNvSpPr>
             <a:spLocks noGrp="1"/>
           </p:cNvSpPr>
@@ -1636,7 +1601,132 @@
         <p:spPr>
           <a:xfrm>
             <a:off x="3884760" y="8685360"/>
-            <a:ext cx="2970720" cy="457560"/>
+            <a:ext cx="2970360" cy="457200"/>
+          </a:xfrm>
+          <a:prstGeom prst="rect">
+            <a:avLst/>
+          </a:prstGeom>
+          <a:noFill/>
+          <a:ln w="0">
+            <a:noFill/>
+          </a:ln>
+        </p:spPr>
+        <p:txBody>
+          <a:bodyPr lIns="91440" rIns="91440" tIns="45720" bIns="45720" anchor="b">
+            <a:noAutofit/>
+          </a:bodyPr>
+          <a:p>
+            <a:pPr indent="0">
+              <a:buNone/>
+            </a:pPr>
+            <a:endParaRPr b="0" lang="en-US" sz="1400" spc="-1" strike="noStrike">
+              <a:solidFill>
+                <a:srgbClr val="000000"/>
+              </a:solidFill>
+              <a:latin typeface="Times New Roman"/>
+            </a:endParaRPr>
+          </a:p>
+        </p:txBody>
+      </p:sp>
+    </p:spTree>
+  </p:cSld>
+</p:notes>
+</file>
+
+<file path=ppt/notesSlides/notesSlide19.xml><?xml version="1.0" encoding="utf-8"?>
+<p:notes xmlns:a="http://schemas.openxmlformats.org/drawingml/2006/main" xmlns:p="http://schemas.openxmlformats.org/presentationml/2006/main" xmlns:r="http://schemas.openxmlformats.org/officeDocument/2006/relationships" xmlns:p14="http://schemas.microsoft.com/office/powerpoint/2010/main" xmlns:p15="http://schemas.microsoft.com/office/powerpoint/2012/main" xmlns:mc="http://schemas.openxmlformats.org/markup-compatibility/2006">
+  <p:cSld>
+    <p:spTree>
+      <p:nvGrpSpPr>
+        <p:cNvPr id="1" name=""/>
+        <p:cNvGrpSpPr/>
+        <p:nvPr/>
+      </p:nvGrpSpPr>
+      <p:grpSpPr>
+        <a:xfrm>
+          <a:off x="0" y="0"/>
+          <a:ext cx="0" cy="0"/>
+          <a:chOff x="0" y="0"/>
+          <a:chExt cx="0" cy="0"/>
+        </a:xfrm>
+      </p:grpSpPr>
+      <p:sp>
+        <p:nvSpPr>
+          <p:cNvPr id="141" name="PlaceHolder 1"/>
+          <p:cNvSpPr>
+            <a:spLocks noGrp="1"/>
+          </p:cNvSpPr>
+          <p:nvPr>
+            <p:ph type="sldImg"/>
+          </p:nvPr>
+        </p:nvSpPr>
+        <p:spPr>
+          <a:xfrm>
+            <a:off x="0" y="0"/>
+            <a:ext cx="0" cy="0"/>
+          </a:xfrm>
+          <a:prstGeom prst="rect">
+            <a:avLst/>
+          </a:prstGeom>
+          <a:ln w="0">
+            <a:noFill/>
+          </a:ln>
+        </p:spPr>
+      </p:sp>
+      <p:sp>
+        <p:nvSpPr>
+          <p:cNvPr id="142" name="PlaceHolder 2"/>
+          <p:cNvSpPr>
+            <a:spLocks noGrp="1"/>
+          </p:cNvSpPr>
+          <p:nvPr>
+            <p:ph type="body"/>
+          </p:nvPr>
+        </p:nvSpPr>
+        <p:spPr>
+          <a:xfrm>
+            <a:off x="685800" y="4400640"/>
+            <a:ext cx="5484960" cy="3598920"/>
+          </a:xfrm>
+          <a:prstGeom prst="rect">
+            <a:avLst/>
+          </a:prstGeom>
+          <a:noFill/>
+          <a:ln w="0">
+            <a:noFill/>
+          </a:ln>
+        </p:spPr>
+        <p:txBody>
+          <a:bodyPr lIns="91440" rIns="91440" tIns="45720" bIns="45720" anchor="ctr">
+            <a:noAutofit/>
+          </a:bodyPr>
+          <a:p>
+            <a:pPr marL="216000" indent="-216000">
+              <a:buNone/>
+            </a:pPr>
+            <a:endParaRPr b="0" lang="en-US" sz="1800" spc="-1" strike="noStrike">
+              <a:solidFill>
+                <a:srgbClr val="000000"/>
+              </a:solidFill>
+              <a:latin typeface="Arial"/>
+            </a:endParaRPr>
+          </a:p>
+        </p:txBody>
+      </p:sp>
+      <p:sp>
+        <p:nvSpPr>
+          <p:cNvPr id="143" name="PlaceHolder 3"/>
+          <p:cNvSpPr>
+            <a:spLocks noGrp="1"/>
+          </p:cNvSpPr>
+          <p:nvPr>
+            <p:ph type="sldNum" idx="29"/>
+          </p:nvPr>
+        </p:nvSpPr>
+        <p:spPr>
+          <a:xfrm>
+            <a:off x="3884760" y="8685360"/>
+            <a:ext cx="2970360" cy="457200"/>
           </a:xfrm>
           <a:prstGeom prst="rect">
             <a:avLst/>
@@ -1687,7 +1777,7 @@
       </p:grpSpPr>
       <p:sp>
         <p:nvSpPr>
-          <p:cNvPr id="81" name="PlaceHolder 1"/>
+          <p:cNvPr id="90" name="PlaceHolder 1"/>
           <p:cNvSpPr>
             <a:spLocks noGrp="1"/>
           </p:cNvSpPr>
@@ -1710,7 +1800,7 @@
       </p:sp>
       <p:sp>
         <p:nvSpPr>
-          <p:cNvPr id="82" name="PlaceHolder 2"/>
+          <p:cNvPr id="91" name="PlaceHolder 2"/>
           <p:cNvSpPr>
             <a:spLocks noGrp="1"/>
           </p:cNvSpPr>
@@ -1721,7 +1811,7 @@
         <p:spPr>
           <a:xfrm>
             <a:off x="685800" y="4400640"/>
-            <a:ext cx="5485320" cy="3599280"/>
+            <a:ext cx="5484960" cy="3598920"/>
           </a:xfrm>
           <a:prstGeom prst="rect">
             <a:avLst/>
@@ -1750,7 +1840,7 @@
       </p:sp>
       <p:sp>
         <p:nvSpPr>
-          <p:cNvPr id="83" name="PlaceHolder 3"/>
+          <p:cNvPr id="92" name="PlaceHolder 3"/>
           <p:cNvSpPr>
             <a:spLocks noGrp="1"/>
           </p:cNvSpPr>
@@ -1761,7 +1851,7 @@
         <p:spPr>
           <a:xfrm>
             <a:off x="3884760" y="8685360"/>
-            <a:ext cx="2970720" cy="457560"/>
+            <a:ext cx="2970360" cy="457200"/>
           </a:xfrm>
           <a:prstGeom prst="rect">
             <a:avLst/>
@@ -1812,7 +1902,7 @@
       </p:grpSpPr>
       <p:sp>
         <p:nvSpPr>
-          <p:cNvPr id="84" name="PlaceHolder 1"/>
+          <p:cNvPr id="93" name="PlaceHolder 1"/>
           <p:cNvSpPr>
             <a:spLocks noGrp="1"/>
           </p:cNvSpPr>
@@ -1835,7 +1925,7 @@
       </p:sp>
       <p:sp>
         <p:nvSpPr>
-          <p:cNvPr id="85" name="PlaceHolder 2"/>
+          <p:cNvPr id="94" name="PlaceHolder 2"/>
           <p:cNvSpPr>
             <a:spLocks noGrp="1"/>
           </p:cNvSpPr>
@@ -1846,7 +1936,7 @@
         <p:spPr>
           <a:xfrm>
             <a:off x="685800" y="4400640"/>
-            <a:ext cx="5485320" cy="3599280"/>
+            <a:ext cx="5484960" cy="3598920"/>
           </a:xfrm>
           <a:prstGeom prst="rect">
             <a:avLst/>
@@ -1875,7 +1965,7 @@
       </p:sp>
       <p:sp>
         <p:nvSpPr>
-          <p:cNvPr id="86" name="PlaceHolder 3"/>
+          <p:cNvPr id="95" name="PlaceHolder 3"/>
           <p:cNvSpPr>
             <a:spLocks noGrp="1"/>
           </p:cNvSpPr>
@@ -1886,7 +1976,7 @@
         <p:spPr>
           <a:xfrm>
             <a:off x="3884760" y="8685360"/>
-            <a:ext cx="2970720" cy="457560"/>
+            <a:ext cx="2970360" cy="457200"/>
           </a:xfrm>
           <a:prstGeom prst="rect">
             <a:avLst/>
@@ -1937,7 +2027,7 @@
       </p:grpSpPr>
       <p:sp>
         <p:nvSpPr>
-          <p:cNvPr id="87" name="PlaceHolder 1"/>
+          <p:cNvPr id="96" name="PlaceHolder 1"/>
           <p:cNvSpPr>
             <a:spLocks noGrp="1"/>
           </p:cNvSpPr>
@@ -1960,7 +2050,7 @@
       </p:sp>
       <p:sp>
         <p:nvSpPr>
-          <p:cNvPr id="88" name="PlaceHolder 2"/>
+          <p:cNvPr id="97" name="PlaceHolder 2"/>
           <p:cNvSpPr>
             <a:spLocks noGrp="1"/>
           </p:cNvSpPr>
@@ -1971,7 +2061,7 @@
         <p:spPr>
           <a:xfrm>
             <a:off x="685800" y="4400640"/>
-            <a:ext cx="5485320" cy="3599280"/>
+            <a:ext cx="5484960" cy="3598920"/>
           </a:xfrm>
           <a:prstGeom prst="rect">
             <a:avLst/>
@@ -2000,7 +2090,7 @@
       </p:sp>
       <p:sp>
         <p:nvSpPr>
-          <p:cNvPr id="89" name="PlaceHolder 3"/>
+          <p:cNvPr id="98" name="PlaceHolder 3"/>
           <p:cNvSpPr>
             <a:spLocks noGrp="1"/>
           </p:cNvSpPr>
@@ -2011,7 +2101,7 @@
         <p:spPr>
           <a:xfrm>
             <a:off x="3884760" y="8685360"/>
-            <a:ext cx="2970720" cy="457560"/>
+            <a:ext cx="2970360" cy="457200"/>
           </a:xfrm>
           <a:prstGeom prst="rect">
             <a:avLst/>
@@ -2062,7 +2152,7 @@
       </p:grpSpPr>
       <p:sp>
         <p:nvSpPr>
-          <p:cNvPr id="90" name="PlaceHolder 1"/>
+          <p:cNvPr id="99" name="PlaceHolder 1"/>
           <p:cNvSpPr>
             <a:spLocks noGrp="1"/>
           </p:cNvSpPr>
@@ -2085,7 +2175,7 @@
       </p:sp>
       <p:sp>
         <p:nvSpPr>
-          <p:cNvPr id="91" name="PlaceHolder 2"/>
+          <p:cNvPr id="100" name="PlaceHolder 2"/>
           <p:cNvSpPr>
             <a:spLocks noGrp="1"/>
           </p:cNvSpPr>
@@ -2096,7 +2186,7 @@
         <p:spPr>
           <a:xfrm>
             <a:off x="685800" y="4400640"/>
-            <a:ext cx="5485320" cy="3599280"/>
+            <a:ext cx="5484960" cy="3598920"/>
           </a:xfrm>
           <a:prstGeom prst="rect">
             <a:avLst/>
@@ -2125,7 +2215,7 @@
       </p:sp>
       <p:sp>
         <p:nvSpPr>
-          <p:cNvPr id="92" name="PlaceHolder 3"/>
+          <p:cNvPr id="101" name="PlaceHolder 3"/>
           <p:cNvSpPr>
             <a:spLocks noGrp="1"/>
           </p:cNvSpPr>
@@ -2136,7 +2226,7 @@
         <p:spPr>
           <a:xfrm>
             <a:off x="3884760" y="8685360"/>
-            <a:ext cx="2970720" cy="457560"/>
+            <a:ext cx="2970360" cy="457200"/>
           </a:xfrm>
           <a:prstGeom prst="rect">
             <a:avLst/>
@@ -2187,7 +2277,7 @@
       </p:grpSpPr>
       <p:sp>
         <p:nvSpPr>
-          <p:cNvPr id="93" name="PlaceHolder 1"/>
+          <p:cNvPr id="102" name="PlaceHolder 1"/>
           <p:cNvSpPr>
             <a:spLocks noGrp="1"/>
           </p:cNvSpPr>
@@ -2210,7 +2300,7 @@
       </p:sp>
       <p:sp>
         <p:nvSpPr>
-          <p:cNvPr id="94" name="PlaceHolder 2"/>
+          <p:cNvPr id="103" name="PlaceHolder 2"/>
           <p:cNvSpPr>
             <a:spLocks noGrp="1"/>
           </p:cNvSpPr>
@@ -2221,7 +2311,7 @@
         <p:spPr>
           <a:xfrm>
             <a:off x="685800" y="4400640"/>
-            <a:ext cx="5485320" cy="3599280"/>
+            <a:ext cx="5484960" cy="3598920"/>
           </a:xfrm>
           <a:prstGeom prst="rect">
             <a:avLst/>
@@ -2250,7 +2340,7 @@
       </p:sp>
       <p:sp>
         <p:nvSpPr>
-          <p:cNvPr id="95" name="PlaceHolder 3"/>
+          <p:cNvPr id="104" name="PlaceHolder 3"/>
           <p:cNvSpPr>
             <a:spLocks noGrp="1"/>
           </p:cNvSpPr>
@@ -2261,7 +2351,7 @@
         <p:spPr>
           <a:xfrm>
             <a:off x="3884760" y="8685360"/>
-            <a:ext cx="2970720" cy="457560"/>
+            <a:ext cx="2970360" cy="457200"/>
           </a:xfrm>
           <a:prstGeom prst="rect">
             <a:avLst/>
@@ -2312,7 +2402,7 @@
       </p:grpSpPr>
       <p:sp>
         <p:nvSpPr>
-          <p:cNvPr id="96" name="PlaceHolder 1"/>
+          <p:cNvPr id="105" name="PlaceHolder 1"/>
           <p:cNvSpPr>
             <a:spLocks noGrp="1"/>
           </p:cNvSpPr>
@@ -2335,7 +2425,7 @@
       </p:sp>
       <p:sp>
         <p:nvSpPr>
-          <p:cNvPr id="97" name="PlaceHolder 2"/>
+          <p:cNvPr id="106" name="PlaceHolder 2"/>
           <p:cNvSpPr>
             <a:spLocks noGrp="1"/>
           </p:cNvSpPr>
@@ -2346,7 +2436,7 @@
         <p:spPr>
           <a:xfrm>
             <a:off x="685800" y="4400640"/>
-            <a:ext cx="5485320" cy="3599280"/>
+            <a:ext cx="5484960" cy="3598920"/>
           </a:xfrm>
           <a:prstGeom prst="rect">
             <a:avLst/>
@@ -2375,7 +2465,7 @@
       </p:sp>
       <p:sp>
         <p:nvSpPr>
-          <p:cNvPr id="98" name="PlaceHolder 3"/>
+          <p:cNvPr id="107" name="PlaceHolder 3"/>
           <p:cNvSpPr>
             <a:spLocks noGrp="1"/>
           </p:cNvSpPr>
@@ -2386,7 +2476,7 @@
         <p:spPr>
           <a:xfrm>
             <a:off x="3884760" y="8685360"/>
-            <a:ext cx="2970720" cy="457560"/>
+            <a:ext cx="2970360" cy="457200"/>
           </a:xfrm>
           <a:prstGeom prst="rect">
             <a:avLst/>
@@ -2437,7 +2527,7 @@
       </p:grpSpPr>
       <p:sp>
         <p:nvSpPr>
-          <p:cNvPr id="99" name="PlaceHolder 1"/>
+          <p:cNvPr id="108" name="PlaceHolder 1"/>
           <p:cNvSpPr>
             <a:spLocks noGrp="1"/>
           </p:cNvSpPr>
@@ -2460,7 +2550,7 @@
       </p:sp>
       <p:sp>
         <p:nvSpPr>
-          <p:cNvPr id="100" name="PlaceHolder 2"/>
+          <p:cNvPr id="109" name="PlaceHolder 2"/>
           <p:cNvSpPr>
             <a:spLocks noGrp="1"/>
           </p:cNvSpPr>
@@ -2471,7 +2561,7 @@
         <p:spPr>
           <a:xfrm>
             <a:off x="685800" y="4400640"/>
-            <a:ext cx="5485320" cy="3599280"/>
+            <a:ext cx="5484960" cy="3598920"/>
           </a:xfrm>
           <a:prstGeom prst="rect">
             <a:avLst/>
@@ -2500,7 +2590,7 @@
       </p:sp>
       <p:sp>
         <p:nvSpPr>
-          <p:cNvPr id="101" name="PlaceHolder 3"/>
+          <p:cNvPr id="110" name="PlaceHolder 3"/>
           <p:cNvSpPr>
             <a:spLocks noGrp="1"/>
           </p:cNvSpPr>
@@ -2511,7 +2601,7 @@
         <p:spPr>
           <a:xfrm>
             <a:off x="3884760" y="8685360"/>
-            <a:ext cx="2970720" cy="457560"/>
+            <a:ext cx="2970360" cy="457200"/>
           </a:xfrm>
           <a:prstGeom prst="rect">
             <a:avLst/>
@@ -2562,7 +2652,7 @@
       </p:grpSpPr>
       <p:sp>
         <p:nvSpPr>
-          <p:cNvPr id="102" name="PlaceHolder 1"/>
+          <p:cNvPr id="111" name="PlaceHolder 1"/>
           <p:cNvSpPr>
             <a:spLocks noGrp="1"/>
           </p:cNvSpPr>
@@ -2585,7 +2675,7 @@
       </p:sp>
       <p:sp>
         <p:nvSpPr>
-          <p:cNvPr id="103" name="PlaceHolder 2"/>
+          <p:cNvPr id="112" name="PlaceHolder 2"/>
           <p:cNvSpPr>
             <a:spLocks noGrp="1"/>
           </p:cNvSpPr>
@@ -2596,7 +2686,7 @@
         <p:spPr>
           <a:xfrm>
             <a:off x="685800" y="4400640"/>
-            <a:ext cx="5485320" cy="3599280"/>
+            <a:ext cx="5484960" cy="3598920"/>
           </a:xfrm>
           <a:prstGeom prst="rect">
             <a:avLst/>
@@ -2625,7 +2715,7 @@
       </p:sp>
       <p:sp>
         <p:nvSpPr>
-          <p:cNvPr id="104" name="PlaceHolder 3"/>
+          <p:cNvPr id="113" name="PlaceHolder 3"/>
           <p:cNvSpPr>
             <a:spLocks noGrp="1"/>
           </p:cNvSpPr>
@@ -2636,7 +2726,7 @@
         <p:spPr>
           <a:xfrm>
             <a:off x="3884760" y="8685360"/>
-            <a:ext cx="2970720" cy="457560"/>
+            <a:ext cx="2970360" cy="457200"/>
           </a:xfrm>
           <a:prstGeom prst="rect">
             <a:avLst/>
@@ -2669,7 +2759,7 @@
 </file>
 
 <file path=ppt/slideLayouts/slideLayout1.xml><?xml version="1.0" encoding="utf-8"?>
-<p:sldLayout xmlns:a="http://schemas.openxmlformats.org/drawingml/2006/main" xmlns:p="http://schemas.openxmlformats.org/presentationml/2006/main" xmlns:r="http://schemas.openxmlformats.org/officeDocument/2006/relationships" xmlns:p14="http://schemas.microsoft.com/office/powerpoint/2010/main" xmlns:p15="http://schemas.microsoft.com/office/powerpoint/2012/main" xmlns:mc="http://schemas.openxmlformats.org/markup-compatibility/2006" type="blank" preserve="1">
+<p:sldLayout xmlns:a="http://schemas.openxmlformats.org/drawingml/2006/main" xmlns:p="http://schemas.openxmlformats.org/presentationml/2006/main" xmlns:r="http://schemas.openxmlformats.org/officeDocument/2006/relationships" xmlns:p14="http://schemas.microsoft.com/office/powerpoint/2010/main" xmlns:p15="http://schemas.microsoft.com/office/powerpoint/2012/main" xmlns:mc="http://schemas.openxmlformats.org/markup-compatibility/2006" type="title" preserve="1">
   <p:cSld name="Blank Slide">
     <p:spTree>
       <p:nvGrpSpPr>
@@ -2685,13 +2775,93 @@
           <a:chExt cx="0" cy="0"/>
         </a:xfrm>
       </p:grpSpPr>
+      <p:sp>
+        <p:nvSpPr>
+          <p:cNvPr id="5" name="PlaceHolder 1"/>
+          <p:cNvSpPr>
+            <a:spLocks noGrp="1"/>
+          </p:cNvSpPr>
+          <p:nvPr>
+            <p:ph type="title"/>
+          </p:nvPr>
+        </p:nvSpPr>
+        <p:spPr>
+          <a:xfrm>
+            <a:off x="609480" y="273600"/>
+            <a:ext cx="10972440" cy="1144800"/>
+          </a:xfrm>
+          <a:prstGeom prst="rect">
+            <a:avLst/>
+          </a:prstGeom>
+          <a:noFill/>
+          <a:ln w="0">
+            <a:noFill/>
+          </a:ln>
+        </p:spPr>
+        <p:txBody>
+          <a:bodyPr lIns="0" rIns="0" tIns="0" bIns="0" anchor="ctr">
+            <a:noAutofit/>
+          </a:bodyPr>
+          <a:p>
+            <a:pPr indent="0" algn="ctr">
+              <a:buNone/>
+            </a:pPr>
+            <a:endParaRPr b="0" lang="en-US" sz="4400" spc="-1" strike="noStrike">
+              <a:solidFill>
+                <a:srgbClr val="000000"/>
+              </a:solidFill>
+              <a:latin typeface="Arial"/>
+            </a:endParaRPr>
+          </a:p>
+        </p:txBody>
+      </p:sp>
+      <p:sp>
+        <p:nvSpPr>
+          <p:cNvPr id="6" name="PlaceHolder 2"/>
+          <p:cNvSpPr>
+            <a:spLocks noGrp="1"/>
+          </p:cNvSpPr>
+          <p:nvPr>
+            <p:ph type="subTitle"/>
+          </p:nvPr>
+        </p:nvSpPr>
+        <p:spPr>
+          <a:xfrm>
+            <a:off x="609480" y="1604520"/>
+            <a:ext cx="10972440" cy="3977280"/>
+          </a:xfrm>
+          <a:prstGeom prst="rect">
+            <a:avLst/>
+          </a:prstGeom>
+          <a:noFill/>
+          <a:ln w="0">
+            <a:noFill/>
+          </a:ln>
+        </p:spPr>
+        <p:txBody>
+          <a:bodyPr lIns="0" rIns="0" tIns="0" bIns="0" anchor="ctr">
+            <a:noAutofit/>
+          </a:bodyPr>
+          <a:p>
+            <a:pPr indent="0" algn="ctr">
+              <a:buNone/>
+            </a:pPr>
+            <a:endParaRPr b="0" lang="en-US" sz="3200" spc="-1" strike="noStrike">
+              <a:solidFill>
+                <a:srgbClr val="000000"/>
+              </a:solidFill>
+              <a:latin typeface="Arial"/>
+            </a:endParaRPr>
+          </a:p>
+        </p:txBody>
+      </p:sp>
     </p:spTree>
   </p:cSld>
 </p:sldLayout>
 </file>
 
 <file path=ppt/slideLayouts/slideLayout2.xml><?xml version="1.0" encoding="utf-8"?>
-<p:sldLayout xmlns:a="http://schemas.openxmlformats.org/drawingml/2006/main" xmlns:p="http://schemas.openxmlformats.org/presentationml/2006/main" xmlns:r="http://schemas.openxmlformats.org/officeDocument/2006/relationships" xmlns:p14="http://schemas.microsoft.com/office/powerpoint/2010/main" xmlns:p15="http://schemas.microsoft.com/office/powerpoint/2012/main" xmlns:mc="http://schemas.openxmlformats.org/markup-compatibility/2006" type="blank" preserve="1">
+<p:sldLayout xmlns:a="http://schemas.openxmlformats.org/drawingml/2006/main" xmlns:p="http://schemas.openxmlformats.org/presentationml/2006/main" xmlns:r="http://schemas.openxmlformats.org/officeDocument/2006/relationships" xmlns:p14="http://schemas.microsoft.com/office/powerpoint/2010/main" xmlns:p15="http://schemas.microsoft.com/office/powerpoint/2012/main" xmlns:mc="http://schemas.openxmlformats.org/markup-compatibility/2006" type="title" preserve="1">
   <p:cSld name="Default 5">
     <p:spTree>
       <p:nvGrpSpPr>
@@ -2709,7 +2879,87 @@
       </p:grpSpPr>
       <p:sp>
         <p:nvSpPr>
-          <p:cNvPr id="2" name="PlaceHolder 1"/>
+          <p:cNvPr id="14" name="PlaceHolder 1"/>
+          <p:cNvSpPr>
+            <a:spLocks noGrp="1"/>
+          </p:cNvSpPr>
+          <p:nvPr>
+            <p:ph type="title"/>
+          </p:nvPr>
+        </p:nvSpPr>
+        <p:spPr>
+          <a:xfrm>
+            <a:off x="609480" y="273600"/>
+            <a:ext cx="10972440" cy="1144800"/>
+          </a:xfrm>
+          <a:prstGeom prst="rect">
+            <a:avLst/>
+          </a:prstGeom>
+          <a:noFill/>
+          <a:ln w="0">
+            <a:noFill/>
+          </a:ln>
+        </p:spPr>
+        <p:txBody>
+          <a:bodyPr lIns="0" rIns="0" tIns="0" bIns="0" anchor="ctr">
+            <a:noAutofit/>
+          </a:bodyPr>
+          <a:p>
+            <a:pPr indent="0" algn="ctr">
+              <a:buNone/>
+            </a:pPr>
+            <a:endParaRPr b="0" lang="en-US" sz="4400" spc="-1" strike="noStrike">
+              <a:solidFill>
+                <a:srgbClr val="000000"/>
+              </a:solidFill>
+              <a:latin typeface="Arial"/>
+            </a:endParaRPr>
+          </a:p>
+        </p:txBody>
+      </p:sp>
+      <p:sp>
+        <p:nvSpPr>
+          <p:cNvPr id="15" name="PlaceHolder 2"/>
+          <p:cNvSpPr>
+            <a:spLocks noGrp="1"/>
+          </p:cNvSpPr>
+          <p:nvPr>
+            <p:ph type="subTitle"/>
+          </p:nvPr>
+        </p:nvSpPr>
+        <p:spPr>
+          <a:xfrm>
+            <a:off x="609480" y="1604520"/>
+            <a:ext cx="10972440" cy="3977280"/>
+          </a:xfrm>
+          <a:prstGeom prst="rect">
+            <a:avLst/>
+          </a:prstGeom>
+          <a:noFill/>
+          <a:ln w="0">
+            <a:noFill/>
+          </a:ln>
+        </p:spPr>
+        <p:txBody>
+          <a:bodyPr lIns="0" rIns="0" tIns="0" bIns="0" anchor="ctr">
+            <a:noAutofit/>
+          </a:bodyPr>
+          <a:p>
+            <a:pPr indent="0" algn="ctr">
+              <a:buNone/>
+            </a:pPr>
+            <a:endParaRPr b="0" lang="en-US" sz="3200" spc="-1" strike="noStrike">
+              <a:solidFill>
+                <a:srgbClr val="000000"/>
+              </a:solidFill>
+              <a:latin typeface="Arial"/>
+            </a:endParaRPr>
+          </a:p>
+        </p:txBody>
+      </p:sp>
+      <p:sp>
+        <p:nvSpPr>
+          <p:cNvPr id="4" name="PlaceHolder 3"/>
           <p:cNvSpPr>
             <a:spLocks noGrp="1"/>
           </p:cNvSpPr>
@@ -2729,7 +2979,7 @@
       </p:sp>
       <p:sp>
         <p:nvSpPr>
-          <p:cNvPr id="3" name="PlaceHolder 2"/>
+          <p:cNvPr id="5" name="PlaceHolder 4"/>
           <p:cNvSpPr>
             <a:spLocks noGrp="1"/>
           </p:cNvSpPr>
@@ -2741,7 +2991,7 @@
         <p:txBody>
           <a:bodyPr/>
           <a:p>
-            <a:fld id="{6B8EC556-FA7E-4B08-B9D9-CC8A5789BBBF}" type="slidenum">
+            <a:fld id="{F616C02C-A349-48F9-8A78-EE17489F42E4}" type="slidenum">
               <a:t>&lt;#&gt;</a:t>
             </a:fld>
           </a:p>
@@ -2749,7 +2999,7 @@
       </p:sp>
       <p:sp>
         <p:nvSpPr>
-          <p:cNvPr id="4" name="PlaceHolder 3"/>
+          <p:cNvPr id="6" name="PlaceHolder 5"/>
           <p:cNvSpPr>
             <a:spLocks noGrp="1"/>
           </p:cNvSpPr>
@@ -2774,7 +3024,7 @@
 </file>
 
 <file path=ppt/slideLayouts/slideLayout3.xml><?xml version="1.0" encoding="utf-8"?>
-<p:sldLayout xmlns:a="http://schemas.openxmlformats.org/drawingml/2006/main" xmlns:p="http://schemas.openxmlformats.org/presentationml/2006/main" xmlns:r="http://schemas.openxmlformats.org/officeDocument/2006/relationships" xmlns:p14="http://schemas.microsoft.com/office/powerpoint/2010/main" xmlns:p15="http://schemas.microsoft.com/office/powerpoint/2012/main" xmlns:mc="http://schemas.openxmlformats.org/markup-compatibility/2006" type="blank" preserve="1">
+<p:sldLayout xmlns:a="http://schemas.openxmlformats.org/drawingml/2006/main" xmlns:p="http://schemas.openxmlformats.org/presentationml/2006/main" xmlns:r="http://schemas.openxmlformats.org/officeDocument/2006/relationships" xmlns:p14="http://schemas.microsoft.com/office/powerpoint/2010/main" xmlns:p15="http://schemas.microsoft.com/office/powerpoint/2012/main" xmlns:mc="http://schemas.openxmlformats.org/markup-compatibility/2006" type="title" preserve="1">
   <p:cSld name="Default 30">
     <p:spTree>
       <p:nvGrpSpPr>
@@ -2790,6 +3040,86 @@
           <a:chExt cx="0" cy="0"/>
         </a:xfrm>
       </p:grpSpPr>
+      <p:sp>
+        <p:nvSpPr>
+          <p:cNvPr id="21" name="PlaceHolder 1"/>
+          <p:cNvSpPr>
+            <a:spLocks noGrp="1"/>
+          </p:cNvSpPr>
+          <p:nvPr>
+            <p:ph type="title"/>
+          </p:nvPr>
+        </p:nvSpPr>
+        <p:spPr>
+          <a:xfrm>
+            <a:off x="609480" y="273600"/>
+            <a:ext cx="10972440" cy="1144800"/>
+          </a:xfrm>
+          <a:prstGeom prst="rect">
+            <a:avLst/>
+          </a:prstGeom>
+          <a:noFill/>
+          <a:ln w="0">
+            <a:noFill/>
+          </a:ln>
+        </p:spPr>
+        <p:txBody>
+          <a:bodyPr lIns="0" rIns="0" tIns="0" bIns="0" anchor="ctr">
+            <a:noAutofit/>
+          </a:bodyPr>
+          <a:p>
+            <a:pPr indent="0" algn="ctr">
+              <a:buNone/>
+            </a:pPr>
+            <a:endParaRPr b="0" lang="en-US" sz="4400" spc="-1" strike="noStrike">
+              <a:solidFill>
+                <a:srgbClr val="000000"/>
+              </a:solidFill>
+              <a:latin typeface="Arial"/>
+            </a:endParaRPr>
+          </a:p>
+        </p:txBody>
+      </p:sp>
+      <p:sp>
+        <p:nvSpPr>
+          <p:cNvPr id="22" name="PlaceHolder 2"/>
+          <p:cNvSpPr>
+            <a:spLocks noGrp="1"/>
+          </p:cNvSpPr>
+          <p:nvPr>
+            <p:ph type="subTitle"/>
+          </p:nvPr>
+        </p:nvSpPr>
+        <p:spPr>
+          <a:xfrm>
+            <a:off x="609480" y="1604520"/>
+            <a:ext cx="10972440" cy="3977280"/>
+          </a:xfrm>
+          <a:prstGeom prst="rect">
+            <a:avLst/>
+          </a:prstGeom>
+          <a:noFill/>
+          <a:ln w="0">
+            <a:noFill/>
+          </a:ln>
+        </p:spPr>
+        <p:txBody>
+          <a:bodyPr lIns="0" rIns="0" tIns="0" bIns="0" anchor="ctr">
+            <a:noAutofit/>
+          </a:bodyPr>
+          <a:p>
+            <a:pPr indent="0" algn="ctr">
+              <a:buNone/>
+            </a:pPr>
+            <a:endParaRPr b="0" lang="en-US" sz="3200" spc="-1" strike="noStrike">
+              <a:solidFill>
+                <a:srgbClr val="000000"/>
+              </a:solidFill>
+              <a:latin typeface="Arial"/>
+            </a:endParaRPr>
+          </a:p>
+        </p:txBody>
+      </p:sp>
     </p:spTree>
   </p:cSld>
 </p:sldLayout>
@@ -2832,7 +3162,7 @@
         <p:spPr>
           <a:xfrm>
             <a:off x="0" y="1630080"/>
-            <a:ext cx="12189240" cy="5225040"/>
+            <a:ext cx="12188880" cy="5224680"/>
           </a:xfrm>
           <a:prstGeom prst="rect">
             <a:avLst/>
@@ -2855,7 +3185,7 @@
         <p:spPr>
           <a:xfrm>
             <a:off x="0" y="0"/>
-            <a:ext cx="12189240" cy="6855120"/>
+            <a:ext cx="12188880" cy="6854760"/>
           </a:xfrm>
           <a:prstGeom prst="rect">
             <a:avLst/>
@@ -2874,28 +3204,20 @@
         <p:spPr>
           <a:xfrm>
             <a:off x="633600" y="2893320"/>
-            <a:ext cx="1887840" cy="928440"/>
+            <a:ext cx="1887480" cy="928080"/>
           </a:xfrm>
           <a:prstGeom prst="rect">
             <a:avLst/>
           </a:prstGeom>
           <a:noFill/>
-          <a:ln>
+          <a:ln w="12600">
             <a:noFill/>
           </a:ln>
         </p:spPr>
         <p:style>
-          <a:lnRef idx="2">
-            <a:schemeClr val="accent1">
-              <a:shade val="50000"/>
-            </a:schemeClr>
-          </a:lnRef>
-          <a:fillRef idx="1">
-            <a:schemeClr val="accent1"/>
-          </a:fillRef>
-          <a:effectRef idx="0">
-            <a:schemeClr val="accent1"/>
-          </a:effectRef>
+          <a:lnRef idx="0"/>
+          <a:fillRef idx="0"/>
+          <a:effectRef idx="0"/>
           <a:fontRef idx="minor"/>
         </p:style>
         <p:txBody>
@@ -2965,43 +3287,7 @@
                 </a:solidFill>
                 <a:latin typeface="Arial"/>
               </a:rPr>
-              <a:t>Click to </a:t>
-            </a:r>
-            <a:r>
-              <a:rPr b="0" lang="en-US" sz="4400" spc="-1" strike="noStrike">
-                <a:solidFill>
-                  <a:srgbClr val="000000"/>
-                </a:solidFill>
-                <a:latin typeface="Arial"/>
-              </a:rPr>
-              <a:t>edit the </a:t>
-            </a:r>
-            <a:r>
-              <a:rPr b="0" lang="en-US" sz="4400" spc="-1" strike="noStrike">
-                <a:solidFill>
-                  <a:srgbClr val="000000"/>
-                </a:solidFill>
-                <a:latin typeface="Arial"/>
-              </a:rPr>
-              <a:t>title </a:t>
-            </a:r>
-            <a:r>
-              <a:rPr b="0" lang="en-US" sz="4400" spc="-1" strike="noStrike">
-                <a:solidFill>
-                  <a:srgbClr val="000000"/>
-                </a:solidFill>
-                <a:latin typeface="Arial"/>
-              </a:rPr>
-              <a:t>text </a:t>
-            </a:r>
-            <a:r>
-              <a:rPr b="0" lang="en-US" sz="4400" spc="-1" strike="noStrike">
-                <a:solidFill>
-                  <a:srgbClr val="000000"/>
-                </a:solidFill>
-                <a:latin typeface="Arial"/>
-              </a:rPr>
-              <a:t>format</a:t>
+              <a:t>Click to edit the title text format</a:t>
             </a:r>
             <a:endParaRPr b="0" lang="en-US" sz="4400" spc="-1" strike="noStrike">
               <a:solidFill>
@@ -3272,7 +3558,7 @@
       </p:grpSpPr>
       <p:pic>
         <p:nvPicPr>
-          <p:cNvPr id="5" name="Grafik 4" descr=""/>
+          <p:cNvPr id="7" name="Grafik 4" descr=""/>
           <p:cNvPicPr/>
           <p:nvPr/>
         </p:nvPicPr>
@@ -3283,7 +3569,7 @@
         <p:spPr>
           <a:xfrm>
             <a:off x="0" y="0"/>
-            <a:ext cx="12189240" cy="6855120"/>
+            <a:ext cx="12188880" cy="6854760"/>
           </a:xfrm>
           <a:prstGeom prst="rect">
             <a:avLst/>
@@ -3295,14 +3581,14 @@
       </p:pic>
       <p:sp>
         <p:nvSpPr>
-          <p:cNvPr id="6" name="Textfeld 6"/>
+          <p:cNvPr id="8" name="Textfeld 6"/>
           <p:cNvSpPr/>
           <p:nvPr/>
         </p:nvSpPr>
         <p:spPr>
           <a:xfrm>
             <a:off x="10488600" y="6453360"/>
-            <a:ext cx="642960" cy="166320"/>
+            <a:ext cx="642600" cy="165960"/>
           </a:xfrm>
           <a:prstGeom prst="rect">
             <a:avLst/>
@@ -3323,11 +3609,6 @@
             <a:spAutoFit/>
           </a:bodyPr>
           <a:p>
-            <a:pPr>
-              <a:lnSpc>
-                <a:spcPct val="100000"/>
-              </a:lnSpc>
-            </a:pPr>
             <a:endParaRPr b="0" lang="de-DE" sz="1100" spc="-1" strike="noStrike">
               <a:solidFill>
                 <a:srgbClr val="1c4087"/>
@@ -3340,7 +3621,7 @@
       </p:sp>
       <p:sp>
         <p:nvSpPr>
-          <p:cNvPr id="7" name="PlaceHolder 1"/>
+          <p:cNvPr id="9" name="PlaceHolder 1"/>
           <p:cNvSpPr>
             <a:spLocks noGrp="1"/>
           </p:cNvSpPr>
@@ -3351,7 +3632,7 @@
         <p:spPr>
           <a:xfrm>
             <a:off x="1981080" y="6344640"/>
-            <a:ext cx="8749800" cy="362160"/>
+            <a:ext cx="8749440" cy="361800"/>
           </a:xfrm>
           <a:prstGeom prst="rect">
             <a:avLst/>
@@ -3412,7 +3693,7 @@
       </p:sp>
       <p:sp>
         <p:nvSpPr>
-          <p:cNvPr id="8" name="PlaceHolder 2"/>
+          <p:cNvPr id="10" name="PlaceHolder 2"/>
           <p:cNvSpPr>
             <a:spLocks noGrp="1"/>
           </p:cNvSpPr>
@@ -3423,7 +3704,7 @@
         <p:spPr>
           <a:xfrm>
             <a:off x="10848960" y="6344640"/>
-            <a:ext cx="810360" cy="362160"/>
+            <a:ext cx="810000" cy="361800"/>
           </a:xfrm>
           <a:prstGeom prst="rect">
             <a:avLst/>
@@ -3464,7 +3745,7 @@
                 <a:tab algn="l" pos="0"/>
               </a:tabLst>
             </a:pPr>
-            <a:fld id="{3733BEAF-59A5-481D-B3AA-BF19C69ECC3D}" type="slidenum">
+            <a:fld id="{9F48B4D2-E33C-4295-833E-5BD5527124DD}" type="slidenum">
               <a:rPr b="0" lang="de-DE" sz="1100" spc="-1" strike="noStrike">
                 <a:solidFill>
                   <a:srgbClr val="1d3c91"/>
@@ -3484,7 +3765,7 @@
       </p:sp>
       <p:sp>
         <p:nvSpPr>
-          <p:cNvPr id="9" name="PlaceHolder 3"/>
+          <p:cNvPr id="11" name="PlaceHolder 3"/>
           <p:cNvSpPr>
             <a:spLocks noGrp="1"/>
           </p:cNvSpPr>
@@ -3495,7 +3776,7 @@
         <p:spPr>
           <a:xfrm>
             <a:off x="630720" y="6344640"/>
-            <a:ext cx="1237320" cy="362160"/>
+            <a:ext cx="1236960" cy="361800"/>
           </a:xfrm>
           <a:prstGeom prst="rect">
             <a:avLst/>
@@ -3544,7 +3825,7 @@
       </p:sp>
       <p:sp>
         <p:nvSpPr>
-          <p:cNvPr id="10" name="PlaceHolder 4"/>
+          <p:cNvPr id="12" name="PlaceHolder 4"/>
           <p:cNvSpPr>
             <a:spLocks noGrp="1"/>
           </p:cNvSpPr>
@@ -3580,43 +3861,7 @@
                 </a:solidFill>
                 <a:latin typeface="Arial"/>
               </a:rPr>
-              <a:t>Click to </a:t>
-            </a:r>
-            <a:r>
-              <a:rPr b="0" lang="en-US" sz="4400" spc="-1" strike="noStrike">
-                <a:solidFill>
-                  <a:srgbClr val="000000"/>
-                </a:solidFill>
-                <a:latin typeface="Arial"/>
-              </a:rPr>
-              <a:t>edit the </a:t>
-            </a:r>
-            <a:r>
-              <a:rPr b="0" lang="en-US" sz="4400" spc="-1" strike="noStrike">
-                <a:solidFill>
-                  <a:srgbClr val="000000"/>
-                </a:solidFill>
-                <a:latin typeface="Arial"/>
-              </a:rPr>
-              <a:t>title </a:t>
-            </a:r>
-            <a:r>
-              <a:rPr b="0" lang="en-US" sz="4400" spc="-1" strike="noStrike">
-                <a:solidFill>
-                  <a:srgbClr val="000000"/>
-                </a:solidFill>
-                <a:latin typeface="Arial"/>
-              </a:rPr>
-              <a:t>text </a:t>
-            </a:r>
-            <a:r>
-              <a:rPr b="0" lang="en-US" sz="4400" spc="-1" strike="noStrike">
-                <a:solidFill>
-                  <a:srgbClr val="000000"/>
-                </a:solidFill>
-                <a:latin typeface="Arial"/>
-              </a:rPr>
-              <a:t>format</a:t>
+              <a:t>Click to edit the title text format</a:t>
             </a:r>
             <a:endParaRPr b="0" lang="en-US" sz="4400" spc="-1" strike="noStrike">
               <a:solidFill>
@@ -3629,7 +3874,7 @@
       </p:sp>
       <p:sp>
         <p:nvSpPr>
-          <p:cNvPr id="11" name="PlaceHolder 5"/>
+          <p:cNvPr id="13" name="PlaceHolder 5"/>
           <p:cNvSpPr>
             <a:spLocks noGrp="1"/>
           </p:cNvSpPr>
@@ -3887,7 +4132,7 @@
       </p:grpSpPr>
       <p:pic>
         <p:nvPicPr>
-          <p:cNvPr id="12" name="Key Visual" descr=""/>
+          <p:cNvPr id="16" name="Key Visual" descr=""/>
           <p:cNvPicPr/>
           <p:nvPr/>
         </p:nvPicPr>
@@ -3898,7 +4143,7 @@
         <p:spPr>
           <a:xfrm>
             <a:off x="0" y="1630080"/>
-            <a:ext cx="12189600" cy="5225400"/>
+            <a:ext cx="12189240" cy="5225040"/>
           </a:xfrm>
           <a:prstGeom prst="rect">
             <a:avLst/>
@@ -3910,7 +4155,7 @@
       </p:pic>
       <p:pic>
         <p:nvPicPr>
-          <p:cNvPr id="13" name="Verlauf" descr=""/>
+          <p:cNvPr id="17" name="Verlauf" descr=""/>
           <p:cNvPicPr/>
           <p:nvPr/>
         </p:nvPicPr>
@@ -3921,7 +4166,7 @@
         <p:spPr>
           <a:xfrm>
             <a:off x="0" y="0"/>
-            <a:ext cx="12189600" cy="6855480"/>
+            <a:ext cx="12189240" cy="6855120"/>
           </a:xfrm>
           <a:prstGeom prst="rect">
             <a:avLst/>
@@ -3933,35 +4178,27 @@
       </p:pic>
       <p:sp>
         <p:nvSpPr>
-          <p:cNvPr id="14" name="Name des Zentrums"/>
+          <p:cNvPr id="18" name="Name des Zentrums"/>
           <p:cNvSpPr/>
           <p:nvPr/>
         </p:nvSpPr>
         <p:spPr>
           <a:xfrm>
             <a:off x="633600" y="2893320"/>
-            <a:ext cx="1888200" cy="928800"/>
+            <a:ext cx="1887840" cy="928440"/>
           </a:xfrm>
           <a:prstGeom prst="rect">
             <a:avLst/>
           </a:prstGeom>
           <a:noFill/>
-          <a:ln>
+          <a:ln w="12600">
             <a:noFill/>
           </a:ln>
         </p:spPr>
         <p:style>
-          <a:lnRef idx="2">
-            <a:schemeClr val="accent1">
-              <a:shade val="50000"/>
-            </a:schemeClr>
-          </a:lnRef>
-          <a:fillRef idx="1">
-            <a:schemeClr val="accent1"/>
-          </a:fillRef>
-          <a:effectRef idx="0">
-            <a:schemeClr val="accent1"/>
-          </a:effectRef>
+          <a:lnRef idx="0"/>
+          <a:fillRef idx="0"/>
+          <a:effectRef idx="0"/>
           <a:fontRef idx="minor"/>
         </p:style>
         <p:txBody>
@@ -3995,7 +4232,7 @@
       </p:sp>
       <p:sp>
         <p:nvSpPr>
-          <p:cNvPr id="15" name="PlaceHolder 1"/>
+          <p:cNvPr id="19" name="PlaceHolder 1"/>
           <p:cNvSpPr>
             <a:spLocks noGrp="1"/>
           </p:cNvSpPr>
@@ -4031,43 +4268,7 @@
                 </a:solidFill>
                 <a:latin typeface="Arial"/>
               </a:rPr>
-              <a:t>Click to </a:t>
-            </a:r>
-            <a:r>
-              <a:rPr b="0" lang="en-US" sz="4400" spc="-1" strike="noStrike">
-                <a:solidFill>
-                  <a:srgbClr val="000000"/>
-                </a:solidFill>
-                <a:latin typeface="Arial"/>
-              </a:rPr>
-              <a:t>edit the </a:t>
-            </a:r>
-            <a:r>
-              <a:rPr b="0" lang="en-US" sz="4400" spc="-1" strike="noStrike">
-                <a:solidFill>
-                  <a:srgbClr val="000000"/>
-                </a:solidFill>
-                <a:latin typeface="Arial"/>
-              </a:rPr>
-              <a:t>title </a:t>
-            </a:r>
-            <a:r>
-              <a:rPr b="0" lang="en-US" sz="4400" spc="-1" strike="noStrike">
-                <a:solidFill>
-                  <a:srgbClr val="000000"/>
-                </a:solidFill>
-                <a:latin typeface="Arial"/>
-              </a:rPr>
-              <a:t>text </a:t>
-            </a:r>
-            <a:r>
-              <a:rPr b="0" lang="en-US" sz="4400" spc="-1" strike="noStrike">
-                <a:solidFill>
-                  <a:srgbClr val="000000"/>
-                </a:solidFill>
-                <a:latin typeface="Arial"/>
-              </a:rPr>
-              <a:t>format</a:t>
+              <a:t>Click to edit the title text format</a:t>
             </a:r>
             <a:endParaRPr b="0" lang="en-US" sz="4400" spc="-1" strike="noStrike">
               <a:solidFill>
@@ -4080,7 +4281,7 @@
       </p:sp>
       <p:sp>
         <p:nvSpPr>
-          <p:cNvPr id="16" name="PlaceHolder 2"/>
+          <p:cNvPr id="20" name="PlaceHolder 2"/>
           <p:cNvSpPr>
             <a:spLocks noGrp="1"/>
           </p:cNvSpPr>
@@ -4331,7 +4532,7 @@
       </p:grpSpPr>
       <p:sp>
         <p:nvSpPr>
-          <p:cNvPr id="23" name="PlaceHolder 1"/>
+          <p:cNvPr id="29" name="PlaceHolder 1"/>
           <p:cNvSpPr>
             <a:spLocks noGrp="1"/>
           </p:cNvSpPr>
@@ -4342,7 +4543,7 @@
         <p:spPr>
           <a:xfrm>
             <a:off x="623160" y="4437000"/>
-            <a:ext cx="10935720" cy="540720"/>
+            <a:ext cx="10935360" cy="540360"/>
           </a:xfrm>
           <a:prstGeom prst="rect">
             <a:avLst/>
@@ -4373,79 +4574,7 @@
                 </a:solidFill>
                 <a:latin typeface="Overpass"/>
               </a:rPr>
-              <a:t>Transfe</a:t>
-            </a:r>
-            <a:r>
-              <a:rPr b="1" lang="de-DE" sz="3300" spc="-1" strike="noStrike">
-                <a:solidFill>
-                  <a:srgbClr val="ffffff"/>
-                </a:solidFill>
-                <a:latin typeface="Overpass"/>
-              </a:rPr>
-              <a:t>r </a:t>
-            </a:r>
-            <a:r>
-              <a:rPr b="1" lang="de-DE" sz="3300" spc="-1" strike="noStrike">
-                <a:solidFill>
-                  <a:srgbClr val="ffffff"/>
-                </a:solidFill>
-                <a:latin typeface="Overpass"/>
-              </a:rPr>
-              <a:t>optimiz</a:t>
-            </a:r>
-            <a:r>
-              <a:rPr b="1" lang="de-DE" sz="3300" spc="-1" strike="noStrike">
-                <a:solidFill>
-                  <a:srgbClr val="ffffff"/>
-                </a:solidFill>
-                <a:latin typeface="Overpass"/>
-              </a:rPr>
-              <a:t>ations </a:t>
-            </a:r>
-            <a:r>
-              <a:rPr b="1" lang="de-DE" sz="3300" spc="-1" strike="noStrike">
-                <a:solidFill>
-                  <a:srgbClr val="ffffff"/>
-                </a:solidFill>
-                <a:latin typeface="Overpass"/>
-              </a:rPr>
-              <a:t>on </a:t>
-            </a:r>
-            <a:r>
-              <a:rPr b="1" lang="de-DE" sz="3300" spc="-1" strike="noStrike">
-                <a:solidFill>
-                  <a:srgbClr val="ffffff"/>
-                </a:solidFill>
-                <a:latin typeface="Overpass"/>
-              </a:rPr>
-              <a:t>partitio</a:t>
-            </a:r>
-            <a:r>
-              <a:rPr b="1" lang="de-DE" sz="3300" spc="-1" strike="noStrike">
-                <a:solidFill>
-                  <a:srgbClr val="ffffff"/>
-                </a:solidFill>
-                <a:latin typeface="Overpass"/>
-              </a:rPr>
-              <a:t>ned </a:t>
-            </a:r>
-            <a:r>
-              <a:rPr b="1" lang="de-DE" sz="3300" spc="-1" strike="noStrike">
-                <a:solidFill>
-                  <a:srgbClr val="ffffff"/>
-                </a:solidFill>
-                <a:latin typeface="Overpass"/>
-              </a:rPr>
-              <a:t>commu</a:t>
-            </a:r>
-            <a:r>
-              <a:rPr b="1" lang="de-DE" sz="3300" spc="-1" strike="noStrike">
-                <a:solidFill>
-                  <a:srgbClr val="ffffff"/>
-                </a:solidFill>
-                <a:latin typeface="Overpass"/>
-              </a:rPr>
-              <a:t>nication</a:t>
+              <a:t>Transfer optimizations on partitioned communication</a:t>
             </a:r>
             <a:endParaRPr b="0" lang="en-US" sz="3300" spc="-1" strike="noStrike">
               <a:solidFill>
@@ -4458,14 +4587,14 @@
       </p:sp>
       <p:sp>
         <p:nvSpPr>
-          <p:cNvPr id="24" name="Titel 4"/>
+          <p:cNvPr id="30" name="Titel 4"/>
           <p:cNvSpPr/>
           <p:nvPr/>
         </p:nvSpPr>
         <p:spPr>
           <a:xfrm>
             <a:off x="623520" y="5337360"/>
-            <a:ext cx="10512720" cy="540720"/>
+            <a:ext cx="10512360" cy="540360"/>
           </a:xfrm>
           <a:prstGeom prst="rect">
             <a:avLst/>
@@ -4542,14 +4671,14 @@
       </p:grpSpPr>
       <p:sp>
         <p:nvSpPr>
-          <p:cNvPr id="51" name=""/>
+          <p:cNvPr id="57" name=""/>
           <p:cNvSpPr/>
           <p:nvPr/>
         </p:nvSpPr>
         <p:spPr>
           <a:xfrm>
             <a:off x="685800" y="1371600"/>
-            <a:ext cx="10742400" cy="4570200"/>
+            <a:ext cx="10742040" cy="4569840"/>
           </a:xfrm>
           <a:prstGeom prst="rect">
             <a:avLst/>
@@ -4570,11 +4699,6 @@
             <a:noAutofit/>
           </a:bodyPr>
           <a:p>
-            <a:pPr>
-              <a:lnSpc>
-                <a:spcPct val="100000"/>
-              </a:lnSpc>
-            </a:pPr>
             <a:endParaRPr b="0" lang="en-US" sz="1800" spc="-1" strike="noStrike">
               <a:solidFill>
                 <a:srgbClr val="000000"/>
@@ -4587,14 +4711,14 @@
       </p:sp>
       <p:sp>
         <p:nvSpPr>
-          <p:cNvPr id="52" name="PlaceHolder 4"/>
+          <p:cNvPr id="58" name="PlaceHolder 4"/>
           <p:cNvSpPr/>
           <p:nvPr/>
         </p:nvSpPr>
         <p:spPr>
           <a:xfrm>
             <a:off x="624240" y="479880"/>
-            <a:ext cx="8067240" cy="609120"/>
+            <a:ext cx="8066880" cy="608760"/>
           </a:xfrm>
           <a:prstGeom prst="rect">
             <a:avLst/>
@@ -4644,7 +4768,7 @@
       </p:sp>
       <p:pic>
         <p:nvPicPr>
-          <p:cNvPr id="53" name="" descr=""/>
+          <p:cNvPr id="59" name="" descr=""/>
           <p:cNvPicPr/>
           <p:nvPr/>
         </p:nvPicPr>
@@ -4655,7 +4779,7 @@
         <p:spPr>
           <a:xfrm>
             <a:off x="3182400" y="1237680"/>
-            <a:ext cx="5851080" cy="4388040"/>
+            <a:ext cx="5850720" cy="4387680"/>
           </a:xfrm>
           <a:prstGeom prst="rect">
             <a:avLst/>
@@ -4697,14 +4821,14 @@
       </p:grpSpPr>
       <p:sp>
         <p:nvSpPr>
-          <p:cNvPr id="54" name=""/>
+          <p:cNvPr id="60" name=""/>
           <p:cNvSpPr/>
           <p:nvPr/>
         </p:nvSpPr>
         <p:spPr>
           <a:xfrm>
             <a:off x="685800" y="1371600"/>
-            <a:ext cx="10742400" cy="4570200"/>
+            <a:ext cx="10742040" cy="4569840"/>
           </a:xfrm>
           <a:prstGeom prst="rect">
             <a:avLst/>
@@ -4725,11 +4849,6 @@
             <a:noAutofit/>
           </a:bodyPr>
           <a:p>
-            <a:pPr>
-              <a:lnSpc>
-                <a:spcPct val="100000"/>
-              </a:lnSpc>
-            </a:pPr>
             <a:endParaRPr b="0" lang="en-US" sz="1800" spc="-1" strike="noStrike">
               <a:solidFill>
                 <a:srgbClr val="000000"/>
@@ -4742,14 +4861,14 @@
       </p:sp>
       <p:sp>
         <p:nvSpPr>
-          <p:cNvPr id="55" name="PlaceHolder 4"/>
+          <p:cNvPr id="61" name="PlaceHolder 4"/>
           <p:cNvSpPr/>
           <p:nvPr/>
         </p:nvSpPr>
         <p:spPr>
           <a:xfrm>
             <a:off x="624240" y="479880"/>
-            <a:ext cx="8067240" cy="609120"/>
+            <a:ext cx="8066880" cy="608760"/>
           </a:xfrm>
           <a:prstGeom prst="rect">
             <a:avLst/>
@@ -4799,7 +4918,7 @@
       </p:sp>
       <p:pic>
         <p:nvPicPr>
-          <p:cNvPr id="56" name="" descr=""/>
+          <p:cNvPr id="62" name="" descr=""/>
           <p:cNvPicPr/>
           <p:nvPr/>
         </p:nvPicPr>
@@ -4810,7 +4929,7 @@
         <p:spPr>
           <a:xfrm>
             <a:off x="3182400" y="1237680"/>
-            <a:ext cx="5851440" cy="4388400"/>
+            <a:ext cx="5851080" cy="4388040"/>
           </a:xfrm>
           <a:prstGeom prst="rect">
             <a:avLst/>
@@ -4852,14 +4971,14 @@
       </p:grpSpPr>
       <p:sp>
         <p:nvSpPr>
-          <p:cNvPr id="57" name=""/>
+          <p:cNvPr id="63" name=""/>
           <p:cNvSpPr/>
           <p:nvPr/>
         </p:nvSpPr>
         <p:spPr>
           <a:xfrm>
             <a:off x="685800" y="1371600"/>
-            <a:ext cx="10742400" cy="4570200"/>
+            <a:ext cx="10742040" cy="4569840"/>
           </a:xfrm>
           <a:prstGeom prst="rect">
             <a:avLst/>
@@ -4880,11 +4999,6 @@
             <a:noAutofit/>
           </a:bodyPr>
           <a:p>
-            <a:pPr>
-              <a:lnSpc>
-                <a:spcPct val="100000"/>
-              </a:lnSpc>
-            </a:pPr>
             <a:endParaRPr b="0" lang="en-US" sz="1800" spc="-1" strike="noStrike">
               <a:solidFill>
                 <a:srgbClr val="000000"/>
@@ -4897,14 +5011,14 @@
       </p:sp>
       <p:sp>
         <p:nvSpPr>
-          <p:cNvPr id="58" name="PlaceHolder 4"/>
+          <p:cNvPr id="64" name="PlaceHolder 4"/>
           <p:cNvSpPr/>
           <p:nvPr/>
         </p:nvSpPr>
         <p:spPr>
           <a:xfrm>
             <a:off x="624240" y="479880"/>
-            <a:ext cx="8067240" cy="609120"/>
+            <a:ext cx="8066880" cy="608760"/>
           </a:xfrm>
           <a:prstGeom prst="rect">
             <a:avLst/>
@@ -4941,7 +5055,7 @@
                 <a:latin typeface="Overpass"/>
                 <a:ea typeface="DejaVu Sans"/>
               </a:rPr>
-              <a:t>OpenMPI: Psend</a:t>
+              <a:t>OpenMPI: Psend (UCX)</a:t>
             </a:r>
             <a:endParaRPr b="0" lang="en-US" sz="2400" spc="-1" strike="noStrike">
               <a:solidFill>
@@ -4954,7 +5068,7 @@
       </p:sp>
       <p:pic>
         <p:nvPicPr>
-          <p:cNvPr id="59" name="" descr=""/>
+          <p:cNvPr id="65" name="" descr=""/>
           <p:cNvPicPr/>
           <p:nvPr/>
         </p:nvPicPr>
@@ -4965,7 +5079,7 @@
         <p:spPr>
           <a:xfrm>
             <a:off x="3182400" y="1237680"/>
-            <a:ext cx="5851440" cy="4388400"/>
+            <a:ext cx="5851080" cy="4388040"/>
           </a:xfrm>
           <a:prstGeom prst="rect">
             <a:avLst/>
@@ -5007,14 +5121,14 @@
       </p:grpSpPr>
       <p:sp>
         <p:nvSpPr>
-          <p:cNvPr id="60" name=""/>
+          <p:cNvPr id="66" name=""/>
           <p:cNvSpPr/>
           <p:nvPr/>
         </p:nvSpPr>
         <p:spPr>
           <a:xfrm>
             <a:off x="685800" y="1371600"/>
-            <a:ext cx="10742400" cy="4570200"/>
+            <a:ext cx="10742040" cy="4569840"/>
           </a:xfrm>
           <a:prstGeom prst="rect">
             <a:avLst/>
@@ -5035,11 +5149,6 @@
             <a:noAutofit/>
           </a:bodyPr>
           <a:p>
-            <a:pPr>
-              <a:lnSpc>
-                <a:spcPct val="100000"/>
-              </a:lnSpc>
-            </a:pPr>
             <a:endParaRPr b="0" lang="en-US" sz="1800" spc="-1" strike="noStrike">
               <a:solidFill>
                 <a:srgbClr val="000000"/>
@@ -5052,14 +5161,14 @@
       </p:sp>
       <p:sp>
         <p:nvSpPr>
-          <p:cNvPr id="61" name="PlaceHolder 4"/>
+          <p:cNvPr id="67" name="PlaceHolder 5"/>
           <p:cNvSpPr/>
           <p:nvPr/>
         </p:nvSpPr>
         <p:spPr>
           <a:xfrm>
             <a:off x="624240" y="479880"/>
-            <a:ext cx="8067240" cy="609120"/>
+            <a:ext cx="8066880" cy="608760"/>
           </a:xfrm>
           <a:prstGeom prst="rect">
             <a:avLst/>
@@ -5096,7 +5205,7 @@
                 <a:latin typeface="Overpass"/>
                 <a:ea typeface="DejaVu Sans"/>
               </a:rPr>
-              <a:t>OpenMPI: Psend vs Isend</a:t>
+              <a:t>OpenMPI: Psend (Ob1)</a:t>
             </a:r>
             <a:endParaRPr b="0" lang="en-US" sz="2400" spc="-1" strike="noStrike">
               <a:solidFill>
@@ -5109,7 +5218,7 @@
       </p:sp>
       <p:pic>
         <p:nvPicPr>
-          <p:cNvPr id="62" name="" descr=""/>
+          <p:cNvPr id="68" name="" descr=""/>
           <p:cNvPicPr/>
           <p:nvPr/>
         </p:nvPicPr>
@@ -5119,7 +5228,7 @@
         </p:blipFill>
         <p:spPr>
           <a:xfrm>
-            <a:off x="3182400" y="1237680"/>
+            <a:off x="2938320" y="1237680"/>
             <a:ext cx="5851800" cy="4388760"/>
           </a:xfrm>
           <a:prstGeom prst="rect">
@@ -5162,14 +5271,14 @@
       </p:grpSpPr>
       <p:sp>
         <p:nvSpPr>
-          <p:cNvPr id="63" name=""/>
+          <p:cNvPr id="69" name=""/>
           <p:cNvSpPr/>
           <p:nvPr/>
         </p:nvSpPr>
         <p:spPr>
           <a:xfrm>
             <a:off x="685800" y="1371600"/>
-            <a:ext cx="10742400" cy="4570200"/>
+            <a:ext cx="10742040" cy="4569840"/>
           </a:xfrm>
           <a:prstGeom prst="rect">
             <a:avLst/>
@@ -5190,11 +5299,6 @@
             <a:noAutofit/>
           </a:bodyPr>
           <a:p>
-            <a:pPr>
-              <a:lnSpc>
-                <a:spcPct val="100000"/>
-              </a:lnSpc>
-            </a:pPr>
             <a:endParaRPr b="0" lang="en-US" sz="1800" spc="-1" strike="noStrike">
               <a:solidFill>
                 <a:srgbClr val="000000"/>
@@ -5207,14 +5311,14 @@
       </p:sp>
       <p:sp>
         <p:nvSpPr>
-          <p:cNvPr id="64" name="PlaceHolder 4"/>
+          <p:cNvPr id="70" name="PlaceHolder 4"/>
           <p:cNvSpPr/>
           <p:nvPr/>
         </p:nvSpPr>
         <p:spPr>
           <a:xfrm>
             <a:off x="624240" y="479880"/>
-            <a:ext cx="8067240" cy="609120"/>
+            <a:ext cx="8066880" cy="608760"/>
           </a:xfrm>
           <a:prstGeom prst="rect">
             <a:avLst/>
@@ -5251,7 +5355,7 @@
                 <a:latin typeface="Overpass"/>
                 <a:ea typeface="DejaVu Sans"/>
               </a:rPr>
-              <a:t>OpenMPI: MPI_Win per partition</a:t>
+              <a:t>OpenMPI: Psend vs Isend</a:t>
             </a:r>
             <a:endParaRPr b="0" lang="en-US" sz="2400" spc="-1" strike="noStrike">
               <a:solidFill>
@@ -5264,7 +5368,7 @@
       </p:sp>
       <p:pic>
         <p:nvPicPr>
-          <p:cNvPr id="65" name="" descr=""/>
+          <p:cNvPr id="71" name="" descr=""/>
           <p:cNvPicPr/>
           <p:nvPr/>
         </p:nvPicPr>
@@ -5317,14 +5421,14 @@
       </p:grpSpPr>
       <p:sp>
         <p:nvSpPr>
-          <p:cNvPr id="66" name=""/>
+          <p:cNvPr id="72" name=""/>
           <p:cNvSpPr/>
           <p:nvPr/>
         </p:nvSpPr>
         <p:spPr>
           <a:xfrm>
             <a:off x="685800" y="1371600"/>
-            <a:ext cx="10742400" cy="4570200"/>
+            <a:ext cx="10742040" cy="4569840"/>
           </a:xfrm>
           <a:prstGeom prst="rect">
             <a:avLst/>
@@ -5345,11 +5449,6 @@
             <a:noAutofit/>
           </a:bodyPr>
           <a:p>
-            <a:pPr>
-              <a:lnSpc>
-                <a:spcPct val="100000"/>
-              </a:lnSpc>
-            </a:pPr>
             <a:endParaRPr b="0" lang="en-US" sz="1800" spc="-1" strike="noStrike">
               <a:solidFill>
                 <a:srgbClr val="000000"/>
@@ -5362,14 +5461,14 @@
       </p:sp>
       <p:sp>
         <p:nvSpPr>
-          <p:cNvPr id="67" name="PlaceHolder 4"/>
+          <p:cNvPr id="73" name="PlaceHolder 4"/>
           <p:cNvSpPr/>
           <p:nvPr/>
         </p:nvSpPr>
         <p:spPr>
           <a:xfrm>
             <a:off x="624240" y="479880"/>
-            <a:ext cx="8571960" cy="609120"/>
+            <a:ext cx="8066880" cy="608760"/>
           </a:xfrm>
           <a:prstGeom prst="rect">
             <a:avLst/>
@@ -5406,7 +5505,7 @@
                 <a:latin typeface="Overpass"/>
                 <a:ea typeface="DejaVu Sans"/>
               </a:rPr>
-              <a:t>OpenMPI: MPI_Win for entire buffer</a:t>
+              <a:t>OpenMPI: MPI_Win per partition</a:t>
             </a:r>
             <a:endParaRPr b="0" lang="en-US" sz="2400" spc="-1" strike="noStrike">
               <a:solidFill>
@@ -5419,7 +5518,7 @@
       </p:sp>
       <p:pic>
         <p:nvPicPr>
-          <p:cNvPr id="68" name="" descr=""/>
+          <p:cNvPr id="74" name="" descr=""/>
           <p:cNvPicPr/>
           <p:nvPr/>
         </p:nvPicPr>
@@ -5430,7 +5529,7 @@
         <p:spPr>
           <a:xfrm>
             <a:off x="3182400" y="1237680"/>
-            <a:ext cx="5851440" cy="4388400"/>
+            <a:ext cx="5851080" cy="4388040"/>
           </a:xfrm>
           <a:prstGeom prst="rect">
             <a:avLst/>
@@ -5472,14 +5571,14 @@
       </p:grpSpPr>
       <p:sp>
         <p:nvSpPr>
-          <p:cNvPr id="69" name=""/>
+          <p:cNvPr id="75" name=""/>
           <p:cNvSpPr/>
           <p:nvPr/>
         </p:nvSpPr>
         <p:spPr>
           <a:xfrm>
             <a:off x="685800" y="1371600"/>
-            <a:ext cx="10742400" cy="4570200"/>
+            <a:ext cx="10742040" cy="4569840"/>
           </a:xfrm>
           <a:prstGeom prst="rect">
             <a:avLst/>
@@ -5500,11 +5599,6 @@
             <a:noAutofit/>
           </a:bodyPr>
           <a:p>
-            <a:pPr>
-              <a:lnSpc>
-                <a:spcPct val="100000"/>
-              </a:lnSpc>
-            </a:pPr>
             <a:endParaRPr b="0" lang="en-US" sz="1800" spc="-1" strike="noStrike">
               <a:solidFill>
                 <a:srgbClr val="000000"/>
@@ -5517,14 +5611,14 @@
       </p:sp>
       <p:sp>
         <p:nvSpPr>
-          <p:cNvPr id="70" name="PlaceHolder 4"/>
+          <p:cNvPr id="76" name="PlaceHolder 4"/>
           <p:cNvSpPr/>
           <p:nvPr/>
         </p:nvSpPr>
         <p:spPr>
           <a:xfrm>
             <a:off x="624240" y="479880"/>
-            <a:ext cx="8067240" cy="609120"/>
+            <a:ext cx="8571600" cy="608760"/>
           </a:xfrm>
           <a:prstGeom prst="rect">
             <a:avLst/>
@@ -5561,7 +5655,7 @@
                 <a:latin typeface="Overpass"/>
                 <a:ea typeface="DejaVu Sans"/>
               </a:rPr>
-              <a:t>Results: Psend on MPICH-4.1.2</a:t>
+              <a:t>OpenMPI: MPI_Win for entire buffer</a:t>
             </a:r>
             <a:endParaRPr b="0" lang="en-US" sz="2400" spc="-1" strike="noStrike">
               <a:solidFill>
@@ -5574,7 +5668,7 @@
       </p:sp>
       <p:pic>
         <p:nvPicPr>
-          <p:cNvPr id="71" name="" descr=""/>
+          <p:cNvPr id="77" name="" descr=""/>
           <p:cNvPicPr/>
           <p:nvPr/>
         </p:nvPicPr>
@@ -5584,8 +5678,8 @@
         </p:blipFill>
         <p:spPr>
           <a:xfrm>
-            <a:off x="3085200" y="1263240"/>
-            <a:ext cx="6020280" cy="4697280"/>
+            <a:off x="3182400" y="1237680"/>
+            <a:ext cx="5851080" cy="4388040"/>
           </a:xfrm>
           <a:prstGeom prst="rect">
             <a:avLst/>
@@ -5627,18 +5721,14 @@
       </p:grpSpPr>
       <p:sp>
         <p:nvSpPr>
-          <p:cNvPr id="72" name="PlaceHolder 1"/>
-          <p:cNvSpPr>
-            <a:spLocks noGrp="1"/>
-          </p:cNvSpPr>
-          <p:nvPr>
-            <p:ph type="title"/>
-          </p:nvPr>
-        </p:nvSpPr>
-        <p:spPr>
-          <a:xfrm>
-            <a:off x="623880" y="479880"/>
-            <a:ext cx="8067240" cy="609120"/>
+          <p:cNvPr id="78" name=""/>
+          <p:cNvSpPr/>
+          <p:nvPr/>
+        </p:nvSpPr>
+        <p:spPr>
+          <a:xfrm>
+            <a:off x="685800" y="1371600"/>
+            <a:ext cx="10742040" cy="4569840"/>
           </a:xfrm>
           <a:prstGeom prst="rect">
             <a:avLst/>
@@ -5648,16 +5738,61 @@
             <a:noFill/>
           </a:ln>
         </p:spPr>
+        <p:style>
+          <a:lnRef idx="0"/>
+          <a:fillRef idx="0"/>
+          <a:effectRef idx="0"/>
+          <a:fontRef idx="minor"/>
+        </p:style>
+        <p:txBody>
+          <a:bodyPr lIns="90000" rIns="90000" tIns="45000" bIns="45000" anchor="t">
+            <a:noAutofit/>
+          </a:bodyPr>
+          <a:p>
+            <a:endParaRPr b="0" lang="en-US" sz="1800" spc="-1" strike="noStrike">
+              <a:solidFill>
+                <a:srgbClr val="000000"/>
+              </a:solidFill>
+              <a:latin typeface="Arial"/>
+              <a:ea typeface="DejaVu Sans"/>
+            </a:endParaRPr>
+          </a:p>
+        </p:txBody>
+      </p:sp>
+      <p:sp>
+        <p:nvSpPr>
+          <p:cNvPr id="79" name="PlaceHolder 4"/>
+          <p:cNvSpPr/>
+          <p:nvPr/>
+        </p:nvSpPr>
+        <p:spPr>
+          <a:xfrm>
+            <a:off x="624240" y="479880"/>
+            <a:ext cx="8066880" cy="608760"/>
+          </a:xfrm>
+          <a:prstGeom prst="rect">
+            <a:avLst/>
+          </a:prstGeom>
+          <a:noFill/>
+          <a:ln w="0">
+            <a:noFill/>
+          </a:ln>
+        </p:spPr>
+        <p:style>
+          <a:lnRef idx="0"/>
+          <a:fillRef idx="0"/>
+          <a:effectRef idx="0"/>
+          <a:fontRef idx="minor"/>
+        </p:style>
         <p:txBody>
           <a:bodyPr lIns="0" rIns="0" tIns="0" bIns="0" anchor="b">
             <a:noAutofit/>
           </a:bodyPr>
           <a:p>
-            <a:pPr indent="0">
+            <a:pPr>
               <a:lnSpc>
                 <a:spcPct val="90000"/>
               </a:lnSpc>
-              <a:buNone/>
               <a:tabLst>
                 <a:tab algn="l" pos="0"/>
               </a:tabLst>
@@ -5668,21 +5803,10 @@
                   <a:srgbClr val="1d3d91"/>
                 </a:solidFill>
                 <a:latin typeface="Overpass"/>
+                <a:ea typeface="DejaVu Sans"/>
               </a:rPr>
-              <a:t>Program </a:t>
+              <a:t>Results: Psend on MPICH-4.1.2</a:t>
             </a:r>
-            <a:r>
-              <a:rPr b="1" lang="de-DE" sz="2400" spc="-1" strike="noStrike">
-                <a:solidFill>
-                  <a:srgbClr val="1d3d91"/>
-                </a:solidFill>
-                <a:latin typeface="Overpass"/>
-              </a:rPr>
-              <a:t>Day 2:</a:t>
-            </a:r>
-            <a:br>
-              <a:rPr sz="2400"/>
-            </a:br>
             <a:endParaRPr b="0" lang="en-US" sz="2400" spc="-1" strike="noStrike">
               <a:solidFill>
                 <a:srgbClr val="000000"/>
@@ -5694,7 +5818,7 @@
       </p:sp>
       <p:pic>
         <p:nvPicPr>
-          <p:cNvPr id="73" name="" descr=""/>
+          <p:cNvPr id="80" name="" descr=""/>
           <p:cNvPicPr/>
           <p:nvPr/>
         </p:nvPicPr>
@@ -5704,8 +5828,8 @@
         </p:blipFill>
         <p:spPr>
           <a:xfrm>
-            <a:off x="900000" y="848160"/>
-            <a:ext cx="6117480" cy="5368680"/>
+            <a:off x="3085200" y="1263240"/>
+            <a:ext cx="6019920" cy="4696920"/>
           </a:xfrm>
           <a:prstGeom prst="rect">
             <a:avLst/>
@@ -5715,87 +5839,6 @@
           </a:ln>
         </p:spPr>
       </p:pic>
-      <p:sp>
-        <p:nvSpPr>
-          <p:cNvPr id="74" name="PlaceHolder 2"/>
-          <p:cNvSpPr>
-            <a:spLocks noGrp="1"/>
-          </p:cNvSpPr>
-          <p:nvPr>
-            <p:ph type="ftr" idx="10"/>
-          </p:nvPr>
-        </p:nvSpPr>
-        <p:spPr>
-          <a:xfrm>
-            <a:off x="1981080" y="6344640"/>
-            <a:ext cx="8749800" cy="362160"/>
-          </a:xfrm>
-          <a:prstGeom prst="rect">
-            <a:avLst/>
-          </a:prstGeom>
-          <a:noFill/>
-          <a:ln w="0">
-            <a:noFill/>
-          </a:ln>
-        </p:spPr>
-        <p:txBody>
-          <a:bodyPr lIns="90000" rIns="90000" tIns="45000" bIns="45000" anchor="ctr">
-            <a:noAutofit/>
-          </a:bodyPr>
-          <a:lstStyle>
-            <a:lvl1pPr indent="0" algn="ctr">
-              <a:lnSpc>
-                <a:spcPct val="100000"/>
-              </a:lnSpc>
-              <a:buNone/>
-              <a:tabLst>
-                <a:tab algn="l" pos="0"/>
-              </a:tabLst>
-              <a:defRPr b="1" lang="de-DE" sz="1100" spc="-1" strike="noStrike">
-                <a:solidFill>
-                  <a:srgbClr val="1d3c91"/>
-                </a:solidFill>
-                <a:latin typeface="Overpass"/>
-              </a:defRPr>
-            </a:lvl1pPr>
-          </a:lstStyle>
-          <a:p>
-            <a:pPr indent="0" algn="ctr">
-              <a:lnSpc>
-                <a:spcPct val="100000"/>
-              </a:lnSpc>
-              <a:buNone/>
-              <a:tabLst>
-                <a:tab algn="l" pos="0"/>
-              </a:tabLst>
-            </a:pPr>
-            <a:r>
-              <a:rPr b="1" lang="de-DE" sz="1100" spc="-1" strike="noStrike">
-                <a:solidFill>
-                  <a:srgbClr val="1d3c91"/>
-                </a:solidFill>
-                <a:latin typeface="Overpass"/>
-              </a:rPr>
-              <a:t>IPTW 2023 - 5./6. </a:t>
-            </a:r>
-            <a:r>
-              <a:rPr b="1" lang="de-DE" sz="1100" spc="-1" strike="noStrike">
-                <a:solidFill>
-                  <a:srgbClr val="1d3c91"/>
-                </a:solidFill>
-                <a:latin typeface="Overpass"/>
-              </a:rPr>
-              <a:t>October 2023</a:t>
-            </a:r>
-            <a:endParaRPr b="0" lang="en-US" sz="1100" spc="-1" strike="noStrike">
-              <a:solidFill>
-                <a:srgbClr val="000000"/>
-              </a:solidFill>
-              <a:latin typeface="Times New Roman"/>
-            </a:endParaRPr>
-          </a:p>
-        </p:txBody>
-      </p:sp>
     </p:spTree>
   </p:cSld>
   <mc:AlternateContent>
@@ -5828,7 +5871,7 @@
       </p:grpSpPr>
       <p:sp>
         <p:nvSpPr>
-          <p:cNvPr id="75" name="PlaceHolder 1"/>
+          <p:cNvPr id="81" name="PlaceHolder 1"/>
           <p:cNvSpPr>
             <a:spLocks noGrp="1"/>
           </p:cNvSpPr>
@@ -5838,8 +5881,8 @@
         </p:nvSpPr>
         <p:spPr>
           <a:xfrm>
-            <a:off x="623160" y="4437000"/>
-            <a:ext cx="10513080" cy="541080"/>
+            <a:off x="623880" y="479880"/>
+            <a:ext cx="8066880" cy="608760"/>
           </a:xfrm>
           <a:prstGeom prst="rect">
             <a:avLst/>
@@ -5850,7 +5893,7 @@
           </a:ln>
         </p:spPr>
         <p:txBody>
-          <a:bodyPr lIns="0" rIns="0" tIns="0" bIns="0" anchor="t">
+          <a:bodyPr lIns="0" rIns="0" tIns="0" bIns="0" anchor="b">
             <a:noAutofit/>
           </a:bodyPr>
           <a:p>
@@ -5864,24 +5907,18 @@
               </a:tabLst>
             </a:pPr>
             <a:r>
-              <a:rPr b="1" lang="de-DE" sz="3300" spc="-1" strike="noStrike">
-                <a:solidFill>
-                  <a:srgbClr val="ffffff"/>
+              <a:rPr b="1" lang="de-DE" sz="2400" spc="-1" strike="noStrike">
+                <a:solidFill>
+                  <a:srgbClr val="1d3d91"/>
                 </a:solidFill>
                 <a:latin typeface="Overpass"/>
               </a:rPr>
-              <a:t>IPTW </a:t>
+              <a:t>Program Day 2:</a:t>
             </a:r>
-            <a:r>
-              <a:rPr b="1" lang="de-DE" sz="3300" spc="-1" strike="noStrike">
-                <a:solidFill>
-                  <a:srgbClr val="ffffff"/>
-                </a:solidFill>
-                <a:latin typeface="Overpass"/>
-              </a:rPr>
-              <a:t>2023</a:t>
-            </a:r>
-            <a:endParaRPr b="0" lang="en-US" sz="3300" spc="-1" strike="noStrike">
+            <a:br>
+              <a:rPr sz="2400"/>
+            </a:br>
+            <a:endParaRPr b="0" lang="en-US" sz="2400" spc="-1" strike="noStrike">
               <a:solidFill>
                 <a:srgbClr val="000000"/>
               </a:solidFill>
@@ -5890,20 +5927,145 @@
           </a:p>
         </p:txBody>
       </p:sp>
-      <p:sp>
-        <p:nvSpPr>
-          <p:cNvPr id="76" name="PlaceHolder 2"/>
+      <p:pic>
+        <p:nvPicPr>
+          <p:cNvPr id="82" name="" descr=""/>
+          <p:cNvPicPr/>
+          <p:nvPr/>
+        </p:nvPicPr>
+        <p:blipFill>
+          <a:blip r:embed="rId1"/>
+          <a:stretch/>
+        </p:blipFill>
+        <p:spPr>
+          <a:xfrm>
+            <a:off x="900000" y="848160"/>
+            <a:ext cx="6117120" cy="5368320"/>
+          </a:xfrm>
+          <a:prstGeom prst="rect">
+            <a:avLst/>
+          </a:prstGeom>
+          <a:ln w="0">
+            <a:noFill/>
+          </a:ln>
+        </p:spPr>
+      </p:pic>
+      <p:sp>
+        <p:nvSpPr>
+          <p:cNvPr id="83" name="PlaceHolder 2"/>
           <p:cNvSpPr>
             <a:spLocks noGrp="1"/>
           </p:cNvSpPr>
           <p:nvPr>
-            <p:ph/>
+            <p:ph type="ftr" idx="10"/>
           </p:nvPr>
         </p:nvSpPr>
         <p:spPr>
           <a:xfrm>
-            <a:off x="623880" y="5419800"/>
-            <a:ext cx="7487280" cy="861480"/>
+            <a:off x="1981080" y="6344640"/>
+            <a:ext cx="8749440" cy="361800"/>
+          </a:xfrm>
+          <a:prstGeom prst="rect">
+            <a:avLst/>
+          </a:prstGeom>
+          <a:noFill/>
+          <a:ln w="0">
+            <a:noFill/>
+          </a:ln>
+        </p:spPr>
+        <p:txBody>
+          <a:bodyPr lIns="90000" rIns="90000" tIns="45000" bIns="45000" anchor="ctr">
+            <a:noAutofit/>
+          </a:bodyPr>
+          <a:lstStyle>
+            <a:lvl1pPr indent="0" algn="ctr">
+              <a:lnSpc>
+                <a:spcPct val="100000"/>
+              </a:lnSpc>
+              <a:buNone/>
+              <a:tabLst>
+                <a:tab algn="l" pos="0"/>
+              </a:tabLst>
+              <a:defRPr b="1" lang="de-DE" sz="1100" spc="-1" strike="noStrike">
+                <a:solidFill>
+                  <a:srgbClr val="1d3c91"/>
+                </a:solidFill>
+                <a:latin typeface="Overpass"/>
+              </a:defRPr>
+            </a:lvl1pPr>
+          </a:lstStyle>
+          <a:p>
+            <a:pPr indent="0" algn="ctr">
+              <a:lnSpc>
+                <a:spcPct val="100000"/>
+              </a:lnSpc>
+              <a:buNone/>
+              <a:tabLst>
+                <a:tab algn="l" pos="0"/>
+              </a:tabLst>
+            </a:pPr>
+            <a:r>
+              <a:rPr b="1" lang="de-DE" sz="1100" spc="-1" strike="noStrike">
+                <a:solidFill>
+                  <a:srgbClr val="1d3c91"/>
+                </a:solidFill>
+                <a:latin typeface="Overpass"/>
+              </a:rPr>
+              <a:t>IPTW 2023 - 5./6. October 2023</a:t>
+            </a:r>
+            <a:endParaRPr b="0" lang="en-US" sz="1100" spc="-1" strike="noStrike">
+              <a:solidFill>
+                <a:srgbClr val="000000"/>
+              </a:solidFill>
+              <a:latin typeface="Times New Roman"/>
+            </a:endParaRPr>
+          </a:p>
+        </p:txBody>
+      </p:sp>
+    </p:spTree>
+  </p:cSld>
+  <mc:AlternateContent>
+    <mc:Choice Requires="p14">
+      <p:transition spd="slow" p14:dur="2000"/>
+    </mc:Choice>
+    <mc:Fallback>
+      <p:transition spd="slow"/>
+    </mc:Fallback>
+  </mc:AlternateContent>
+</p:sld>
+</file>
+
+<file path=ppt/slides/slide19.xml><?xml version="1.0" encoding="utf-8"?>
+<p:sld xmlns:a="http://schemas.openxmlformats.org/drawingml/2006/main" xmlns:p="http://schemas.openxmlformats.org/presentationml/2006/main" xmlns:r="http://schemas.openxmlformats.org/officeDocument/2006/relationships" xmlns:p14="http://schemas.microsoft.com/office/powerpoint/2010/main" xmlns:p15="http://schemas.microsoft.com/office/powerpoint/2012/main" xmlns:mc="http://schemas.openxmlformats.org/markup-compatibility/2006">
+  <p:cSld>
+    <p:spTree>
+      <p:nvGrpSpPr>
+        <p:cNvPr id="1" name=""/>
+        <p:cNvGrpSpPr/>
+        <p:nvPr/>
+      </p:nvGrpSpPr>
+      <p:grpSpPr>
+        <a:xfrm>
+          <a:off x="0" y="0"/>
+          <a:ext cx="0" cy="0"/>
+          <a:chOff x="0" y="0"/>
+          <a:chExt cx="0" cy="0"/>
+        </a:xfrm>
+      </p:grpSpPr>
+      <p:sp>
+        <p:nvSpPr>
+          <p:cNvPr id="84" name="PlaceHolder 1"/>
+          <p:cNvSpPr>
+            <a:spLocks noGrp="1"/>
+          </p:cNvSpPr>
+          <p:nvPr>
+            <p:ph type="title"/>
+          </p:nvPr>
+        </p:nvSpPr>
+        <p:spPr>
+          <a:xfrm>
+            <a:off x="623160" y="4437000"/>
+            <a:ext cx="10512720" cy="540720"/>
           </a:xfrm>
           <a:prstGeom prst="rect">
             <a:avLst/>
@@ -5928,6 +6090,61 @@
               </a:tabLst>
             </a:pPr>
             <a:r>
+              <a:rPr b="1" lang="de-DE" sz="3300" spc="-1" strike="noStrike">
+                <a:solidFill>
+                  <a:srgbClr val="ffffff"/>
+                </a:solidFill>
+                <a:latin typeface="Overpass"/>
+              </a:rPr>
+              <a:t>IPTW 2023</a:t>
+            </a:r>
+            <a:endParaRPr b="0" lang="en-US" sz="3300" spc="-1" strike="noStrike">
+              <a:solidFill>
+                <a:srgbClr val="000000"/>
+              </a:solidFill>
+              <a:latin typeface="Arial"/>
+            </a:endParaRPr>
+          </a:p>
+        </p:txBody>
+      </p:sp>
+      <p:sp>
+        <p:nvSpPr>
+          <p:cNvPr id="85" name="PlaceHolder 2"/>
+          <p:cNvSpPr>
+            <a:spLocks noGrp="1"/>
+          </p:cNvSpPr>
+          <p:nvPr>
+            <p:ph/>
+          </p:nvPr>
+        </p:nvSpPr>
+        <p:spPr>
+          <a:xfrm>
+            <a:off x="623880" y="5419800"/>
+            <a:ext cx="7486920" cy="861120"/>
+          </a:xfrm>
+          <a:prstGeom prst="rect">
+            <a:avLst/>
+          </a:prstGeom>
+          <a:noFill/>
+          <a:ln w="0">
+            <a:noFill/>
+          </a:ln>
+        </p:spPr>
+        <p:txBody>
+          <a:bodyPr lIns="0" rIns="0" tIns="0" bIns="0" anchor="t">
+            <a:noAutofit/>
+          </a:bodyPr>
+          <a:p>
+            <a:pPr indent="0">
+              <a:lnSpc>
+                <a:spcPct val="90000"/>
+              </a:lnSpc>
+              <a:buNone/>
+              <a:tabLst>
+                <a:tab algn="l" pos="0"/>
+              </a:tabLst>
+            </a:pPr>
+            <a:r>
               <a:rPr b="1" lang="de-DE" sz="1800" spc="-1" strike="noStrike">
                 <a:solidFill>
                   <a:srgbClr val="ffffff"/>
@@ -5947,14 +6164,14 @@
       </p:sp>
       <p:sp>
         <p:nvSpPr>
-          <p:cNvPr id="77" name="Titel 1"/>
+          <p:cNvPr id="86" name="Titel 1"/>
           <p:cNvSpPr/>
           <p:nvPr/>
         </p:nvSpPr>
         <p:spPr>
           <a:xfrm>
             <a:off x="3600000" y="3164760"/>
-            <a:ext cx="7737840" cy="541080"/>
+            <a:ext cx="7737480" cy="540720"/>
           </a:xfrm>
           <a:prstGeom prst="rect">
             <a:avLst/>
@@ -6031,7 +6248,7 @@
       </p:grpSpPr>
       <p:sp>
         <p:nvSpPr>
-          <p:cNvPr id="25" name="PlaceHolder 1"/>
+          <p:cNvPr id="31" name="PlaceHolder 1"/>
           <p:cNvSpPr>
             <a:spLocks noGrp="1"/>
           </p:cNvSpPr>
@@ -6042,7 +6259,7 @@
         <p:spPr>
           <a:xfrm>
             <a:off x="623880" y="479880"/>
-            <a:ext cx="8067240" cy="609120"/>
+            <a:ext cx="8066880" cy="608760"/>
           </a:xfrm>
           <a:prstGeom prst="rect">
             <a:avLst/>
@@ -6073,52 +6290,7 @@
                 </a:solidFill>
                 <a:latin typeface="Overpass"/>
               </a:rPr>
-              <a:t>MPI-4.1: </a:t>
-            </a:r>
-            <a:r>
-              <a:rPr b="1" lang="de-DE" sz="2400" spc="-1" strike="noStrike">
-                <a:solidFill>
-                  <a:srgbClr val="1d3d91"/>
-                </a:solidFill>
-                <a:latin typeface="Overpass"/>
-              </a:rPr>
-              <a:t>Nonblocki</a:t>
-            </a:r>
-            <a:r>
-              <a:rPr b="1" lang="de-DE" sz="2400" spc="-1" strike="noStrike">
-                <a:solidFill>
-                  <a:srgbClr val="1d3d91"/>
-                </a:solidFill>
-                <a:latin typeface="Overpass"/>
-              </a:rPr>
-              <a:t>ng </a:t>
-            </a:r>
-            <a:r>
-              <a:rPr b="1" lang="de-DE" sz="2400" spc="-1" strike="noStrike">
-                <a:solidFill>
-                  <a:srgbClr val="1d3d91"/>
-                </a:solidFill>
-                <a:latin typeface="Overpass"/>
-              </a:rPr>
-              <a:t>Communic</a:t>
-            </a:r>
-            <a:r>
-              <a:rPr b="1" lang="de-DE" sz="2400" spc="-1" strike="noStrike">
-                <a:solidFill>
-                  <a:srgbClr val="1d3d91"/>
-                </a:solidFill>
-                <a:latin typeface="Overpass"/>
-              </a:rPr>
-              <a:t>ation </a:t>
-            </a:r>
-            <a:r>
-              <a:rPr b="1" lang="de-DE" sz="2400" spc="-1" strike="noStrike">
-                <a:solidFill>
-                  <a:srgbClr val="1d3d91"/>
-                </a:solidFill>
-                <a:latin typeface="Overpass"/>
-              </a:rPr>
-              <a:t>Operations</a:t>
+              <a:t>MPI-4.1: Nonblocking Communication Operations</a:t>
             </a:r>
             <a:endParaRPr b="0" lang="en-US" sz="2400" spc="-1" strike="noStrike">
               <a:solidFill>
@@ -6131,14 +6303,14 @@
       </p:sp>
       <p:sp>
         <p:nvSpPr>
-          <p:cNvPr id="26" name=""/>
+          <p:cNvPr id="32" name=""/>
           <p:cNvSpPr/>
           <p:nvPr/>
         </p:nvSpPr>
         <p:spPr>
           <a:xfrm>
             <a:off x="685800" y="1371600"/>
-            <a:ext cx="10742400" cy="4570200"/>
+            <a:ext cx="10742040" cy="4569840"/>
           </a:xfrm>
           <a:prstGeom prst="rect">
             <a:avLst/>
@@ -6300,7 +6472,7 @@
       </p:sp>
       <p:sp>
         <p:nvSpPr>
-          <p:cNvPr id="27" name="PlaceHolder 2"/>
+          <p:cNvPr id="33" name="PlaceHolder 2"/>
           <p:cNvSpPr>
             <a:spLocks noGrp="1"/>
           </p:cNvSpPr>
@@ -6311,7 +6483,7 @@
         <p:spPr>
           <a:xfrm>
             <a:off x="1981080" y="6344640"/>
-            <a:ext cx="8749800" cy="362160"/>
+            <a:ext cx="8749440" cy="361800"/>
           </a:xfrm>
           <a:prstGeom prst="rect">
             <a:avLst/>
@@ -6370,7 +6542,7 @@
       </p:grpSpPr>
       <p:sp>
         <p:nvSpPr>
-          <p:cNvPr id="28" name="PlaceHolder 1"/>
+          <p:cNvPr id="34" name="PlaceHolder 1"/>
           <p:cNvSpPr>
             <a:spLocks noGrp="1"/>
           </p:cNvSpPr>
@@ -6381,7 +6553,7 @@
         <p:spPr>
           <a:xfrm>
             <a:off x="623880" y="479880"/>
-            <a:ext cx="8067240" cy="609120"/>
+            <a:ext cx="8066880" cy="608760"/>
           </a:xfrm>
           <a:prstGeom prst="rect">
             <a:avLst/>
@@ -6412,52 +6584,7 @@
                 </a:solidFill>
                 <a:latin typeface="Overpass"/>
               </a:rPr>
-              <a:t>MPI-4.1: </a:t>
-            </a:r>
-            <a:r>
-              <a:rPr b="1" lang="de-DE" sz="2400" spc="-1" strike="noStrike">
-                <a:solidFill>
-                  <a:srgbClr val="1d3d91"/>
-                </a:solidFill>
-                <a:latin typeface="Overpass"/>
-              </a:rPr>
-              <a:t>Nonblocki</a:t>
-            </a:r>
-            <a:r>
-              <a:rPr b="1" lang="de-DE" sz="2400" spc="-1" strike="noStrike">
-                <a:solidFill>
-                  <a:srgbClr val="1d3d91"/>
-                </a:solidFill>
-                <a:latin typeface="Overpass"/>
-              </a:rPr>
-              <a:t>ng </a:t>
-            </a:r>
-            <a:r>
-              <a:rPr b="1" lang="de-DE" sz="2400" spc="-1" strike="noStrike">
-                <a:solidFill>
-                  <a:srgbClr val="1d3d91"/>
-                </a:solidFill>
-                <a:latin typeface="Overpass"/>
-              </a:rPr>
-              <a:t>Communic</a:t>
-            </a:r>
-            <a:r>
-              <a:rPr b="1" lang="de-DE" sz="2400" spc="-1" strike="noStrike">
-                <a:solidFill>
-                  <a:srgbClr val="1d3d91"/>
-                </a:solidFill>
-                <a:latin typeface="Overpass"/>
-              </a:rPr>
-              <a:t>ation </a:t>
-            </a:r>
-            <a:r>
-              <a:rPr b="1" lang="de-DE" sz="2400" spc="-1" strike="noStrike">
-                <a:solidFill>
-                  <a:srgbClr val="1d3d91"/>
-                </a:solidFill>
-                <a:latin typeface="Overpass"/>
-              </a:rPr>
-              <a:t>Operations</a:t>
+              <a:t>MPI-4.1: Nonblocking Communication Operations</a:t>
             </a:r>
             <a:endParaRPr b="0" lang="en-US" sz="2400" spc="-1" strike="noStrike">
               <a:solidFill>
@@ -6470,14 +6597,14 @@
       </p:sp>
       <p:sp>
         <p:nvSpPr>
-          <p:cNvPr id="29" name=""/>
+          <p:cNvPr id="35" name=""/>
           <p:cNvSpPr/>
           <p:nvPr/>
         </p:nvSpPr>
         <p:spPr>
           <a:xfrm>
             <a:off x="685800" y="1371600"/>
-            <a:ext cx="10742400" cy="4570200"/>
+            <a:ext cx="10742040" cy="4569840"/>
           </a:xfrm>
           <a:prstGeom prst="rect">
             <a:avLst/>
@@ -6580,7 +6707,7 @@
       </p:sp>
       <p:sp>
         <p:nvSpPr>
-          <p:cNvPr id="30" name="PlaceHolder 2"/>
+          <p:cNvPr id="36" name="PlaceHolder 2"/>
           <p:cNvSpPr>
             <a:spLocks noGrp="1"/>
           </p:cNvSpPr>
@@ -6591,7 +6718,7 @@
         <p:spPr>
           <a:xfrm>
             <a:off x="1981080" y="6344640"/>
-            <a:ext cx="8749800" cy="362160"/>
+            <a:ext cx="8749440" cy="361800"/>
           </a:xfrm>
           <a:prstGeom prst="rect">
             <a:avLst/>
@@ -6650,7 +6777,7 @@
       </p:grpSpPr>
       <p:sp>
         <p:nvSpPr>
-          <p:cNvPr id="31" name="PlaceHolder 1"/>
+          <p:cNvPr id="37" name="PlaceHolder 1"/>
           <p:cNvSpPr>
             <a:spLocks noGrp="1"/>
           </p:cNvSpPr>
@@ -6661,7 +6788,7 @@
         <p:spPr>
           <a:xfrm>
             <a:off x="623880" y="479880"/>
-            <a:ext cx="8067240" cy="609120"/>
+            <a:ext cx="8066880" cy="608760"/>
           </a:xfrm>
           <a:prstGeom prst="rect">
             <a:avLst/>
@@ -6692,43 +6819,7 @@
                 </a:solidFill>
                 <a:latin typeface="Overpass"/>
               </a:rPr>
-              <a:t>MPI-4.1: </a:t>
-            </a:r>
-            <a:r>
-              <a:rPr b="1" lang="de-DE" sz="2400" spc="-1" strike="noStrike">
-                <a:solidFill>
-                  <a:srgbClr val="1d3d91"/>
-                </a:solidFill>
-                <a:latin typeface="Overpass"/>
-              </a:rPr>
-              <a:t>Partitione</a:t>
-            </a:r>
-            <a:r>
-              <a:rPr b="1" lang="de-DE" sz="2400" spc="-1" strike="noStrike">
-                <a:solidFill>
-                  <a:srgbClr val="1d3d91"/>
-                </a:solidFill>
-                <a:latin typeface="Overpass"/>
-              </a:rPr>
-              <a:t>d </a:t>
-            </a:r>
-            <a:r>
-              <a:rPr b="1" lang="de-DE" sz="2400" spc="-1" strike="noStrike">
-                <a:solidFill>
-                  <a:srgbClr val="1d3d91"/>
-                </a:solidFill>
-                <a:latin typeface="Overpass"/>
-              </a:rPr>
-              <a:t>Communic</a:t>
-            </a:r>
-            <a:r>
-              <a:rPr b="1" lang="de-DE" sz="2400" spc="-1" strike="noStrike">
-                <a:solidFill>
-                  <a:srgbClr val="1d3d91"/>
-                </a:solidFill>
-                <a:latin typeface="Overpass"/>
-              </a:rPr>
-              <a:t>ation</a:t>
+              <a:t>MPI-4.1: Partitioned Communication</a:t>
             </a:r>
             <a:endParaRPr b="0" lang="en-US" sz="2400" spc="-1" strike="noStrike">
               <a:solidFill>
@@ -6741,14 +6832,14 @@
       </p:sp>
       <p:sp>
         <p:nvSpPr>
-          <p:cNvPr id="32" name=""/>
+          <p:cNvPr id="38" name=""/>
           <p:cNvSpPr/>
           <p:nvPr/>
         </p:nvSpPr>
         <p:spPr>
           <a:xfrm>
             <a:off x="685800" y="1371600"/>
-            <a:ext cx="10742400" cy="4570200"/>
+            <a:ext cx="10742040" cy="4569840"/>
           </a:xfrm>
           <a:prstGeom prst="rect">
             <a:avLst/>
@@ -6953,7 +7044,7 @@
       </p:sp>
       <p:sp>
         <p:nvSpPr>
-          <p:cNvPr id="33" name="PlaceHolder 2"/>
+          <p:cNvPr id="39" name="PlaceHolder 2"/>
           <p:cNvSpPr>
             <a:spLocks noGrp="1"/>
           </p:cNvSpPr>
@@ -6964,7 +7055,7 @@
         <p:spPr>
           <a:xfrm>
             <a:off x="1981080" y="6344640"/>
-            <a:ext cx="8749800" cy="362160"/>
+            <a:ext cx="8749440" cy="361800"/>
           </a:xfrm>
           <a:prstGeom prst="rect">
             <a:avLst/>
@@ -7012,16 +7103,7 @@
                 </a:solidFill>
                 <a:latin typeface="Overpass"/>
               </a:rPr>
-              <a:t>IPTW 2023 - 5./6. </a:t>
-            </a:r>
-            <a:r>
-              <a:rPr b="1" lang="de-DE" sz="1100" spc="-1" strike="noStrike">
-                <a:solidFill>
-                  <a:srgbClr val="1d3c91"/>
-                </a:solidFill>
-                <a:latin typeface="Overpass"/>
-              </a:rPr>
-              <a:t>October 2023</a:t>
+              <a:t>IPTW 2023 - 5./6. October 2023</a:t>
             </a:r>
             <a:endParaRPr b="0" lang="en-US" sz="1100" spc="-1" strike="noStrike">
               <a:solidFill>
@@ -7064,14 +7146,14 @@
       </p:grpSpPr>
       <p:sp>
         <p:nvSpPr>
-          <p:cNvPr id="34" name=""/>
+          <p:cNvPr id="40" name=""/>
           <p:cNvSpPr/>
           <p:nvPr/>
         </p:nvSpPr>
         <p:spPr>
           <a:xfrm>
             <a:off x="685800" y="1371600"/>
-            <a:ext cx="10742400" cy="4570200"/>
+            <a:ext cx="10742040" cy="4569840"/>
           </a:xfrm>
           <a:prstGeom prst="rect">
             <a:avLst/>
@@ -7248,14 +7330,14 @@
       </p:sp>
       <p:sp>
         <p:nvSpPr>
-          <p:cNvPr id="35" name="PlaceHolder 3"/>
+          <p:cNvPr id="41" name="PlaceHolder 3"/>
           <p:cNvSpPr/>
           <p:nvPr/>
         </p:nvSpPr>
         <p:spPr>
           <a:xfrm>
             <a:off x="624240" y="479880"/>
-            <a:ext cx="8067240" cy="609120"/>
+            <a:ext cx="8066880" cy="608760"/>
           </a:xfrm>
           <a:prstGeom prst="rect">
             <a:avLst/>
@@ -7335,14 +7417,14 @@
       </p:grpSpPr>
       <p:sp>
         <p:nvSpPr>
-          <p:cNvPr id="36" name=""/>
+          <p:cNvPr id="42" name=""/>
           <p:cNvSpPr/>
           <p:nvPr/>
         </p:nvSpPr>
         <p:spPr>
           <a:xfrm>
             <a:off x="685800" y="1371600"/>
-            <a:ext cx="10742400" cy="4570200"/>
+            <a:ext cx="10742040" cy="4569840"/>
           </a:xfrm>
           <a:prstGeom prst="rect">
             <a:avLst/>
@@ -7435,14 +7517,14 @@
       </p:sp>
       <p:sp>
         <p:nvSpPr>
-          <p:cNvPr id="37" name="PlaceHolder 3"/>
+          <p:cNvPr id="43" name="PlaceHolder 3"/>
           <p:cNvSpPr/>
           <p:nvPr/>
         </p:nvSpPr>
         <p:spPr>
           <a:xfrm>
             <a:off x="624240" y="479880"/>
-            <a:ext cx="8067240" cy="609120"/>
+            <a:ext cx="8066880" cy="608760"/>
           </a:xfrm>
           <a:prstGeom prst="rect">
             <a:avLst/>
@@ -7492,14 +7574,14 @@
       </p:sp>
       <p:sp>
         <p:nvSpPr>
-          <p:cNvPr id="38" name=""/>
+          <p:cNvPr id="44" name=""/>
           <p:cNvSpPr/>
           <p:nvPr/>
         </p:nvSpPr>
         <p:spPr>
           <a:xfrm>
             <a:off x="1230840" y="1757160"/>
-            <a:ext cx="7443360" cy="243000"/>
+            <a:ext cx="7443000" cy="242640"/>
           </a:xfrm>
           <a:prstGeom prst="rect">
             <a:avLst/>
@@ -7516,15 +7598,10 @@
           <a:fontRef idx="minor"/>
         </p:style>
         <p:txBody>
-          <a:bodyPr numCol="1" spcCol="0" horzOverflow="overflow" lIns="90000" rIns="90000" tIns="45000" bIns="45000" anchor="t">
+          <a:bodyPr numCol="1" spcCol="0" lIns="90000" rIns="90000" tIns="45000" bIns="45000" anchor="t">
             <a:spAutoFit/>
           </a:bodyPr>
           <a:p>
-            <a:pPr>
-              <a:lnSpc>
-                <a:spcPct val="100000"/>
-              </a:lnSpc>
-            </a:pPr>
             <a:endParaRPr b="0" lang="en-US" sz="1800" spc="-1" strike="noStrike">
               <a:solidFill>
                 <a:srgbClr val="000000"/>
@@ -7567,14 +7644,14 @@
       </p:grpSpPr>
       <p:sp>
         <p:nvSpPr>
-          <p:cNvPr id="39" name=""/>
+          <p:cNvPr id="45" name=""/>
           <p:cNvSpPr/>
           <p:nvPr/>
         </p:nvSpPr>
         <p:spPr>
           <a:xfrm>
             <a:off x="685800" y="1371600"/>
-            <a:ext cx="10742400" cy="4570200"/>
+            <a:ext cx="10742040" cy="4569840"/>
           </a:xfrm>
           <a:prstGeom prst="rect">
             <a:avLst/>
@@ -7595,11 +7672,6 @@
             <a:noAutofit/>
           </a:bodyPr>
           <a:p>
-            <a:pPr>
-              <a:lnSpc>
-                <a:spcPct val="100000"/>
-              </a:lnSpc>
-            </a:pPr>
             <a:endParaRPr b="0" lang="en-US" sz="1800" spc="-1" strike="noStrike">
               <a:solidFill>
                 <a:srgbClr val="000000"/>
@@ -7612,14 +7684,14 @@
       </p:sp>
       <p:sp>
         <p:nvSpPr>
-          <p:cNvPr id="40" name="PlaceHolder 3"/>
+          <p:cNvPr id="46" name="PlaceHolder 3"/>
           <p:cNvSpPr/>
           <p:nvPr/>
         </p:nvSpPr>
         <p:spPr>
           <a:xfrm>
             <a:off x="624240" y="479880"/>
-            <a:ext cx="8067240" cy="609120"/>
+            <a:ext cx="8066880" cy="608760"/>
           </a:xfrm>
           <a:prstGeom prst="rect">
             <a:avLst/>
@@ -7669,14 +7741,14 @@
       </p:sp>
       <p:sp>
         <p:nvSpPr>
-          <p:cNvPr id="41" name=""/>
+          <p:cNvPr id="47" name=""/>
           <p:cNvSpPr/>
           <p:nvPr/>
         </p:nvSpPr>
         <p:spPr>
           <a:xfrm>
             <a:off x="1230840" y="1757160"/>
-            <a:ext cx="7443360" cy="243000"/>
+            <a:ext cx="7443000" cy="242640"/>
           </a:xfrm>
           <a:prstGeom prst="rect">
             <a:avLst/>
@@ -7693,15 +7765,10 @@
           <a:fontRef idx="minor"/>
         </p:style>
         <p:txBody>
-          <a:bodyPr numCol="1" spcCol="0" horzOverflow="overflow" lIns="90000" rIns="90000" tIns="45000" bIns="45000" anchor="t">
+          <a:bodyPr numCol="1" spcCol="0" lIns="90000" rIns="90000" tIns="45000" bIns="45000" anchor="t">
             <a:spAutoFit/>
           </a:bodyPr>
           <a:p>
-            <a:pPr>
-              <a:lnSpc>
-                <a:spcPct val="100000"/>
-              </a:lnSpc>
-            </a:pPr>
             <a:endParaRPr b="0" lang="en-US" sz="1800" spc="-1" strike="noStrike">
               <a:solidFill>
                 <a:srgbClr val="000000"/>
@@ -7714,14 +7781,14 @@
       </p:sp>
       <p:sp>
         <p:nvSpPr>
-          <p:cNvPr id="42" name=""/>
+          <p:cNvPr id="48" name=""/>
           <p:cNvSpPr/>
           <p:nvPr/>
         </p:nvSpPr>
         <p:spPr>
           <a:xfrm>
             <a:off x="838080" y="1523880"/>
-            <a:ext cx="10742400" cy="4570200"/>
+            <a:ext cx="10742040" cy="4569840"/>
           </a:xfrm>
           <a:prstGeom prst="rect">
             <a:avLst/>
@@ -7900,14 +7967,14 @@
       </p:grpSpPr>
       <p:sp>
         <p:nvSpPr>
-          <p:cNvPr id="43" name=""/>
+          <p:cNvPr id="49" name=""/>
           <p:cNvSpPr/>
           <p:nvPr/>
         </p:nvSpPr>
         <p:spPr>
           <a:xfrm>
             <a:off x="685800" y="1371600"/>
-            <a:ext cx="10742400" cy="4570200"/>
+            <a:ext cx="10742040" cy="4569840"/>
           </a:xfrm>
           <a:prstGeom prst="rect">
             <a:avLst/>
@@ -7928,11 +7995,6 @@
             <a:noAutofit/>
           </a:bodyPr>
           <a:p>
-            <a:pPr>
-              <a:lnSpc>
-                <a:spcPct val="100000"/>
-              </a:lnSpc>
-            </a:pPr>
             <a:endParaRPr b="0" lang="en-US" sz="1800" spc="-1" strike="noStrike">
               <a:solidFill>
                 <a:srgbClr val="000000"/>
@@ -7945,14 +8007,14 @@
       </p:sp>
       <p:sp>
         <p:nvSpPr>
-          <p:cNvPr id="44" name="PlaceHolder 3"/>
+          <p:cNvPr id="50" name="PlaceHolder 3"/>
           <p:cNvSpPr/>
           <p:nvPr/>
         </p:nvSpPr>
         <p:spPr>
           <a:xfrm>
             <a:off x="624240" y="479880"/>
-            <a:ext cx="8067240" cy="609120"/>
+            <a:ext cx="8066880" cy="608760"/>
           </a:xfrm>
           <a:prstGeom prst="rect">
             <a:avLst/>
@@ -8002,14 +8064,14 @@
       </p:sp>
       <p:sp>
         <p:nvSpPr>
-          <p:cNvPr id="45" name=""/>
+          <p:cNvPr id="51" name=""/>
           <p:cNvSpPr/>
           <p:nvPr/>
         </p:nvSpPr>
         <p:spPr>
           <a:xfrm>
             <a:off x="1230840" y="1757160"/>
-            <a:ext cx="7443360" cy="243000"/>
+            <a:ext cx="7443000" cy="242640"/>
           </a:xfrm>
           <a:prstGeom prst="rect">
             <a:avLst/>
@@ -8026,15 +8088,10 @@
           <a:fontRef idx="minor"/>
         </p:style>
         <p:txBody>
-          <a:bodyPr numCol="1" spcCol="0" horzOverflow="overflow" lIns="90000" rIns="90000" tIns="45000" bIns="45000" anchor="t">
+          <a:bodyPr numCol="1" spcCol="0" lIns="90000" rIns="90000" tIns="45000" bIns="45000" anchor="t">
             <a:spAutoFit/>
           </a:bodyPr>
           <a:p>
-            <a:pPr>
-              <a:lnSpc>
-                <a:spcPct val="100000"/>
-              </a:lnSpc>
-            </a:pPr>
             <a:endParaRPr b="0" lang="en-US" sz="1800" spc="-1" strike="noStrike">
               <a:solidFill>
                 <a:srgbClr val="000000"/>
@@ -8047,14 +8104,14 @@
       </p:sp>
       <p:sp>
         <p:nvSpPr>
-          <p:cNvPr id="46" name=""/>
+          <p:cNvPr id="52" name=""/>
           <p:cNvSpPr/>
           <p:nvPr/>
         </p:nvSpPr>
         <p:spPr>
           <a:xfrm>
             <a:off x="838080" y="1523880"/>
-            <a:ext cx="10742400" cy="4570200"/>
+            <a:ext cx="10742040" cy="4569840"/>
           </a:xfrm>
           <a:prstGeom prst="rect">
             <a:avLst/>
@@ -8539,14 +8596,14 @@
       </p:grpSpPr>
       <p:sp>
         <p:nvSpPr>
-          <p:cNvPr id="47" name=""/>
+          <p:cNvPr id="53" name=""/>
           <p:cNvSpPr/>
           <p:nvPr/>
         </p:nvSpPr>
         <p:spPr>
           <a:xfrm>
             <a:off x="685800" y="1371600"/>
-            <a:ext cx="10742400" cy="4570200"/>
+            <a:ext cx="10742040" cy="4569840"/>
           </a:xfrm>
           <a:prstGeom prst="rect">
             <a:avLst/>
@@ -8567,11 +8624,6 @@
             <a:noAutofit/>
           </a:bodyPr>
           <a:p>
-            <a:pPr>
-              <a:lnSpc>
-                <a:spcPct val="100000"/>
-              </a:lnSpc>
-            </a:pPr>
             <a:endParaRPr b="0" lang="en-US" sz="1800" spc="-1" strike="noStrike">
               <a:solidFill>
                 <a:srgbClr val="000000"/>
@@ -8584,14 +8636,14 @@
       </p:sp>
       <p:sp>
         <p:nvSpPr>
-          <p:cNvPr id="48" name="PlaceHolder 3"/>
+          <p:cNvPr id="54" name="PlaceHolder 3"/>
           <p:cNvSpPr/>
           <p:nvPr/>
         </p:nvSpPr>
         <p:spPr>
           <a:xfrm>
             <a:off x="624240" y="479880"/>
-            <a:ext cx="8067240" cy="609120"/>
+            <a:ext cx="8066880" cy="608760"/>
           </a:xfrm>
           <a:prstGeom prst="rect">
             <a:avLst/>
@@ -8641,14 +8693,14 @@
       </p:sp>
       <p:sp>
         <p:nvSpPr>
-          <p:cNvPr id="49" name=""/>
+          <p:cNvPr id="55" name=""/>
           <p:cNvSpPr/>
           <p:nvPr/>
         </p:nvSpPr>
         <p:spPr>
           <a:xfrm>
             <a:off x="1230840" y="1757160"/>
-            <a:ext cx="7443360" cy="243000"/>
+            <a:ext cx="7443000" cy="242640"/>
           </a:xfrm>
           <a:prstGeom prst="rect">
             <a:avLst/>
@@ -8665,15 +8717,10 @@
           <a:fontRef idx="minor"/>
         </p:style>
         <p:txBody>
-          <a:bodyPr numCol="1" spcCol="0" horzOverflow="overflow" lIns="90000" rIns="90000" tIns="45000" bIns="45000" anchor="t">
+          <a:bodyPr numCol="1" spcCol="0" lIns="90000" rIns="90000" tIns="45000" bIns="45000" anchor="t">
             <a:spAutoFit/>
           </a:bodyPr>
           <a:p>
-            <a:pPr>
-              <a:lnSpc>
-                <a:spcPct val="100000"/>
-              </a:lnSpc>
-            </a:pPr>
             <a:endParaRPr b="0" lang="en-US" sz="1800" spc="-1" strike="noStrike">
               <a:solidFill>
                 <a:srgbClr val="000000"/>
@@ -8686,13 +8733,13 @@
       </p:sp>
       <p:graphicFrame>
         <p:nvGraphicFramePr>
-          <p:cNvPr id="50" name=""/>
+          <p:cNvPr id="56" name=""/>
           <p:cNvGraphicFramePr/>
           <p:nvPr/>
         </p:nvGraphicFramePr>
         <p:xfrm>
           <a:off x="898560" y="1427400"/>
-          <a:ext cx="10711800" cy="4187520"/>
+          <a:ext cx="10711800" cy="4187160"/>
         </p:xfrm>
         <a:graphic>
           <a:graphicData uri="http://schemas.openxmlformats.org/drawingml/2006/table">
@@ -11070,59 +11117,23 @@
         <a:solidFill>
           <a:schemeClr val="phClr"/>
         </a:solidFill>
-        <a:gradFill>
-          <a:gsLst>
-            <a:gs pos="0">
-              <a:schemeClr val="phClr">
-                <a:tint val="50000"/>
-              </a:schemeClr>
-            </a:gs>
-            <a:gs pos="35000">
-              <a:schemeClr val="phClr">
-                <a:tint val="37000"/>
-              </a:schemeClr>
-            </a:gs>
-            <a:gs pos="100000">
-              <a:schemeClr val="phClr">
-                <a:tint val="15000"/>
-              </a:schemeClr>
-            </a:gs>
-          </a:gsLst>
-          <a:lin ang="16200000" scaled="1"/>
-          <a:tileRect l="0" t="0" r="0" b="0"/>
-        </a:gradFill>
-        <a:gradFill>
-          <a:gsLst>
-            <a:gs pos="0">
-              <a:schemeClr val="phClr">
-                <a:shade val="51000"/>
-              </a:schemeClr>
-            </a:gs>
-            <a:gs pos="80000">
-              <a:schemeClr val="phClr">
-                <a:shade val="93000"/>
-              </a:schemeClr>
-            </a:gs>
-            <a:gs pos="100000">
-              <a:schemeClr val="phClr">
-                <a:shade val="94000"/>
-              </a:schemeClr>
-            </a:gs>
-          </a:gsLst>
-          <a:lin ang="16200000" scaled="0"/>
-          <a:tileRect l="0" t="0" r="0" b="0"/>
-        </a:gradFill>
+        <a:solidFill>
+          <a:schemeClr val="phClr"/>
+        </a:solidFill>
+        <a:solidFill>
+          <a:schemeClr val="phClr"/>
+        </a:solidFill>
       </a:fillStyleLst>
       <a:lnStyleLst>
         <a:ln w="6350" cap="flat" cmpd="sng" algn="ctr">
           <a:prstDash val="solid"/>
           <a:miter/>
         </a:ln>
-        <a:ln w="12700" cap="flat" cmpd="sng" algn="ctr">
+        <a:ln w="6350" cap="flat" cmpd="sng" algn="ctr">
           <a:prstDash val="solid"/>
           <a:miter/>
         </a:ln>
-        <a:ln w="19050" cap="flat" cmpd="sng" algn="ctr">
+        <a:ln w="6350" cap="flat" cmpd="sng" algn="ctr">
           <a:prstDash val="solid"/>
           <a:miter/>
         </a:ln>
@@ -11142,48 +11153,12 @@
         <a:solidFill>
           <a:schemeClr val="phClr"/>
         </a:solidFill>
-        <a:gradFill>
-          <a:gsLst>
-            <a:gs pos="0">
-              <a:schemeClr val="phClr">
-                <a:tint val="40000"/>
-              </a:schemeClr>
-            </a:gs>
-            <a:gs pos="40000">
-              <a:schemeClr val="phClr">
-                <a:tint val="45000"/>
-                <a:shade val="99000"/>
-              </a:schemeClr>
-            </a:gs>
-            <a:gs pos="100000">
-              <a:schemeClr val="phClr">
-                <a:shade val="20000"/>
-              </a:schemeClr>
-            </a:gs>
-          </a:gsLst>
-          <a:path path="circle">
-            <a:fillToRect l="0" t="0" r="0" b="0"/>
-          </a:path>
-          <a:tileRect l="0" t="0" r="0" b="0"/>
-        </a:gradFill>
-        <a:gradFill>
-          <a:gsLst>
-            <a:gs pos="0">
-              <a:schemeClr val="phClr">
-                <a:tint val="80000"/>
-              </a:schemeClr>
-            </a:gs>
-            <a:gs pos="100000">
-              <a:schemeClr val="phClr">
-                <a:shade val="30000"/>
-              </a:schemeClr>
-            </a:gs>
-          </a:gsLst>
-          <a:path path="circle">
-            <a:fillToRect l="0" t="0" r="0" b="0"/>
-          </a:path>
-          <a:tileRect l="0" t="0" r="0" b="0"/>
-        </a:gradFill>
+        <a:solidFill>
+          <a:schemeClr val="phClr"/>
+        </a:solidFill>
+        <a:solidFill>
+          <a:schemeClr val="phClr"/>
+        </a:solidFill>
       </a:bgFillStyleLst>
     </a:fmtScheme>
   </a:themeElements>
@@ -11248,59 +11223,23 @@
         <a:solidFill>
           <a:schemeClr val="phClr"/>
         </a:solidFill>
-        <a:gradFill>
-          <a:gsLst>
-            <a:gs pos="0">
-              <a:schemeClr val="phClr">
-                <a:tint val="50000"/>
-              </a:schemeClr>
-            </a:gs>
-            <a:gs pos="35000">
-              <a:schemeClr val="phClr">
-                <a:tint val="37000"/>
-              </a:schemeClr>
-            </a:gs>
-            <a:gs pos="100000">
-              <a:schemeClr val="phClr">
-                <a:tint val="15000"/>
-              </a:schemeClr>
-            </a:gs>
-          </a:gsLst>
-          <a:lin ang="16200000" scaled="1"/>
-          <a:tileRect l="0" t="0" r="0" b="0"/>
-        </a:gradFill>
-        <a:gradFill>
-          <a:gsLst>
-            <a:gs pos="0">
-              <a:schemeClr val="phClr">
-                <a:shade val="51000"/>
-              </a:schemeClr>
-            </a:gs>
-            <a:gs pos="80000">
-              <a:schemeClr val="phClr">
-                <a:shade val="93000"/>
-              </a:schemeClr>
-            </a:gs>
-            <a:gs pos="100000">
-              <a:schemeClr val="phClr">
-                <a:shade val="94000"/>
-              </a:schemeClr>
-            </a:gs>
-          </a:gsLst>
-          <a:lin ang="16200000" scaled="0"/>
-          <a:tileRect l="0" t="0" r="0" b="0"/>
-        </a:gradFill>
+        <a:solidFill>
+          <a:schemeClr val="phClr"/>
+        </a:solidFill>
+        <a:solidFill>
+          <a:schemeClr val="phClr"/>
+        </a:solidFill>
       </a:fillStyleLst>
       <a:lnStyleLst>
         <a:ln w="6350" cap="flat" cmpd="sng" algn="ctr">
           <a:prstDash val="solid"/>
           <a:miter/>
         </a:ln>
-        <a:ln w="12700" cap="flat" cmpd="sng" algn="ctr">
+        <a:ln w="6350" cap="flat" cmpd="sng" algn="ctr">
           <a:prstDash val="solid"/>
           <a:miter/>
         </a:ln>
-        <a:ln w="19050" cap="flat" cmpd="sng" algn="ctr">
+        <a:ln w="6350" cap="flat" cmpd="sng" algn="ctr">
           <a:prstDash val="solid"/>
           <a:miter/>
         </a:ln>
@@ -11320,48 +11259,12 @@
         <a:solidFill>
           <a:schemeClr val="phClr"/>
         </a:solidFill>
-        <a:gradFill>
-          <a:gsLst>
-            <a:gs pos="0">
-              <a:schemeClr val="phClr">
-                <a:tint val="40000"/>
-              </a:schemeClr>
-            </a:gs>
-            <a:gs pos="40000">
-              <a:schemeClr val="phClr">
-                <a:tint val="45000"/>
-                <a:shade val="99000"/>
-              </a:schemeClr>
-            </a:gs>
-            <a:gs pos="100000">
-              <a:schemeClr val="phClr">
-                <a:shade val="20000"/>
-              </a:schemeClr>
-            </a:gs>
-          </a:gsLst>
-          <a:path path="circle">
-            <a:fillToRect l="0" t="0" r="0" b="0"/>
-          </a:path>
-          <a:tileRect l="0" t="0" r="0" b="0"/>
-        </a:gradFill>
-        <a:gradFill>
-          <a:gsLst>
-            <a:gs pos="0">
-              <a:schemeClr val="phClr">
-                <a:tint val="80000"/>
-              </a:schemeClr>
-            </a:gs>
-            <a:gs pos="100000">
-              <a:schemeClr val="phClr">
-                <a:shade val="30000"/>
-              </a:schemeClr>
-            </a:gs>
-          </a:gsLst>
-          <a:path path="circle">
-            <a:fillToRect l="0" t="0" r="0" b="0"/>
-          </a:path>
-          <a:tileRect l="0" t="0" r="0" b="0"/>
-        </a:gradFill>
+        <a:solidFill>
+          <a:schemeClr val="phClr"/>
+        </a:solidFill>
+        <a:solidFill>
+          <a:schemeClr val="phClr"/>
+        </a:solidFill>
       </a:bgFillStyleLst>
     </a:fmtScheme>
   </a:themeElements>
@@ -11426,59 +11329,23 @@
         <a:solidFill>
           <a:schemeClr val="phClr"/>
         </a:solidFill>
-        <a:gradFill>
-          <a:gsLst>
-            <a:gs pos="0">
-              <a:schemeClr val="phClr">
-                <a:tint val="50000"/>
-              </a:schemeClr>
-            </a:gs>
-            <a:gs pos="35000">
-              <a:schemeClr val="phClr">
-                <a:tint val="37000"/>
-              </a:schemeClr>
-            </a:gs>
-            <a:gs pos="100000">
-              <a:schemeClr val="phClr">
-                <a:tint val="15000"/>
-              </a:schemeClr>
-            </a:gs>
-          </a:gsLst>
-          <a:lin ang="16200000" scaled="1"/>
-          <a:tileRect l="0" t="0" r="0" b="0"/>
-        </a:gradFill>
-        <a:gradFill>
-          <a:gsLst>
-            <a:gs pos="0">
-              <a:schemeClr val="phClr">
-                <a:shade val="51000"/>
-              </a:schemeClr>
-            </a:gs>
-            <a:gs pos="80000">
-              <a:schemeClr val="phClr">
-                <a:shade val="93000"/>
-              </a:schemeClr>
-            </a:gs>
-            <a:gs pos="100000">
-              <a:schemeClr val="phClr">
-                <a:shade val="94000"/>
-              </a:schemeClr>
-            </a:gs>
-          </a:gsLst>
-          <a:lin ang="16200000" scaled="0"/>
-          <a:tileRect l="0" t="0" r="0" b="0"/>
-        </a:gradFill>
+        <a:solidFill>
+          <a:schemeClr val="phClr"/>
+        </a:solidFill>
+        <a:solidFill>
+          <a:schemeClr val="phClr"/>
+        </a:solidFill>
       </a:fillStyleLst>
       <a:lnStyleLst>
         <a:ln w="6350" cap="flat" cmpd="sng" algn="ctr">
           <a:prstDash val="solid"/>
           <a:miter/>
         </a:ln>
-        <a:ln w="12700" cap="flat" cmpd="sng" algn="ctr">
+        <a:ln w="6350" cap="flat" cmpd="sng" algn="ctr">
           <a:prstDash val="solid"/>
           <a:miter/>
         </a:ln>
-        <a:ln w="19050" cap="flat" cmpd="sng" algn="ctr">
+        <a:ln w="6350" cap="flat" cmpd="sng" algn="ctr">
           <a:prstDash val="solid"/>
           <a:miter/>
         </a:ln>
@@ -11498,48 +11365,12 @@
         <a:solidFill>
           <a:schemeClr val="phClr"/>
         </a:solidFill>
-        <a:gradFill>
-          <a:gsLst>
-            <a:gs pos="0">
-              <a:schemeClr val="phClr">
-                <a:tint val="40000"/>
-              </a:schemeClr>
-            </a:gs>
-            <a:gs pos="40000">
-              <a:schemeClr val="phClr">
-                <a:tint val="45000"/>
-                <a:shade val="99000"/>
-              </a:schemeClr>
-            </a:gs>
-            <a:gs pos="100000">
-              <a:schemeClr val="phClr">
-                <a:shade val="20000"/>
-              </a:schemeClr>
-            </a:gs>
-          </a:gsLst>
-          <a:path path="circle">
-            <a:fillToRect l="0" t="0" r="0" b="0"/>
-          </a:path>
-          <a:tileRect l="0" t="0" r="0" b="0"/>
-        </a:gradFill>
-        <a:gradFill>
-          <a:gsLst>
-            <a:gs pos="0">
-              <a:schemeClr val="phClr">
-                <a:tint val="80000"/>
-              </a:schemeClr>
-            </a:gs>
-            <a:gs pos="100000">
-              <a:schemeClr val="phClr">
-                <a:shade val="30000"/>
-              </a:schemeClr>
-            </a:gs>
-          </a:gsLst>
-          <a:path path="circle">
-            <a:fillToRect l="0" t="0" r="0" b="0"/>
-          </a:path>
-          <a:tileRect l="0" t="0" r="0" b="0"/>
-        </a:gradFill>
+        <a:solidFill>
+          <a:schemeClr val="phClr"/>
+        </a:solidFill>
+        <a:solidFill>
+          <a:schemeClr val="phClr"/>
+        </a:solidFill>
       </a:bgFillStyleLst>
     </a:fmtScheme>
   </a:themeElements>

--- a/presentation/presentation-partitioned-progress.pptx
+++ b/presentation/presentation-partitioned-progress.pptx
@@ -7,7 +7,7 @@
     <p:sldMasterId id="2147483652" r:id="rId3"/>
   </p:sldMasterIdLst>
   <p:notesMasterIdLst>
-    <p:notesMasterId r:id="rId25"/>
+    <p:notesMasterId r:id="rId34"/>
   </p:notesMasterIdLst>
   <p:sldIdLst>
     <p:sldId id="256" r:id="rId8"/>
@@ -27,6 +27,15 @@
     <p:sldId id="270" r:id="rId22"/>
     <p:sldId id="271" r:id="rId23"/>
     <p:sldId id="272" r:id="rId24"/>
+    <p:sldId id="273" r:id="rId25"/>
+    <p:sldId id="274" r:id="rId26"/>
+    <p:sldId id="275" r:id="rId27"/>
+    <p:sldId id="276" r:id="rId28"/>
+    <p:sldId id="277" r:id="rId29"/>
+    <p:sldId id="278" r:id="rId30"/>
+    <p:sldId id="279" r:id="rId31"/>
+    <p:sldId id="280" r:id="rId32"/>
+    <p:sldId id="281" r:id="rId33"/>
   </p:sldIdLst>
   <p:sldSz cx="12192000" cy="6858000"/>
   <p:notesSz cx="7559675" cy="10691813"/>
@@ -454,7 +463,7 @@
       </p:grpSpPr>
       <p:sp>
         <p:nvSpPr>
-          <p:cNvPr id="2" name="Slide Image Placeholder 1"/>
+          <p:cNvPr id="92354546" name="Slide Image Placeholder 1"/>
           <p:cNvSpPr>
             <a:spLocks noChangeAspect="1" noGrp="1" noRot="1"/>
           </p:cNvSpPr>
@@ -466,7 +475,7 @@
       </p:sp>
       <p:sp>
         <p:nvSpPr>
-          <p:cNvPr id="3" name="Notes Placeholder 2"/>
+          <p:cNvPr id="1159887688" name="Notes Placeholder 2"/>
           <p:cNvSpPr>
             <a:spLocks noGrp="1"/>
           </p:cNvSpPr>
@@ -488,7 +497,7 @@
       </p:sp>
       <p:sp>
         <p:nvSpPr>
-          <p:cNvPr id="4" name="Slide Number Placeholder 3"/>
+          <p:cNvPr id="994969300" name="Slide Number Placeholder 3"/>
           <p:cNvSpPr>
             <a:spLocks noGrp="1"/>
           </p:cNvSpPr>
@@ -504,7 +513,7 @@
             <a:pPr>
               <a:defRPr/>
             </a:pPr>
-            <a:fld id="{E3CD9D1E-61AF-BF16-9209-5ED7C9F10FA4}" type="slidenum">
+            <a:fld id="{B946C91E-9511-2006-F29C-1F69ED5D04D7}" type="slidenum">
               <a:rPr/>
               <a:t/>
             </a:fld>
@@ -536,7 +545,7 @@
       </p:grpSpPr>
       <p:sp>
         <p:nvSpPr>
-          <p:cNvPr id="1663940939" name="Slide Image Placeholder 1"/>
+          <p:cNvPr id="2" name="Slide Image Placeholder 1"/>
           <p:cNvSpPr>
             <a:spLocks noChangeAspect="1" noGrp="1" noRot="1"/>
           </p:cNvSpPr>
@@ -548,7 +557,7 @@
       </p:sp>
       <p:sp>
         <p:nvSpPr>
-          <p:cNvPr id="1746023429" name="Notes Placeholder 2"/>
+          <p:cNvPr id="3" name="Notes Placeholder 2"/>
           <p:cNvSpPr>
             <a:spLocks noGrp="1"/>
           </p:cNvSpPr>
@@ -570,7 +579,7 @@
       </p:sp>
       <p:sp>
         <p:nvSpPr>
-          <p:cNvPr id="350689288" name="Slide Number Placeholder 3"/>
+          <p:cNvPr id="4" name="Slide Number Placeholder 3"/>
           <p:cNvSpPr>
             <a:spLocks noGrp="1"/>
           </p:cNvSpPr>
@@ -586,7 +595,7 @@
             <a:pPr>
               <a:defRPr/>
             </a:pPr>
-            <a:fld id="{F04D05C8-87DC-9A16-ECF9-F0E5545395E8}" type="slidenum">
+            <a:fld id="{CBD7E581-891B-71F9-1C5C-D56A4BAFFD37}" type="slidenum">
               <a:rPr/>
               <a:t/>
             </a:fld>
@@ -618,7 +627,7 @@
       </p:grpSpPr>
       <p:sp>
         <p:nvSpPr>
-          <p:cNvPr id="97629142" name="Slide Image Placeholder 1"/>
+          <p:cNvPr id="869379678" name="Slide Image Placeholder 1"/>
           <p:cNvSpPr>
             <a:spLocks noChangeAspect="1" noGrp="1" noRot="1"/>
           </p:cNvSpPr>
@@ -630,7 +639,7 @@
       </p:sp>
       <p:sp>
         <p:nvSpPr>
-          <p:cNvPr id="1175949398" name="Notes Placeholder 2"/>
+          <p:cNvPr id="833180749" name="Notes Placeholder 2"/>
           <p:cNvSpPr>
             <a:spLocks noGrp="1"/>
           </p:cNvSpPr>
@@ -652,7 +661,7 @@
       </p:sp>
       <p:sp>
         <p:nvSpPr>
-          <p:cNvPr id="952388015" name="Slide Number Placeholder 3"/>
+          <p:cNvPr id="369600198" name="Slide Number Placeholder 3"/>
           <p:cNvSpPr>
             <a:spLocks noGrp="1"/>
           </p:cNvSpPr>
@@ -668,7 +677,7 @@
             <a:pPr>
               <a:defRPr/>
             </a:pPr>
-            <a:fld id="{1EF86D6E-B74B-03B7-AA0E-A3B1F79D172F}" type="slidenum">
+            <a:fld id="{703253AC-0E60-DBEB-92CE-7F54FE9888E0}" type="slidenum">
               <a:rPr/>
               <a:t/>
             </a:fld>
@@ -700,7 +709,7 @@
       </p:grpSpPr>
       <p:sp>
         <p:nvSpPr>
-          <p:cNvPr id="942606176" name="Slide Image Placeholder 1"/>
+          <p:cNvPr id="2017458493" name="Slide Image Placeholder 1"/>
           <p:cNvSpPr>
             <a:spLocks noChangeAspect="1" noGrp="1" noRot="1"/>
           </p:cNvSpPr>
@@ -712,7 +721,7 @@
       </p:sp>
       <p:sp>
         <p:nvSpPr>
-          <p:cNvPr id="256787490" name="Notes Placeholder 2"/>
+          <p:cNvPr id="1443225002" name="Notes Placeholder 2"/>
           <p:cNvSpPr>
             <a:spLocks noGrp="1"/>
           </p:cNvSpPr>
@@ -734,7 +743,7 @@
       </p:sp>
       <p:sp>
         <p:nvSpPr>
-          <p:cNvPr id="1873916872" name="Slide Number Placeholder 3"/>
+          <p:cNvPr id="1221363233" name="Slide Number Placeholder 3"/>
           <p:cNvSpPr>
             <a:spLocks noGrp="1"/>
           </p:cNvSpPr>
@@ -750,7 +759,7 @@
             <a:pPr>
               <a:defRPr/>
             </a:pPr>
-            <a:fld id="{8A3383B8-493C-EA82-B0D7-22E97C849EF9}" type="slidenum">
+            <a:fld id="{F5443CF7-ADB1-EA5B-A7C9-4EEFF352A414}" type="slidenum">
               <a:rPr/>
               <a:t/>
             </a:fld>
@@ -782,7 +791,7 @@
       </p:grpSpPr>
       <p:sp>
         <p:nvSpPr>
-          <p:cNvPr id="630808800" name="Slide Image Placeholder 1"/>
+          <p:cNvPr id="227496362" name="Slide Image Placeholder 1"/>
           <p:cNvSpPr>
             <a:spLocks noChangeAspect="1" noGrp="1" noRot="1"/>
           </p:cNvSpPr>
@@ -794,7 +803,7 @@
       </p:sp>
       <p:sp>
         <p:nvSpPr>
-          <p:cNvPr id="500131916" name="Notes Placeholder 2"/>
+          <p:cNvPr id="1559924453" name="Notes Placeholder 2"/>
           <p:cNvSpPr>
             <a:spLocks noGrp="1"/>
           </p:cNvSpPr>
@@ -816,7 +825,7 @@
       </p:sp>
       <p:sp>
         <p:nvSpPr>
-          <p:cNvPr id="1874408459" name="Slide Number Placeholder 3"/>
+          <p:cNvPr id="846695993" name="Slide Number Placeholder 3"/>
           <p:cNvSpPr>
             <a:spLocks noGrp="1"/>
           </p:cNvSpPr>
@@ -832,7 +841,7 @@
             <a:pPr>
               <a:defRPr/>
             </a:pPr>
-            <a:fld id="{606EB477-62F8-EFE2-9C10-D44AE5D9F241}" type="slidenum">
+            <a:fld id="{BAC0E94A-2064-F8C2-96C7-9C7E4C410BAC}" type="slidenum">
               <a:rPr/>
               <a:t/>
             </a:fld>
@@ -864,7 +873,7 @@
       </p:grpSpPr>
       <p:sp>
         <p:nvSpPr>
-          <p:cNvPr id="586325603" name="Slide Image Placeholder 1"/>
+          <p:cNvPr id="2" name="Slide Image Placeholder 1"/>
           <p:cNvSpPr>
             <a:spLocks noChangeAspect="1" noGrp="1" noRot="1"/>
           </p:cNvSpPr>
@@ -876,7 +885,7 @@
       </p:sp>
       <p:sp>
         <p:nvSpPr>
-          <p:cNvPr id="1338318165" name="Notes Placeholder 2"/>
+          <p:cNvPr id="3" name="Notes Placeholder 2"/>
           <p:cNvSpPr>
             <a:spLocks noGrp="1"/>
           </p:cNvSpPr>
@@ -898,7 +907,7 @@
       </p:sp>
       <p:sp>
         <p:nvSpPr>
-          <p:cNvPr id="722516574" name="Slide Number Placeholder 3"/>
+          <p:cNvPr id="4" name="Slide Number Placeholder 3"/>
           <p:cNvSpPr>
             <a:spLocks noGrp="1"/>
           </p:cNvSpPr>
@@ -914,7 +923,7 @@
             <a:pPr>
               <a:defRPr/>
             </a:pPr>
-            <a:fld id="{AB9C12FC-EC5E-69FB-4594-10A930874D87}" type="slidenum">
+            <a:fld id="{E3CD9D1E-61AF-BF16-9209-5ED7C9F10FA4}" type="slidenum">
               <a:rPr/>
               <a:t/>
             </a:fld>
@@ -946,7 +955,7 @@
       </p:grpSpPr>
       <p:sp>
         <p:nvSpPr>
-          <p:cNvPr id="2" name="Slide Image Placeholder 1"/>
+          <p:cNvPr id="1663940939" name="Slide Image Placeholder 1"/>
           <p:cNvSpPr>
             <a:spLocks noChangeAspect="1" noGrp="1" noRot="1"/>
           </p:cNvSpPr>
@@ -958,7 +967,7 @@
       </p:sp>
       <p:sp>
         <p:nvSpPr>
-          <p:cNvPr id="3" name="Notes Placeholder 2"/>
+          <p:cNvPr id="1746023429" name="Notes Placeholder 2"/>
           <p:cNvSpPr>
             <a:spLocks noGrp="1"/>
           </p:cNvSpPr>
@@ -980,7 +989,7 @@
       </p:sp>
       <p:sp>
         <p:nvSpPr>
-          <p:cNvPr id="4" name="Slide Number Placeholder 3"/>
+          <p:cNvPr id="350689288" name="Slide Number Placeholder 3"/>
           <p:cNvSpPr>
             <a:spLocks noGrp="1"/>
           </p:cNvSpPr>
@@ -996,7 +1005,7 @@
             <a:pPr>
               <a:defRPr/>
             </a:pPr>
-            <a:fld id="{80B20DA9-AB08-8749-7C10-3A282377BC42}" type="slidenum">
+            <a:fld id="{F04D05C8-87DC-9A16-ECF9-F0E5545395E8}" type="slidenum">
               <a:rPr/>
               <a:t/>
             </a:fld>
@@ -1028,7 +1037,7 @@
       </p:grpSpPr>
       <p:sp>
         <p:nvSpPr>
-          <p:cNvPr id="2" name="Slide Image Placeholder 1"/>
+          <p:cNvPr id="1266281942" name="Slide Image Placeholder 1"/>
           <p:cNvSpPr>
             <a:spLocks noChangeAspect="1" noGrp="1" noRot="1"/>
           </p:cNvSpPr>
@@ -1040,7 +1049,7 @@
       </p:sp>
       <p:sp>
         <p:nvSpPr>
-          <p:cNvPr id="3" name="Notes Placeholder 2"/>
+          <p:cNvPr id="899940914" name="Notes Placeholder 2"/>
           <p:cNvSpPr>
             <a:spLocks noGrp="1"/>
           </p:cNvSpPr>
@@ -1062,7 +1071,7 @@
       </p:sp>
       <p:sp>
         <p:nvSpPr>
-          <p:cNvPr id="4" name="Slide Number Placeholder 3"/>
+          <p:cNvPr id="1160852617" name="Slide Number Placeholder 3"/>
           <p:cNvSpPr>
             <a:spLocks noGrp="1"/>
           </p:cNvSpPr>
@@ -1078,7 +1087,171 @@
             <a:pPr>
               <a:defRPr/>
             </a:pPr>
-            <a:fld id="{5C24377A-DF4B-E317-B5BB-02035EF170AA}" type="slidenum">
+            <a:fld id="{058700D3-6300-1DF2-EAC0-8E8D51B680FA}" type="slidenum">
+              <a:rPr/>
+              <a:t/>
+            </a:fld>
+            <a:endParaRPr/>
+          </a:p>
+        </p:txBody>
+      </p:sp>
+    </p:spTree>
+  </p:cSld>
+</p:notes>
+</file>
+
+<file path=ppt/notesSlides/notesSlide18.xml><?xml version="1.0" encoding="utf-8"?>
+<p:notes xmlns:a="http://schemas.openxmlformats.org/drawingml/2006/main" xmlns:r="http://schemas.openxmlformats.org/officeDocument/2006/relationships" xmlns:p="http://schemas.openxmlformats.org/presentationml/2006/main" xmlns:m="http://schemas.openxmlformats.org/officeDocument/2006/math" xmlns:w="http://schemas.openxmlformats.org/wordprocessingml/2006/main">
+  <p:cSld name="">
+    <p:spTree>
+      <p:nvGrpSpPr>
+        <p:cNvPr id="1" name=""/>
+        <p:cNvGrpSpPr/>
+        <p:nvPr/>
+      </p:nvGrpSpPr>
+      <p:grpSpPr bwMode="auto">
+        <a:xfrm>
+          <a:off x="0" y="0"/>
+          <a:ext cx="0" cy="0"/>
+          <a:chOff x="0" y="0"/>
+          <a:chExt cx="0" cy="0"/>
+        </a:xfrm>
+      </p:grpSpPr>
+      <p:sp>
+        <p:nvSpPr>
+          <p:cNvPr id="1111658211" name="Slide Image Placeholder 1"/>
+          <p:cNvSpPr>
+            <a:spLocks noChangeAspect="1" noGrp="1" noRot="1"/>
+          </p:cNvSpPr>
+          <p:nvPr>
+            <p:ph type="sldImg"/>
+          </p:nvPr>
+        </p:nvSpPr>
+        <p:spPr bwMode="auto"/>
+      </p:sp>
+      <p:sp>
+        <p:nvSpPr>
+          <p:cNvPr id="1588295642" name="Notes Placeholder 2"/>
+          <p:cNvSpPr>
+            <a:spLocks noGrp="1"/>
+          </p:cNvSpPr>
+          <p:nvPr>
+            <p:ph type="body" idx="1"/>
+          </p:nvPr>
+        </p:nvSpPr>
+        <p:spPr bwMode="auto"/>
+        <p:txBody>
+          <a:bodyPr/>
+          <a:lstStyle/>
+          <a:p>
+            <a:pPr>
+              <a:defRPr/>
+            </a:pPr>
+            <a:endParaRPr/>
+          </a:p>
+        </p:txBody>
+      </p:sp>
+      <p:sp>
+        <p:nvSpPr>
+          <p:cNvPr id="185940629" name="Slide Number Placeholder 3"/>
+          <p:cNvSpPr>
+            <a:spLocks noGrp="1"/>
+          </p:cNvSpPr>
+          <p:nvPr>
+            <p:ph type="sldNum" sz="quarter" idx="10"/>
+          </p:nvPr>
+        </p:nvSpPr>
+        <p:spPr bwMode="auto"/>
+        <p:txBody>
+          <a:bodyPr/>
+          <a:lstStyle/>
+          <a:p>
+            <a:pPr>
+              <a:defRPr/>
+            </a:pPr>
+            <a:fld id="{2B40AD74-A8F3-5E6C-86FC-95260E369218}" type="slidenum">
+              <a:rPr/>
+              <a:t/>
+            </a:fld>
+            <a:endParaRPr/>
+          </a:p>
+        </p:txBody>
+      </p:sp>
+    </p:spTree>
+  </p:cSld>
+</p:notes>
+</file>
+
+<file path=ppt/notesSlides/notesSlide19.xml><?xml version="1.0" encoding="utf-8"?>
+<p:notes xmlns:a="http://schemas.openxmlformats.org/drawingml/2006/main" xmlns:r="http://schemas.openxmlformats.org/officeDocument/2006/relationships" xmlns:p="http://schemas.openxmlformats.org/presentationml/2006/main" xmlns:m="http://schemas.openxmlformats.org/officeDocument/2006/math" xmlns:w="http://schemas.openxmlformats.org/wordprocessingml/2006/main">
+  <p:cSld name="">
+    <p:spTree>
+      <p:nvGrpSpPr>
+        <p:cNvPr id="1" name=""/>
+        <p:cNvGrpSpPr/>
+        <p:nvPr/>
+      </p:nvGrpSpPr>
+      <p:grpSpPr bwMode="auto">
+        <a:xfrm>
+          <a:off x="0" y="0"/>
+          <a:ext cx="0" cy="0"/>
+          <a:chOff x="0" y="0"/>
+          <a:chExt cx="0" cy="0"/>
+        </a:xfrm>
+      </p:grpSpPr>
+      <p:sp>
+        <p:nvSpPr>
+          <p:cNvPr id="97629142" name="Slide Image Placeholder 1"/>
+          <p:cNvSpPr>
+            <a:spLocks noChangeAspect="1" noGrp="1" noRot="1"/>
+          </p:cNvSpPr>
+          <p:nvPr>
+            <p:ph type="sldImg"/>
+          </p:nvPr>
+        </p:nvSpPr>
+        <p:spPr bwMode="auto"/>
+      </p:sp>
+      <p:sp>
+        <p:nvSpPr>
+          <p:cNvPr id="1175949398" name="Notes Placeholder 2"/>
+          <p:cNvSpPr>
+            <a:spLocks noGrp="1"/>
+          </p:cNvSpPr>
+          <p:nvPr>
+            <p:ph type="body" idx="1"/>
+          </p:nvPr>
+        </p:nvSpPr>
+        <p:spPr bwMode="auto"/>
+        <p:txBody>
+          <a:bodyPr/>
+          <a:lstStyle/>
+          <a:p>
+            <a:pPr>
+              <a:defRPr/>
+            </a:pPr>
+            <a:endParaRPr/>
+          </a:p>
+        </p:txBody>
+      </p:sp>
+      <p:sp>
+        <p:nvSpPr>
+          <p:cNvPr id="952388015" name="Slide Number Placeholder 3"/>
+          <p:cNvSpPr>
+            <a:spLocks noGrp="1"/>
+          </p:cNvSpPr>
+          <p:nvPr>
+            <p:ph type="sldNum" sz="quarter" idx="10"/>
+          </p:nvPr>
+        </p:nvSpPr>
+        <p:spPr bwMode="auto"/>
+        <p:txBody>
+          <a:bodyPr/>
+          <a:lstStyle/>
+          <a:p>
+            <a:pPr>
+              <a:defRPr/>
+            </a:pPr>
+            <a:fld id="{1EF86D6E-B74B-03B7-AA0E-A3B1F79D172F}" type="slidenum">
               <a:rPr/>
               <a:t/>
             </a:fld>
@@ -1138,6 +1311,20 @@
             <a:pPr>
               <a:defRPr/>
             </a:pPr>
+            <a:r>
+              <a:rPr/>
+              <a:t>Introduced in MPI 4.0</a:t>
+            </a:r>
+            <a:endParaRPr/>
+          </a:p>
+          <a:p>
+            <a:pPr>
+              <a:defRPr/>
+            </a:pPr>
+            <a:r>
+              <a:rPr/>
+              <a:t>Use case</a:t>
+            </a:r>
             <a:endParaRPr/>
           </a:p>
         </p:txBody>
@@ -1161,6 +1348,580 @@
               <a:defRPr/>
             </a:pPr>
             <a:fld id="{37F21E10-4C66-275E-7809-33309272D021}" type="slidenum">
+              <a:rPr/>
+              <a:t/>
+            </a:fld>
+            <a:endParaRPr/>
+          </a:p>
+        </p:txBody>
+      </p:sp>
+    </p:spTree>
+  </p:cSld>
+</p:notes>
+</file>
+
+<file path=ppt/notesSlides/notesSlide20.xml><?xml version="1.0" encoding="utf-8"?>
+<p:notes xmlns:a="http://schemas.openxmlformats.org/drawingml/2006/main" xmlns:r="http://schemas.openxmlformats.org/officeDocument/2006/relationships" xmlns:p="http://schemas.openxmlformats.org/presentationml/2006/main" xmlns:m="http://schemas.openxmlformats.org/officeDocument/2006/math" xmlns:w="http://schemas.openxmlformats.org/wordprocessingml/2006/main">
+  <p:cSld name="">
+    <p:spTree>
+      <p:nvGrpSpPr>
+        <p:cNvPr id="1" name=""/>
+        <p:cNvGrpSpPr/>
+        <p:nvPr/>
+      </p:nvGrpSpPr>
+      <p:grpSpPr bwMode="auto">
+        <a:xfrm>
+          <a:off x="0" y="0"/>
+          <a:ext cx="0" cy="0"/>
+          <a:chOff x="0" y="0"/>
+          <a:chExt cx="0" cy="0"/>
+        </a:xfrm>
+      </p:grpSpPr>
+      <p:sp>
+        <p:nvSpPr>
+          <p:cNvPr id="942606176" name="Slide Image Placeholder 1"/>
+          <p:cNvSpPr>
+            <a:spLocks noChangeAspect="1" noGrp="1" noRot="1"/>
+          </p:cNvSpPr>
+          <p:nvPr>
+            <p:ph type="sldImg"/>
+          </p:nvPr>
+        </p:nvSpPr>
+        <p:spPr bwMode="auto"/>
+      </p:sp>
+      <p:sp>
+        <p:nvSpPr>
+          <p:cNvPr id="256787490" name="Notes Placeholder 2"/>
+          <p:cNvSpPr>
+            <a:spLocks noGrp="1"/>
+          </p:cNvSpPr>
+          <p:nvPr>
+            <p:ph type="body" idx="1"/>
+          </p:nvPr>
+        </p:nvSpPr>
+        <p:spPr bwMode="auto"/>
+        <p:txBody>
+          <a:bodyPr/>
+          <a:lstStyle/>
+          <a:p>
+            <a:pPr>
+              <a:defRPr/>
+            </a:pPr>
+            <a:endParaRPr/>
+          </a:p>
+        </p:txBody>
+      </p:sp>
+      <p:sp>
+        <p:nvSpPr>
+          <p:cNvPr id="1873916872" name="Slide Number Placeholder 3"/>
+          <p:cNvSpPr>
+            <a:spLocks noGrp="1"/>
+          </p:cNvSpPr>
+          <p:nvPr>
+            <p:ph type="sldNum" sz="quarter" idx="10"/>
+          </p:nvPr>
+        </p:nvSpPr>
+        <p:spPr bwMode="auto"/>
+        <p:txBody>
+          <a:bodyPr/>
+          <a:lstStyle/>
+          <a:p>
+            <a:pPr>
+              <a:defRPr/>
+            </a:pPr>
+            <a:fld id="{8A3383B8-493C-EA82-B0D7-22E97C849EF9}" type="slidenum">
+              <a:rPr/>
+              <a:t/>
+            </a:fld>
+            <a:endParaRPr/>
+          </a:p>
+        </p:txBody>
+      </p:sp>
+    </p:spTree>
+  </p:cSld>
+</p:notes>
+</file>
+
+<file path=ppt/notesSlides/notesSlide21.xml><?xml version="1.0" encoding="utf-8"?>
+<p:notes xmlns:a="http://schemas.openxmlformats.org/drawingml/2006/main" xmlns:r="http://schemas.openxmlformats.org/officeDocument/2006/relationships" xmlns:p="http://schemas.openxmlformats.org/presentationml/2006/main" xmlns:m="http://schemas.openxmlformats.org/officeDocument/2006/math" xmlns:w="http://schemas.openxmlformats.org/wordprocessingml/2006/main">
+  <p:cSld name="">
+    <p:spTree>
+      <p:nvGrpSpPr>
+        <p:cNvPr id="1" name=""/>
+        <p:cNvGrpSpPr/>
+        <p:nvPr/>
+      </p:nvGrpSpPr>
+      <p:grpSpPr bwMode="auto">
+        <a:xfrm>
+          <a:off x="0" y="0"/>
+          <a:ext cx="0" cy="0"/>
+          <a:chOff x="0" y="0"/>
+          <a:chExt cx="0" cy="0"/>
+        </a:xfrm>
+      </p:grpSpPr>
+      <p:sp>
+        <p:nvSpPr>
+          <p:cNvPr id="630808800" name="Slide Image Placeholder 1"/>
+          <p:cNvSpPr>
+            <a:spLocks noChangeAspect="1" noGrp="1" noRot="1"/>
+          </p:cNvSpPr>
+          <p:nvPr>
+            <p:ph type="sldImg"/>
+          </p:nvPr>
+        </p:nvSpPr>
+        <p:spPr bwMode="auto"/>
+      </p:sp>
+      <p:sp>
+        <p:nvSpPr>
+          <p:cNvPr id="500131916" name="Notes Placeholder 2"/>
+          <p:cNvSpPr>
+            <a:spLocks noGrp="1"/>
+          </p:cNvSpPr>
+          <p:nvPr>
+            <p:ph type="body" idx="1"/>
+          </p:nvPr>
+        </p:nvSpPr>
+        <p:spPr bwMode="auto"/>
+        <p:txBody>
+          <a:bodyPr/>
+          <a:lstStyle/>
+          <a:p>
+            <a:pPr>
+              <a:defRPr/>
+            </a:pPr>
+            <a:endParaRPr/>
+          </a:p>
+        </p:txBody>
+      </p:sp>
+      <p:sp>
+        <p:nvSpPr>
+          <p:cNvPr id="1874408459" name="Slide Number Placeholder 3"/>
+          <p:cNvSpPr>
+            <a:spLocks noGrp="1"/>
+          </p:cNvSpPr>
+          <p:nvPr>
+            <p:ph type="sldNum" sz="quarter" idx="10"/>
+          </p:nvPr>
+        </p:nvSpPr>
+        <p:spPr bwMode="auto"/>
+        <p:txBody>
+          <a:bodyPr/>
+          <a:lstStyle/>
+          <a:p>
+            <a:pPr>
+              <a:defRPr/>
+            </a:pPr>
+            <a:fld id="{606EB477-62F8-EFE2-9C10-D44AE5D9F241}" type="slidenum">
+              <a:rPr/>
+              <a:t/>
+            </a:fld>
+            <a:endParaRPr/>
+          </a:p>
+        </p:txBody>
+      </p:sp>
+    </p:spTree>
+  </p:cSld>
+</p:notes>
+</file>
+
+<file path=ppt/notesSlides/notesSlide22.xml><?xml version="1.0" encoding="utf-8"?>
+<p:notes xmlns:a="http://schemas.openxmlformats.org/drawingml/2006/main" xmlns:r="http://schemas.openxmlformats.org/officeDocument/2006/relationships" xmlns:p="http://schemas.openxmlformats.org/presentationml/2006/main" xmlns:m="http://schemas.openxmlformats.org/officeDocument/2006/math" xmlns:w="http://schemas.openxmlformats.org/wordprocessingml/2006/main">
+  <p:cSld name="">
+    <p:spTree>
+      <p:nvGrpSpPr>
+        <p:cNvPr id="1" name=""/>
+        <p:cNvGrpSpPr/>
+        <p:nvPr/>
+      </p:nvGrpSpPr>
+      <p:grpSpPr bwMode="auto">
+        <a:xfrm>
+          <a:off x="0" y="0"/>
+          <a:ext cx="0" cy="0"/>
+          <a:chOff x="0" y="0"/>
+          <a:chExt cx="0" cy="0"/>
+        </a:xfrm>
+      </p:grpSpPr>
+      <p:sp>
+        <p:nvSpPr>
+          <p:cNvPr id="586325603" name="Slide Image Placeholder 1"/>
+          <p:cNvSpPr>
+            <a:spLocks noChangeAspect="1" noGrp="1" noRot="1"/>
+          </p:cNvSpPr>
+          <p:nvPr>
+            <p:ph type="sldImg"/>
+          </p:nvPr>
+        </p:nvSpPr>
+        <p:spPr bwMode="auto"/>
+      </p:sp>
+      <p:sp>
+        <p:nvSpPr>
+          <p:cNvPr id="1338318165" name="Notes Placeholder 2"/>
+          <p:cNvSpPr>
+            <a:spLocks noGrp="1"/>
+          </p:cNvSpPr>
+          <p:nvPr>
+            <p:ph type="body" idx="1"/>
+          </p:nvPr>
+        </p:nvSpPr>
+        <p:spPr bwMode="auto"/>
+        <p:txBody>
+          <a:bodyPr/>
+          <a:lstStyle/>
+          <a:p>
+            <a:pPr>
+              <a:defRPr/>
+            </a:pPr>
+            <a:endParaRPr/>
+          </a:p>
+        </p:txBody>
+      </p:sp>
+      <p:sp>
+        <p:nvSpPr>
+          <p:cNvPr id="722516574" name="Slide Number Placeholder 3"/>
+          <p:cNvSpPr>
+            <a:spLocks noGrp="1"/>
+          </p:cNvSpPr>
+          <p:nvPr>
+            <p:ph type="sldNum" sz="quarter" idx="10"/>
+          </p:nvPr>
+        </p:nvSpPr>
+        <p:spPr bwMode="auto"/>
+        <p:txBody>
+          <a:bodyPr/>
+          <a:lstStyle/>
+          <a:p>
+            <a:pPr>
+              <a:defRPr/>
+            </a:pPr>
+            <a:fld id="{AB9C12FC-EC5E-69FB-4594-10A930874D87}" type="slidenum">
+              <a:rPr/>
+              <a:t/>
+            </a:fld>
+            <a:endParaRPr/>
+          </a:p>
+        </p:txBody>
+      </p:sp>
+    </p:spTree>
+  </p:cSld>
+</p:notes>
+</file>
+
+<file path=ppt/notesSlides/notesSlide23.xml><?xml version="1.0" encoding="utf-8"?>
+<p:notes xmlns:a="http://schemas.openxmlformats.org/drawingml/2006/main" xmlns:r="http://schemas.openxmlformats.org/officeDocument/2006/relationships" xmlns:p="http://schemas.openxmlformats.org/presentationml/2006/main" xmlns:m="http://schemas.openxmlformats.org/officeDocument/2006/math" xmlns:w="http://schemas.openxmlformats.org/wordprocessingml/2006/main">
+  <p:cSld name="">
+    <p:spTree>
+      <p:nvGrpSpPr>
+        <p:cNvPr id="1" name=""/>
+        <p:cNvGrpSpPr/>
+        <p:nvPr/>
+      </p:nvGrpSpPr>
+      <p:grpSpPr bwMode="auto">
+        <a:xfrm>
+          <a:off x="0" y="0"/>
+          <a:ext cx="0" cy="0"/>
+          <a:chOff x="0" y="0"/>
+          <a:chExt cx="0" cy="0"/>
+        </a:xfrm>
+      </p:grpSpPr>
+      <p:sp>
+        <p:nvSpPr>
+          <p:cNvPr id="854662524" name="Slide Image Placeholder 1"/>
+          <p:cNvSpPr>
+            <a:spLocks noChangeAspect="1" noGrp="1" noRot="1"/>
+          </p:cNvSpPr>
+          <p:nvPr>
+            <p:ph type="sldImg"/>
+          </p:nvPr>
+        </p:nvSpPr>
+        <p:spPr bwMode="auto"/>
+      </p:sp>
+      <p:sp>
+        <p:nvSpPr>
+          <p:cNvPr id="940321765" name="Notes Placeholder 2"/>
+          <p:cNvSpPr>
+            <a:spLocks noGrp="1"/>
+          </p:cNvSpPr>
+          <p:nvPr>
+            <p:ph type="body" idx="1"/>
+          </p:nvPr>
+        </p:nvSpPr>
+        <p:spPr bwMode="auto"/>
+        <p:txBody>
+          <a:bodyPr/>
+          <a:lstStyle/>
+          <a:p>
+            <a:pPr>
+              <a:defRPr/>
+            </a:pPr>
+            <a:endParaRPr/>
+          </a:p>
+        </p:txBody>
+      </p:sp>
+      <p:sp>
+        <p:nvSpPr>
+          <p:cNvPr id="1552234092" name="Slide Number Placeholder 3"/>
+          <p:cNvSpPr>
+            <a:spLocks noGrp="1"/>
+          </p:cNvSpPr>
+          <p:nvPr>
+            <p:ph type="sldNum" sz="quarter" idx="10"/>
+          </p:nvPr>
+        </p:nvSpPr>
+        <p:spPr bwMode="auto"/>
+        <p:txBody>
+          <a:bodyPr/>
+          <a:lstStyle/>
+          <a:p>
+            <a:pPr>
+              <a:defRPr/>
+            </a:pPr>
+            <a:fld id="{C8511BCD-FEF7-A27A-531A-6097CF07AEDB}" type="slidenum">
+              <a:rPr/>
+              <a:t/>
+            </a:fld>
+            <a:endParaRPr/>
+          </a:p>
+        </p:txBody>
+      </p:sp>
+    </p:spTree>
+  </p:cSld>
+</p:notes>
+</file>
+
+<file path=ppt/notesSlides/notesSlide24.xml><?xml version="1.0" encoding="utf-8"?>
+<p:notes xmlns:a="http://schemas.openxmlformats.org/drawingml/2006/main" xmlns:r="http://schemas.openxmlformats.org/officeDocument/2006/relationships" xmlns:p="http://schemas.openxmlformats.org/presentationml/2006/main" xmlns:m="http://schemas.openxmlformats.org/officeDocument/2006/math" xmlns:w="http://schemas.openxmlformats.org/wordprocessingml/2006/main">
+  <p:cSld name="">
+    <p:spTree>
+      <p:nvGrpSpPr>
+        <p:cNvPr id="1" name=""/>
+        <p:cNvGrpSpPr/>
+        <p:nvPr/>
+      </p:nvGrpSpPr>
+      <p:grpSpPr bwMode="auto">
+        <a:xfrm>
+          <a:off x="0" y="0"/>
+          <a:ext cx="0" cy="0"/>
+          <a:chOff x="0" y="0"/>
+          <a:chExt cx="0" cy="0"/>
+        </a:xfrm>
+      </p:grpSpPr>
+      <p:sp>
+        <p:nvSpPr>
+          <p:cNvPr id="1987931024" name="Slide Image Placeholder 1"/>
+          <p:cNvSpPr>
+            <a:spLocks noChangeAspect="1" noGrp="1" noRot="1"/>
+          </p:cNvSpPr>
+          <p:nvPr>
+            <p:ph type="sldImg"/>
+          </p:nvPr>
+        </p:nvSpPr>
+        <p:spPr bwMode="auto"/>
+      </p:sp>
+      <p:sp>
+        <p:nvSpPr>
+          <p:cNvPr id="2011137041" name="Notes Placeholder 2"/>
+          <p:cNvSpPr>
+            <a:spLocks noGrp="1"/>
+          </p:cNvSpPr>
+          <p:nvPr>
+            <p:ph type="body" idx="1"/>
+          </p:nvPr>
+        </p:nvSpPr>
+        <p:spPr bwMode="auto"/>
+        <p:txBody>
+          <a:bodyPr/>
+          <a:lstStyle/>
+          <a:p>
+            <a:pPr>
+              <a:defRPr/>
+            </a:pPr>
+            <a:endParaRPr/>
+          </a:p>
+        </p:txBody>
+      </p:sp>
+      <p:sp>
+        <p:nvSpPr>
+          <p:cNvPr id="640526741" name="Slide Number Placeholder 3"/>
+          <p:cNvSpPr>
+            <a:spLocks noGrp="1"/>
+          </p:cNvSpPr>
+          <p:nvPr>
+            <p:ph type="sldNum" sz="quarter" idx="10"/>
+          </p:nvPr>
+        </p:nvSpPr>
+        <p:spPr bwMode="auto"/>
+        <p:txBody>
+          <a:bodyPr/>
+          <a:lstStyle/>
+          <a:p>
+            <a:pPr>
+              <a:defRPr/>
+            </a:pPr>
+            <a:fld id="{78BF5F0A-E8A6-FC21-6BFF-26BEB680DCC8}" type="slidenum">
+              <a:rPr/>
+              <a:t/>
+            </a:fld>
+            <a:endParaRPr/>
+          </a:p>
+        </p:txBody>
+      </p:sp>
+    </p:spTree>
+  </p:cSld>
+</p:notes>
+</file>
+
+<file path=ppt/notesSlides/notesSlide25.xml><?xml version="1.0" encoding="utf-8"?>
+<p:notes xmlns:a="http://schemas.openxmlformats.org/drawingml/2006/main" xmlns:r="http://schemas.openxmlformats.org/officeDocument/2006/relationships" xmlns:p="http://schemas.openxmlformats.org/presentationml/2006/main" xmlns:m="http://schemas.openxmlformats.org/officeDocument/2006/math" xmlns:w="http://schemas.openxmlformats.org/wordprocessingml/2006/main">
+  <p:cSld name="">
+    <p:spTree>
+      <p:nvGrpSpPr>
+        <p:cNvPr id="1" name=""/>
+        <p:cNvGrpSpPr/>
+        <p:nvPr/>
+      </p:nvGrpSpPr>
+      <p:grpSpPr bwMode="auto">
+        <a:xfrm>
+          <a:off x="0" y="0"/>
+          <a:ext cx="0" cy="0"/>
+          <a:chOff x="0" y="0"/>
+          <a:chExt cx="0" cy="0"/>
+        </a:xfrm>
+      </p:grpSpPr>
+      <p:sp>
+        <p:nvSpPr>
+          <p:cNvPr id="2" name="Slide Image Placeholder 1"/>
+          <p:cNvSpPr>
+            <a:spLocks noChangeAspect="1" noGrp="1" noRot="1"/>
+          </p:cNvSpPr>
+          <p:nvPr>
+            <p:ph type="sldImg"/>
+          </p:nvPr>
+        </p:nvSpPr>
+        <p:spPr bwMode="auto"/>
+      </p:sp>
+      <p:sp>
+        <p:nvSpPr>
+          <p:cNvPr id="3" name="Notes Placeholder 2"/>
+          <p:cNvSpPr>
+            <a:spLocks noGrp="1"/>
+          </p:cNvSpPr>
+          <p:nvPr>
+            <p:ph type="body" idx="1"/>
+          </p:nvPr>
+        </p:nvSpPr>
+        <p:spPr bwMode="auto"/>
+        <p:txBody>
+          <a:bodyPr/>
+          <a:lstStyle/>
+          <a:p>
+            <a:pPr>
+              <a:defRPr/>
+            </a:pPr>
+            <a:endParaRPr/>
+          </a:p>
+        </p:txBody>
+      </p:sp>
+      <p:sp>
+        <p:nvSpPr>
+          <p:cNvPr id="4" name="Slide Number Placeholder 3"/>
+          <p:cNvSpPr>
+            <a:spLocks noGrp="1"/>
+          </p:cNvSpPr>
+          <p:nvPr>
+            <p:ph type="sldNum" sz="quarter" idx="10"/>
+          </p:nvPr>
+        </p:nvSpPr>
+        <p:spPr bwMode="auto"/>
+        <p:txBody>
+          <a:bodyPr/>
+          <a:lstStyle/>
+          <a:p>
+            <a:pPr>
+              <a:defRPr/>
+            </a:pPr>
+            <a:fld id="{80B20DA9-AB08-8749-7C10-3A282377BC42}" type="slidenum">
+              <a:rPr/>
+              <a:t/>
+            </a:fld>
+            <a:endParaRPr/>
+          </a:p>
+        </p:txBody>
+      </p:sp>
+    </p:spTree>
+  </p:cSld>
+</p:notes>
+</file>
+
+<file path=ppt/notesSlides/notesSlide26.xml><?xml version="1.0" encoding="utf-8"?>
+<p:notes xmlns:a="http://schemas.openxmlformats.org/drawingml/2006/main" xmlns:r="http://schemas.openxmlformats.org/officeDocument/2006/relationships" xmlns:p="http://schemas.openxmlformats.org/presentationml/2006/main" xmlns:m="http://schemas.openxmlformats.org/officeDocument/2006/math" xmlns:w="http://schemas.openxmlformats.org/wordprocessingml/2006/main">
+  <p:cSld name="">
+    <p:spTree>
+      <p:nvGrpSpPr>
+        <p:cNvPr id="1" name=""/>
+        <p:cNvGrpSpPr/>
+        <p:nvPr/>
+      </p:nvGrpSpPr>
+      <p:grpSpPr bwMode="auto">
+        <a:xfrm>
+          <a:off x="0" y="0"/>
+          <a:ext cx="0" cy="0"/>
+          <a:chOff x="0" y="0"/>
+          <a:chExt cx="0" cy="0"/>
+        </a:xfrm>
+      </p:grpSpPr>
+      <p:sp>
+        <p:nvSpPr>
+          <p:cNvPr id="2" name="Slide Image Placeholder 1"/>
+          <p:cNvSpPr>
+            <a:spLocks noChangeAspect="1" noGrp="1" noRot="1"/>
+          </p:cNvSpPr>
+          <p:nvPr>
+            <p:ph type="sldImg"/>
+          </p:nvPr>
+        </p:nvSpPr>
+        <p:spPr bwMode="auto"/>
+      </p:sp>
+      <p:sp>
+        <p:nvSpPr>
+          <p:cNvPr id="3" name="Notes Placeholder 2"/>
+          <p:cNvSpPr>
+            <a:spLocks noGrp="1"/>
+          </p:cNvSpPr>
+          <p:nvPr>
+            <p:ph type="body" idx="1"/>
+          </p:nvPr>
+        </p:nvSpPr>
+        <p:spPr bwMode="auto"/>
+        <p:txBody>
+          <a:bodyPr/>
+          <a:lstStyle/>
+          <a:p>
+            <a:pPr>
+              <a:defRPr/>
+            </a:pPr>
+            <a:endParaRPr/>
+          </a:p>
+        </p:txBody>
+      </p:sp>
+      <p:sp>
+        <p:nvSpPr>
+          <p:cNvPr id="4" name="Slide Number Placeholder 3"/>
+          <p:cNvSpPr>
+            <a:spLocks noGrp="1"/>
+          </p:cNvSpPr>
+          <p:nvPr>
+            <p:ph type="sldNum" sz="quarter" idx="10"/>
+          </p:nvPr>
+        </p:nvSpPr>
+        <p:spPr bwMode="auto"/>
+        <p:txBody>
+          <a:bodyPr/>
+          <a:lstStyle/>
+          <a:p>
+            <a:pPr>
+              <a:defRPr/>
+            </a:pPr>
+            <a:fld id="{5C24377A-DF4B-E317-B5BB-02035EF170AA}" type="slidenum">
               <a:rPr/>
               <a:t/>
             </a:fld>
@@ -1192,7 +1953,7 @@
       </p:grpSpPr>
       <p:sp>
         <p:nvSpPr>
-          <p:cNvPr id="2" name="Slide Image Placeholder 1"/>
+          <p:cNvPr id="1018042913" name="Slide Image Placeholder 1"/>
           <p:cNvSpPr>
             <a:spLocks noChangeAspect="1" noGrp="1" noRot="1"/>
           </p:cNvSpPr>
@@ -1204,7 +1965,7 @@
       </p:sp>
       <p:sp>
         <p:nvSpPr>
-          <p:cNvPr id="3" name="Notes Placeholder 2"/>
+          <p:cNvPr id="1453173825" name="Notes Placeholder 2"/>
           <p:cNvSpPr>
             <a:spLocks noGrp="1"/>
           </p:cNvSpPr>
@@ -1220,13 +1981,27 @@
             <a:pPr>
               <a:defRPr/>
             </a:pPr>
+            <a:r>
+              <a:rPr/>
+              <a:t>Introduced in MPI 4.0</a:t>
+            </a:r>
             <a:endParaRPr/>
           </a:p>
-        </p:txBody>
-      </p:sp>
-      <p:sp>
-        <p:nvSpPr>
-          <p:cNvPr id="4" name="Slide Number Placeholder 3"/>
+          <a:p>
+            <a:pPr>
+              <a:defRPr/>
+            </a:pPr>
+            <a:r>
+              <a:rPr/>
+              <a:t>Use case</a:t>
+            </a:r>
+            <a:endParaRPr/>
+          </a:p>
+        </p:txBody>
+      </p:sp>
+      <p:sp>
+        <p:nvSpPr>
+          <p:cNvPr id="1601117170" name="Slide Number Placeholder 3"/>
           <p:cNvSpPr>
             <a:spLocks noGrp="1"/>
           </p:cNvSpPr>
@@ -1242,7 +2017,7 @@
             <a:pPr>
               <a:defRPr/>
             </a:pPr>
-            <a:fld id="{843694A1-00C8-DF1C-4C62-BD639F751293}" type="slidenum">
+            <a:fld id="{3F8CF76C-0F6F-5916-5FD6-4ACA2A2EB3C9}" type="slidenum">
               <a:rPr/>
               <a:t/>
             </a:fld>
@@ -1274,7 +2049,7 @@
       </p:grpSpPr>
       <p:sp>
         <p:nvSpPr>
-          <p:cNvPr id="1143347718" name="Slide Image Placeholder 1"/>
+          <p:cNvPr id="2" name="Slide Image Placeholder 1"/>
           <p:cNvSpPr>
             <a:spLocks noChangeAspect="1" noGrp="1" noRot="1"/>
           </p:cNvSpPr>
@@ -1286,7 +2061,7 @@
       </p:sp>
       <p:sp>
         <p:nvSpPr>
-          <p:cNvPr id="1779596451" name="Notes Placeholder 2"/>
+          <p:cNvPr id="3" name="Notes Placeholder 2"/>
           <p:cNvSpPr>
             <a:spLocks noGrp="1"/>
           </p:cNvSpPr>
@@ -1300,145 +2075,6 @@
           <a:lstStyle/>
           <a:p>
             <a:pPr>
-              <a:lnSpc>
-                <a:spcPct val="100000"/>
-              </a:lnSpc>
-              <a:defRPr/>
-            </a:pPr>
-            <a:r>
-              <a:rPr lang="en-US" sz="1200" b="0" i="0" u="none" strike="noStrike" cap="none" spc="0">
-                <a:solidFill>
-                  <a:srgbClr val="000000"/>
-                </a:solidFill>
-                <a:latin typeface="Arial"/>
-                <a:ea typeface="DejaVu Sans"/>
-                <a:cs typeface="Arial"/>
-              </a:rPr>
-              <a:t>A call to MPI_WAIT that completes a receive will eventually terminate and return if a matching send has been started, unless the send is satisfied by another receive.</a:t>
-            </a:r>
-            <a:endParaRPr sz="1200" b="0" strike="noStrike" spc="0">
-              <a:solidFill>
-                <a:srgbClr val="000000"/>
-              </a:solidFill>
-              <a:latin typeface="Arial"/>
-            </a:endParaRPr>
-          </a:p>
-          <a:p>
-            <a:pPr>
-              <a:lnSpc>
-                <a:spcPct val="100000"/>
-              </a:lnSpc>
-              <a:defRPr/>
-            </a:pPr>
-            <a:endParaRPr sz="1200" b="0" strike="noStrike" spc="0">
-              <a:solidFill>
-                <a:srgbClr val="000000"/>
-              </a:solidFill>
-              <a:latin typeface="Arial"/>
-            </a:endParaRPr>
-          </a:p>
-          <a:p>
-            <a:pPr>
-              <a:lnSpc>
-                <a:spcPct val="100000"/>
-              </a:lnSpc>
-              <a:defRPr/>
-            </a:pPr>
-            <a:r>
-              <a:rPr lang="en-US" sz="1200" b="0" i="0" u="none" strike="noStrike" cap="none" spc="0">
-                <a:solidFill>
-                  <a:srgbClr val="000000"/>
-                </a:solidFill>
-                <a:latin typeface="Arial"/>
-                <a:ea typeface="DejaVu Sans"/>
-                <a:cs typeface="Arial"/>
-              </a:rPr>
-              <a:t>In particular, if the matching send is nonblocking, then the receive should complete even if</a:t>
-            </a:r>
-            <a:endParaRPr sz="1200" b="0" strike="noStrike" spc="0">
-              <a:solidFill>
-                <a:srgbClr val="000000"/>
-              </a:solidFill>
-              <a:latin typeface="Arial"/>
-            </a:endParaRPr>
-          </a:p>
-          <a:p>
-            <a:pPr>
-              <a:lnSpc>
-                <a:spcPct val="100000"/>
-              </a:lnSpc>
-              <a:defRPr/>
-            </a:pPr>
-            <a:r>
-              <a:rPr lang="en-US" sz="1200" b="0" i="0" u="none" strike="noStrike" cap="none" spc="0">
-                <a:solidFill>
-                  <a:srgbClr val="000000"/>
-                </a:solidFill>
-                <a:latin typeface="Arial"/>
-                <a:ea typeface="DejaVu Sans"/>
-                <a:cs typeface="Arial"/>
-              </a:rPr>
-              <a:t>no call is executed by the sender to complete the send. Similarly, a call to MPI_WAIT that</a:t>
-            </a:r>
-            <a:endParaRPr sz="1200" b="0" strike="noStrike" spc="0">
-              <a:solidFill>
-                <a:srgbClr val="000000"/>
-              </a:solidFill>
-              <a:latin typeface="Arial"/>
-            </a:endParaRPr>
-          </a:p>
-          <a:p>
-            <a:pPr>
-              <a:lnSpc>
-                <a:spcPct val="100000"/>
-              </a:lnSpc>
-              <a:defRPr/>
-            </a:pPr>
-            <a:r>
-              <a:rPr lang="en-US" sz="1200" b="0" i="0" u="none" strike="noStrike" cap="none" spc="0">
-                <a:solidFill>
-                  <a:srgbClr val="000000"/>
-                </a:solidFill>
-                <a:latin typeface="Arial"/>
-                <a:ea typeface="DejaVu Sans"/>
-                <a:cs typeface="Arial"/>
-              </a:rPr>
-              <a:t>completes a send will eventually return if a matching receive has been started, unless the</a:t>
-            </a:r>
-            <a:endParaRPr sz="1200" b="0" strike="noStrike" spc="0">
-              <a:solidFill>
-                <a:srgbClr val="000000"/>
-              </a:solidFill>
-              <a:latin typeface="Arial"/>
-            </a:endParaRPr>
-          </a:p>
-          <a:p>
-            <a:pPr>
-              <a:lnSpc>
-                <a:spcPct val="100000"/>
-              </a:lnSpc>
-              <a:defRPr/>
-            </a:pPr>
-            <a:r>
-              <a:rPr lang="en-US" sz="1200" b="0" i="0" u="none" strike="noStrike" cap="none" spc="0">
-                <a:solidFill>
-                  <a:srgbClr val="000000"/>
-                </a:solidFill>
-                <a:latin typeface="Arial"/>
-                <a:ea typeface="DejaVu Sans"/>
-                <a:cs typeface="Arial"/>
-              </a:rPr>
-              <a:t>receive is satisfied by another send, and even if no call is executed to complete the receive.</a:t>
-            </a:r>
-            <a:endParaRPr sz="1200" b="0" strike="noStrike" spc="0">
-              <a:solidFill>
-                <a:srgbClr val="000000"/>
-              </a:solidFill>
-              <a:latin typeface="Arial"/>
-            </a:endParaRPr>
-          </a:p>
-          <a:p>
-            <a:pPr>
               <a:defRPr/>
             </a:pPr>
             <a:endParaRPr/>
@@ -1447,7 +2083,7 @@
       </p:sp>
       <p:sp>
         <p:nvSpPr>
-          <p:cNvPr id="1509961117" name="Slide Number Placeholder 3"/>
+          <p:cNvPr id="4" name="Slide Number Placeholder 3"/>
           <p:cNvSpPr>
             <a:spLocks noGrp="1"/>
           </p:cNvSpPr>
@@ -1463,7 +2099,7 @@
             <a:pPr>
               <a:defRPr/>
             </a:pPr>
-            <a:fld id="{38414537-0921-45F6-999A-01A86E3716A8}" type="slidenum">
+            <a:fld id="{843694A1-00C8-DF1C-4C62-BD639F751293}" type="slidenum">
               <a:rPr/>
               <a:t/>
             </a:fld>
@@ -1595,6 +2231,42 @@
               </a:rPr>
               <a:t>used.</a:t>
             </a:r>
+            <a:endParaRPr lang="en-US" sz="1200" b="0" i="0" u="none" strike="noStrike" cap="none" spc="0">
+              <a:solidFill>
+                <a:srgbClr val="000000"/>
+              </a:solidFill>
+              <a:latin typeface="Arial"/>
+              <a:ea typeface="DejaVu Sans"/>
+              <a:cs typeface="Arial"/>
+            </a:endParaRPr>
+          </a:p>
+          <a:p>
+            <a:pPr>
+              <a:defRPr/>
+            </a:pPr>
+            <a:endParaRPr/>
+          </a:p>
+          <a:p>
+            <a:pPr>
+              <a:defRPr/>
+            </a:pPr>
+            <a:endParaRPr/>
+          </a:p>
+          <a:p>
+            <a:pPr>
+              <a:defRPr/>
+            </a:pPr>
+            <a:r>
+              <a:rPr lang="en-US" sz="1200" b="0" i="0" u="none" strike="noStrike" cap="none" spc="0">
+                <a:solidFill>
+                  <a:srgbClr val="000000"/>
+                </a:solidFill>
+                <a:latin typeface="Arial"/>
+                <a:ea typeface="DejaVu Sans"/>
+                <a:cs typeface="Arial"/>
+              </a:rPr>
+              <a:t>This requirement is not imposed on transfers of partitions</a:t>
+            </a:r>
             <a:endParaRPr/>
           </a:p>
         </p:txBody>
@@ -1649,7 +2321,7 @@
       </p:grpSpPr>
       <p:sp>
         <p:nvSpPr>
-          <p:cNvPr id="2" name="Slide Image Placeholder 1"/>
+          <p:cNvPr id="1143347718" name="Slide Image Placeholder 1"/>
           <p:cNvSpPr>
             <a:spLocks noChangeAspect="1" noGrp="1" noRot="1"/>
           </p:cNvSpPr>
@@ -1661,7 +2333,7 @@
       </p:sp>
       <p:sp>
         <p:nvSpPr>
-          <p:cNvPr id="3" name="Notes Placeholder 2"/>
+          <p:cNvPr id="1779596451" name="Notes Placeholder 2"/>
           <p:cNvSpPr>
             <a:spLocks noGrp="1"/>
           </p:cNvSpPr>
@@ -1675,6 +2347,145 @@
           <a:lstStyle/>
           <a:p>
             <a:pPr>
+              <a:lnSpc>
+                <a:spcPct val="100000"/>
+              </a:lnSpc>
+              <a:defRPr/>
+            </a:pPr>
+            <a:r>
+              <a:rPr lang="en-US" sz="1200" b="0" i="0" u="none" strike="noStrike" cap="none" spc="0">
+                <a:solidFill>
+                  <a:srgbClr val="000000"/>
+                </a:solidFill>
+                <a:latin typeface="Arial"/>
+                <a:ea typeface="DejaVu Sans"/>
+                <a:cs typeface="Arial"/>
+              </a:rPr>
+              <a:t>A call to MPI_WAIT that completes a receive will eventually terminate and return if a matching send has been started, unless the send is satisfied by another receive.</a:t>
+            </a:r>
+            <a:endParaRPr sz="1200" b="0" strike="noStrike" spc="0">
+              <a:solidFill>
+                <a:srgbClr val="000000"/>
+              </a:solidFill>
+              <a:latin typeface="Arial"/>
+            </a:endParaRPr>
+          </a:p>
+          <a:p>
+            <a:pPr>
+              <a:lnSpc>
+                <a:spcPct val="100000"/>
+              </a:lnSpc>
+              <a:defRPr/>
+            </a:pPr>
+            <a:endParaRPr sz="1200" b="0" strike="noStrike" spc="0">
+              <a:solidFill>
+                <a:srgbClr val="000000"/>
+              </a:solidFill>
+              <a:latin typeface="Arial"/>
+            </a:endParaRPr>
+          </a:p>
+          <a:p>
+            <a:pPr>
+              <a:lnSpc>
+                <a:spcPct val="100000"/>
+              </a:lnSpc>
+              <a:defRPr/>
+            </a:pPr>
+            <a:r>
+              <a:rPr lang="en-US" sz="1200" b="0" i="0" u="none" strike="noStrike" cap="none" spc="0">
+                <a:solidFill>
+                  <a:srgbClr val="000000"/>
+                </a:solidFill>
+                <a:latin typeface="Arial"/>
+                <a:ea typeface="DejaVu Sans"/>
+                <a:cs typeface="Arial"/>
+              </a:rPr>
+              <a:t>In particular, if the matching send is nonblocking, then the receive should complete even if</a:t>
+            </a:r>
+            <a:endParaRPr sz="1200" b="0" strike="noStrike" spc="0">
+              <a:solidFill>
+                <a:srgbClr val="000000"/>
+              </a:solidFill>
+              <a:latin typeface="Arial"/>
+            </a:endParaRPr>
+          </a:p>
+          <a:p>
+            <a:pPr>
+              <a:lnSpc>
+                <a:spcPct val="100000"/>
+              </a:lnSpc>
+              <a:defRPr/>
+            </a:pPr>
+            <a:r>
+              <a:rPr lang="en-US" sz="1200" b="0" i="0" u="none" strike="noStrike" cap="none" spc="0">
+                <a:solidFill>
+                  <a:srgbClr val="000000"/>
+                </a:solidFill>
+                <a:latin typeface="Arial"/>
+                <a:ea typeface="DejaVu Sans"/>
+                <a:cs typeface="Arial"/>
+              </a:rPr>
+              <a:t>no call is executed by the sender to complete the send. Similarly, a call to MPI_WAIT that</a:t>
+            </a:r>
+            <a:endParaRPr sz="1200" b="0" strike="noStrike" spc="0">
+              <a:solidFill>
+                <a:srgbClr val="000000"/>
+              </a:solidFill>
+              <a:latin typeface="Arial"/>
+            </a:endParaRPr>
+          </a:p>
+          <a:p>
+            <a:pPr>
+              <a:lnSpc>
+                <a:spcPct val="100000"/>
+              </a:lnSpc>
+              <a:defRPr/>
+            </a:pPr>
+            <a:r>
+              <a:rPr lang="en-US" sz="1200" b="0" i="0" u="none" strike="noStrike" cap="none" spc="0">
+                <a:solidFill>
+                  <a:srgbClr val="000000"/>
+                </a:solidFill>
+                <a:latin typeface="Arial"/>
+                <a:ea typeface="DejaVu Sans"/>
+                <a:cs typeface="Arial"/>
+              </a:rPr>
+              <a:t>completes a send will eventually return if a matching receive has been started, unless the</a:t>
+            </a:r>
+            <a:endParaRPr sz="1200" b="0" strike="noStrike" spc="0">
+              <a:solidFill>
+                <a:srgbClr val="000000"/>
+              </a:solidFill>
+              <a:latin typeface="Arial"/>
+            </a:endParaRPr>
+          </a:p>
+          <a:p>
+            <a:pPr>
+              <a:lnSpc>
+                <a:spcPct val="100000"/>
+              </a:lnSpc>
+              <a:defRPr/>
+            </a:pPr>
+            <a:r>
+              <a:rPr lang="en-US" sz="1200" b="0" i="0" u="none" strike="noStrike" cap="none" spc="0">
+                <a:solidFill>
+                  <a:srgbClr val="000000"/>
+                </a:solidFill>
+                <a:latin typeface="Arial"/>
+                <a:ea typeface="DejaVu Sans"/>
+                <a:cs typeface="Arial"/>
+              </a:rPr>
+              <a:t>receive is satisfied by another send, and even if no call is executed to complete the receive.</a:t>
+            </a:r>
+            <a:endParaRPr sz="1200" b="0" strike="noStrike" spc="0">
+              <a:solidFill>
+                <a:srgbClr val="000000"/>
+              </a:solidFill>
+              <a:latin typeface="Arial"/>
+            </a:endParaRPr>
+          </a:p>
+          <a:p>
+            <a:pPr>
               <a:defRPr/>
             </a:pPr>
             <a:endParaRPr/>
@@ -1683,7 +2494,7 @@
       </p:sp>
       <p:sp>
         <p:nvSpPr>
-          <p:cNvPr id="4" name="Slide Number Placeholder 3"/>
+          <p:cNvPr id="1509961117" name="Slide Number Placeholder 3"/>
           <p:cNvSpPr>
             <a:spLocks noGrp="1"/>
           </p:cNvSpPr>
@@ -1699,7 +2510,7 @@
             <a:pPr>
               <a:defRPr/>
             </a:pPr>
-            <a:fld id="{3A88AE94-E7EE-CB42-D250-9CAFB99A1982}" type="slidenum">
+            <a:fld id="{38414537-0921-45F6-999A-01A86E3716A8}" type="slidenum">
               <a:rPr/>
               <a:t/>
             </a:fld>
@@ -1781,7 +2592,7 @@
             <a:pPr>
               <a:defRPr/>
             </a:pPr>
-            <a:fld id="{CBD7E581-891B-71F9-1C5C-D56A4BAFFD37}" type="slidenum">
+            <a:fld id="{3A88AE94-E7EE-CB42-D250-9CAFB99A1982}" type="slidenum">
               <a:rPr/>
               <a:t/>
             </a:fld>
@@ -1813,7 +2624,7 @@
       </p:grpSpPr>
       <p:sp>
         <p:nvSpPr>
-          <p:cNvPr id="869379678" name="Slide Image Placeholder 1"/>
+          <p:cNvPr id="1724841726" name="Slide Image Placeholder 1"/>
           <p:cNvSpPr>
             <a:spLocks noChangeAspect="1" noGrp="1" noRot="1"/>
           </p:cNvSpPr>
@@ -1825,7 +2636,7 @@
       </p:sp>
       <p:sp>
         <p:nvSpPr>
-          <p:cNvPr id="833180749" name="Notes Placeholder 2"/>
+          <p:cNvPr id="2136778928" name="Notes Placeholder 2"/>
           <p:cNvSpPr>
             <a:spLocks noGrp="1"/>
           </p:cNvSpPr>
@@ -1847,7 +2658,7 @@
       </p:sp>
       <p:sp>
         <p:nvSpPr>
-          <p:cNvPr id="369600198" name="Slide Number Placeholder 3"/>
+          <p:cNvPr id="1512366107" name="Slide Number Placeholder 3"/>
           <p:cNvSpPr>
             <a:spLocks noGrp="1"/>
           </p:cNvSpPr>
@@ -1863,7 +2674,7 @@
             <a:pPr>
               <a:defRPr/>
             </a:pPr>
-            <a:fld id="{703253AC-0E60-DBEB-92CE-7F54FE9888E0}" type="slidenum">
+            <a:fld id="{3D510BC1-3F8B-0914-6023-C52E6418BD06}" type="slidenum">
               <a:rPr/>
               <a:t/>
             </a:fld>
@@ -1895,7 +2706,7 @@
       </p:grpSpPr>
       <p:sp>
         <p:nvSpPr>
-          <p:cNvPr id="227496362" name="Slide Image Placeholder 1"/>
+          <p:cNvPr id="753939296" name="Slide Image Placeholder 1"/>
           <p:cNvSpPr>
             <a:spLocks noChangeAspect="1" noGrp="1" noRot="1"/>
           </p:cNvSpPr>
@@ -1907,7 +2718,7 @@
       </p:sp>
       <p:sp>
         <p:nvSpPr>
-          <p:cNvPr id="1559924453" name="Notes Placeholder 2"/>
+          <p:cNvPr id="1549970192" name="Notes Placeholder 2"/>
           <p:cNvSpPr>
             <a:spLocks noGrp="1"/>
           </p:cNvSpPr>
@@ -1929,7 +2740,7 @@
       </p:sp>
       <p:sp>
         <p:nvSpPr>
-          <p:cNvPr id="846695993" name="Slide Number Placeholder 3"/>
+          <p:cNvPr id="384800362" name="Slide Number Placeholder 3"/>
           <p:cNvSpPr>
             <a:spLocks noGrp="1"/>
           </p:cNvSpPr>
@@ -1945,7 +2756,7 @@
             <a:pPr>
               <a:defRPr/>
             </a:pPr>
-            <a:fld id="{BAC0E94A-2064-F8C2-96C7-9C7E4C410BAC}" type="slidenum">
+            <a:fld id="{82EF9F9B-51B2-2323-725A-F0404061E225}" type="slidenum">
               <a:rPr/>
               <a:t/>
             </a:fld>
@@ -3706,14 +4517,14 @@
       </p:grpSpPr>
       <p:sp>
         <p:nvSpPr>
-          <p:cNvPr id="374" name=""/>
+          <p:cNvPr id="70987902" name="PlaceHolder 3"/>
           <p:cNvSpPr/>
           <p:nvPr/>
         </p:nvSpPr>
         <p:spPr bwMode="auto">
           <a:xfrm>
-            <a:off x="685800" y="1371600"/>
-            <a:ext cx="10743480" cy="4571280"/>
+            <a:off x="624240" y="479880"/>
+            <a:ext cx="8068320" cy="610200"/>
           </a:xfrm>
           <a:prstGeom prst="rect">
             <a:avLst/>
@@ -3730,52 +4541,6 @@
           <a:fontRef idx="minor"/>
         </p:style>
         <p:txBody>
-          <a:bodyPr lIns="90000" tIns="45000" rIns="90000" bIns="45000" anchor="t">
-            <a:noAutofit/>
-          </a:bodyPr>
-          <a:p>
-            <a:pPr>
-              <a:lnSpc>
-                <a:spcPct val="100000"/>
-              </a:lnSpc>
-              <a:defRPr/>
-            </a:pPr>
-            <a:endParaRPr lang="en-US" sz="1800" b="0" strike="noStrike" spc="-1">
-              <a:solidFill>
-                <a:srgbClr val="000000"/>
-              </a:solidFill>
-              <a:latin typeface="Arial"/>
-              <a:ea typeface="DejaVu Sans"/>
-            </a:endParaRPr>
-          </a:p>
-        </p:txBody>
-      </p:sp>
-      <p:sp>
-        <p:nvSpPr>
-          <p:cNvPr id="375" name="PlaceHolder 4"/>
-          <p:cNvSpPr/>
-          <p:nvPr/>
-        </p:nvSpPr>
-        <p:spPr bwMode="auto">
-          <a:xfrm>
-            <a:off x="624240" y="479880"/>
-            <a:ext cx="8068320" cy="610200"/>
-          </a:xfrm>
-          <a:prstGeom prst="rect">
-            <a:avLst/>
-          </a:prstGeom>
-          <a:noFill/>
-          <a:ln w="0">
-            <a:noFill/>
-          </a:ln>
-        </p:spPr>
-        <p:style>
-          <a:lnRef idx="0"/>
-          <a:fillRef idx="0"/>
-          <a:effectRef idx="0"/>
-          <a:fontRef idx="minor"/>
-        </p:style>
-        <p:txBody>
           <a:bodyPr lIns="0" tIns="0" rIns="0" bIns="0" anchor="b">
             <a:noAutofit/>
           </a:bodyPr>
@@ -3790,15 +4555,15 @@
               <a:defRPr/>
             </a:pPr>
             <a:r>
-              <a:rPr lang="de-DE" sz="2400" b="1" strike="noStrike" spc="-1">
+              <a:rPr lang="de-DE" sz="2400" b="1" strike="noStrike" spc="0">
                 <a:solidFill>
                   <a:srgbClr val="1D3D91"/>
                 </a:solidFill>
                 <a:latin typeface="Overpass"/>
               </a:rPr>
-              <a:t>Results: Send-&gt;Recv</a:t>
-            </a:r>
-            <a:endParaRPr lang="en-US" sz="2400" b="0" strike="noStrike" spc="-1">
+              <a:t>Current implementations: MPICH/4.2.0</a:t>
+            </a:r>
+            <a:endParaRPr lang="en-US" sz="2400" b="0" strike="noStrike" spc="0">
               <a:solidFill>
                 <a:srgbClr val="000000"/>
               </a:solidFill>
@@ -3809,7 +4574,7 @@
       </p:sp>
       <p:sp>
         <p:nvSpPr>
-          <p:cNvPr id="2" name="PlaceHolder 1"/>
+          <p:cNvPr id="745717161" name="PlaceHolder 1"/>
           <p:cNvSpPr>
             <a:spLocks noGrp="1"/>
           </p:cNvSpPr>
@@ -3828,28 +4593,1093 @@
           </a:p>
         </p:txBody>
       </p:sp>
-      <p:pic>
-        <p:nvPicPr>
-          <p:cNvPr id="633920107" name=""/>
-          <p:cNvPicPr>
-            <a:picLocks noChangeAspect="1"/>
-          </p:cNvPicPr>
+      <p:sp>
+        <p:nvSpPr>
+          <p:cNvPr id="461974941" name=""/>
+          <p:cNvSpPr txBox="1"/>
           <p:nvPr/>
-        </p:nvPicPr>
-        <p:blipFill>
-          <a:blip r:embed="rId3"/>
-          <a:stretch/>
-        </p:blipFill>
-        <p:spPr bwMode="auto">
-          <a:xfrm>
-            <a:off x="3047999" y="1143000"/>
-            <a:ext cx="6095999" cy="4572000"/>
+        </p:nvSpPr>
+        <p:spPr bwMode="auto">
+          <a:xfrm flipH="0" flipV="0">
+            <a:off x="1859707" y="2200921"/>
+            <a:ext cx="1439492" cy="244199"/>
           </a:xfrm>
           <a:prstGeom prst="rect">
             <a:avLst/>
           </a:prstGeom>
-        </p:spPr>
-      </p:pic>
+          <a:noFill/>
+          <a:ln w="12699">
+            <a:solidFill>
+              <a:schemeClr val="accent1">
+                <a:lumMod val="50196"/>
+              </a:schemeClr>
+            </a:solidFill>
+            <a:prstDash val="solid"/>
+          </a:ln>
+        </p:spPr>
+        <p:txBody>
+          <a:bodyPr vertOverflow="overflow" horzOverflow="overflow" vert="horz" wrap="square" lIns="91440" tIns="45720" rIns="91440" bIns="45720" numCol="1" spcCol="0" rtlCol="0" fromWordArt="0" anchor="t" anchorCtr="0" forceAA="0" upright="0" compatLnSpc="0">
+            <a:spAutoFit/>
+          </a:bodyPr>
+          <a:p>
+            <a:pPr algn="ctr">
+              <a:defRPr/>
+            </a:pPr>
+            <a:r>
+              <a:rPr/>
+              <a:t>MPI_Psend_init</a:t>
+            </a:r>
+            <a:endParaRPr/>
+          </a:p>
+        </p:txBody>
+      </p:sp>
+      <p:sp>
+        <p:nvSpPr>
+          <p:cNvPr id="354679068" name=""/>
+          <p:cNvSpPr txBox="1"/>
+          <p:nvPr/>
+        </p:nvSpPr>
+        <p:spPr bwMode="auto">
+          <a:xfrm flipH="0" flipV="0">
+            <a:off x="1859707" y="2806451"/>
+            <a:ext cx="1445250" cy="244199"/>
+          </a:xfrm>
+          <a:prstGeom prst="rect">
+            <a:avLst/>
+          </a:prstGeom>
+          <a:noFill/>
+          <a:ln w="12699">
+            <a:solidFill>
+              <a:schemeClr val="accent1">
+                <a:lumMod val="50196"/>
+              </a:schemeClr>
+            </a:solidFill>
+            <a:prstDash val="solid"/>
+          </a:ln>
+        </p:spPr>
+        <p:txBody>
+          <a:bodyPr vertOverflow="overflow" horzOverflow="overflow" vert="horz" wrap="square" lIns="91440" tIns="45720" rIns="91440" bIns="45720" numCol="1" spcCol="0" rtlCol="0" fromWordArt="0" anchor="t" anchorCtr="0" forceAA="0" upright="0" compatLnSpc="0">
+            <a:spAutoFit/>
+          </a:bodyPr>
+          <a:p>
+            <a:pPr algn="ctr">
+              <a:defRPr/>
+            </a:pPr>
+            <a:r>
+              <a:rPr/>
+              <a:t>MPI_Start</a:t>
+            </a:r>
+            <a:endParaRPr/>
+          </a:p>
+        </p:txBody>
+      </p:sp>
+      <p:sp>
+        <p:nvSpPr>
+          <p:cNvPr id="410503626" name=""/>
+          <p:cNvSpPr txBox="1"/>
+          <p:nvPr/>
+        </p:nvSpPr>
+        <p:spPr bwMode="auto">
+          <a:xfrm flipH="0" flipV="0">
+            <a:off x="1077960" y="3411839"/>
+            <a:ext cx="893797" cy="244199"/>
+          </a:xfrm>
+          <a:prstGeom prst="rect">
+            <a:avLst/>
+          </a:prstGeom>
+          <a:noFill/>
+          <a:ln w="12699">
+            <a:solidFill>
+              <a:schemeClr val="accent1">
+                <a:lumMod val="50196"/>
+              </a:schemeClr>
+            </a:solidFill>
+            <a:prstDash val="solid"/>
+          </a:ln>
+        </p:spPr>
+        <p:txBody>
+          <a:bodyPr vertOverflow="overflow" horzOverflow="overflow" vert="horz" wrap="square" lIns="91440" tIns="45720" rIns="91440" bIns="45720" numCol="1" spcCol="0" rtlCol="0" fromWordArt="0" anchor="t" anchorCtr="0" forceAA="0" upright="0" compatLnSpc="0">
+            <a:spAutoFit/>
+          </a:bodyPr>
+          <a:p>
+            <a:pPr algn="ctr">
+              <a:defRPr/>
+            </a:pPr>
+            <a:r>
+              <a:rPr/>
+              <a:t>MPI_Pready</a:t>
+            </a:r>
+            <a:endParaRPr/>
+          </a:p>
+        </p:txBody>
+      </p:sp>
+      <p:sp>
+        <p:nvSpPr>
+          <p:cNvPr id="523145303" name=""/>
+          <p:cNvSpPr txBox="1"/>
+          <p:nvPr/>
+        </p:nvSpPr>
+        <p:spPr bwMode="auto">
+          <a:xfrm flipH="0" flipV="0">
+            <a:off x="2135255" y="3735505"/>
+            <a:ext cx="894156" cy="244199"/>
+          </a:xfrm>
+          <a:prstGeom prst="rect">
+            <a:avLst/>
+          </a:prstGeom>
+          <a:noFill/>
+          <a:ln w="12699">
+            <a:solidFill>
+              <a:schemeClr val="accent1">
+                <a:lumMod val="50196"/>
+              </a:schemeClr>
+            </a:solidFill>
+            <a:prstDash val="solid"/>
+          </a:ln>
+        </p:spPr>
+        <p:txBody>
+          <a:bodyPr vertOverflow="overflow" horzOverflow="overflow" vert="horz" wrap="square" lIns="91440" tIns="45720" rIns="91440" bIns="45720" numCol="1" spcCol="0" rtlCol="0" fromWordArt="0" anchor="t" anchorCtr="0" forceAA="0" upright="0" compatLnSpc="0">
+            <a:spAutoFit/>
+          </a:bodyPr>
+          <a:p>
+            <a:pPr algn="ctr">
+              <a:defRPr/>
+            </a:pPr>
+            <a:r>
+              <a:rPr/>
+              <a:t>MPI_Pready</a:t>
+            </a:r>
+            <a:endParaRPr/>
+          </a:p>
+        </p:txBody>
+      </p:sp>
+      <p:sp>
+        <p:nvSpPr>
+          <p:cNvPr id="307746917" name=""/>
+          <p:cNvSpPr txBox="1"/>
+          <p:nvPr/>
+        </p:nvSpPr>
+        <p:spPr bwMode="auto">
+          <a:xfrm flipH="0" flipV="0">
+            <a:off x="3181812" y="4059170"/>
+            <a:ext cx="894516" cy="244199"/>
+          </a:xfrm>
+          <a:prstGeom prst="rect">
+            <a:avLst/>
+          </a:prstGeom>
+          <a:noFill/>
+          <a:ln w="12699">
+            <a:solidFill>
+              <a:schemeClr val="accent1">
+                <a:lumMod val="50196"/>
+              </a:schemeClr>
+            </a:solidFill>
+            <a:prstDash val="solid"/>
+          </a:ln>
+        </p:spPr>
+        <p:txBody>
+          <a:bodyPr vertOverflow="overflow" horzOverflow="overflow" vert="horz" wrap="square" lIns="91440" tIns="45720" rIns="91440" bIns="45720" numCol="1" spcCol="0" rtlCol="0" fromWordArt="0" anchor="t" anchorCtr="0" forceAA="0" upright="0" compatLnSpc="0">
+            <a:spAutoFit/>
+          </a:bodyPr>
+          <a:p>
+            <a:pPr algn="ctr">
+              <a:defRPr/>
+            </a:pPr>
+            <a:r>
+              <a:rPr/>
+              <a:t>MPI_Pready</a:t>
+            </a:r>
+            <a:endParaRPr/>
+          </a:p>
+        </p:txBody>
+      </p:sp>
+      <p:sp>
+        <p:nvSpPr>
+          <p:cNvPr id="1518257836" name=""/>
+          <p:cNvSpPr txBox="1"/>
+          <p:nvPr/>
+        </p:nvSpPr>
+        <p:spPr bwMode="auto">
+          <a:xfrm flipH="0" flipV="0">
+            <a:off x="1853948" y="4401331"/>
+            <a:ext cx="1451731" cy="244199"/>
+          </a:xfrm>
+          <a:prstGeom prst="rect">
+            <a:avLst/>
+          </a:prstGeom>
+          <a:noFill/>
+          <a:ln w="12699">
+            <a:solidFill>
+              <a:schemeClr val="accent1">
+                <a:lumMod val="50196"/>
+              </a:schemeClr>
+            </a:solidFill>
+            <a:prstDash val="solid"/>
+          </a:ln>
+        </p:spPr>
+        <p:txBody>
+          <a:bodyPr vertOverflow="overflow" horzOverflow="overflow" vert="horz" wrap="square" lIns="91440" tIns="45720" rIns="91440" bIns="45720" numCol="1" spcCol="0" rtlCol="0" fromWordArt="0" anchor="t" anchorCtr="0" forceAA="0" upright="0" compatLnSpc="0">
+            <a:spAutoFit/>
+          </a:bodyPr>
+          <a:p>
+            <a:pPr algn="ctr">
+              <a:defRPr/>
+            </a:pPr>
+            <a:r>
+              <a:rPr/>
+              <a:t>MPI_Wait/MPI_Test</a:t>
+            </a:r>
+            <a:endParaRPr/>
+          </a:p>
+        </p:txBody>
+      </p:sp>
+      <p:sp>
+        <p:nvSpPr>
+          <p:cNvPr id="2030656256" name=""/>
+          <p:cNvSpPr txBox="1"/>
+          <p:nvPr/>
+        </p:nvSpPr>
+        <p:spPr bwMode="auto">
+          <a:xfrm flipH="0" flipV="0">
+            <a:off x="1859707" y="4923491"/>
+            <a:ext cx="1458931" cy="244199"/>
+          </a:xfrm>
+          <a:prstGeom prst="rect">
+            <a:avLst/>
+          </a:prstGeom>
+          <a:noFill/>
+          <a:ln w="12699">
+            <a:solidFill>
+              <a:schemeClr val="accent1">
+                <a:lumMod val="50196"/>
+              </a:schemeClr>
+            </a:solidFill>
+            <a:prstDash val="solid"/>
+          </a:ln>
+        </p:spPr>
+        <p:txBody>
+          <a:bodyPr vertOverflow="overflow" horzOverflow="overflow" vert="horz" wrap="square" lIns="91440" tIns="45720" rIns="91440" bIns="45720" numCol="1" spcCol="0" rtlCol="0" fromWordArt="0" anchor="t" anchorCtr="0" forceAA="0" upright="0" compatLnSpc="0">
+            <a:spAutoFit/>
+          </a:bodyPr>
+          <a:p>
+            <a:pPr algn="ctr">
+              <a:defRPr/>
+            </a:pPr>
+            <a:r>
+              <a:rPr/>
+              <a:t>MPI_Request_free</a:t>
+            </a:r>
+            <a:endParaRPr/>
+          </a:p>
+        </p:txBody>
+      </p:sp>
+      <p:cxnSp>
+        <p:nvCxnSpPr>
+          <p:cNvPr id="289252304" name=""/>
+          <p:cNvCxnSpPr>
+            <a:cxnSpLocks/>
+          </p:cNvCxnSpPr>
+          <p:nvPr/>
+        </p:nvCxnSpPr>
+        <p:spPr bwMode="auto">
+          <a:xfrm rot="5399942" flipH="0" flipV="1">
+            <a:off x="2400049" y="2625786"/>
+            <a:ext cx="361329" cy="0"/>
+          </a:xfrm>
+          <a:prstGeom prst="line">
+            <a:avLst/>
+          </a:prstGeom>
+          <a:ln w="12699" cap="flat" cmpd="sng" algn="ctr">
+            <a:solidFill>
+              <a:schemeClr val="tx1">
+                <a:lumMod val="94901"/>
+                <a:lumOff val="5099"/>
+              </a:schemeClr>
+            </a:solidFill>
+            <a:prstDash val="solid"/>
+            <a:miter/>
+            <a:tailEnd type="arrow" len="med"/>
+          </a:ln>
+        </p:spPr>
+        <p:style>
+          <a:lnRef idx="1">
+            <a:schemeClr val="accent1">
+              <a:shade val="50000"/>
+            </a:schemeClr>
+          </a:lnRef>
+          <a:fillRef idx="0">
+            <a:schemeClr val="accent1"/>
+          </a:fillRef>
+          <a:effectRef idx="0">
+            <a:schemeClr val="accent1"/>
+          </a:effectRef>
+          <a:fontRef idx="minor">
+            <a:schemeClr val="tx1"/>
+          </a:fontRef>
+        </p:style>
+      </p:cxnSp>
+      <p:cxnSp>
+        <p:nvCxnSpPr>
+          <p:cNvPr id="417148016" name=""/>
+          <p:cNvCxnSpPr>
+            <a:cxnSpLocks/>
+            <a:endCxn id="523145303" idx="0"/>
+          </p:cNvCxnSpPr>
+          <p:nvPr/>
+        </p:nvCxnSpPr>
+        <p:spPr bwMode="auto">
+          <a:xfrm rot="5399976" flipH="0" flipV="1">
+            <a:off x="2239817" y="3393078"/>
+            <a:ext cx="684852" cy="0"/>
+          </a:xfrm>
+          <a:prstGeom prst="line">
+            <a:avLst/>
+          </a:prstGeom>
+          <a:ln w="12699" cap="flat" cmpd="sng" algn="ctr">
+            <a:solidFill>
+              <a:schemeClr val="tx1"/>
+            </a:solidFill>
+            <a:prstDash val="solid"/>
+            <a:miter/>
+            <a:tailEnd type="arrow" len="med"/>
+          </a:ln>
+        </p:spPr>
+        <p:style>
+          <a:lnRef idx="1">
+            <a:schemeClr val="accent1">
+              <a:shade val="50000"/>
+            </a:schemeClr>
+          </a:lnRef>
+          <a:fillRef idx="0">
+            <a:schemeClr val="accent1"/>
+          </a:fillRef>
+          <a:effectRef idx="0">
+            <a:schemeClr val="accent1"/>
+          </a:effectRef>
+          <a:fontRef idx="minor">
+            <a:schemeClr val="tx1"/>
+          </a:fontRef>
+        </p:style>
+      </p:cxnSp>
+      <p:cxnSp>
+        <p:nvCxnSpPr>
+          <p:cNvPr id="2018331008" name=""/>
+          <p:cNvCxnSpPr>
+            <a:cxnSpLocks/>
+          </p:cNvCxnSpPr>
+          <p:nvPr/>
+        </p:nvCxnSpPr>
+        <p:spPr bwMode="auto">
+          <a:xfrm rot="5399942" flipH="0" flipV="0">
+            <a:off x="1872822" y="2702508"/>
+            <a:ext cx="361188" cy="1057473"/>
+          </a:xfrm>
+          <a:prstGeom prst="line">
+            <a:avLst/>
+          </a:prstGeom>
+          <a:ln w="12699" cap="flat" cmpd="sng" algn="ctr">
+            <a:solidFill>
+              <a:schemeClr val="tx1"/>
+            </a:solidFill>
+            <a:prstDash val="solid"/>
+            <a:miter/>
+            <a:tailEnd type="arrow" len="med"/>
+          </a:ln>
+        </p:spPr>
+        <p:style>
+          <a:lnRef idx="1">
+            <a:schemeClr val="accent1">
+              <a:shade val="50000"/>
+            </a:schemeClr>
+          </a:lnRef>
+          <a:fillRef idx="0">
+            <a:schemeClr val="accent1"/>
+          </a:fillRef>
+          <a:effectRef idx="0">
+            <a:schemeClr val="accent1"/>
+          </a:effectRef>
+          <a:fontRef idx="minor">
+            <a:schemeClr val="tx1"/>
+          </a:fontRef>
+        </p:style>
+      </p:cxnSp>
+      <p:cxnSp>
+        <p:nvCxnSpPr>
+          <p:cNvPr id="215294499" name=""/>
+          <p:cNvCxnSpPr>
+            <a:cxnSpLocks/>
+            <a:endCxn id="307746917" idx="0"/>
+          </p:cNvCxnSpPr>
+          <p:nvPr/>
+        </p:nvCxnSpPr>
+        <p:spPr bwMode="auto">
+          <a:xfrm rot="0" flipH="0" flipV="0">
+            <a:off x="2582152" y="3050655"/>
+            <a:ext cx="1046918" cy="1008514"/>
+          </a:xfrm>
+          <a:prstGeom prst="line">
+            <a:avLst/>
+          </a:prstGeom>
+          <a:ln w="12699" cap="flat" cmpd="sng" algn="ctr">
+            <a:solidFill>
+              <a:schemeClr val="tx1"/>
+            </a:solidFill>
+            <a:prstDash val="solid"/>
+            <a:miter/>
+            <a:tailEnd type="arrow" len="med"/>
+          </a:ln>
+        </p:spPr>
+        <p:style>
+          <a:lnRef idx="1">
+            <a:schemeClr val="accent1">
+              <a:shade val="50000"/>
+            </a:schemeClr>
+          </a:lnRef>
+          <a:fillRef idx="0">
+            <a:schemeClr val="accent1"/>
+          </a:fillRef>
+          <a:effectRef idx="0">
+            <a:schemeClr val="accent1"/>
+          </a:effectRef>
+          <a:fontRef idx="minor">
+            <a:schemeClr val="tx1"/>
+          </a:fontRef>
+        </p:style>
+      </p:cxnSp>
+      <p:cxnSp>
+        <p:nvCxnSpPr>
+          <p:cNvPr id="601262120" name=""/>
+          <p:cNvCxnSpPr>
+            <a:cxnSpLocks/>
+            <a:endCxn id="1518257836" idx="0"/>
+          </p:cNvCxnSpPr>
+          <p:nvPr/>
+        </p:nvCxnSpPr>
+        <p:spPr bwMode="auto">
+          <a:xfrm rot="0" flipH="0" flipV="0">
+            <a:off x="1524678" y="3656044"/>
+            <a:ext cx="1055135" cy="745286"/>
+          </a:xfrm>
+          <a:prstGeom prst="line">
+            <a:avLst/>
+          </a:prstGeom>
+          <a:ln w="12699" cap="flat" cmpd="sng" algn="ctr">
+            <a:solidFill>
+              <a:schemeClr val="tx1"/>
+            </a:solidFill>
+            <a:prstDash val="solid"/>
+            <a:miter/>
+            <a:tailEnd type="arrow" len="med"/>
+          </a:ln>
+        </p:spPr>
+        <p:style>
+          <a:lnRef idx="1">
+            <a:schemeClr val="accent1">
+              <a:shade val="50000"/>
+            </a:schemeClr>
+          </a:lnRef>
+          <a:fillRef idx="0">
+            <a:schemeClr val="accent1"/>
+          </a:fillRef>
+          <a:effectRef idx="0">
+            <a:schemeClr val="accent1"/>
+          </a:effectRef>
+          <a:fontRef idx="minor">
+            <a:schemeClr val="tx1"/>
+          </a:fontRef>
+        </p:style>
+      </p:cxnSp>
+      <p:cxnSp>
+        <p:nvCxnSpPr>
+          <p:cNvPr id="1474272947" name=""/>
+          <p:cNvCxnSpPr>
+            <a:cxnSpLocks/>
+            <a:stCxn id="523145303" idx="2"/>
+            <a:endCxn id="1518257836" idx="0"/>
+          </p:cNvCxnSpPr>
+          <p:nvPr/>
+        </p:nvCxnSpPr>
+        <p:spPr bwMode="auto">
+          <a:xfrm rot="5399976" flipH="0" flipV="0">
+            <a:off x="2370261" y="4190518"/>
+            <a:ext cx="421625" cy="0"/>
+          </a:xfrm>
+          <a:prstGeom prst="line">
+            <a:avLst/>
+          </a:prstGeom>
+          <a:ln w="12699" cap="flat" cmpd="sng" algn="ctr">
+            <a:solidFill>
+              <a:schemeClr val="tx1"/>
+            </a:solidFill>
+            <a:prstDash val="solid"/>
+            <a:miter/>
+            <a:tailEnd type="arrow" len="med"/>
+          </a:ln>
+        </p:spPr>
+        <p:style>
+          <a:lnRef idx="1">
+            <a:schemeClr val="accent1">
+              <a:shade val="50000"/>
+            </a:schemeClr>
+          </a:lnRef>
+          <a:fillRef idx="0">
+            <a:schemeClr val="accent1"/>
+          </a:fillRef>
+          <a:effectRef idx="0">
+            <a:schemeClr val="accent1"/>
+          </a:effectRef>
+          <a:fontRef idx="minor">
+            <a:schemeClr val="tx1"/>
+          </a:fontRef>
+        </p:style>
+      </p:cxnSp>
+      <p:cxnSp>
+        <p:nvCxnSpPr>
+          <p:cNvPr id="277233678" name=""/>
+          <p:cNvCxnSpPr>
+            <a:cxnSpLocks/>
+            <a:stCxn id="307746917" idx="2"/>
+            <a:endCxn id="1518257836" idx="0"/>
+          </p:cNvCxnSpPr>
+          <p:nvPr/>
+        </p:nvCxnSpPr>
+        <p:spPr bwMode="auto">
+          <a:xfrm rot="5399976" flipH="0" flipV="0">
+            <a:off x="3055462" y="3827722"/>
+            <a:ext cx="97960" cy="1049256"/>
+          </a:xfrm>
+          <a:prstGeom prst="line">
+            <a:avLst/>
+          </a:prstGeom>
+          <a:ln w="12699" cap="flat" cmpd="sng" algn="ctr">
+            <a:solidFill>
+              <a:schemeClr val="tx1"/>
+            </a:solidFill>
+            <a:prstDash val="solid"/>
+            <a:miter/>
+            <a:tailEnd type="arrow" len="med"/>
+          </a:ln>
+        </p:spPr>
+        <p:style>
+          <a:lnRef idx="1">
+            <a:schemeClr val="accent1">
+              <a:shade val="50000"/>
+            </a:schemeClr>
+          </a:lnRef>
+          <a:fillRef idx="0">
+            <a:schemeClr val="accent1"/>
+          </a:fillRef>
+          <a:effectRef idx="0">
+            <a:schemeClr val="accent1"/>
+          </a:effectRef>
+          <a:fontRef idx="minor">
+            <a:schemeClr val="tx1"/>
+          </a:fontRef>
+        </p:style>
+      </p:cxnSp>
+      <p:cxnSp>
+        <p:nvCxnSpPr>
+          <p:cNvPr id="996942421" name=""/>
+          <p:cNvCxnSpPr>
+            <a:cxnSpLocks/>
+          </p:cNvCxnSpPr>
+          <p:nvPr/>
+        </p:nvCxnSpPr>
+        <p:spPr bwMode="auto">
+          <a:xfrm rot="5399942" flipH="0" flipV="1">
+            <a:off x="2445334" y="4784511"/>
+            <a:ext cx="277958" cy="0"/>
+          </a:xfrm>
+          <a:prstGeom prst="line">
+            <a:avLst/>
+          </a:prstGeom>
+          <a:ln w="12699" cap="flat" cmpd="sng" algn="ctr">
+            <a:solidFill>
+              <a:schemeClr val="tx1"/>
+            </a:solidFill>
+            <a:prstDash val="solid"/>
+            <a:miter/>
+            <a:tailEnd type="arrow" len="med"/>
+          </a:ln>
+        </p:spPr>
+        <p:style>
+          <a:lnRef idx="1">
+            <a:schemeClr val="accent1">
+              <a:shade val="50000"/>
+            </a:schemeClr>
+          </a:lnRef>
+          <a:fillRef idx="0">
+            <a:schemeClr val="accent1"/>
+          </a:fillRef>
+          <a:effectRef idx="0">
+            <a:schemeClr val="accent1"/>
+          </a:effectRef>
+          <a:fontRef idx="minor">
+            <a:schemeClr val="tx1"/>
+          </a:fontRef>
+        </p:style>
+      </p:cxnSp>
+      <p:sp>
+        <p:nvSpPr>
+          <p:cNvPr id="35209929" name=""/>
+          <p:cNvSpPr txBox="1"/>
+          <p:nvPr/>
+        </p:nvSpPr>
+        <p:spPr bwMode="auto">
+          <a:xfrm flipH="0" flipV="0">
+            <a:off x="6101758" y="2819870"/>
+            <a:ext cx="1457490" cy="244199"/>
+          </a:xfrm>
+          <a:prstGeom prst="rect">
+            <a:avLst/>
+          </a:prstGeom>
+          <a:noFill/>
+          <a:ln w="12699">
+            <a:solidFill>
+              <a:schemeClr val="accent1">
+                <a:lumMod val="50196"/>
+              </a:schemeClr>
+            </a:solidFill>
+            <a:prstDash val="solid"/>
+          </a:ln>
+        </p:spPr>
+        <p:txBody>
+          <a:bodyPr vertOverflow="overflow" horzOverflow="overflow" vert="horz" wrap="square" lIns="91440" tIns="45720" rIns="91440" bIns="45720" numCol="1" spcCol="0" rtlCol="0" fromWordArt="0" anchor="t" anchorCtr="0" forceAA="0" upright="0" compatLnSpc="0">
+            <a:spAutoFit/>
+          </a:bodyPr>
+          <a:p>
+            <a:pPr algn="ctr">
+              <a:defRPr/>
+            </a:pPr>
+            <a:r>
+              <a:rPr/>
+              <a:t>counter = p</a:t>
+            </a:r>
+            <a:endParaRPr/>
+          </a:p>
+        </p:txBody>
+      </p:sp>
+      <p:sp>
+        <p:nvSpPr>
+          <p:cNvPr id="168293359" name=""/>
+          <p:cNvSpPr txBox="1"/>
+          <p:nvPr/>
+        </p:nvSpPr>
+        <p:spPr bwMode="auto">
+          <a:xfrm flipH="0" flipV="0">
+            <a:off x="6377306" y="3425259"/>
+            <a:ext cx="908556" cy="244199"/>
+          </a:xfrm>
+          <a:prstGeom prst="rect">
+            <a:avLst/>
+          </a:prstGeom>
+          <a:noFill/>
+          <a:ln w="12699">
+            <a:solidFill>
+              <a:schemeClr val="accent1">
+                <a:lumMod val="50196"/>
+              </a:schemeClr>
+            </a:solidFill>
+            <a:prstDash val="solid"/>
+          </a:ln>
+        </p:spPr>
+        <p:txBody>
+          <a:bodyPr vertOverflow="overflow" horzOverflow="overflow" vert="horz" wrap="square" lIns="91440" tIns="45720" rIns="91440" bIns="45720" numCol="1" spcCol="0" rtlCol="0" fromWordArt="0" anchor="t" anchorCtr="0" forceAA="0" upright="0" compatLnSpc="0">
+            <a:spAutoFit/>
+          </a:bodyPr>
+          <a:p>
+            <a:pPr algn="ctr">
+              <a:defRPr/>
+            </a:pPr>
+            <a:r>
+              <a:rPr/>
+              <a:t>counter-- ;</a:t>
+            </a:r>
+            <a:endParaRPr/>
+          </a:p>
+        </p:txBody>
+      </p:sp>
+      <p:cxnSp>
+        <p:nvCxnSpPr>
+          <p:cNvPr id="1085498950" name=""/>
+          <p:cNvCxnSpPr>
+            <a:cxnSpLocks/>
+          </p:cNvCxnSpPr>
+          <p:nvPr/>
+        </p:nvCxnSpPr>
+        <p:spPr bwMode="auto">
+          <a:xfrm rot="5399942" flipH="0" flipV="1">
+            <a:off x="6643611" y="3244665"/>
+            <a:ext cx="361188" cy="0"/>
+          </a:xfrm>
+          <a:prstGeom prst="line">
+            <a:avLst/>
+          </a:prstGeom>
+          <a:ln w="12699" cap="flat" cmpd="sng" algn="ctr">
+            <a:solidFill>
+              <a:schemeClr val="tx1"/>
+            </a:solidFill>
+            <a:prstDash val="solid"/>
+            <a:miter/>
+            <a:tailEnd type="arrow" len="med"/>
+          </a:ln>
+        </p:spPr>
+        <p:style>
+          <a:lnRef idx="1">
+            <a:schemeClr val="accent1">
+              <a:shade val="50000"/>
+            </a:schemeClr>
+          </a:lnRef>
+          <a:fillRef idx="0">
+            <a:schemeClr val="accent1"/>
+          </a:fillRef>
+          <a:effectRef idx="0">
+            <a:schemeClr val="accent1"/>
+          </a:effectRef>
+          <a:fontRef idx="minor">
+            <a:schemeClr val="tx1"/>
+          </a:fontRef>
+        </p:style>
+      </p:cxnSp>
+      <p:sp>
+        <p:nvSpPr>
+          <p:cNvPr id="2121934560" name=""/>
+          <p:cNvSpPr txBox="1"/>
+          <p:nvPr/>
+        </p:nvSpPr>
+        <p:spPr bwMode="auto">
+          <a:xfrm flipH="0" flipV="0">
+            <a:off x="8046073" y="2819870"/>
+            <a:ext cx="1452089" cy="244199"/>
+          </a:xfrm>
+          <a:prstGeom prst="rect">
+            <a:avLst/>
+          </a:prstGeom>
+          <a:noFill/>
+          <a:ln w="12699">
+            <a:solidFill>
+              <a:schemeClr val="accent1">
+                <a:lumMod val="50196"/>
+              </a:schemeClr>
+            </a:solidFill>
+            <a:prstDash val="solid"/>
+          </a:ln>
+        </p:spPr>
+        <p:txBody>
+          <a:bodyPr vertOverflow="overflow" horzOverflow="overflow" vert="horz" wrap="square" lIns="91440" tIns="45720" rIns="91440" bIns="45720" numCol="1" spcCol="0" rtlCol="0" fromWordArt="0" anchor="t" anchorCtr="0" forceAA="0" upright="0" compatLnSpc="0">
+            <a:spAutoFit/>
+          </a:bodyPr>
+          <a:p>
+            <a:pPr algn="ctr">
+              <a:defRPr/>
+            </a:pPr>
+            <a:r>
+              <a:rPr/>
+              <a:t>isend_init</a:t>
+            </a:r>
+            <a:endParaRPr/>
+          </a:p>
+        </p:txBody>
+      </p:sp>
+      <p:sp>
+        <p:nvSpPr>
+          <p:cNvPr id="1057500261" name=""/>
+          <p:cNvSpPr txBox="1"/>
+          <p:nvPr/>
+        </p:nvSpPr>
+        <p:spPr bwMode="auto">
+          <a:xfrm flipH="0" flipV="0">
+            <a:off x="8321620" y="3702687"/>
+            <a:ext cx="910716" cy="244199"/>
+          </a:xfrm>
+          <a:prstGeom prst="rect">
+            <a:avLst/>
+          </a:prstGeom>
+          <a:noFill/>
+          <a:ln w="12699">
+            <a:solidFill>
+              <a:schemeClr val="accent1">
+                <a:lumMod val="50196"/>
+              </a:schemeClr>
+            </a:solidFill>
+            <a:prstDash val="solid"/>
+          </a:ln>
+        </p:spPr>
+        <p:txBody>
+          <a:bodyPr vertOverflow="overflow" horzOverflow="overflow" vert="horz" wrap="square" lIns="91440" tIns="45720" rIns="91440" bIns="45720" numCol="1" spcCol="0" rtlCol="0" fromWordArt="0" anchor="t" anchorCtr="0" forceAA="0" upright="0" compatLnSpc="0">
+            <a:spAutoFit/>
+          </a:bodyPr>
+          <a:p>
+            <a:pPr algn="ctr">
+              <a:defRPr/>
+            </a:pPr>
+            <a:r>
+              <a:rPr/>
+              <a:t>counter--;</a:t>
+            </a:r>
+            <a:endParaRPr/>
+          </a:p>
+        </p:txBody>
+      </p:sp>
+      <p:cxnSp>
+        <p:nvCxnSpPr>
+          <p:cNvPr id="1110938430" name=""/>
+          <p:cNvCxnSpPr>
+            <a:cxnSpLocks/>
+            <a:endCxn id="1057500261" idx="0"/>
+          </p:cNvCxnSpPr>
+          <p:nvPr/>
+        </p:nvCxnSpPr>
+        <p:spPr bwMode="auto">
+          <a:xfrm rot="5399976" flipH="0" flipV="1">
+            <a:off x="8450922" y="3383379"/>
+            <a:ext cx="638615" cy="0"/>
+          </a:xfrm>
+          <a:prstGeom prst="line">
+            <a:avLst/>
+          </a:prstGeom>
+          <a:ln w="12699" cap="flat" cmpd="sng" algn="ctr">
+            <a:solidFill>
+              <a:schemeClr val="tx1"/>
+            </a:solidFill>
+            <a:prstDash val="solid"/>
+            <a:miter/>
+            <a:tailEnd type="arrow" len="med"/>
+          </a:ln>
+        </p:spPr>
+        <p:style>
+          <a:lnRef idx="1">
+            <a:schemeClr val="accent1">
+              <a:shade val="50000"/>
+            </a:schemeClr>
+          </a:lnRef>
+          <a:fillRef idx="0">
+            <a:schemeClr val="accent1"/>
+          </a:fillRef>
+          <a:effectRef idx="0">
+            <a:schemeClr val="accent1"/>
+          </a:effectRef>
+          <a:fontRef idx="minor">
+            <a:schemeClr val="tx1"/>
+          </a:fontRef>
+        </p:style>
+      </p:cxnSp>
+      <p:sp>
+        <p:nvSpPr>
+          <p:cNvPr id="1057252446" name=""/>
+          <p:cNvSpPr txBox="1"/>
+          <p:nvPr/>
+        </p:nvSpPr>
+        <p:spPr bwMode="auto">
+          <a:xfrm flipH="0" flipV="0">
+            <a:off x="10011312" y="2819870"/>
+            <a:ext cx="1452449" cy="244199"/>
+          </a:xfrm>
+          <a:prstGeom prst="rect">
+            <a:avLst/>
+          </a:prstGeom>
+          <a:noFill/>
+          <a:ln w="12699">
+            <a:solidFill>
+              <a:schemeClr val="accent1">
+                <a:lumMod val="50196"/>
+              </a:schemeClr>
+            </a:solidFill>
+            <a:prstDash val="solid"/>
+          </a:ln>
+        </p:spPr>
+        <p:txBody>
+          <a:bodyPr vertOverflow="overflow" horzOverflow="overflow" vert="horz" wrap="square" lIns="91440" tIns="45720" rIns="91440" bIns="45720" numCol="1" spcCol="0" rtlCol="0" fromWordArt="0" anchor="t" anchorCtr="0" forceAA="0" upright="0" compatLnSpc="0">
+            <a:spAutoFit/>
+          </a:bodyPr>
+          <a:p>
+            <a:pPr algn="ctr">
+              <a:defRPr/>
+            </a:pPr>
+            <a:r>
+              <a:rPr/>
+              <a:t>isend_init</a:t>
+            </a:r>
+            <a:endParaRPr/>
+          </a:p>
+        </p:txBody>
+      </p:sp>
+      <p:sp>
+        <p:nvSpPr>
+          <p:cNvPr id="737852528" name=""/>
+          <p:cNvSpPr txBox="1"/>
+          <p:nvPr/>
+        </p:nvSpPr>
+        <p:spPr bwMode="auto">
+          <a:xfrm flipH="0" flipV="0">
+            <a:off x="10281461" y="3906770"/>
+            <a:ext cx="909995" cy="396599"/>
+          </a:xfrm>
+          <a:prstGeom prst="rect">
+            <a:avLst/>
+          </a:prstGeom>
+          <a:noFill/>
+          <a:ln w="12699">
+            <a:solidFill>
+              <a:schemeClr val="accent1">
+                <a:lumMod val="50196"/>
+              </a:schemeClr>
+            </a:solidFill>
+            <a:prstDash val="solid"/>
+          </a:ln>
+        </p:spPr>
+        <p:txBody>
+          <a:bodyPr vertOverflow="overflow" horzOverflow="overflow" vert="horz" wrap="square" lIns="91440" tIns="45720" rIns="91440" bIns="45720" numCol="1" spcCol="0" rtlCol="0" fromWordArt="0" anchor="t" anchorCtr="0" forceAA="0" upright="0" compatLnSpc="0">
+            <a:spAutoFit/>
+          </a:bodyPr>
+          <a:p>
+            <a:pPr algn="ctr">
+              <a:defRPr/>
+            </a:pPr>
+            <a:r>
+              <a:rPr/>
+              <a:t>counter--;</a:t>
+            </a:r>
+            <a:endParaRPr/>
+          </a:p>
+          <a:p>
+            <a:pPr algn="ctr">
+              <a:defRPr/>
+            </a:pPr>
+            <a:r>
+              <a:rPr/>
+              <a:t>start</a:t>
+            </a:r>
+            <a:endParaRPr/>
+          </a:p>
+        </p:txBody>
+      </p:sp>
+      <p:sp>
+        <p:nvSpPr>
+          <p:cNvPr id="47168187" name=""/>
+          <p:cNvSpPr txBox="1"/>
+          <p:nvPr/>
+        </p:nvSpPr>
+        <p:spPr bwMode="auto">
+          <a:xfrm flipH="0" flipV="0">
+            <a:off x="10005552" y="4401330"/>
+            <a:ext cx="1462890" cy="244199"/>
+          </a:xfrm>
+          <a:prstGeom prst="rect">
+            <a:avLst/>
+          </a:prstGeom>
+          <a:noFill/>
+          <a:ln w="12699">
+            <a:solidFill>
+              <a:schemeClr val="accent1">
+                <a:lumMod val="50196"/>
+              </a:schemeClr>
+            </a:solidFill>
+            <a:prstDash val="solid"/>
+          </a:ln>
+        </p:spPr>
+        <p:txBody>
+          <a:bodyPr vertOverflow="overflow" horzOverflow="overflow" vert="horz" wrap="square" lIns="91440" tIns="45720" rIns="91440" bIns="45720" numCol="1" spcCol="0" rtlCol="0" fromWordArt="0" anchor="t" anchorCtr="0" forceAA="0" upright="0" compatLnSpc="0">
+            <a:spAutoFit/>
+          </a:bodyPr>
+          <a:p>
+            <a:pPr algn="ctr">
+              <a:defRPr/>
+            </a:pPr>
+            <a:r>
+              <a:rPr/>
+              <a:t>wait</a:t>
+            </a:r>
+            <a:endParaRPr/>
+          </a:p>
+        </p:txBody>
+      </p:sp>
+      <p:cxnSp>
+        <p:nvCxnSpPr>
+          <p:cNvPr id="876855207" name=""/>
+          <p:cNvCxnSpPr>
+            <a:cxnSpLocks/>
+            <a:endCxn id="737852528" idx="0"/>
+          </p:cNvCxnSpPr>
+          <p:nvPr/>
+        </p:nvCxnSpPr>
+        <p:spPr bwMode="auto">
+          <a:xfrm rot="5399976" flipH="0" flipV="1">
+            <a:off x="10313737" y="3485421"/>
+            <a:ext cx="842698" cy="0"/>
+          </a:xfrm>
+          <a:prstGeom prst="line">
+            <a:avLst/>
+          </a:prstGeom>
+          <a:ln w="12699" cap="flat" cmpd="sng" algn="ctr">
+            <a:solidFill>
+              <a:schemeClr val="tx1"/>
+            </a:solidFill>
+            <a:prstDash val="solid"/>
+            <a:miter/>
+            <a:tailEnd type="arrow" len="med"/>
+          </a:ln>
+        </p:spPr>
+        <p:style>
+          <a:lnRef idx="1">
+            <a:schemeClr val="accent1">
+              <a:shade val="50000"/>
+            </a:schemeClr>
+          </a:lnRef>
+          <a:fillRef idx="0">
+            <a:schemeClr val="accent1"/>
+          </a:fillRef>
+          <a:effectRef idx="0">
+            <a:schemeClr val="accent1"/>
+          </a:effectRef>
+          <a:fontRef idx="minor">
+            <a:schemeClr val="tx1"/>
+          </a:fontRef>
+        </p:style>
+      </p:cxnSp>
+      <p:cxnSp>
+        <p:nvCxnSpPr>
+          <p:cNvPr id="935994705" name=""/>
+          <p:cNvCxnSpPr>
+            <a:cxnSpLocks/>
+            <a:stCxn id="737852528" idx="2"/>
+          </p:cNvCxnSpPr>
+          <p:nvPr/>
+        </p:nvCxnSpPr>
+        <p:spPr bwMode="auto">
+          <a:xfrm rot="5399976" flipH="0" flipV="0">
+            <a:off x="10675767" y="4359668"/>
+            <a:ext cx="112595" cy="0"/>
+          </a:xfrm>
+          <a:prstGeom prst="line">
+            <a:avLst/>
+          </a:prstGeom>
+          <a:ln w="12699" cap="flat" cmpd="sng" algn="ctr">
+            <a:solidFill>
+              <a:schemeClr val="tx1"/>
+            </a:solidFill>
+            <a:prstDash val="solid"/>
+            <a:miter/>
+            <a:tailEnd type="arrow" len="med"/>
+          </a:ln>
+        </p:spPr>
+        <p:style>
+          <a:lnRef idx="1">
+            <a:schemeClr val="accent1">
+              <a:shade val="50000"/>
+            </a:schemeClr>
+          </a:lnRef>
+          <a:fillRef idx="0">
+            <a:schemeClr val="accent1"/>
+          </a:fillRef>
+          <a:effectRef idx="0">
+            <a:schemeClr val="accent1"/>
+          </a:effectRef>
+          <a:fontRef idx="minor">
+            <a:schemeClr val="tx1"/>
+          </a:fontRef>
+        </p:style>
+      </p:cxnSp>
     </p:spTree>
   </p:cSld>
   <p:clrMapOvr>
@@ -3885,7 +5715,7 @@
       </p:grpSpPr>
       <p:sp>
         <p:nvSpPr>
-          <p:cNvPr id="1697342494" name=""/>
+          <p:cNvPr id="371" name=""/>
           <p:cNvSpPr/>
           <p:nvPr/>
         </p:nvSpPr>
@@ -3919,7 +5749,7 @@
               </a:lnSpc>
               <a:defRPr/>
             </a:pPr>
-            <a:endParaRPr lang="en-US" sz="1800" b="0" strike="noStrike" spc="0">
+            <a:endParaRPr lang="en-US" sz="1800" b="0" strike="noStrike" spc="-1">
               <a:solidFill>
                 <a:srgbClr val="000000"/>
               </a:solidFill>
@@ -3931,7 +5761,7 @@
       </p:sp>
       <p:sp>
         <p:nvSpPr>
-          <p:cNvPr id="1185257238" name="PlaceHolder 4"/>
+          <p:cNvPr id="372" name="PlaceHolder 3"/>
           <p:cNvSpPr/>
           <p:nvPr/>
         </p:nvSpPr>
@@ -3969,15 +5799,15 @@
               <a:defRPr/>
             </a:pPr>
             <a:r>
-              <a:rPr lang="de-DE" sz="2400" b="1" strike="noStrike" spc="0">
+              <a:rPr lang="de-DE" sz="2400" b="1" strike="noStrike" spc="-1">
                 <a:solidFill>
                   <a:srgbClr val="1D3D91"/>
                 </a:solidFill>
                 <a:latin typeface="Overpass"/>
               </a:rPr>
-              <a:t>Results: ISend-&gt;IRecv</a:t>
-            </a:r>
-            <a:endParaRPr lang="en-US" sz="2400" b="0" strike="noStrike" spc="0">
+              <a:t>Goals</a:t>
+            </a:r>
+            <a:endParaRPr lang="en-US" sz="2400" b="0" strike="noStrike" spc="-1">
               <a:solidFill>
                 <a:srgbClr val="000000"/>
               </a:solidFill>
@@ -3988,7 +5818,7 @@
       </p:sp>
       <p:sp>
         <p:nvSpPr>
-          <p:cNvPr id="1608010806" name="PlaceHolder 1"/>
+          <p:cNvPr id="2" name="PlaceHolder 1"/>
           <p:cNvSpPr>
             <a:spLocks noGrp="1"/>
           </p:cNvSpPr>
@@ -4007,28 +5837,206 @@
           </a:p>
         </p:txBody>
       </p:sp>
-      <p:pic>
-        <p:nvPicPr>
-          <p:cNvPr id="1691696346" name=""/>
-          <p:cNvPicPr>
-            <a:picLocks noChangeAspect="1"/>
-          </p:cNvPicPr>
+      <p:sp>
+        <p:nvSpPr>
+          <p:cNvPr id="1299934248" name=""/>
+          <p:cNvSpPr txBox="1"/>
           <p:nvPr/>
-        </p:nvPicPr>
-        <p:blipFill>
-          <a:blip r:embed="rId3"/>
-          <a:stretch/>
-        </p:blipFill>
+        </p:nvSpPr>
+        <p:spPr bwMode="auto">
+          <a:xfrm flipH="0" flipV="0">
+            <a:off x="1230873" y="1757038"/>
+            <a:ext cx="7444296" cy="244199"/>
+          </a:xfrm>
+          <a:prstGeom prst="rect">
+            <a:avLst/>
+          </a:prstGeom>
+          <a:noFill/>
+        </p:spPr>
+        <p:txBody>
+          <a:bodyPr vertOverflow="overflow" horzOverflow="overflow" vert="horz" wrap="square" lIns="91440" tIns="45720" rIns="91440" bIns="45720" numCol="1" spcCol="0" rtlCol="0" fromWordArt="0" anchor="t" anchorCtr="0" forceAA="0" upright="0" compatLnSpc="0">
+            <a:spAutoFit/>
+          </a:bodyPr>
+          <a:p>
+            <a:pPr>
+              <a:defRPr/>
+            </a:pPr>
+            <a:endParaRPr/>
+          </a:p>
+        </p:txBody>
+      </p:sp>
+      <p:sp>
+        <p:nvSpPr>
+          <p:cNvPr id="337230923" name=""/>
+          <p:cNvSpPr/>
+          <p:nvPr/>
+        </p:nvSpPr>
         <p:spPr bwMode="auto">
           <a:xfrm>
-            <a:off x="3047999" y="1143000"/>
-            <a:ext cx="6095999" cy="4572000"/>
+            <a:off x="838198" y="1523999"/>
+            <a:ext cx="10743480" cy="4571280"/>
           </a:xfrm>
           <a:prstGeom prst="rect">
             <a:avLst/>
           </a:prstGeom>
-        </p:spPr>
-      </p:pic>
+          <a:noFill/>
+          <a:ln w="0">
+            <a:noFill/>
+          </a:ln>
+        </p:spPr>
+        <p:style>
+          <a:lnRef idx="0"/>
+          <a:fillRef idx="0"/>
+          <a:effectRef idx="0"/>
+          <a:fontRef idx="minor"/>
+        </p:style>
+        <p:txBody>
+          <a:bodyPr lIns="90000" tIns="45000" rIns="90000" bIns="45000" anchor="t">
+            <a:noAutofit/>
+          </a:bodyPr>
+          <a:p>
+            <a:pPr marL="261850" indent="-261850">
+              <a:buFont typeface="Arial"/>
+              <a:buChar char="•"/>
+              <a:defRPr/>
+            </a:pPr>
+            <a:r>
+              <a:rPr lang="en-US" sz="1600" b="0" i="0" u="none" strike="noStrike" cap="none" spc="0">
+                <a:solidFill>
+                  <a:srgbClr val="000000"/>
+                </a:solidFill>
+                <a:latin typeface="Arial"/>
+                <a:ea typeface="Arial"/>
+                <a:cs typeface="Arial"/>
+              </a:rPr>
+              <a:t>Measure effective bandwidth depending on message size</a:t>
+            </a:r>
+            <a:endParaRPr lang="en-US" sz="1600" b="0" i="0" u="none" strike="noStrike" cap="none" spc="0">
+              <a:solidFill>
+                <a:srgbClr val="000000"/>
+              </a:solidFill>
+              <a:latin typeface="Arial"/>
+              <a:ea typeface="Arial"/>
+              <a:cs typeface="Arial"/>
+            </a:endParaRPr>
+          </a:p>
+          <a:p>
+            <a:pPr marL="261850" indent="-261850">
+              <a:buFont typeface="Arial"/>
+              <a:buChar char="•"/>
+              <a:defRPr/>
+            </a:pPr>
+            <a:r>
+              <a:rPr lang="en-US" sz="1600" b="0" i="0" u="none" strike="noStrike" cap="none" spc="0">
+                <a:solidFill>
+                  <a:srgbClr val="000000"/>
+                </a:solidFill>
+                <a:latin typeface="Arial"/>
+                <a:ea typeface="Arial"/>
+                <a:cs typeface="Arial"/>
+              </a:rPr>
+              <a:t>Do different MPI-implementations perform optimizations (aggregation, reordering) on partitioned transfers?</a:t>
+            </a:r>
+            <a:endParaRPr lang="en-US" sz="1600" b="0" i="0" u="none" strike="noStrike" cap="none" spc="0">
+              <a:solidFill>
+                <a:srgbClr val="000000"/>
+              </a:solidFill>
+              <a:latin typeface="Arial"/>
+              <a:ea typeface="Arial"/>
+              <a:cs typeface="Arial"/>
+            </a:endParaRPr>
+          </a:p>
+          <a:p>
+            <a:pPr marL="261850" indent="-261850">
+              <a:buFont typeface="Arial"/>
+              <a:buChar char="•"/>
+              <a:defRPr/>
+            </a:pPr>
+            <a:r>
+              <a:rPr lang="en-US" sz="1600" b="0" i="0" u="none" strike="noStrike" cap="none" spc="0">
+                <a:solidFill>
+                  <a:srgbClr val="000000"/>
+                </a:solidFill>
+                <a:latin typeface="Arial"/>
+                <a:ea typeface="Arial"/>
+                <a:cs typeface="Arial"/>
+              </a:rPr>
+              <a:t>Is it possible to trigger early progress using completion tests?</a:t>
+            </a:r>
+            <a:endParaRPr lang="en-US" sz="1600" b="0" i="0" u="none" strike="noStrike" cap="none" spc="0">
+              <a:solidFill>
+                <a:srgbClr val="000000"/>
+              </a:solidFill>
+              <a:latin typeface="Arial"/>
+              <a:ea typeface="Arial"/>
+              <a:cs typeface="Arial"/>
+            </a:endParaRPr>
+          </a:p>
+          <a:p>
+            <a:pPr marL="261850" indent="-261850">
+              <a:buFont typeface="Arial"/>
+              <a:buChar char="•"/>
+              <a:defRPr/>
+            </a:pPr>
+            <a:r>
+              <a:rPr lang="en-US" sz="1600" b="0" i="0" u="none" strike="noStrike" cap="none" spc="0">
+                <a:solidFill>
+                  <a:srgbClr val="000000"/>
+                </a:solidFill>
+                <a:latin typeface="Arial"/>
+                <a:ea typeface="Arial"/>
+                <a:cs typeface="Arial"/>
+              </a:rPr>
+              <a:t>Do OpenMPIs </a:t>
+            </a:r>
+            <a:r>
+              <a:rPr lang="en-US" sz="1600" b="0" i="0" u="none" strike="noStrike" cap="none" spc="0">
+                <a:solidFill>
+                  <a:srgbClr val="000000"/>
+                </a:solidFill>
+                <a:latin typeface="Arial"/>
+                <a:ea typeface="Arial"/>
+                <a:cs typeface="Arial"/>
+              </a:rPr>
+              <a:t>Point-to-point Messaging Layer</a:t>
+            </a:r>
+            <a:r>
+              <a:rPr lang="en-US" sz="1600" b="0" i="0" u="none" strike="noStrike" cap="none" spc="0">
+                <a:solidFill>
+                  <a:srgbClr val="000000"/>
+                </a:solidFill>
+                <a:latin typeface="Arial"/>
+                <a:ea typeface="Arial"/>
+                <a:cs typeface="Arial"/>
+              </a:rPr>
+              <a:t> (PML) – components make use of hardware offloading?</a:t>
+            </a:r>
+            <a:endParaRPr lang="en-US" sz="1600" b="0" i="0" u="none" strike="noStrike" cap="none" spc="0">
+              <a:solidFill>
+                <a:srgbClr val="000000"/>
+              </a:solidFill>
+              <a:latin typeface="Arial"/>
+              <a:ea typeface="Arial"/>
+              <a:cs typeface="Arial"/>
+            </a:endParaRPr>
+          </a:p>
+          <a:p>
+            <a:pPr marL="261850" indent="-261850">
+              <a:buFont typeface="Arial"/>
+              <a:buChar char="•"/>
+              <a:defRPr/>
+            </a:pPr>
+            <a:endParaRPr lang="en-US" sz="1600" b="0" i="0" u="none" strike="noStrike" cap="none" spc="0">
+              <a:solidFill>
+                <a:srgbClr val="000000"/>
+              </a:solidFill>
+              <a:latin typeface="Arial"/>
+              <a:ea typeface="Arial"/>
+              <a:cs typeface="Arial"/>
+            </a:endParaRPr>
+          </a:p>
+        </p:txBody>
+      </p:sp>
     </p:spTree>
   </p:cSld>
   <p:clrMapOvr>
@@ -4064,7 +6072,7 @@
       </p:grpSpPr>
       <p:sp>
         <p:nvSpPr>
-          <p:cNvPr id="857908308" name=""/>
+          <p:cNvPr id="1264370888" name=""/>
           <p:cNvSpPr/>
           <p:nvPr/>
         </p:nvSpPr>
@@ -4110,7 +6118,7 @@
       </p:sp>
       <p:sp>
         <p:nvSpPr>
-          <p:cNvPr id="1022190313" name="PlaceHolder 4"/>
+          <p:cNvPr id="588583207" name="PlaceHolder 3"/>
           <p:cNvSpPr/>
           <p:nvPr/>
         </p:nvSpPr>
@@ -4154,7 +6162,7 @@
                 </a:solidFill>
                 <a:latin typeface="Overpass"/>
               </a:rPr>
-              <a:t>Results: Pready</a:t>
+              <a:t>Benchmarking scheme</a:t>
             </a:r>
             <a:endParaRPr lang="en-US" sz="2400" b="0" strike="noStrike" spc="0">
               <a:solidFill>
@@ -4167,7 +6175,7 @@
       </p:sp>
       <p:sp>
         <p:nvSpPr>
-          <p:cNvPr id="1802562717" name="PlaceHolder 1"/>
+          <p:cNvPr id="203668650" name="PlaceHolder 1"/>
           <p:cNvSpPr>
             <a:spLocks noGrp="1"/>
           </p:cNvSpPr>
@@ -4186,28 +6194,373 @@
           </a:p>
         </p:txBody>
       </p:sp>
-      <p:pic>
-        <p:nvPicPr>
-          <p:cNvPr id="1581937982" name=""/>
-          <p:cNvPicPr>
-            <a:picLocks noChangeAspect="1"/>
-          </p:cNvPicPr>
+      <p:sp>
+        <p:nvSpPr>
+          <p:cNvPr id="1306304012" name=""/>
+          <p:cNvSpPr txBox="1"/>
           <p:nvPr/>
-        </p:nvPicPr>
-        <p:blipFill>
-          <a:blip r:embed="rId3"/>
-          <a:stretch/>
-        </p:blipFill>
+        </p:nvSpPr>
+        <p:spPr bwMode="auto">
+          <a:xfrm flipH="0" flipV="0">
+            <a:off x="1230872" y="1757037"/>
+            <a:ext cx="7444296" cy="244198"/>
+          </a:xfrm>
+          <a:prstGeom prst="rect">
+            <a:avLst/>
+          </a:prstGeom>
+          <a:noFill/>
+        </p:spPr>
+        <p:txBody>
+          <a:bodyPr vertOverflow="overflow" horzOverflow="overflow" vert="horz" wrap="square" lIns="91440" tIns="45720" rIns="91440" bIns="45720" numCol="1" spcCol="0" rtlCol="0" fromWordArt="0" anchor="t" anchorCtr="0" forceAA="0" upright="0" compatLnSpc="0">
+            <a:spAutoFit/>
+          </a:bodyPr>
+          <a:p>
+            <a:pPr>
+              <a:defRPr/>
+            </a:pPr>
+            <a:endParaRPr/>
+          </a:p>
+        </p:txBody>
+      </p:sp>
+      <p:sp>
+        <p:nvSpPr>
+          <p:cNvPr id="1842793777" name=""/>
+          <p:cNvSpPr/>
+          <p:nvPr/>
+        </p:nvSpPr>
         <p:spPr bwMode="auto">
           <a:xfrm>
-            <a:off x="3047999" y="1143000"/>
-            <a:ext cx="6095999" cy="4572000"/>
+            <a:off x="838197" y="1523998"/>
+            <a:ext cx="10743480" cy="4571280"/>
           </a:xfrm>
           <a:prstGeom prst="rect">
             <a:avLst/>
           </a:prstGeom>
-        </p:spPr>
-      </p:pic>
+          <a:noFill/>
+          <a:ln w="0">
+            <a:noFill/>
+          </a:ln>
+        </p:spPr>
+        <p:style>
+          <a:lnRef idx="0"/>
+          <a:fillRef idx="0"/>
+          <a:effectRef idx="0"/>
+          <a:fontRef idx="minor"/>
+        </p:style>
+        <p:txBody>
+          <a:bodyPr lIns="90000" tIns="45000" rIns="90000" bIns="45000" anchor="t">
+            <a:noAutofit/>
+          </a:bodyPr>
+          <a:p>
+            <a:pPr>
+              <a:defRPr/>
+            </a:pPr>
+            <a:r>
+              <a:rPr lang="en-US" sz="1600" b="0" i="0" u="none" strike="noStrike" cap="none" spc="0">
+                <a:solidFill>
+                  <a:srgbClr val="000000"/>
+                </a:solidFill>
+                <a:latin typeface="Arial"/>
+                <a:ea typeface="Arial"/>
+                <a:cs typeface="Arial"/>
+              </a:rPr>
+              <a:t>// initialization</a:t>
+            </a:r>
+            <a:endParaRPr lang="en-US" sz="1600" b="0" i="0" u="none" strike="noStrike" cap="none" spc="0">
+              <a:solidFill>
+                <a:srgbClr val="000000"/>
+              </a:solidFill>
+              <a:latin typeface="Arial"/>
+              <a:ea typeface="Arial"/>
+              <a:cs typeface="Arial"/>
+            </a:endParaRPr>
+          </a:p>
+          <a:p>
+            <a:pPr>
+              <a:defRPr/>
+            </a:pPr>
+            <a:endParaRPr lang="en-US" sz="1600" b="0" i="0" u="none" strike="noStrike" cap="none" spc="0">
+              <a:solidFill>
+                <a:srgbClr val="000000"/>
+              </a:solidFill>
+              <a:latin typeface="Arial"/>
+              <a:ea typeface="Arial"/>
+              <a:cs typeface="Arial"/>
+            </a:endParaRPr>
+          </a:p>
+          <a:p>
+            <a:pPr>
+              <a:defRPr/>
+            </a:pPr>
+            <a:r>
+              <a:rPr lang="en-US" sz="1600" b="0" i="0" u="none" strike="noStrike" cap="none" spc="0">
+                <a:solidFill>
+                  <a:srgbClr val="000000"/>
+                </a:solidFill>
+                <a:latin typeface="Arial"/>
+                <a:ea typeface="Arial"/>
+                <a:cs typeface="Arial"/>
+              </a:rPr>
+              <a:t>for i in 0...num_iterations:</a:t>
+            </a:r>
+            <a:endParaRPr lang="en-US" sz="1600" b="0" i="0" u="none" strike="noStrike" cap="none" spc="0">
+              <a:solidFill>
+                <a:srgbClr val="000000"/>
+              </a:solidFill>
+              <a:latin typeface="Arial"/>
+              <a:ea typeface="Arial"/>
+              <a:cs typeface="Arial"/>
+            </a:endParaRPr>
+          </a:p>
+          <a:p>
+            <a:pPr>
+              <a:defRPr/>
+            </a:pPr>
+            <a:r>
+              <a:rPr lang="en-US" sz="1600" b="0" i="0" u="none" strike="noStrike" cap="none" spc="0">
+                <a:solidFill>
+                  <a:srgbClr val="000000"/>
+                </a:solidFill>
+                <a:latin typeface="Arial"/>
+                <a:ea typeface="Arial"/>
+                <a:cs typeface="Arial"/>
+              </a:rPr>
+              <a:t>	MPI_Barrier();		// synchronization</a:t>
+            </a:r>
+            <a:endParaRPr lang="en-US" sz="1600" b="0" i="0" u="none" strike="noStrike" cap="none" spc="0">
+              <a:solidFill>
+                <a:srgbClr val="000000"/>
+              </a:solidFill>
+              <a:latin typeface="Arial"/>
+              <a:ea typeface="Arial"/>
+              <a:cs typeface="Arial"/>
+            </a:endParaRPr>
+          </a:p>
+          <a:p>
+            <a:pPr>
+              <a:defRPr/>
+            </a:pPr>
+            <a:endParaRPr lang="en-US" sz="1600" b="0" i="0" u="none" strike="noStrike" cap="none" spc="0">
+              <a:solidFill>
+                <a:srgbClr val="000000"/>
+              </a:solidFill>
+              <a:latin typeface="Arial"/>
+              <a:ea typeface="Arial"/>
+              <a:cs typeface="Arial"/>
+            </a:endParaRPr>
+          </a:p>
+          <a:p>
+            <a:pPr>
+              <a:defRPr/>
+            </a:pPr>
+            <a:r>
+              <a:rPr lang="en-US" sz="1600" b="0" i="0" u="none" strike="noStrike" cap="none" spc="0">
+                <a:solidFill>
+                  <a:srgbClr val="000000"/>
+                </a:solidFill>
+                <a:latin typeface="Arial"/>
+                <a:ea typeface="Arial"/>
+                <a:cs typeface="Arial"/>
+              </a:rPr>
+              <a:t>	s_i = MPI_Wtime();</a:t>
+            </a:r>
+            <a:endParaRPr lang="en-US" sz="1600" b="0" i="0" u="none" strike="noStrike" cap="none" spc="0">
+              <a:solidFill>
+                <a:srgbClr val="000000"/>
+              </a:solidFill>
+              <a:latin typeface="Arial"/>
+              <a:cs typeface="Arial"/>
+            </a:endParaRPr>
+          </a:p>
+          <a:p>
+            <a:pPr>
+              <a:defRPr/>
+            </a:pPr>
+            <a:endParaRPr lang="en-US" sz="1600" b="0" i="0" u="none" strike="noStrike" cap="none" spc="0">
+              <a:solidFill>
+                <a:srgbClr val="000000"/>
+              </a:solidFill>
+              <a:latin typeface="Arial"/>
+              <a:cs typeface="Arial"/>
+            </a:endParaRPr>
+          </a:p>
+          <a:p>
+            <a:pPr>
+              <a:defRPr/>
+            </a:pPr>
+            <a:r>
+              <a:rPr lang="en-US" sz="1600" b="0" i="0" u="none" strike="noStrike" cap="none" spc="0">
+                <a:solidFill>
+                  <a:srgbClr val="000000"/>
+                </a:solidFill>
+                <a:latin typeface="Arial"/>
+                <a:ea typeface="Arial"/>
+                <a:cs typeface="Arial"/>
+              </a:rPr>
+              <a:t>	MPI_Start(&amp;request);</a:t>
+            </a:r>
+            <a:endParaRPr lang="en-US" sz="1600" b="0" i="0" u="none" strike="noStrike" cap="none" spc="0">
+              <a:solidFill>
+                <a:srgbClr val="000000"/>
+              </a:solidFill>
+              <a:latin typeface="Arial"/>
+              <a:cs typeface="Arial"/>
+            </a:endParaRPr>
+          </a:p>
+          <a:p>
+            <a:pPr>
+              <a:defRPr/>
+            </a:pPr>
+            <a:endParaRPr lang="en-US" sz="1600" b="0" i="0" u="none" strike="noStrike" cap="none" spc="0">
+              <a:solidFill>
+                <a:srgbClr val="000000"/>
+              </a:solidFill>
+              <a:latin typeface="Arial"/>
+              <a:cs typeface="Arial"/>
+            </a:endParaRPr>
+          </a:p>
+          <a:p>
+            <a:pPr>
+              <a:defRPr/>
+            </a:pPr>
+            <a:r>
+              <a:rPr lang="en-US" sz="1600" b="0" i="0" u="none" strike="noStrike" cap="none" spc="0">
+                <a:solidFill>
+                  <a:srgbClr val="000000"/>
+                </a:solidFill>
+                <a:latin typeface="Arial"/>
+                <a:ea typeface="Arial"/>
+                <a:cs typeface="Arial"/>
+              </a:rPr>
+              <a:t>	for p in 0...partition_count in some order:</a:t>
+            </a:r>
+            <a:endParaRPr lang="en-US" sz="1600" b="0" i="0" u="none" strike="noStrike" cap="none" spc="0">
+              <a:solidFill>
+                <a:srgbClr val="000000"/>
+              </a:solidFill>
+              <a:latin typeface="Arial"/>
+              <a:cs typeface="Arial"/>
+            </a:endParaRPr>
+          </a:p>
+          <a:p>
+            <a:pPr>
+              <a:defRPr/>
+            </a:pPr>
+            <a:r>
+              <a:rPr lang="en-US" sz="1600" b="0" i="0" u="none" strike="noStrike" cap="none" spc="0">
+                <a:solidFill>
+                  <a:srgbClr val="000000"/>
+                </a:solidFill>
+                <a:latin typeface="Arial"/>
+                <a:ea typeface="Arial"/>
+                <a:cs typeface="Arial"/>
+              </a:rPr>
+              <a:t>		perform some MPI operation to send/receive partition p</a:t>
+            </a:r>
+            <a:endParaRPr lang="en-US" sz="1600" b="0" i="0" u="none" strike="noStrike" cap="none" spc="0">
+              <a:solidFill>
+                <a:srgbClr val="000000"/>
+              </a:solidFill>
+              <a:latin typeface="Arial"/>
+              <a:cs typeface="Arial"/>
+            </a:endParaRPr>
+          </a:p>
+          <a:p>
+            <a:pPr>
+              <a:defRPr/>
+            </a:pPr>
+            <a:endParaRPr lang="en-US" sz="1600" b="0" i="0" u="none" strike="noStrike" cap="none" spc="0">
+              <a:solidFill>
+                <a:srgbClr val="000000"/>
+              </a:solidFill>
+              <a:latin typeface="Arial"/>
+              <a:cs typeface="Arial"/>
+            </a:endParaRPr>
+          </a:p>
+          <a:p>
+            <a:pPr>
+              <a:defRPr/>
+            </a:pPr>
+            <a:r>
+              <a:rPr lang="en-US" sz="1600" b="0" i="0" u="none" strike="noStrike" cap="none" spc="0">
+                <a:solidFill>
+                  <a:srgbClr val="000000"/>
+                </a:solidFill>
+                <a:latin typeface="Arial"/>
+                <a:ea typeface="Arial"/>
+                <a:cs typeface="Arial"/>
+              </a:rPr>
+              <a:t>	MPI_Wait(&amp;request, &amp;result-&gt;send_status);</a:t>
+            </a:r>
+            <a:endParaRPr lang="en-US" sz="1600" b="0" i="0" u="none" strike="noStrike" cap="none" spc="0">
+              <a:solidFill>
+                <a:srgbClr val="000000"/>
+              </a:solidFill>
+              <a:latin typeface="Arial"/>
+              <a:cs typeface="Arial"/>
+            </a:endParaRPr>
+          </a:p>
+          <a:p>
+            <a:pPr>
+              <a:defRPr/>
+            </a:pPr>
+            <a:endParaRPr lang="en-US" sz="1600" b="0" i="0" u="none" strike="noStrike" cap="none" spc="0">
+              <a:solidFill>
+                <a:srgbClr val="000000"/>
+              </a:solidFill>
+              <a:latin typeface="Arial"/>
+              <a:cs typeface="Arial"/>
+            </a:endParaRPr>
+          </a:p>
+          <a:p>
+            <a:pPr>
+              <a:defRPr/>
+            </a:pPr>
+            <a:r>
+              <a:rPr lang="en-US" sz="1600" b="0" i="0" u="none" strike="noStrike" cap="none" spc="0">
+                <a:solidFill>
+                  <a:srgbClr val="000000"/>
+                </a:solidFill>
+                <a:latin typeface="Arial"/>
+                <a:ea typeface="Arial"/>
+                <a:cs typeface="Arial"/>
+              </a:rPr>
+              <a:t>	e_i = MPI_Wtime();</a:t>
+            </a:r>
+            <a:endParaRPr lang="en-US" sz="1600" b="0" i="0" u="none" strike="noStrike" cap="none" spc="0">
+              <a:solidFill>
+                <a:srgbClr val="000000"/>
+              </a:solidFill>
+              <a:latin typeface="Arial"/>
+              <a:ea typeface="Arial"/>
+              <a:cs typeface="Arial"/>
+            </a:endParaRPr>
+          </a:p>
+          <a:p>
+            <a:pPr>
+              <a:defRPr/>
+            </a:pPr>
+            <a:endParaRPr sz="1600"/>
+          </a:p>
+          <a:p>
+            <a:pPr>
+              <a:defRPr/>
+            </a:pPr>
+            <a:r>
+              <a:rPr lang="en-US" sz="1600" b="0" i="0" u="none" strike="noStrike" cap="none" spc="0">
+                <a:solidFill>
+                  <a:srgbClr val="000000"/>
+                </a:solidFill>
+                <a:latin typeface="Arial"/>
+                <a:ea typeface="Arial"/>
+                <a:cs typeface="Arial"/>
+              </a:rPr>
+              <a:t>// cleanup</a:t>
+            </a:r>
+            <a:endParaRPr sz="1600"/>
+          </a:p>
+        </p:txBody>
+      </p:sp>
     </p:spTree>
   </p:cSld>
   <p:clrMapOvr>
@@ -4243,7 +6596,7 @@
       </p:grpSpPr>
       <p:sp>
         <p:nvSpPr>
-          <p:cNvPr id="292049450" name=""/>
+          <p:cNvPr id="1737663699" name=""/>
           <p:cNvSpPr/>
           <p:nvPr/>
         </p:nvSpPr>
@@ -4289,7 +6642,7 @@
       </p:sp>
       <p:sp>
         <p:nvSpPr>
-          <p:cNvPr id="1087902788" name="PlaceHolder 4"/>
+          <p:cNvPr id="1220011510" name="PlaceHolder 3"/>
           <p:cNvSpPr/>
           <p:nvPr/>
         </p:nvSpPr>
@@ -4333,7 +6686,7 @@
                 </a:solidFill>
                 <a:latin typeface="Overpass"/>
               </a:rPr>
-              <a:t>Results: MPI_Win per partition</a:t>
+              <a:t>Experimental setup</a:t>
             </a:r>
             <a:endParaRPr lang="en-US" sz="2400" b="0" strike="noStrike" spc="0">
               <a:solidFill>
@@ -4346,7 +6699,7 @@
       </p:sp>
       <p:sp>
         <p:nvSpPr>
-          <p:cNvPr id="1025763947" name="PlaceHolder 1"/>
+          <p:cNvPr id="1750281474" name="PlaceHolder 1"/>
           <p:cNvSpPr>
             <a:spLocks noGrp="1"/>
           </p:cNvSpPr>
@@ -4361,36 +6714,73 @@
             <a:pPr>
               <a:defRPr/>
             </a:pPr>
-            <a:r>
-              <a:rPr/>
-              <a:t>IPTW 2023 - 5./6. October 2023</a:t>
-            </a:r>
             <a:endParaRPr/>
           </a:p>
         </p:txBody>
       </p:sp>
-      <p:pic>
-        <p:nvPicPr>
-          <p:cNvPr id="1794123491" name=""/>
-          <p:cNvPicPr>
-            <a:picLocks noChangeAspect="1"/>
-          </p:cNvPicPr>
+      <p:sp>
+        <p:nvSpPr>
+          <p:cNvPr id="1848410322" name=""/>
+          <p:cNvSpPr/>
           <p:nvPr/>
-        </p:nvPicPr>
-        <p:blipFill>
-          <a:blip r:embed="rId3"/>
-          <a:stretch/>
-        </p:blipFill>
+        </p:nvSpPr>
         <p:spPr bwMode="auto">
           <a:xfrm>
-            <a:off x="3047999" y="1143000"/>
-            <a:ext cx="6095999" cy="4572000"/>
+            <a:off x="838197" y="1523997"/>
+            <a:ext cx="10743480" cy="4571280"/>
           </a:xfrm>
           <a:prstGeom prst="rect">
             <a:avLst/>
           </a:prstGeom>
-        </p:spPr>
-      </p:pic>
+          <a:noFill/>
+          <a:ln w="0">
+            <a:noFill/>
+          </a:ln>
+        </p:spPr>
+        <p:style>
+          <a:lnRef idx="0"/>
+          <a:fillRef idx="0"/>
+          <a:effectRef idx="0"/>
+          <a:fontRef idx="minor"/>
+        </p:style>
+        <p:txBody>
+          <a:bodyPr lIns="90000" tIns="45000" rIns="90000" bIns="45000" anchor="t">
+            <a:noAutofit/>
+          </a:bodyPr>
+          <a:p>
+            <a:pPr marL="195764" indent="-195764">
+              <a:buFont typeface="Arial"/>
+              <a:buChar char="•"/>
+              <a:defRPr/>
+            </a:pPr>
+            <a:r>
+              <a:rPr sz="1600"/>
+              <a:t>2 nodes on HAWK with one mpi process each</a:t>
+            </a:r>
+            <a:endParaRPr sz="1600"/>
+          </a:p>
+          <a:p>
+            <a:pPr marL="195764" indent="-195764">
+              <a:buFont typeface="Arial"/>
+              <a:buChar char="•"/>
+              <a:defRPr/>
+            </a:pPr>
+            <a:r>
+              <a:rPr sz="1600"/>
+              <a:t>Fixed buffer size of 8MiB</a:t>
+            </a:r>
+            <a:endParaRPr sz="1600"/>
+          </a:p>
+          <a:p>
+            <a:pPr marL="195764" indent="-195764">
+              <a:buFont typeface="Arial"/>
+              <a:buChar char="•"/>
+              <a:defRPr/>
+            </a:pPr>
+            <a:endParaRPr sz="1600"/>
+          </a:p>
+        </p:txBody>
+      </p:sp>
     </p:spTree>
   </p:cSld>
   <p:clrMapOvr>
@@ -4426,7 +6816,7 @@
       </p:grpSpPr>
       <p:sp>
         <p:nvSpPr>
-          <p:cNvPr id="1341684995" name=""/>
+          <p:cNvPr id="354304027" name=""/>
           <p:cNvSpPr/>
           <p:nvPr/>
         </p:nvSpPr>
@@ -4472,14 +6862,14 @@
       </p:sp>
       <p:sp>
         <p:nvSpPr>
-          <p:cNvPr id="1215404972" name="PlaceHolder 4"/>
+          <p:cNvPr id="582719015" name="PlaceHolder 3"/>
           <p:cNvSpPr/>
           <p:nvPr/>
         </p:nvSpPr>
         <p:spPr bwMode="auto">
-          <a:xfrm flipH="0" flipV="0">
+          <a:xfrm>
             <a:off x="624240" y="479880"/>
-            <a:ext cx="8572923" cy="610200"/>
+            <a:ext cx="8068320" cy="610200"/>
           </a:xfrm>
           <a:prstGeom prst="rect">
             <a:avLst/>
@@ -4516,7 +6906,7 @@
                 </a:solidFill>
                 <a:latin typeface="Overpass"/>
               </a:rPr>
-              <a:t>Results: MPI_Win for entire buffer, MPI_Put per partition</a:t>
+              <a:t>Benchmarks</a:t>
             </a:r>
             <a:endParaRPr lang="en-US" sz="2400" b="0" strike="noStrike" spc="0">
               <a:solidFill>
@@ -4529,7 +6919,7 @@
       </p:sp>
       <p:sp>
         <p:nvSpPr>
-          <p:cNvPr id="1109303359" name="PlaceHolder 1"/>
+          <p:cNvPr id="1756453908" name="PlaceHolder 1"/>
           <p:cNvSpPr>
             <a:spLocks noGrp="1"/>
           </p:cNvSpPr>
@@ -4544,36 +6934,177 @@
             <a:pPr>
               <a:defRPr/>
             </a:pPr>
-            <a:r>
-              <a:rPr/>
-              <a:t>IPTW 2023 - 5./6. October 2023</a:t>
-            </a:r>
             <a:endParaRPr/>
           </a:p>
         </p:txBody>
       </p:sp>
-      <p:pic>
-        <p:nvPicPr>
-          <p:cNvPr id="1398425210" name=""/>
-          <p:cNvPicPr>
-            <a:picLocks noChangeAspect="1"/>
-          </p:cNvPicPr>
+      <p:sp>
+        <p:nvSpPr>
+          <p:cNvPr id="100202674" name=""/>
+          <p:cNvSpPr txBox="1"/>
           <p:nvPr/>
-        </p:nvPicPr>
-        <p:blipFill>
-          <a:blip r:embed="rId3"/>
-          <a:stretch/>
-        </p:blipFill>
+        </p:nvSpPr>
+        <p:spPr bwMode="auto">
+          <a:xfrm flipH="0" flipV="0">
+            <a:off x="1230872" y="1757037"/>
+            <a:ext cx="7444296" cy="244198"/>
+          </a:xfrm>
+          <a:prstGeom prst="rect">
+            <a:avLst/>
+          </a:prstGeom>
+          <a:noFill/>
+        </p:spPr>
+        <p:txBody>
+          <a:bodyPr vertOverflow="overflow" horzOverflow="overflow" vert="horz" wrap="square" lIns="91440" tIns="45720" rIns="91440" bIns="45720" numCol="1" spcCol="0" rtlCol="0" fromWordArt="0" anchor="t" anchorCtr="0" forceAA="0" upright="0" compatLnSpc="0">
+            <a:spAutoFit/>
+          </a:bodyPr>
+          <a:p>
+            <a:pPr>
+              <a:defRPr/>
+            </a:pPr>
+            <a:endParaRPr/>
+          </a:p>
+        </p:txBody>
+      </p:sp>
+      <p:sp>
+        <p:nvSpPr>
+          <p:cNvPr id="1259530350" name=""/>
+          <p:cNvSpPr/>
+          <p:nvPr/>
+        </p:nvSpPr>
         <p:spPr bwMode="auto">
           <a:xfrm>
-            <a:off x="3047999" y="1143000"/>
-            <a:ext cx="6095999" cy="4572000"/>
+            <a:off x="838198" y="1523999"/>
+            <a:ext cx="10743480" cy="4571280"/>
           </a:xfrm>
           <a:prstGeom prst="rect">
             <a:avLst/>
           </a:prstGeom>
-        </p:spPr>
-      </p:pic>
+          <a:noFill/>
+          <a:ln w="0">
+            <a:noFill/>
+          </a:ln>
+        </p:spPr>
+        <p:style>
+          <a:lnRef idx="0"/>
+          <a:fillRef idx="0"/>
+          <a:effectRef idx="0"/>
+          <a:fontRef idx="minor"/>
+        </p:style>
+        <p:txBody>
+          <a:bodyPr lIns="90000" tIns="45000" rIns="90000" bIns="45000" anchor="t">
+            <a:noAutofit/>
+          </a:bodyPr>
+          <a:p>
+            <a:pPr marL="239821" indent="-239821">
+              <a:buFont typeface="Arial"/>
+              <a:buChar char="•"/>
+              <a:defRPr/>
+            </a:pPr>
+            <a:r>
+              <a:rPr sz="1400"/>
+              <a:t>MPI_Send() -&gt; MPI_Recv()</a:t>
+            </a:r>
+            <a:endParaRPr sz="1400"/>
+          </a:p>
+          <a:p>
+            <a:pPr marL="239821" indent="-239821">
+              <a:buFont typeface="Arial"/>
+              <a:buChar char="•"/>
+              <a:defRPr/>
+            </a:pPr>
+            <a:r>
+              <a:rPr sz="1400"/>
+              <a:t>MPI_Isend() -&gt; MPI_Irecv()</a:t>
+            </a:r>
+            <a:endParaRPr sz="1400"/>
+          </a:p>
+          <a:p>
+            <a:pPr marL="239821" indent="-239821">
+              <a:buFont typeface="Arial"/>
+              <a:buChar char="•"/>
+              <a:defRPr/>
+            </a:pPr>
+            <a:r>
+              <a:rPr sz="1400"/>
+              <a:t>MPI_Isend(), MPI_Test() -&gt; MPI_Irecv()</a:t>
+            </a:r>
+            <a:endParaRPr sz="1400"/>
+          </a:p>
+          <a:p>
+            <a:pPr marL="239820" indent="-239820">
+              <a:buFont typeface="Arial"/>
+              <a:buChar char="•"/>
+              <a:defRPr/>
+            </a:pPr>
+            <a:r>
+              <a:rPr sz="1400"/>
+              <a:t>MPI_Psend()</a:t>
+            </a:r>
+            <a:endParaRPr sz="1400"/>
+          </a:p>
+          <a:p>
+            <a:pPr marL="239820" indent="-239820">
+              <a:buFont typeface="Arial"/>
+              <a:buChar char="•"/>
+              <a:defRPr/>
+            </a:pPr>
+            <a:r>
+              <a:rPr sz="1400"/>
+              <a:t>MPI_Psend(), MPI_Request_get_status()</a:t>
+            </a:r>
+            <a:endParaRPr sz="1400"/>
+          </a:p>
+          <a:p>
+            <a:pPr marL="239820" indent="-239820">
+              <a:buFont typeface="Arial"/>
+              <a:buChar char="•"/>
+              <a:defRPr/>
+            </a:pPr>
+            <a:r>
+              <a:rPr sz="1400"/>
+              <a:t>MPI_Psend(), additional thread calling MPI_Request_get_status()</a:t>
+            </a:r>
+            <a:endParaRPr sz="1400"/>
+          </a:p>
+          <a:p>
+            <a:pPr marL="239820" indent="-239820">
+              <a:buFont typeface="Arial"/>
+              <a:buChar char="•"/>
+              <a:defRPr/>
+            </a:pPr>
+            <a:r>
+              <a:rPr sz="1400"/>
+              <a:t>Multiple threads calling MPI_Psend()</a:t>
+            </a:r>
+            <a:endParaRPr sz="1400"/>
+          </a:p>
+          <a:p>
+            <a:pPr marL="239820" indent="-239820">
+              <a:buFont typeface="Arial"/>
+              <a:buChar char="•"/>
+              <a:defRPr/>
+            </a:pPr>
+            <a:r>
+              <a:rPr sz="1400"/>
+              <a:t>MPI_Win, MPI_Put() for each partition</a:t>
+            </a:r>
+            <a:endParaRPr sz="1400"/>
+          </a:p>
+          <a:p>
+            <a:pPr marL="239820" indent="-239820">
+              <a:buFont typeface="Arial"/>
+              <a:buChar char="•"/>
+              <a:defRPr/>
+            </a:pPr>
+            <a:r>
+              <a:rPr sz="1400"/>
+              <a:t>MPI_Win for each partition</a:t>
+            </a:r>
+            <a:endParaRPr sz="1400"/>
+          </a:p>
+        </p:txBody>
+      </p:sp>
     </p:spTree>
   </p:cSld>
   <p:clrMapOvr>
@@ -4609,7 +7140,7 @@
       </p:grpSpPr>
       <p:sp>
         <p:nvSpPr>
-          <p:cNvPr id="873288713" name=""/>
+          <p:cNvPr id="374" name=""/>
           <p:cNvSpPr/>
           <p:nvPr/>
         </p:nvSpPr>
@@ -4643,7 +7174,7 @@
               </a:lnSpc>
               <a:defRPr/>
             </a:pPr>
-            <a:endParaRPr lang="en-US" sz="1800" b="0" strike="noStrike" spc="0">
+            <a:endParaRPr lang="en-US" sz="1800" b="0" strike="noStrike" spc="-1">
               <a:solidFill>
                 <a:srgbClr val="000000"/>
               </a:solidFill>
@@ -4655,7 +7186,7 @@
       </p:sp>
       <p:sp>
         <p:nvSpPr>
-          <p:cNvPr id="1147375821" name="PlaceHolder 4"/>
+          <p:cNvPr id="375" name="PlaceHolder 4"/>
           <p:cNvSpPr/>
           <p:nvPr/>
         </p:nvSpPr>
@@ -4693,15 +7224,15 @@
               <a:defRPr/>
             </a:pPr>
             <a:r>
-              <a:rPr lang="de-DE" sz="2400" b="1" strike="noStrike" spc="0">
+              <a:rPr lang="de-DE" sz="2400" b="1" strike="noStrike" spc="-1">
                 <a:solidFill>
                   <a:srgbClr val="1D3D91"/>
                 </a:solidFill>
                 <a:latin typeface="Overpass"/>
               </a:rPr>
-              <a:t>Results: Psend on MPICH-4.1.2</a:t>
-            </a:r>
-            <a:endParaRPr lang="en-US" sz="2400" b="0" strike="noStrike" spc="0">
+              <a:t>Results: Send-&gt;Recv</a:t>
+            </a:r>
+            <a:endParaRPr lang="en-US" sz="2400" b="0" strike="noStrike" spc="-1">
               <a:solidFill>
                 <a:srgbClr val="000000"/>
               </a:solidFill>
@@ -4712,7 +7243,7 @@
       </p:sp>
       <p:sp>
         <p:nvSpPr>
-          <p:cNvPr id="1909495212" name="PlaceHolder 1"/>
+          <p:cNvPr id="2" name="PlaceHolder 1"/>
           <p:cNvSpPr>
             <a:spLocks noGrp="1"/>
           </p:cNvSpPr>
@@ -4727,17 +7258,13 @@
             <a:pPr>
               <a:defRPr/>
             </a:pPr>
-            <a:r>
-              <a:rPr/>
-              <a:t>IPTW 2023 - 5./6. October 2023</a:t>
-            </a:r>
             <a:endParaRPr/>
           </a:p>
         </p:txBody>
       </p:sp>
       <p:pic>
         <p:nvPicPr>
-          <p:cNvPr id="738709411" name=""/>
+          <p:cNvPr id="633920107" name=""/>
           <p:cNvPicPr>
             <a:picLocks noChangeAspect="1"/>
           </p:cNvPicPr>
@@ -4748,9 +7275,9 @@
           <a:stretch/>
         </p:blipFill>
         <p:spPr bwMode="auto">
-          <a:xfrm flipH="0" flipV="0">
-            <a:off x="3085311" y="1263078"/>
-            <a:ext cx="6021376" cy="4698189"/>
+          <a:xfrm>
+            <a:off x="3047999" y="1143000"/>
+            <a:ext cx="6095999" cy="4572000"/>
           </a:xfrm>
           <a:prstGeom prst="rect">
             <a:avLst/>
@@ -4792,18 +7319,14 @@
       </p:grpSpPr>
       <p:sp>
         <p:nvSpPr>
-          <p:cNvPr id="376" name="PlaceHolder 1"/>
-          <p:cNvSpPr>
-            <a:spLocks noGrp="1"/>
-          </p:cNvSpPr>
-          <p:nvPr>
-            <p:ph type="title"/>
-          </p:nvPr>
+          <p:cNvPr id="1697342494" name=""/>
+          <p:cNvSpPr/>
+          <p:nvPr/>
         </p:nvSpPr>
         <p:spPr bwMode="auto">
           <a:xfrm>
-            <a:off x="623879" y="479880"/>
-            <a:ext cx="8068320" cy="610200"/>
+            <a:off x="685800" y="1371600"/>
+            <a:ext cx="10743480" cy="4571280"/>
           </a:xfrm>
           <a:prstGeom prst="rect">
             <a:avLst/>
@@ -4813,34 +7336,82 @@
             <a:noFill/>
           </a:ln>
         </p:spPr>
+        <p:style>
+          <a:lnRef idx="0"/>
+          <a:fillRef idx="0"/>
+          <a:effectRef idx="0"/>
+          <a:fontRef idx="minor"/>
+        </p:style>
+        <p:txBody>
+          <a:bodyPr lIns="90000" tIns="45000" rIns="90000" bIns="45000" anchor="t">
+            <a:noAutofit/>
+          </a:bodyPr>
+          <a:p>
+            <a:pPr>
+              <a:lnSpc>
+                <a:spcPct val="100000"/>
+              </a:lnSpc>
+              <a:defRPr/>
+            </a:pPr>
+            <a:endParaRPr lang="en-US" sz="1800" b="0" strike="noStrike" spc="0">
+              <a:solidFill>
+                <a:srgbClr val="000000"/>
+              </a:solidFill>
+              <a:latin typeface="Arial"/>
+              <a:ea typeface="DejaVu Sans"/>
+            </a:endParaRPr>
+          </a:p>
+        </p:txBody>
+      </p:sp>
+      <p:sp>
+        <p:nvSpPr>
+          <p:cNvPr id="1185257238" name="PlaceHolder 4"/>
+          <p:cNvSpPr/>
+          <p:nvPr/>
+        </p:nvSpPr>
+        <p:spPr bwMode="auto">
+          <a:xfrm>
+            <a:off x="624240" y="479880"/>
+            <a:ext cx="8068320" cy="610200"/>
+          </a:xfrm>
+          <a:prstGeom prst="rect">
+            <a:avLst/>
+          </a:prstGeom>
+          <a:noFill/>
+          <a:ln w="0">
+            <a:noFill/>
+          </a:ln>
+        </p:spPr>
+        <p:style>
+          <a:lnRef idx="0"/>
+          <a:fillRef idx="0"/>
+          <a:effectRef idx="0"/>
+          <a:fontRef idx="minor"/>
+        </p:style>
         <p:txBody>
           <a:bodyPr lIns="0" tIns="0" rIns="0" bIns="0" anchor="b">
             <a:noAutofit/>
           </a:bodyPr>
           <a:p>
-            <a:pPr indent="0">
+            <a:pPr>
               <a:lnSpc>
                 <a:spcPct val="90000"/>
               </a:lnSpc>
-              <a:buNone/>
               <a:tabLst>
                 <a:tab pos="0" algn="l"/>
               </a:tabLst>
               <a:defRPr/>
             </a:pPr>
             <a:r>
-              <a:rPr lang="de-DE" sz="2400" b="1" strike="noStrike" spc="-1">
+              <a:rPr lang="de-DE" sz="2400" b="1" strike="noStrike" spc="0">
                 <a:solidFill>
                   <a:srgbClr val="1D3D91"/>
                 </a:solidFill>
                 <a:latin typeface="Overpass"/>
               </a:rPr>
-              <a:t>Program Day 2:</a:t>
-            </a:r>
-            <a:br>
-              <a:rPr sz="2400"/>
-            </a:br>
-            <a:endParaRPr lang="en-US" sz="2400" b="0" strike="noStrike" spc="-1">
+              <a:t>Results: Isend vs Psend</a:t>
+            </a:r>
+            <a:endParaRPr lang="en-US" sz="2400" b="0" strike="noStrike" spc="0">
               <a:solidFill>
                 <a:srgbClr val="000000"/>
               </a:solidFill>
@@ -4849,10 +7420,33 @@
           </a:p>
         </p:txBody>
       </p:sp>
+      <p:sp>
+        <p:nvSpPr>
+          <p:cNvPr id="1608010806" name="PlaceHolder 1"/>
+          <p:cNvSpPr>
+            <a:spLocks noGrp="1"/>
+          </p:cNvSpPr>
+          <p:nvPr>
+            <p:ph type="ftr" idx="16"/>
+          </p:nvPr>
+        </p:nvSpPr>
+        <p:spPr bwMode="auto"/>
+        <p:txBody>
+          <a:bodyPr/>
+          <a:p>
+            <a:pPr>
+              <a:defRPr/>
+            </a:pPr>
+            <a:endParaRPr/>
+          </a:p>
+        </p:txBody>
+      </p:sp>
       <p:pic>
         <p:nvPicPr>
-          <p:cNvPr id="377" name="" descr=""/>
-          <p:cNvPicPr/>
+          <p:cNvPr id="1691696346" name=""/>
+          <p:cNvPicPr>
+            <a:picLocks noChangeAspect="1"/>
+          </p:cNvPicPr>
           <p:nvPr/>
         </p:nvPicPr>
         <p:blipFill>
@@ -4861,42 +7455,14 @@
         </p:blipFill>
         <p:spPr bwMode="auto">
           <a:xfrm>
-            <a:off x="900000" y="848160"/>
-            <a:ext cx="6118560" cy="5369760"/>
+            <a:off x="3047999" y="1143000"/>
+            <a:ext cx="6095999" cy="4572000"/>
           </a:xfrm>
           <a:prstGeom prst="rect">
             <a:avLst/>
           </a:prstGeom>
-          <a:ln w="0">
-            <a:noFill/>
-          </a:ln>
         </p:spPr>
       </p:pic>
-      <p:sp>
-        <p:nvSpPr>
-          <p:cNvPr id="3" name="PlaceHolder 2"/>
-          <p:cNvSpPr>
-            <a:spLocks noGrp="1"/>
-          </p:cNvSpPr>
-          <p:nvPr>
-            <p:ph type="ftr" idx="16"/>
-          </p:nvPr>
-        </p:nvSpPr>
-        <p:spPr bwMode="auto"/>
-        <p:txBody>
-          <a:bodyPr/>
-          <a:p>
-            <a:pPr>
-              <a:defRPr/>
-            </a:pPr>
-            <a:r>
-              <a:rPr/>
-              <a:t>IPTW 2023 - 5./6. October 2023</a:t>
-            </a:r>
-            <a:endParaRPr/>
-          </a:p>
-        </p:txBody>
-      </p:sp>
     </p:spTree>
   </p:cSld>
   <p:clrMapOvr>
@@ -4932,126 +7498,14 @@
       </p:grpSpPr>
       <p:sp>
         <p:nvSpPr>
-          <p:cNvPr id="378" name="PlaceHolder 1"/>
-          <p:cNvSpPr>
-            <a:spLocks noGrp="1"/>
-          </p:cNvSpPr>
-          <p:nvPr>
-            <p:ph type="title"/>
-          </p:nvPr>
-        </p:nvSpPr>
-        <p:spPr bwMode="auto">
-          <a:xfrm>
-            <a:off x="623160" y="4437000"/>
-            <a:ext cx="10514160" cy="542160"/>
-          </a:xfrm>
-          <a:prstGeom prst="rect">
-            <a:avLst/>
-          </a:prstGeom>
-          <a:noFill/>
-          <a:ln w="0">
-            <a:noFill/>
-          </a:ln>
-        </p:spPr>
-        <p:txBody>
-          <a:bodyPr lIns="0" tIns="0" rIns="0" bIns="0" anchor="t">
-            <a:noAutofit/>
-          </a:bodyPr>
-          <a:p>
-            <a:pPr indent="0">
-              <a:lnSpc>
-                <a:spcPct val="90000"/>
-              </a:lnSpc>
-              <a:buNone/>
-              <a:tabLst>
-                <a:tab pos="0" algn="l"/>
-              </a:tabLst>
-              <a:defRPr/>
-            </a:pPr>
-            <a:r>
-              <a:rPr lang="de-DE" sz="3300" b="1" strike="noStrike" spc="-1">
-                <a:solidFill>
-                  <a:srgbClr val="FFFFFF"/>
-                </a:solidFill>
-                <a:latin typeface="Overpass"/>
-              </a:rPr>
-              <a:t>IPTW 2023</a:t>
-            </a:r>
-            <a:endParaRPr lang="en-US" sz="3300" b="0" strike="noStrike" spc="-1">
-              <a:solidFill>
-                <a:srgbClr val="000000"/>
-              </a:solidFill>
-              <a:latin typeface="Arial"/>
-            </a:endParaRPr>
-          </a:p>
-        </p:txBody>
-      </p:sp>
-      <p:sp>
-        <p:nvSpPr>
-          <p:cNvPr id="379" name="PlaceHolder 2"/>
-          <p:cNvSpPr>
-            <a:spLocks noGrp="1"/>
-          </p:cNvSpPr>
-          <p:nvPr>
-            <p:ph/>
-          </p:nvPr>
-        </p:nvSpPr>
-        <p:spPr bwMode="auto">
-          <a:xfrm>
-            <a:off x="623879" y="5419800"/>
-            <a:ext cx="7488360" cy="862560"/>
-          </a:xfrm>
-          <a:prstGeom prst="rect">
-            <a:avLst/>
-          </a:prstGeom>
-          <a:noFill/>
-          <a:ln w="0">
-            <a:noFill/>
-          </a:ln>
-        </p:spPr>
-        <p:txBody>
-          <a:bodyPr lIns="0" tIns="0" rIns="0" bIns="0" anchor="t">
-            <a:noAutofit/>
-          </a:bodyPr>
-          <a:p>
-            <a:pPr indent="0">
-              <a:lnSpc>
-                <a:spcPct val="90000"/>
-              </a:lnSpc>
-              <a:buNone/>
-              <a:tabLst>
-                <a:tab pos="0" algn="l"/>
-              </a:tabLst>
-              <a:defRPr/>
-            </a:pPr>
-            <a:r>
-              <a:rPr lang="de-DE" sz="1800" b="1" strike="noStrike" spc="-1">
-                <a:solidFill>
-                  <a:srgbClr val="FFFFFF"/>
-                </a:solidFill>
-                <a:latin typeface="Overpass"/>
-              </a:rPr>
-              <a:t>International Parallel Tools Workshop, 5./6. October 2023</a:t>
-            </a:r>
-            <a:endParaRPr lang="en-US" sz="1800" b="0" strike="noStrike" spc="-1">
-              <a:solidFill>
-                <a:srgbClr val="000000"/>
-              </a:solidFill>
-              <a:latin typeface="Arial"/>
-            </a:endParaRPr>
-          </a:p>
-        </p:txBody>
-      </p:sp>
-      <p:sp>
-        <p:nvSpPr>
-          <p:cNvPr id="380" name="Titel 1"/>
+          <p:cNvPr id="1626556657" name=""/>
           <p:cNvSpPr/>
           <p:nvPr/>
         </p:nvSpPr>
         <p:spPr bwMode="auto">
           <a:xfrm>
-            <a:off x="3600000" y="3164760"/>
-            <a:ext cx="7738920" cy="542160"/>
+            <a:off x="685800" y="1371600"/>
+            <a:ext cx="10743480" cy="4571280"/>
           </a:xfrm>
           <a:prstGeom prst="rect">
             <a:avLst/>
@@ -5068,7 +7522,53 @@
           <a:fontRef idx="minor"/>
         </p:style>
         <p:txBody>
-          <a:bodyPr lIns="0" tIns="0" rIns="0" bIns="0" anchor="t">
+          <a:bodyPr lIns="90000" tIns="45000" rIns="90000" bIns="45000" anchor="t">
+            <a:noAutofit/>
+          </a:bodyPr>
+          <a:p>
+            <a:pPr>
+              <a:lnSpc>
+                <a:spcPct val="100000"/>
+              </a:lnSpc>
+              <a:defRPr/>
+            </a:pPr>
+            <a:endParaRPr lang="en-US" sz="1800" b="0" strike="noStrike" spc="0">
+              <a:solidFill>
+                <a:srgbClr val="000000"/>
+              </a:solidFill>
+              <a:latin typeface="Arial"/>
+              <a:ea typeface="DejaVu Sans"/>
+            </a:endParaRPr>
+          </a:p>
+        </p:txBody>
+      </p:sp>
+      <p:sp>
+        <p:nvSpPr>
+          <p:cNvPr id="515706703" name="PlaceHolder 4"/>
+          <p:cNvSpPr/>
+          <p:nvPr/>
+        </p:nvSpPr>
+        <p:spPr bwMode="auto">
+          <a:xfrm>
+            <a:off x="624240" y="479880"/>
+            <a:ext cx="8068320" cy="610200"/>
+          </a:xfrm>
+          <a:prstGeom prst="rect">
+            <a:avLst/>
+          </a:prstGeom>
+          <a:noFill/>
+          <a:ln w="0">
+            <a:noFill/>
+          </a:ln>
+        </p:spPr>
+        <p:style>
+          <a:lnRef idx="0"/>
+          <a:fillRef idx="0"/>
+          <a:effectRef idx="0"/>
+          <a:fontRef idx="minor"/>
+        </p:style>
+        <p:txBody>
+          <a:bodyPr lIns="0" tIns="0" rIns="0" bIns="0" anchor="b">
             <a:noAutofit/>
           </a:bodyPr>
           <a:p>
@@ -5076,19 +7576,21 @@
               <a:lnSpc>
                 <a:spcPct val="90000"/>
               </a:lnSpc>
-              <a:defRPr/>
-            </a:pPr>
-            <a:r>
-              <a:rPr lang="de-DE" sz="4800" b="1" strike="noStrike" spc="-1">
+              <a:tabLst>
+                <a:tab pos="0" algn="l"/>
+              </a:tabLst>
+              <a:defRPr/>
+            </a:pPr>
+            <a:r>
+              <a:rPr lang="de-DE" sz="2400" b="1" strike="noStrike" spc="0">
                 <a:solidFill>
-                  <a:srgbClr val="FFFFFF"/>
+                  <a:srgbClr val="1D3D91"/>
                 </a:solidFill>
                 <a:latin typeface="Overpass"/>
-                <a:ea typeface="DejaVu Sans"/>
               </a:rPr>
-              <a:t>Thanks for participating!</a:t>
-            </a:r>
-            <a:endParaRPr lang="en-US" sz="4800" b="0" strike="noStrike" spc="-1">
+              <a:t>Results: Isend vs Psend (8 threads)</a:t>
+            </a:r>
+            <a:endParaRPr lang="en-US" sz="2400" b="0" strike="noStrike" spc="0">
               <a:solidFill>
                 <a:srgbClr val="000000"/>
               </a:solidFill>
@@ -5097,6 +7599,407 @@
           </a:p>
         </p:txBody>
       </p:sp>
+      <p:sp>
+        <p:nvSpPr>
+          <p:cNvPr id="1923019789" name="PlaceHolder 1"/>
+          <p:cNvSpPr>
+            <a:spLocks noGrp="1"/>
+          </p:cNvSpPr>
+          <p:nvPr>
+            <p:ph type="ftr" idx="16"/>
+          </p:nvPr>
+        </p:nvSpPr>
+        <p:spPr bwMode="auto"/>
+        <p:txBody>
+          <a:bodyPr/>
+          <a:p>
+            <a:pPr>
+              <a:defRPr/>
+            </a:pPr>
+            <a:endParaRPr/>
+          </a:p>
+        </p:txBody>
+      </p:sp>
+      <p:pic>
+        <p:nvPicPr>
+          <p:cNvPr id="134389715" name=""/>
+          <p:cNvPicPr>
+            <a:picLocks noChangeAspect="1"/>
+          </p:cNvPicPr>
+          <p:nvPr/>
+        </p:nvPicPr>
+        <p:blipFill>
+          <a:blip r:embed="rId3"/>
+          <a:stretch/>
+        </p:blipFill>
+        <p:spPr bwMode="auto">
+          <a:xfrm>
+            <a:off x="3047999" y="1143000"/>
+            <a:ext cx="6095999" cy="4572000"/>
+          </a:xfrm>
+          <a:prstGeom prst="rect">
+            <a:avLst/>
+          </a:prstGeom>
+        </p:spPr>
+      </p:pic>
+    </p:spTree>
+  </p:cSld>
+  <p:clrMapOvr>
+    <a:masterClrMapping/>
+  </p:clrMapOvr>
+  <mc:AlternateContent xmlns:mc="http://schemas.openxmlformats.org/markup-compatibility/2006">
+    <mc:Choice xmlns:p159="http://schemas.microsoft.com/office/powerpoint/2015/09/main" xmlns:p14="http://schemas.microsoft.com/office/powerpoint/2010/main" Requires="p159">
+      <p:transition p14:dur="2000" advClick="1"/>
+    </mc:Choice>
+    <mc:Fallback>
+      <p:transition advClick="1"/>
+    </mc:Fallback>
+  </mc:AlternateContent>
+</p:sld>
+</file>
+
+<file path=ppt/slides/slide18.xml><?xml version="1.0" encoding="utf-8"?>
+<p:sld xmlns:a="http://schemas.openxmlformats.org/drawingml/2006/main" xmlns:r="http://schemas.openxmlformats.org/officeDocument/2006/relationships" xmlns:p="http://schemas.openxmlformats.org/presentationml/2006/main" xmlns:m="http://schemas.openxmlformats.org/officeDocument/2006/math" xmlns:w="http://schemas.openxmlformats.org/wordprocessingml/2006/main" showMasterPhAnim="0" show="1">
+  <p:cSld name="">
+    <p:spTree>
+      <p:nvGrpSpPr>
+        <p:cNvPr id="1" name=""/>
+        <p:cNvGrpSpPr/>
+        <p:nvPr/>
+      </p:nvGrpSpPr>
+      <p:grpSpPr bwMode="auto">
+        <a:xfrm>
+          <a:off x="0" y="0"/>
+          <a:ext cx="0" cy="0"/>
+          <a:chOff x="0" y="0"/>
+          <a:chExt cx="0" cy="0"/>
+        </a:xfrm>
+      </p:grpSpPr>
+      <p:sp>
+        <p:nvSpPr>
+          <p:cNvPr id="356062097" name=""/>
+          <p:cNvSpPr/>
+          <p:nvPr/>
+        </p:nvSpPr>
+        <p:spPr bwMode="auto">
+          <a:xfrm>
+            <a:off x="685800" y="1371600"/>
+            <a:ext cx="10743480" cy="4571280"/>
+          </a:xfrm>
+          <a:prstGeom prst="rect">
+            <a:avLst/>
+          </a:prstGeom>
+          <a:noFill/>
+          <a:ln w="0">
+            <a:noFill/>
+          </a:ln>
+        </p:spPr>
+        <p:style>
+          <a:lnRef idx="0"/>
+          <a:fillRef idx="0"/>
+          <a:effectRef idx="0"/>
+          <a:fontRef idx="minor"/>
+        </p:style>
+        <p:txBody>
+          <a:bodyPr lIns="90000" tIns="45000" rIns="90000" bIns="45000" anchor="t">
+            <a:noAutofit/>
+          </a:bodyPr>
+          <a:p>
+            <a:pPr>
+              <a:lnSpc>
+                <a:spcPct val="100000"/>
+              </a:lnSpc>
+              <a:defRPr/>
+            </a:pPr>
+            <a:endParaRPr lang="en-US" sz="1800" b="0" strike="noStrike" spc="0">
+              <a:solidFill>
+                <a:srgbClr val="000000"/>
+              </a:solidFill>
+              <a:latin typeface="Arial"/>
+              <a:ea typeface="DejaVu Sans"/>
+            </a:endParaRPr>
+          </a:p>
+        </p:txBody>
+      </p:sp>
+      <p:sp>
+        <p:nvSpPr>
+          <p:cNvPr id="46706096" name="PlaceHolder 4"/>
+          <p:cNvSpPr/>
+          <p:nvPr/>
+        </p:nvSpPr>
+        <p:spPr bwMode="auto">
+          <a:xfrm>
+            <a:off x="624240" y="479880"/>
+            <a:ext cx="8068320" cy="610200"/>
+          </a:xfrm>
+          <a:prstGeom prst="rect">
+            <a:avLst/>
+          </a:prstGeom>
+          <a:noFill/>
+          <a:ln w="0">
+            <a:noFill/>
+          </a:ln>
+        </p:spPr>
+        <p:style>
+          <a:lnRef idx="0"/>
+          <a:fillRef idx="0"/>
+          <a:effectRef idx="0"/>
+          <a:fontRef idx="minor"/>
+        </p:style>
+        <p:txBody>
+          <a:bodyPr lIns="0" tIns="0" rIns="0" bIns="0" anchor="b">
+            <a:noAutofit/>
+          </a:bodyPr>
+          <a:p>
+            <a:pPr>
+              <a:lnSpc>
+                <a:spcPct val="90000"/>
+              </a:lnSpc>
+              <a:tabLst>
+                <a:tab pos="0" algn="l"/>
+              </a:tabLst>
+              <a:defRPr/>
+            </a:pPr>
+            <a:r>
+              <a:rPr lang="de-DE" sz="2400" b="1" strike="noStrike" spc="0">
+                <a:solidFill>
+                  <a:srgbClr val="1D3D91"/>
+                </a:solidFill>
+                <a:latin typeface="Overpass"/>
+              </a:rPr>
+              <a:t>Results: ISend-&gt;IRecv</a:t>
+            </a:r>
+            <a:endParaRPr lang="en-US" sz="2400" b="0" strike="noStrike" spc="0">
+              <a:solidFill>
+                <a:srgbClr val="000000"/>
+              </a:solidFill>
+              <a:latin typeface="Arial"/>
+            </a:endParaRPr>
+          </a:p>
+        </p:txBody>
+      </p:sp>
+      <p:sp>
+        <p:nvSpPr>
+          <p:cNvPr id="1504364886" name="PlaceHolder 1"/>
+          <p:cNvSpPr>
+            <a:spLocks noGrp="1"/>
+          </p:cNvSpPr>
+          <p:nvPr>
+            <p:ph type="ftr" idx="16"/>
+          </p:nvPr>
+        </p:nvSpPr>
+        <p:spPr bwMode="auto"/>
+        <p:txBody>
+          <a:bodyPr/>
+          <a:p>
+            <a:pPr>
+              <a:defRPr/>
+            </a:pPr>
+            <a:endParaRPr/>
+          </a:p>
+        </p:txBody>
+      </p:sp>
+      <p:pic>
+        <p:nvPicPr>
+          <p:cNvPr id="2015511994" name=""/>
+          <p:cNvPicPr>
+            <a:picLocks noChangeAspect="1"/>
+          </p:cNvPicPr>
+          <p:nvPr/>
+        </p:nvPicPr>
+        <p:blipFill>
+          <a:blip r:embed="rId3"/>
+          <a:stretch/>
+        </p:blipFill>
+        <p:spPr bwMode="auto">
+          <a:xfrm>
+            <a:off x="3047999" y="1143000"/>
+            <a:ext cx="6095998" cy="4572000"/>
+          </a:xfrm>
+          <a:prstGeom prst="rect">
+            <a:avLst/>
+          </a:prstGeom>
+        </p:spPr>
+      </p:pic>
+    </p:spTree>
+  </p:cSld>
+  <p:clrMapOvr>
+    <a:masterClrMapping/>
+  </p:clrMapOvr>
+  <mc:AlternateContent xmlns:mc="http://schemas.openxmlformats.org/markup-compatibility/2006">
+    <mc:Choice xmlns:p159="http://schemas.microsoft.com/office/powerpoint/2015/09/main" xmlns:p14="http://schemas.microsoft.com/office/powerpoint/2010/main" Requires="p159">
+      <p:transition p14:dur="2000" advClick="1"/>
+    </mc:Choice>
+    <mc:Fallback>
+      <p:transition advClick="1"/>
+    </mc:Fallback>
+  </mc:AlternateContent>
+</p:sld>
+</file>
+
+<file path=ppt/slides/slide19.xml><?xml version="1.0" encoding="utf-8"?>
+<p:sld xmlns:a="http://schemas.openxmlformats.org/drawingml/2006/main" xmlns:r="http://schemas.openxmlformats.org/officeDocument/2006/relationships" xmlns:p="http://schemas.openxmlformats.org/presentationml/2006/main" xmlns:m="http://schemas.openxmlformats.org/officeDocument/2006/math" xmlns:w="http://schemas.openxmlformats.org/wordprocessingml/2006/main" showMasterPhAnim="0" show="1">
+  <p:cSld name="">
+    <p:spTree>
+      <p:nvGrpSpPr>
+        <p:cNvPr id="1" name=""/>
+        <p:cNvGrpSpPr/>
+        <p:nvPr/>
+      </p:nvGrpSpPr>
+      <p:grpSpPr bwMode="auto">
+        <a:xfrm>
+          <a:off x="0" y="0"/>
+          <a:ext cx="0" cy="0"/>
+          <a:chOff x="0" y="0"/>
+          <a:chExt cx="0" cy="0"/>
+        </a:xfrm>
+      </p:grpSpPr>
+      <p:sp>
+        <p:nvSpPr>
+          <p:cNvPr id="857908308" name=""/>
+          <p:cNvSpPr/>
+          <p:nvPr/>
+        </p:nvSpPr>
+        <p:spPr bwMode="auto">
+          <a:xfrm>
+            <a:off x="685800" y="1371600"/>
+            <a:ext cx="10743480" cy="4571280"/>
+          </a:xfrm>
+          <a:prstGeom prst="rect">
+            <a:avLst/>
+          </a:prstGeom>
+          <a:noFill/>
+          <a:ln w="0">
+            <a:noFill/>
+          </a:ln>
+        </p:spPr>
+        <p:style>
+          <a:lnRef idx="0"/>
+          <a:fillRef idx="0"/>
+          <a:effectRef idx="0"/>
+          <a:fontRef idx="minor"/>
+        </p:style>
+        <p:txBody>
+          <a:bodyPr lIns="90000" tIns="45000" rIns="90000" bIns="45000" anchor="t">
+            <a:noAutofit/>
+          </a:bodyPr>
+          <a:p>
+            <a:pPr>
+              <a:lnSpc>
+                <a:spcPct val="100000"/>
+              </a:lnSpc>
+              <a:defRPr/>
+            </a:pPr>
+            <a:endParaRPr lang="en-US" sz="1800" b="0" strike="noStrike" spc="0">
+              <a:solidFill>
+                <a:srgbClr val="000000"/>
+              </a:solidFill>
+              <a:latin typeface="Arial"/>
+              <a:ea typeface="DejaVu Sans"/>
+            </a:endParaRPr>
+          </a:p>
+        </p:txBody>
+      </p:sp>
+      <p:sp>
+        <p:nvSpPr>
+          <p:cNvPr id="1022190313" name="PlaceHolder 4"/>
+          <p:cNvSpPr/>
+          <p:nvPr/>
+        </p:nvSpPr>
+        <p:spPr bwMode="auto">
+          <a:xfrm>
+            <a:off x="624240" y="479880"/>
+            <a:ext cx="8068320" cy="610200"/>
+          </a:xfrm>
+          <a:prstGeom prst="rect">
+            <a:avLst/>
+          </a:prstGeom>
+          <a:noFill/>
+          <a:ln w="0">
+            <a:noFill/>
+          </a:ln>
+        </p:spPr>
+        <p:style>
+          <a:lnRef idx="0"/>
+          <a:fillRef idx="0"/>
+          <a:effectRef idx="0"/>
+          <a:fontRef idx="minor"/>
+        </p:style>
+        <p:txBody>
+          <a:bodyPr lIns="0" tIns="0" rIns="0" bIns="0" anchor="b">
+            <a:noAutofit/>
+          </a:bodyPr>
+          <a:p>
+            <a:pPr>
+              <a:lnSpc>
+                <a:spcPct val="90000"/>
+              </a:lnSpc>
+              <a:tabLst>
+                <a:tab pos="0" algn="l"/>
+              </a:tabLst>
+              <a:defRPr/>
+            </a:pPr>
+            <a:r>
+              <a:rPr lang="de-DE" sz="2400" b="1" strike="noStrike" spc="0">
+                <a:solidFill>
+                  <a:srgbClr val="1D3D91"/>
+                </a:solidFill>
+                <a:latin typeface="Overpass"/>
+              </a:rPr>
+              <a:t>Results: Psend</a:t>
+            </a:r>
+            <a:endParaRPr lang="en-US" sz="2400" b="0" strike="noStrike" spc="0">
+              <a:solidFill>
+                <a:srgbClr val="000000"/>
+              </a:solidFill>
+              <a:latin typeface="Arial"/>
+            </a:endParaRPr>
+          </a:p>
+        </p:txBody>
+      </p:sp>
+      <p:sp>
+        <p:nvSpPr>
+          <p:cNvPr id="1802562717" name="PlaceHolder 1"/>
+          <p:cNvSpPr>
+            <a:spLocks noGrp="1"/>
+          </p:cNvSpPr>
+          <p:nvPr>
+            <p:ph type="ftr" idx="16"/>
+          </p:nvPr>
+        </p:nvSpPr>
+        <p:spPr bwMode="auto"/>
+        <p:txBody>
+          <a:bodyPr/>
+          <a:p>
+            <a:pPr>
+              <a:defRPr/>
+            </a:pPr>
+            <a:endParaRPr/>
+          </a:p>
+        </p:txBody>
+      </p:sp>
+      <p:pic>
+        <p:nvPicPr>
+          <p:cNvPr id="1581937982" name=""/>
+          <p:cNvPicPr>
+            <a:picLocks noChangeAspect="1"/>
+          </p:cNvPicPr>
+          <p:nvPr/>
+        </p:nvPicPr>
+        <p:blipFill>
+          <a:blip r:embed="rId3"/>
+          <a:stretch/>
+        </p:blipFill>
+        <p:spPr bwMode="auto">
+          <a:xfrm>
+            <a:off x="3047999" y="1143000"/>
+            <a:ext cx="6095999" cy="4572000"/>
+          </a:xfrm>
+          <a:prstGeom prst="rect">
+            <a:avLst/>
+          </a:prstGeom>
+        </p:spPr>
+      </p:pic>
     </p:spTree>
   </p:cSld>
   <p:clrMapOvr>
@@ -5175,7 +8078,7 @@
                 </a:solidFill>
                 <a:latin typeface="Overpass"/>
               </a:rPr>
-              <a:t>MPI: Partitioned Communication</a:t>
+              <a:t>Outline</a:t>
             </a:r>
             <a:endParaRPr lang="en-US" sz="2400" b="0" strike="noStrike" spc="0">
               <a:solidFill>
@@ -5204,6 +8107,1516 @@
               <a:defRPr/>
             </a:pPr>
             <a:endParaRPr/>
+          </a:p>
+        </p:txBody>
+      </p:sp>
+      <p:sp>
+        <p:nvSpPr>
+          <p:cNvPr id="574743749" name=""/>
+          <p:cNvSpPr/>
+          <p:nvPr/>
+        </p:nvSpPr>
+        <p:spPr bwMode="auto">
+          <a:xfrm>
+            <a:off x="685800" y="1371600"/>
+            <a:ext cx="10743480" cy="4571280"/>
+          </a:xfrm>
+          <a:prstGeom prst="rect">
+            <a:avLst/>
+          </a:prstGeom>
+          <a:noFill/>
+          <a:ln w="0">
+            <a:noFill/>
+          </a:ln>
+        </p:spPr>
+        <p:style>
+          <a:lnRef idx="0"/>
+          <a:fillRef idx="0"/>
+          <a:effectRef idx="0"/>
+          <a:fontRef idx="minor"/>
+        </p:style>
+        <p:txBody>
+          <a:bodyPr lIns="90000" tIns="45000" rIns="90000" bIns="45000" anchor="t">
+            <a:noAutofit/>
+          </a:bodyPr>
+          <a:p>
+            <a:pPr marL="283879" indent="-283879">
+              <a:lnSpc>
+                <a:spcPct val="100000"/>
+              </a:lnSpc>
+              <a:buFont typeface="Arial"/>
+              <a:buChar char="•"/>
+              <a:defRPr/>
+            </a:pPr>
+            <a:r>
+              <a:rPr lang="en-US" sz="1800" b="0" strike="noStrike" spc="0">
+                <a:solidFill>
+                  <a:srgbClr val="000000"/>
+                </a:solidFill>
+                <a:latin typeface="Arial"/>
+              </a:rPr>
+              <a:t>MPI partitioned communication</a:t>
+            </a:r>
+            <a:endParaRPr lang="en-US" sz="1800" b="0" strike="noStrike" spc="0">
+              <a:solidFill>
+                <a:srgbClr val="000000"/>
+              </a:solidFill>
+              <a:latin typeface="Arial"/>
+            </a:endParaRPr>
+          </a:p>
+          <a:p>
+            <a:pPr marL="283879" indent="-283879">
+              <a:lnSpc>
+                <a:spcPct val="100000"/>
+              </a:lnSpc>
+              <a:buFont typeface="Arial"/>
+              <a:buChar char="•"/>
+              <a:defRPr/>
+            </a:pPr>
+            <a:r>
+              <a:rPr lang="en-US" sz="1800" b="0" strike="noStrike" spc="0">
+                <a:solidFill>
+                  <a:srgbClr val="000000"/>
+                </a:solidFill>
+                <a:latin typeface="Arial"/>
+              </a:rPr>
+              <a:t>Optimization opportunities</a:t>
+            </a:r>
+            <a:endParaRPr lang="en-US" sz="1800" b="0" strike="noStrike" spc="0">
+              <a:solidFill>
+                <a:srgbClr val="000000"/>
+              </a:solidFill>
+              <a:latin typeface="Arial"/>
+            </a:endParaRPr>
+          </a:p>
+          <a:p>
+            <a:pPr marL="283879" indent="-283879">
+              <a:lnSpc>
+                <a:spcPct val="100000"/>
+              </a:lnSpc>
+              <a:buFont typeface="Arial"/>
+              <a:buChar char="•"/>
+              <a:defRPr/>
+            </a:pPr>
+            <a:r>
+              <a:rPr lang="en-US" sz="1800" b="0" strike="noStrike" spc="0">
+                <a:solidFill>
+                  <a:srgbClr val="000000"/>
+                </a:solidFill>
+                <a:latin typeface="Arial"/>
+              </a:rPr>
+              <a:t>Current implementations in OpenMPI and MPICH</a:t>
+            </a:r>
+            <a:endParaRPr lang="en-US" sz="1800" b="0" strike="noStrike" spc="0">
+              <a:solidFill>
+                <a:srgbClr val="000000"/>
+              </a:solidFill>
+              <a:latin typeface="Arial"/>
+            </a:endParaRPr>
+          </a:p>
+          <a:p>
+            <a:pPr marL="283879" indent="-283879">
+              <a:lnSpc>
+                <a:spcPct val="100000"/>
+              </a:lnSpc>
+              <a:buFont typeface="Arial"/>
+              <a:buChar char="•"/>
+              <a:defRPr/>
+            </a:pPr>
+            <a:r>
+              <a:rPr lang="en-US" sz="1800" b="0" strike="noStrike" spc="0">
+                <a:solidFill>
+                  <a:srgbClr val="000000"/>
+                </a:solidFill>
+                <a:latin typeface="Arial"/>
+              </a:rPr>
+              <a:t>Benchmarks</a:t>
+            </a:r>
+            <a:endParaRPr lang="en-US" sz="1800" b="0" strike="noStrike" spc="0">
+              <a:solidFill>
+                <a:srgbClr val="000000"/>
+              </a:solidFill>
+              <a:latin typeface="Arial"/>
+            </a:endParaRPr>
+          </a:p>
+          <a:p>
+            <a:pPr marL="683928" lvl="1" indent="-283878">
+              <a:lnSpc>
+                <a:spcPct val="100000"/>
+              </a:lnSpc>
+              <a:buFont typeface="Arial"/>
+              <a:buChar char="•"/>
+              <a:defRPr/>
+            </a:pPr>
+            <a:r>
+              <a:rPr lang="en-US" sz="1800" b="0" strike="noStrike" spc="0">
+                <a:solidFill>
+                  <a:srgbClr val="000000"/>
+                </a:solidFill>
+                <a:latin typeface="Arial"/>
+              </a:rPr>
+              <a:t>Psend vs Isend (single-/multithreaded)</a:t>
+            </a:r>
+            <a:endParaRPr lang="en-US" sz="1800" b="0" strike="noStrike" spc="0">
+              <a:solidFill>
+                <a:srgbClr val="000000"/>
+              </a:solidFill>
+              <a:latin typeface="Arial"/>
+            </a:endParaRPr>
+          </a:p>
+          <a:p>
+            <a:pPr marL="683928" lvl="1" indent="-283878">
+              <a:lnSpc>
+                <a:spcPct val="100000"/>
+              </a:lnSpc>
+              <a:buFont typeface="Arial"/>
+              <a:buChar char="•"/>
+              <a:defRPr/>
+            </a:pPr>
+            <a:r>
+              <a:rPr lang="en-US" sz="1800" b="0" strike="noStrike" spc="0">
+                <a:solidFill>
+                  <a:srgbClr val="000000"/>
+                </a:solidFill>
+                <a:latin typeface="Arial"/>
+              </a:rPr>
+              <a:t>Psend, Isend with completion tests</a:t>
+            </a:r>
+            <a:endParaRPr lang="en-US" sz="1800" b="0" strike="noStrike" spc="0">
+              <a:solidFill>
+                <a:srgbClr val="000000"/>
+              </a:solidFill>
+              <a:latin typeface="Arial"/>
+            </a:endParaRPr>
+          </a:p>
+          <a:p>
+            <a:pPr marL="683928" lvl="1" indent="-283878">
+              <a:lnSpc>
+                <a:spcPct val="100000"/>
+              </a:lnSpc>
+              <a:buFont typeface="Arial"/>
+              <a:buChar char="•"/>
+              <a:defRPr/>
+            </a:pPr>
+            <a:r>
+              <a:rPr lang="en-US" sz="1800" b="0" strike="noStrike" spc="0">
+                <a:solidFill>
+                  <a:srgbClr val="000000"/>
+                </a:solidFill>
+                <a:latin typeface="Arial"/>
+              </a:rPr>
+              <a:t>Psend vs RDMA</a:t>
+            </a:r>
+            <a:endParaRPr lang="en-US" sz="1800" b="0" strike="noStrike" spc="0">
+              <a:solidFill>
+                <a:srgbClr val="000000"/>
+              </a:solidFill>
+              <a:latin typeface="Arial"/>
+            </a:endParaRPr>
+          </a:p>
+          <a:p>
+            <a:pPr marL="683929" lvl="1" indent="-283879">
+              <a:lnSpc>
+                <a:spcPct val="100000"/>
+              </a:lnSpc>
+              <a:buFont typeface="Arial"/>
+              <a:buChar char="•"/>
+              <a:defRPr/>
+            </a:pPr>
+            <a:endParaRPr lang="en-US" sz="1800" b="0" strike="noStrike" spc="0">
+              <a:solidFill>
+                <a:srgbClr val="000000"/>
+              </a:solidFill>
+              <a:latin typeface="Arial"/>
+            </a:endParaRPr>
+          </a:p>
+        </p:txBody>
+      </p:sp>
+    </p:spTree>
+  </p:cSld>
+  <p:clrMapOvr>
+    <a:masterClrMapping/>
+  </p:clrMapOvr>
+  <mc:AlternateContent xmlns:mc="http://schemas.openxmlformats.org/markup-compatibility/2006">
+    <mc:Choice xmlns:p159="http://schemas.microsoft.com/office/powerpoint/2015/09/main" xmlns:p14="http://schemas.microsoft.com/office/powerpoint/2010/main" Requires="p159">
+      <p:transition p14:dur="2000" advClick="1"/>
+    </mc:Choice>
+    <mc:Fallback>
+      <p:transition advClick="1"/>
+    </mc:Fallback>
+  </mc:AlternateContent>
+</p:sld>
+</file>
+
+<file path=ppt/slides/slide20.xml><?xml version="1.0" encoding="utf-8"?>
+<p:sld xmlns:a="http://schemas.openxmlformats.org/drawingml/2006/main" xmlns:r="http://schemas.openxmlformats.org/officeDocument/2006/relationships" xmlns:p="http://schemas.openxmlformats.org/presentationml/2006/main" xmlns:m="http://schemas.openxmlformats.org/officeDocument/2006/math" xmlns:w="http://schemas.openxmlformats.org/wordprocessingml/2006/main" showMasterPhAnim="0" show="1">
+  <p:cSld name="">
+    <p:spTree>
+      <p:nvGrpSpPr>
+        <p:cNvPr id="1" name=""/>
+        <p:cNvGrpSpPr/>
+        <p:nvPr/>
+      </p:nvGrpSpPr>
+      <p:grpSpPr bwMode="auto">
+        <a:xfrm>
+          <a:off x="0" y="0"/>
+          <a:ext cx="0" cy="0"/>
+          <a:chOff x="0" y="0"/>
+          <a:chExt cx="0" cy="0"/>
+        </a:xfrm>
+      </p:grpSpPr>
+      <p:sp>
+        <p:nvSpPr>
+          <p:cNvPr id="292049450" name=""/>
+          <p:cNvSpPr/>
+          <p:nvPr/>
+        </p:nvSpPr>
+        <p:spPr bwMode="auto">
+          <a:xfrm>
+            <a:off x="685800" y="1371600"/>
+            <a:ext cx="10743480" cy="4571280"/>
+          </a:xfrm>
+          <a:prstGeom prst="rect">
+            <a:avLst/>
+          </a:prstGeom>
+          <a:noFill/>
+          <a:ln w="0">
+            <a:noFill/>
+          </a:ln>
+        </p:spPr>
+        <p:style>
+          <a:lnRef idx="0"/>
+          <a:fillRef idx="0"/>
+          <a:effectRef idx="0"/>
+          <a:fontRef idx="minor"/>
+        </p:style>
+        <p:txBody>
+          <a:bodyPr lIns="90000" tIns="45000" rIns="90000" bIns="45000" anchor="t">
+            <a:noAutofit/>
+          </a:bodyPr>
+          <a:p>
+            <a:pPr>
+              <a:lnSpc>
+                <a:spcPct val="100000"/>
+              </a:lnSpc>
+              <a:defRPr/>
+            </a:pPr>
+            <a:endParaRPr lang="en-US" sz="1800" b="0" strike="noStrike" spc="0">
+              <a:solidFill>
+                <a:srgbClr val="000000"/>
+              </a:solidFill>
+              <a:latin typeface="Arial"/>
+              <a:ea typeface="DejaVu Sans"/>
+            </a:endParaRPr>
+          </a:p>
+        </p:txBody>
+      </p:sp>
+      <p:sp>
+        <p:nvSpPr>
+          <p:cNvPr id="1087902788" name="PlaceHolder 4"/>
+          <p:cNvSpPr/>
+          <p:nvPr/>
+        </p:nvSpPr>
+        <p:spPr bwMode="auto">
+          <a:xfrm>
+            <a:off x="624240" y="479880"/>
+            <a:ext cx="8068320" cy="610200"/>
+          </a:xfrm>
+          <a:prstGeom prst="rect">
+            <a:avLst/>
+          </a:prstGeom>
+          <a:noFill/>
+          <a:ln w="0">
+            <a:noFill/>
+          </a:ln>
+        </p:spPr>
+        <p:style>
+          <a:lnRef idx="0"/>
+          <a:fillRef idx="0"/>
+          <a:effectRef idx="0"/>
+          <a:fontRef idx="minor"/>
+        </p:style>
+        <p:txBody>
+          <a:bodyPr lIns="0" tIns="0" rIns="0" bIns="0" anchor="b">
+            <a:noAutofit/>
+          </a:bodyPr>
+          <a:p>
+            <a:pPr>
+              <a:lnSpc>
+                <a:spcPct val="90000"/>
+              </a:lnSpc>
+              <a:tabLst>
+                <a:tab pos="0" algn="l"/>
+              </a:tabLst>
+              <a:defRPr/>
+            </a:pPr>
+            <a:r>
+              <a:rPr lang="de-DE" sz="2400" b="1" strike="noStrike" spc="0">
+                <a:solidFill>
+                  <a:srgbClr val="1D3D91"/>
+                </a:solidFill>
+                <a:latin typeface="Overpass"/>
+              </a:rPr>
+              <a:t>Results: MPI_Win per partition</a:t>
+            </a:r>
+            <a:endParaRPr lang="en-US" sz="2400" b="0" strike="noStrike" spc="0">
+              <a:solidFill>
+                <a:srgbClr val="000000"/>
+              </a:solidFill>
+              <a:latin typeface="Arial"/>
+            </a:endParaRPr>
+          </a:p>
+        </p:txBody>
+      </p:sp>
+      <p:sp>
+        <p:nvSpPr>
+          <p:cNvPr id="1025763947" name="PlaceHolder 1"/>
+          <p:cNvSpPr>
+            <a:spLocks noGrp="1"/>
+          </p:cNvSpPr>
+          <p:nvPr>
+            <p:ph type="ftr" idx="16"/>
+          </p:nvPr>
+        </p:nvSpPr>
+        <p:spPr bwMode="auto"/>
+        <p:txBody>
+          <a:bodyPr/>
+          <a:p>
+            <a:pPr>
+              <a:defRPr/>
+            </a:pPr>
+            <a:r>
+              <a:rPr/>
+              <a:t>IPTW 2023 - 5./6. October 2023</a:t>
+            </a:r>
+            <a:endParaRPr/>
+          </a:p>
+        </p:txBody>
+      </p:sp>
+      <p:pic>
+        <p:nvPicPr>
+          <p:cNvPr id="1794123491" name=""/>
+          <p:cNvPicPr>
+            <a:picLocks noChangeAspect="1"/>
+          </p:cNvPicPr>
+          <p:nvPr/>
+        </p:nvPicPr>
+        <p:blipFill>
+          <a:blip r:embed="rId3"/>
+          <a:stretch/>
+        </p:blipFill>
+        <p:spPr bwMode="auto">
+          <a:xfrm>
+            <a:off x="3047999" y="1143000"/>
+            <a:ext cx="6095999" cy="4572000"/>
+          </a:xfrm>
+          <a:prstGeom prst="rect">
+            <a:avLst/>
+          </a:prstGeom>
+        </p:spPr>
+      </p:pic>
+    </p:spTree>
+  </p:cSld>
+  <p:clrMapOvr>
+    <a:masterClrMapping/>
+  </p:clrMapOvr>
+  <mc:AlternateContent xmlns:mc="http://schemas.openxmlformats.org/markup-compatibility/2006">
+    <mc:Choice xmlns:p159="http://schemas.microsoft.com/office/powerpoint/2015/09/main" xmlns:p14="http://schemas.microsoft.com/office/powerpoint/2010/main" Requires="p159">
+      <p:transition p14:dur="2000" advClick="1"/>
+    </mc:Choice>
+    <mc:Fallback>
+      <p:transition advClick="1"/>
+    </mc:Fallback>
+  </mc:AlternateContent>
+</p:sld>
+</file>
+
+<file path=ppt/slides/slide21.xml><?xml version="1.0" encoding="utf-8"?>
+<p:sld xmlns:a="http://schemas.openxmlformats.org/drawingml/2006/main" xmlns:r="http://schemas.openxmlformats.org/officeDocument/2006/relationships" xmlns:p="http://schemas.openxmlformats.org/presentationml/2006/main" xmlns:m="http://schemas.openxmlformats.org/officeDocument/2006/math" xmlns:w="http://schemas.openxmlformats.org/wordprocessingml/2006/main" showMasterPhAnim="0" show="1">
+  <p:cSld name="">
+    <p:spTree>
+      <p:nvGrpSpPr>
+        <p:cNvPr id="1" name=""/>
+        <p:cNvGrpSpPr/>
+        <p:nvPr/>
+      </p:nvGrpSpPr>
+      <p:grpSpPr bwMode="auto">
+        <a:xfrm>
+          <a:off x="0" y="0"/>
+          <a:ext cx="0" cy="0"/>
+          <a:chOff x="0" y="0"/>
+          <a:chExt cx="0" cy="0"/>
+        </a:xfrm>
+      </p:grpSpPr>
+      <p:sp>
+        <p:nvSpPr>
+          <p:cNvPr id="1341684995" name=""/>
+          <p:cNvSpPr/>
+          <p:nvPr/>
+        </p:nvSpPr>
+        <p:spPr bwMode="auto">
+          <a:xfrm>
+            <a:off x="685800" y="1371600"/>
+            <a:ext cx="10743480" cy="4571280"/>
+          </a:xfrm>
+          <a:prstGeom prst="rect">
+            <a:avLst/>
+          </a:prstGeom>
+          <a:noFill/>
+          <a:ln w="0">
+            <a:noFill/>
+          </a:ln>
+        </p:spPr>
+        <p:style>
+          <a:lnRef idx="0"/>
+          <a:fillRef idx="0"/>
+          <a:effectRef idx="0"/>
+          <a:fontRef idx="minor"/>
+        </p:style>
+        <p:txBody>
+          <a:bodyPr lIns="90000" tIns="45000" rIns="90000" bIns="45000" anchor="t">
+            <a:noAutofit/>
+          </a:bodyPr>
+          <a:p>
+            <a:pPr>
+              <a:lnSpc>
+                <a:spcPct val="100000"/>
+              </a:lnSpc>
+              <a:defRPr/>
+            </a:pPr>
+            <a:endParaRPr lang="en-US" sz="1800" b="0" strike="noStrike" spc="0">
+              <a:solidFill>
+                <a:srgbClr val="000000"/>
+              </a:solidFill>
+              <a:latin typeface="Arial"/>
+              <a:ea typeface="DejaVu Sans"/>
+            </a:endParaRPr>
+          </a:p>
+        </p:txBody>
+      </p:sp>
+      <p:sp>
+        <p:nvSpPr>
+          <p:cNvPr id="1215404972" name="PlaceHolder 4"/>
+          <p:cNvSpPr/>
+          <p:nvPr/>
+        </p:nvSpPr>
+        <p:spPr bwMode="auto">
+          <a:xfrm flipH="0" flipV="0">
+            <a:off x="624240" y="479880"/>
+            <a:ext cx="8572923" cy="610200"/>
+          </a:xfrm>
+          <a:prstGeom prst="rect">
+            <a:avLst/>
+          </a:prstGeom>
+          <a:noFill/>
+          <a:ln w="0">
+            <a:noFill/>
+          </a:ln>
+        </p:spPr>
+        <p:style>
+          <a:lnRef idx="0"/>
+          <a:fillRef idx="0"/>
+          <a:effectRef idx="0"/>
+          <a:fontRef idx="minor"/>
+        </p:style>
+        <p:txBody>
+          <a:bodyPr lIns="0" tIns="0" rIns="0" bIns="0" anchor="b">
+            <a:noAutofit/>
+          </a:bodyPr>
+          <a:p>
+            <a:pPr>
+              <a:lnSpc>
+                <a:spcPct val="90000"/>
+              </a:lnSpc>
+              <a:tabLst>
+                <a:tab pos="0" algn="l"/>
+              </a:tabLst>
+              <a:defRPr/>
+            </a:pPr>
+            <a:r>
+              <a:rPr lang="de-DE" sz="2400" b="1" strike="noStrike" spc="0">
+                <a:solidFill>
+                  <a:srgbClr val="1D3D91"/>
+                </a:solidFill>
+                <a:latin typeface="Overpass"/>
+              </a:rPr>
+              <a:t>Results: MPI_Win for entire buffer, MPI_Put per partition</a:t>
+            </a:r>
+            <a:endParaRPr lang="en-US" sz="2400" b="0" strike="noStrike" spc="0">
+              <a:solidFill>
+                <a:srgbClr val="000000"/>
+              </a:solidFill>
+              <a:latin typeface="Arial"/>
+            </a:endParaRPr>
+          </a:p>
+        </p:txBody>
+      </p:sp>
+      <p:sp>
+        <p:nvSpPr>
+          <p:cNvPr id="1109303359" name="PlaceHolder 1"/>
+          <p:cNvSpPr>
+            <a:spLocks noGrp="1"/>
+          </p:cNvSpPr>
+          <p:nvPr>
+            <p:ph type="ftr" idx="16"/>
+          </p:nvPr>
+        </p:nvSpPr>
+        <p:spPr bwMode="auto"/>
+        <p:txBody>
+          <a:bodyPr/>
+          <a:p>
+            <a:pPr>
+              <a:defRPr/>
+            </a:pPr>
+            <a:r>
+              <a:rPr/>
+              <a:t>IPTW 2023 - 5./6. October 2023</a:t>
+            </a:r>
+            <a:endParaRPr/>
+          </a:p>
+        </p:txBody>
+      </p:sp>
+      <p:pic>
+        <p:nvPicPr>
+          <p:cNvPr id="1398425210" name=""/>
+          <p:cNvPicPr>
+            <a:picLocks noChangeAspect="1"/>
+          </p:cNvPicPr>
+          <p:nvPr/>
+        </p:nvPicPr>
+        <p:blipFill>
+          <a:blip r:embed="rId3"/>
+          <a:stretch/>
+        </p:blipFill>
+        <p:spPr bwMode="auto">
+          <a:xfrm>
+            <a:off x="3047999" y="1143000"/>
+            <a:ext cx="6095999" cy="4572000"/>
+          </a:xfrm>
+          <a:prstGeom prst="rect">
+            <a:avLst/>
+          </a:prstGeom>
+        </p:spPr>
+      </p:pic>
+    </p:spTree>
+  </p:cSld>
+  <p:clrMapOvr>
+    <a:masterClrMapping/>
+  </p:clrMapOvr>
+  <mc:AlternateContent xmlns:mc="http://schemas.openxmlformats.org/markup-compatibility/2006">
+    <mc:Choice xmlns:p159="http://schemas.microsoft.com/office/powerpoint/2015/09/main" xmlns:p14="http://schemas.microsoft.com/office/powerpoint/2010/main" Requires="p159">
+      <p:transition p14:dur="2000" advClick="1"/>
+    </mc:Choice>
+    <mc:Fallback>
+      <p:transition advClick="1"/>
+    </mc:Fallback>
+  </mc:AlternateContent>
+</p:sld>
+</file>
+
+<file path=ppt/slides/slide22.xml><?xml version="1.0" encoding="utf-8"?>
+<p:sld xmlns:a="http://schemas.openxmlformats.org/drawingml/2006/main" xmlns:r="http://schemas.openxmlformats.org/officeDocument/2006/relationships" xmlns:p="http://schemas.openxmlformats.org/presentationml/2006/main" xmlns:m="http://schemas.openxmlformats.org/officeDocument/2006/math" xmlns:w="http://schemas.openxmlformats.org/wordprocessingml/2006/main" showMasterPhAnim="0" show="1">
+  <p:cSld name="">
+    <p:spTree>
+      <p:nvGrpSpPr>
+        <p:cNvPr id="1" name=""/>
+        <p:cNvGrpSpPr/>
+        <p:nvPr/>
+      </p:nvGrpSpPr>
+      <p:grpSpPr bwMode="auto">
+        <a:xfrm>
+          <a:off x="0" y="0"/>
+          <a:ext cx="0" cy="0"/>
+          <a:chOff x="0" y="0"/>
+          <a:chExt cx="0" cy="0"/>
+        </a:xfrm>
+      </p:grpSpPr>
+      <p:sp>
+        <p:nvSpPr>
+          <p:cNvPr id="873288713" name=""/>
+          <p:cNvSpPr/>
+          <p:nvPr/>
+        </p:nvSpPr>
+        <p:spPr bwMode="auto">
+          <a:xfrm>
+            <a:off x="685800" y="1371600"/>
+            <a:ext cx="10743480" cy="4571280"/>
+          </a:xfrm>
+          <a:prstGeom prst="rect">
+            <a:avLst/>
+          </a:prstGeom>
+          <a:noFill/>
+          <a:ln w="0">
+            <a:noFill/>
+          </a:ln>
+        </p:spPr>
+        <p:style>
+          <a:lnRef idx="0"/>
+          <a:fillRef idx="0"/>
+          <a:effectRef idx="0"/>
+          <a:fontRef idx="minor"/>
+        </p:style>
+        <p:txBody>
+          <a:bodyPr lIns="90000" tIns="45000" rIns="90000" bIns="45000" anchor="t">
+            <a:noAutofit/>
+          </a:bodyPr>
+          <a:p>
+            <a:pPr>
+              <a:lnSpc>
+                <a:spcPct val="100000"/>
+              </a:lnSpc>
+              <a:defRPr/>
+            </a:pPr>
+            <a:endParaRPr lang="en-US" sz="1800" b="0" strike="noStrike" spc="0">
+              <a:solidFill>
+                <a:srgbClr val="000000"/>
+              </a:solidFill>
+              <a:latin typeface="Arial"/>
+              <a:ea typeface="DejaVu Sans"/>
+            </a:endParaRPr>
+          </a:p>
+        </p:txBody>
+      </p:sp>
+      <p:sp>
+        <p:nvSpPr>
+          <p:cNvPr id="1147375821" name="PlaceHolder 4"/>
+          <p:cNvSpPr/>
+          <p:nvPr/>
+        </p:nvSpPr>
+        <p:spPr bwMode="auto">
+          <a:xfrm>
+            <a:off x="624240" y="479880"/>
+            <a:ext cx="8068320" cy="610200"/>
+          </a:xfrm>
+          <a:prstGeom prst="rect">
+            <a:avLst/>
+          </a:prstGeom>
+          <a:noFill/>
+          <a:ln w="0">
+            <a:noFill/>
+          </a:ln>
+        </p:spPr>
+        <p:style>
+          <a:lnRef idx="0"/>
+          <a:fillRef idx="0"/>
+          <a:effectRef idx="0"/>
+          <a:fontRef idx="minor"/>
+        </p:style>
+        <p:txBody>
+          <a:bodyPr lIns="0" tIns="0" rIns="0" bIns="0" anchor="b">
+            <a:noAutofit/>
+          </a:bodyPr>
+          <a:p>
+            <a:pPr>
+              <a:lnSpc>
+                <a:spcPct val="90000"/>
+              </a:lnSpc>
+              <a:tabLst>
+                <a:tab pos="0" algn="l"/>
+              </a:tabLst>
+              <a:defRPr/>
+            </a:pPr>
+            <a:r>
+              <a:rPr lang="de-DE" sz="2400" b="1" strike="noStrike" spc="0">
+                <a:solidFill>
+                  <a:srgbClr val="1D3D91"/>
+                </a:solidFill>
+                <a:latin typeface="Overpass"/>
+              </a:rPr>
+              <a:t>Results: Psend on MPICH-4.1.2</a:t>
+            </a:r>
+            <a:endParaRPr lang="en-US" sz="2400" b="0" strike="noStrike" spc="0">
+              <a:solidFill>
+                <a:srgbClr val="000000"/>
+              </a:solidFill>
+              <a:latin typeface="Arial"/>
+            </a:endParaRPr>
+          </a:p>
+        </p:txBody>
+      </p:sp>
+      <p:sp>
+        <p:nvSpPr>
+          <p:cNvPr id="1909495212" name="PlaceHolder 1"/>
+          <p:cNvSpPr>
+            <a:spLocks noGrp="1"/>
+          </p:cNvSpPr>
+          <p:nvPr>
+            <p:ph type="ftr" idx="16"/>
+          </p:nvPr>
+        </p:nvSpPr>
+        <p:spPr bwMode="auto"/>
+        <p:txBody>
+          <a:bodyPr/>
+          <a:p>
+            <a:pPr>
+              <a:defRPr/>
+            </a:pPr>
+            <a:endParaRPr/>
+          </a:p>
+        </p:txBody>
+      </p:sp>
+      <p:pic>
+        <p:nvPicPr>
+          <p:cNvPr id="738709411" name=""/>
+          <p:cNvPicPr>
+            <a:picLocks noChangeAspect="1"/>
+          </p:cNvPicPr>
+          <p:nvPr/>
+        </p:nvPicPr>
+        <p:blipFill>
+          <a:blip r:embed="rId3"/>
+          <a:stretch/>
+        </p:blipFill>
+        <p:spPr bwMode="auto">
+          <a:xfrm flipH="0" flipV="0">
+            <a:off x="3085311" y="1263078"/>
+            <a:ext cx="6021375" cy="4698189"/>
+          </a:xfrm>
+          <a:prstGeom prst="rect">
+            <a:avLst/>
+          </a:prstGeom>
+        </p:spPr>
+      </p:pic>
+    </p:spTree>
+  </p:cSld>
+  <p:clrMapOvr>
+    <a:masterClrMapping/>
+  </p:clrMapOvr>
+  <mc:AlternateContent xmlns:mc="http://schemas.openxmlformats.org/markup-compatibility/2006">
+    <mc:Choice xmlns:p159="http://schemas.microsoft.com/office/powerpoint/2015/09/main" xmlns:p14="http://schemas.microsoft.com/office/powerpoint/2010/main" Requires="p159">
+      <p:transition p14:dur="2000" advClick="1"/>
+    </mc:Choice>
+    <mc:Fallback>
+      <p:transition advClick="1"/>
+    </mc:Fallback>
+  </mc:AlternateContent>
+</p:sld>
+</file>
+
+<file path=ppt/slides/slide23.xml><?xml version="1.0" encoding="utf-8"?>
+<p:sld xmlns:a="http://schemas.openxmlformats.org/drawingml/2006/main" xmlns:r="http://schemas.openxmlformats.org/officeDocument/2006/relationships" xmlns:p="http://schemas.openxmlformats.org/presentationml/2006/main" xmlns:m="http://schemas.openxmlformats.org/officeDocument/2006/math" xmlns:w="http://schemas.openxmlformats.org/wordprocessingml/2006/main" showMasterPhAnim="0" show="1">
+  <p:cSld name="">
+    <p:spTree>
+      <p:nvGrpSpPr>
+        <p:cNvPr id="1" name=""/>
+        <p:cNvGrpSpPr/>
+        <p:nvPr/>
+      </p:nvGrpSpPr>
+      <p:grpSpPr bwMode="auto">
+        <a:xfrm>
+          <a:off x="0" y="0"/>
+          <a:ext cx="0" cy="0"/>
+          <a:chOff x="0" y="0"/>
+          <a:chExt cx="0" cy="0"/>
+        </a:xfrm>
+      </p:grpSpPr>
+      <p:sp>
+        <p:nvSpPr>
+          <p:cNvPr id="696857315" name=""/>
+          <p:cNvSpPr/>
+          <p:nvPr/>
+        </p:nvSpPr>
+        <p:spPr bwMode="auto">
+          <a:xfrm>
+            <a:off x="685800" y="1371600"/>
+            <a:ext cx="10743480" cy="4571280"/>
+          </a:xfrm>
+          <a:prstGeom prst="rect">
+            <a:avLst/>
+          </a:prstGeom>
+          <a:noFill/>
+          <a:ln w="0">
+            <a:noFill/>
+          </a:ln>
+        </p:spPr>
+        <p:style>
+          <a:lnRef idx="0"/>
+          <a:fillRef idx="0"/>
+          <a:effectRef idx="0"/>
+          <a:fontRef idx="minor"/>
+        </p:style>
+        <p:txBody>
+          <a:bodyPr lIns="90000" tIns="45000" rIns="90000" bIns="45000" anchor="t">
+            <a:noAutofit/>
+          </a:bodyPr>
+          <a:p>
+            <a:pPr>
+              <a:lnSpc>
+                <a:spcPct val="100000"/>
+              </a:lnSpc>
+              <a:defRPr/>
+            </a:pPr>
+            <a:endParaRPr lang="en-US" sz="1800" b="0" strike="noStrike" spc="0">
+              <a:solidFill>
+                <a:srgbClr val="000000"/>
+              </a:solidFill>
+              <a:latin typeface="Arial"/>
+              <a:ea typeface="DejaVu Sans"/>
+            </a:endParaRPr>
+          </a:p>
+        </p:txBody>
+      </p:sp>
+      <p:sp>
+        <p:nvSpPr>
+          <p:cNvPr id="1424933676" name="PlaceHolder 4"/>
+          <p:cNvSpPr/>
+          <p:nvPr/>
+        </p:nvSpPr>
+        <p:spPr bwMode="auto">
+          <a:xfrm>
+            <a:off x="624240" y="479880"/>
+            <a:ext cx="8068320" cy="610200"/>
+          </a:xfrm>
+          <a:prstGeom prst="rect">
+            <a:avLst/>
+          </a:prstGeom>
+          <a:noFill/>
+          <a:ln w="0">
+            <a:noFill/>
+          </a:ln>
+        </p:spPr>
+        <p:style>
+          <a:lnRef idx="0"/>
+          <a:fillRef idx="0"/>
+          <a:effectRef idx="0"/>
+          <a:fontRef idx="minor"/>
+        </p:style>
+        <p:txBody>
+          <a:bodyPr lIns="0" tIns="0" rIns="0" bIns="0" anchor="b">
+            <a:noAutofit/>
+          </a:bodyPr>
+          <a:p>
+            <a:pPr>
+              <a:lnSpc>
+                <a:spcPct val="90000"/>
+              </a:lnSpc>
+              <a:tabLst>
+                <a:tab pos="0" algn="l"/>
+              </a:tabLst>
+              <a:defRPr/>
+            </a:pPr>
+            <a:r>
+              <a:rPr lang="de-DE" sz="2400" b="1" strike="noStrike" spc="0">
+                <a:solidFill>
+                  <a:srgbClr val="1D3D91"/>
+                </a:solidFill>
+                <a:latin typeface="Overpass"/>
+              </a:rPr>
+              <a:t>Results: Psend on MPICH-4.1.2 (8 threads)</a:t>
+            </a:r>
+            <a:endParaRPr lang="en-US" sz="2400" b="0" strike="noStrike" spc="0">
+              <a:solidFill>
+                <a:srgbClr val="000000"/>
+              </a:solidFill>
+              <a:latin typeface="Arial"/>
+            </a:endParaRPr>
+          </a:p>
+        </p:txBody>
+      </p:sp>
+      <p:sp>
+        <p:nvSpPr>
+          <p:cNvPr id="3508987" name="PlaceHolder 1"/>
+          <p:cNvSpPr>
+            <a:spLocks noGrp="1"/>
+          </p:cNvSpPr>
+          <p:nvPr>
+            <p:ph type="ftr" idx="16"/>
+          </p:nvPr>
+        </p:nvSpPr>
+        <p:spPr bwMode="auto"/>
+        <p:txBody>
+          <a:bodyPr/>
+          <a:p>
+            <a:pPr>
+              <a:defRPr/>
+            </a:pPr>
+            <a:endParaRPr/>
+          </a:p>
+        </p:txBody>
+      </p:sp>
+      <p:pic>
+        <p:nvPicPr>
+          <p:cNvPr id="1247532750" name=""/>
+          <p:cNvPicPr>
+            <a:picLocks noChangeAspect="1"/>
+          </p:cNvPicPr>
+          <p:nvPr/>
+        </p:nvPicPr>
+        <p:blipFill>
+          <a:blip r:embed="rId3"/>
+          <a:stretch/>
+        </p:blipFill>
+        <p:spPr bwMode="auto">
+          <a:xfrm flipH="0" flipV="0">
+            <a:off x="3085310" y="1263078"/>
+            <a:ext cx="6021374" cy="4698188"/>
+          </a:xfrm>
+          <a:prstGeom prst="rect">
+            <a:avLst/>
+          </a:prstGeom>
+        </p:spPr>
+      </p:pic>
+    </p:spTree>
+  </p:cSld>
+  <p:clrMapOvr>
+    <a:masterClrMapping/>
+  </p:clrMapOvr>
+  <mc:AlternateContent xmlns:mc="http://schemas.openxmlformats.org/markup-compatibility/2006">
+    <mc:Choice xmlns:p159="http://schemas.microsoft.com/office/powerpoint/2015/09/main" xmlns:p14="http://schemas.microsoft.com/office/powerpoint/2010/main" Requires="p159">
+      <p:transition p14:dur="2000" advClick="1"/>
+    </mc:Choice>
+    <mc:Fallback>
+      <p:transition advClick="1"/>
+    </mc:Fallback>
+  </mc:AlternateContent>
+</p:sld>
+</file>
+
+<file path=ppt/slides/slide24.xml><?xml version="1.0" encoding="utf-8"?>
+<p:sld xmlns:a="http://schemas.openxmlformats.org/drawingml/2006/main" xmlns:r="http://schemas.openxmlformats.org/officeDocument/2006/relationships" xmlns:p="http://schemas.openxmlformats.org/presentationml/2006/main" xmlns:m="http://schemas.openxmlformats.org/officeDocument/2006/math" xmlns:w="http://schemas.openxmlformats.org/wordprocessingml/2006/main" showMasterPhAnim="0" show="1">
+  <p:cSld name="">
+    <p:spTree>
+      <p:nvGrpSpPr>
+        <p:cNvPr id="1" name=""/>
+        <p:cNvGrpSpPr/>
+        <p:nvPr/>
+      </p:nvGrpSpPr>
+      <p:grpSpPr bwMode="auto">
+        <a:xfrm>
+          <a:off x="0" y="0"/>
+          <a:ext cx="0" cy="0"/>
+          <a:chOff x="0" y="0"/>
+          <a:chExt cx="0" cy="0"/>
+        </a:xfrm>
+      </p:grpSpPr>
+      <p:sp>
+        <p:nvSpPr>
+          <p:cNvPr id="824873171" name=""/>
+          <p:cNvSpPr/>
+          <p:nvPr/>
+        </p:nvSpPr>
+        <p:spPr bwMode="auto">
+          <a:xfrm>
+            <a:off x="685800" y="1371600"/>
+            <a:ext cx="10743480" cy="4571280"/>
+          </a:xfrm>
+          <a:prstGeom prst="rect">
+            <a:avLst/>
+          </a:prstGeom>
+          <a:noFill/>
+          <a:ln w="0">
+            <a:noFill/>
+          </a:ln>
+        </p:spPr>
+        <p:style>
+          <a:lnRef idx="0"/>
+          <a:fillRef idx="0"/>
+          <a:effectRef idx="0"/>
+          <a:fontRef idx="minor"/>
+        </p:style>
+        <p:txBody>
+          <a:bodyPr lIns="90000" tIns="45000" rIns="90000" bIns="45000" anchor="t">
+            <a:noAutofit/>
+          </a:bodyPr>
+          <a:p>
+            <a:pPr>
+              <a:lnSpc>
+                <a:spcPct val="100000"/>
+              </a:lnSpc>
+              <a:defRPr/>
+            </a:pPr>
+            <a:endParaRPr lang="en-US" sz="1800" b="0" strike="noStrike" spc="0">
+              <a:solidFill>
+                <a:srgbClr val="000000"/>
+              </a:solidFill>
+              <a:latin typeface="Arial"/>
+              <a:ea typeface="DejaVu Sans"/>
+            </a:endParaRPr>
+          </a:p>
+        </p:txBody>
+      </p:sp>
+      <p:sp>
+        <p:nvSpPr>
+          <p:cNvPr id="726043789" name="PlaceHolder 3"/>
+          <p:cNvSpPr/>
+          <p:nvPr/>
+        </p:nvSpPr>
+        <p:spPr bwMode="auto">
+          <a:xfrm>
+            <a:off x="624240" y="479880"/>
+            <a:ext cx="8068320" cy="610200"/>
+          </a:xfrm>
+          <a:prstGeom prst="rect">
+            <a:avLst/>
+          </a:prstGeom>
+          <a:noFill/>
+          <a:ln w="0">
+            <a:noFill/>
+          </a:ln>
+        </p:spPr>
+        <p:style>
+          <a:lnRef idx="0"/>
+          <a:fillRef idx="0"/>
+          <a:effectRef idx="0"/>
+          <a:fontRef idx="minor"/>
+        </p:style>
+        <p:txBody>
+          <a:bodyPr lIns="0" tIns="0" rIns="0" bIns="0" anchor="b">
+            <a:noAutofit/>
+          </a:bodyPr>
+          <a:p>
+            <a:pPr>
+              <a:lnSpc>
+                <a:spcPct val="90000"/>
+              </a:lnSpc>
+              <a:tabLst>
+                <a:tab pos="0" algn="l"/>
+              </a:tabLst>
+              <a:defRPr/>
+            </a:pPr>
+            <a:r>
+              <a:rPr lang="de-DE" sz="2400" b="1" strike="noStrike" spc="0">
+                <a:solidFill>
+                  <a:srgbClr val="1D3D91"/>
+                </a:solidFill>
+                <a:latin typeface="Overpass"/>
+              </a:rPr>
+              <a:t>Conclusion</a:t>
+            </a:r>
+            <a:endParaRPr lang="en-US" sz="2400" b="0" strike="noStrike" spc="0">
+              <a:solidFill>
+                <a:srgbClr val="000000"/>
+              </a:solidFill>
+              <a:latin typeface="Arial"/>
+            </a:endParaRPr>
+          </a:p>
+        </p:txBody>
+      </p:sp>
+      <p:sp>
+        <p:nvSpPr>
+          <p:cNvPr id="1072969698" name="PlaceHolder 1"/>
+          <p:cNvSpPr>
+            <a:spLocks noGrp="1"/>
+          </p:cNvSpPr>
+          <p:nvPr>
+            <p:ph type="ftr" idx="16"/>
+          </p:nvPr>
+        </p:nvSpPr>
+        <p:spPr bwMode="auto"/>
+        <p:txBody>
+          <a:bodyPr/>
+          <a:p>
+            <a:pPr>
+              <a:defRPr/>
+            </a:pPr>
+            <a:endParaRPr/>
+          </a:p>
+        </p:txBody>
+      </p:sp>
+      <p:sp>
+        <p:nvSpPr>
+          <p:cNvPr id="659756384" name=""/>
+          <p:cNvSpPr/>
+          <p:nvPr/>
+        </p:nvSpPr>
+        <p:spPr bwMode="auto">
+          <a:xfrm>
+            <a:off x="838197" y="1523998"/>
+            <a:ext cx="10743480" cy="4571280"/>
+          </a:xfrm>
+          <a:prstGeom prst="rect">
+            <a:avLst/>
+          </a:prstGeom>
+          <a:noFill/>
+          <a:ln w="0">
+            <a:noFill/>
+          </a:ln>
+        </p:spPr>
+        <p:style>
+          <a:lnRef idx="0"/>
+          <a:fillRef idx="0"/>
+          <a:effectRef idx="0"/>
+          <a:fontRef idx="minor"/>
+        </p:style>
+        <p:txBody>
+          <a:bodyPr lIns="90000" tIns="45000" rIns="90000" bIns="45000" anchor="t">
+            <a:noAutofit/>
+          </a:bodyPr>
+          <a:p>
+            <a:pPr marL="239820" indent="-239820">
+              <a:buFont typeface="Arial"/>
+              <a:buChar char="•"/>
+              <a:defRPr/>
+            </a:pPr>
+            <a:r>
+              <a:rPr sz="1400"/>
+              <a:t>Partitioned Communication in OpenMPI provides higher performance when using multiple threads</a:t>
+            </a:r>
+            <a:endParaRPr sz="1400"/>
+          </a:p>
+          <a:p>
+            <a:pPr marL="639869" lvl="1" indent="-239819">
+              <a:buFont typeface="Arial"/>
+              <a:buChar char="•"/>
+              <a:defRPr/>
+            </a:pPr>
+            <a:r>
+              <a:rPr sz="1400"/>
+              <a:t>However, no further optimizations such as message aggregation</a:t>
+            </a:r>
+            <a:endParaRPr sz="1400"/>
+          </a:p>
+          <a:p>
+            <a:pPr marL="239819" lvl="0" indent="-239819">
+              <a:buFont typeface="Arial"/>
+              <a:buChar char="•"/>
+              <a:defRPr/>
+            </a:pPr>
+            <a:r>
+              <a:rPr sz="1400"/>
+              <a:t>Partitioned Communication in MPICH currently provides lower performance than other mechanisms</a:t>
+            </a:r>
+            <a:endParaRPr sz="1400"/>
+          </a:p>
+        </p:txBody>
+      </p:sp>
+    </p:spTree>
+  </p:cSld>
+  <p:clrMapOvr>
+    <a:masterClrMapping/>
+  </p:clrMapOvr>
+  <mc:AlternateContent xmlns:mc="http://schemas.openxmlformats.org/markup-compatibility/2006">
+    <mc:Choice xmlns:p159="http://schemas.microsoft.com/office/powerpoint/2015/09/main" xmlns:p14="http://schemas.microsoft.com/office/powerpoint/2010/main" Requires="p159">
+      <p:transition p14:dur="2000" advClick="1"/>
+    </mc:Choice>
+    <mc:Fallback>
+      <p:transition advClick="1"/>
+    </mc:Fallback>
+  </mc:AlternateContent>
+</p:sld>
+</file>
+
+<file path=ppt/slides/slide25.xml><?xml version="1.0" encoding="utf-8"?>
+<p:sld xmlns:a="http://schemas.openxmlformats.org/drawingml/2006/main" xmlns:r="http://schemas.openxmlformats.org/officeDocument/2006/relationships" xmlns:p="http://schemas.openxmlformats.org/presentationml/2006/main" xmlns:m="http://schemas.openxmlformats.org/officeDocument/2006/math" xmlns:w="http://schemas.openxmlformats.org/wordprocessingml/2006/main" showMasterPhAnim="0" show="1">
+  <p:cSld name="">
+    <p:spTree>
+      <p:nvGrpSpPr>
+        <p:cNvPr id="1" name=""/>
+        <p:cNvGrpSpPr/>
+        <p:nvPr/>
+      </p:nvGrpSpPr>
+      <p:grpSpPr bwMode="auto">
+        <a:xfrm>
+          <a:off x="0" y="0"/>
+          <a:ext cx="0" cy="0"/>
+          <a:chOff x="0" y="0"/>
+          <a:chExt cx="0" cy="0"/>
+        </a:xfrm>
+      </p:grpSpPr>
+      <p:sp>
+        <p:nvSpPr>
+          <p:cNvPr id="376" name="PlaceHolder 1"/>
+          <p:cNvSpPr>
+            <a:spLocks noGrp="1"/>
+          </p:cNvSpPr>
+          <p:nvPr>
+            <p:ph type="title"/>
+          </p:nvPr>
+        </p:nvSpPr>
+        <p:spPr bwMode="auto">
+          <a:xfrm>
+            <a:off x="623879" y="479880"/>
+            <a:ext cx="8068320" cy="610200"/>
+          </a:xfrm>
+          <a:prstGeom prst="rect">
+            <a:avLst/>
+          </a:prstGeom>
+          <a:noFill/>
+          <a:ln w="0">
+            <a:noFill/>
+          </a:ln>
+        </p:spPr>
+        <p:txBody>
+          <a:bodyPr lIns="0" tIns="0" rIns="0" bIns="0" anchor="b">
+            <a:noAutofit/>
+          </a:bodyPr>
+          <a:p>
+            <a:pPr indent="0">
+              <a:lnSpc>
+                <a:spcPct val="90000"/>
+              </a:lnSpc>
+              <a:buNone/>
+              <a:tabLst>
+                <a:tab pos="0" algn="l"/>
+              </a:tabLst>
+              <a:defRPr/>
+            </a:pPr>
+            <a:r>
+              <a:rPr lang="de-DE" sz="2400" b="1" strike="noStrike" spc="-1">
+                <a:solidFill>
+                  <a:srgbClr val="1D3D91"/>
+                </a:solidFill>
+                <a:latin typeface="Overpass"/>
+              </a:rPr>
+              <a:t>Program Day 2:</a:t>
+            </a:r>
+            <a:br>
+              <a:rPr sz="2400"/>
+            </a:br>
+            <a:endParaRPr lang="en-US" sz="2400" b="0" strike="noStrike" spc="-1">
+              <a:solidFill>
+                <a:srgbClr val="000000"/>
+              </a:solidFill>
+              <a:latin typeface="Arial"/>
+            </a:endParaRPr>
+          </a:p>
+        </p:txBody>
+      </p:sp>
+      <p:pic>
+        <p:nvPicPr>
+          <p:cNvPr id="377" name="" descr=""/>
+          <p:cNvPicPr/>
+          <p:nvPr/>
+        </p:nvPicPr>
+        <p:blipFill>
+          <a:blip r:embed="rId3"/>
+          <a:stretch/>
+        </p:blipFill>
+        <p:spPr bwMode="auto">
+          <a:xfrm>
+            <a:off x="900000" y="848160"/>
+            <a:ext cx="6118560" cy="5369760"/>
+          </a:xfrm>
+          <a:prstGeom prst="rect">
+            <a:avLst/>
+          </a:prstGeom>
+          <a:ln w="0">
+            <a:noFill/>
+          </a:ln>
+        </p:spPr>
+      </p:pic>
+      <p:sp>
+        <p:nvSpPr>
+          <p:cNvPr id="3" name="PlaceHolder 2"/>
+          <p:cNvSpPr>
+            <a:spLocks noGrp="1"/>
+          </p:cNvSpPr>
+          <p:nvPr>
+            <p:ph type="ftr" idx="16"/>
+          </p:nvPr>
+        </p:nvSpPr>
+        <p:spPr bwMode="auto"/>
+        <p:txBody>
+          <a:bodyPr/>
+          <a:p>
+            <a:pPr>
+              <a:defRPr/>
+            </a:pPr>
+            <a:r>
+              <a:rPr/>
+              <a:t>IPTW 2023 - 5./6. October 2023</a:t>
+            </a:r>
+            <a:endParaRPr/>
+          </a:p>
+        </p:txBody>
+      </p:sp>
+    </p:spTree>
+  </p:cSld>
+  <p:clrMapOvr>
+    <a:masterClrMapping/>
+  </p:clrMapOvr>
+  <mc:AlternateContent xmlns:mc="http://schemas.openxmlformats.org/markup-compatibility/2006">
+    <mc:Choice xmlns:p159="http://schemas.microsoft.com/office/powerpoint/2015/09/main" xmlns:p14="http://schemas.microsoft.com/office/powerpoint/2010/main" Requires="p159">
+      <p:transition p14:dur="2000" advClick="1"/>
+    </mc:Choice>
+    <mc:Fallback>
+      <p:transition advClick="1"/>
+    </mc:Fallback>
+  </mc:AlternateContent>
+</p:sld>
+</file>
+
+<file path=ppt/slides/slide26.xml><?xml version="1.0" encoding="utf-8"?>
+<p:sld xmlns:a="http://schemas.openxmlformats.org/drawingml/2006/main" xmlns:r="http://schemas.openxmlformats.org/officeDocument/2006/relationships" xmlns:p="http://schemas.openxmlformats.org/presentationml/2006/main" xmlns:m="http://schemas.openxmlformats.org/officeDocument/2006/math" xmlns:w="http://schemas.openxmlformats.org/wordprocessingml/2006/main" showMasterPhAnim="0" show="1">
+  <p:cSld name="">
+    <p:spTree>
+      <p:nvGrpSpPr>
+        <p:cNvPr id="1" name=""/>
+        <p:cNvGrpSpPr/>
+        <p:nvPr/>
+      </p:nvGrpSpPr>
+      <p:grpSpPr bwMode="auto">
+        <a:xfrm>
+          <a:off x="0" y="0"/>
+          <a:ext cx="0" cy="0"/>
+          <a:chOff x="0" y="0"/>
+          <a:chExt cx="0" cy="0"/>
+        </a:xfrm>
+      </p:grpSpPr>
+      <p:sp>
+        <p:nvSpPr>
+          <p:cNvPr id="378" name="PlaceHolder 1"/>
+          <p:cNvSpPr>
+            <a:spLocks noGrp="1"/>
+          </p:cNvSpPr>
+          <p:nvPr>
+            <p:ph type="title"/>
+          </p:nvPr>
+        </p:nvSpPr>
+        <p:spPr bwMode="auto">
+          <a:xfrm>
+            <a:off x="623160" y="4437000"/>
+            <a:ext cx="10514160" cy="542160"/>
+          </a:xfrm>
+          <a:prstGeom prst="rect">
+            <a:avLst/>
+          </a:prstGeom>
+          <a:noFill/>
+          <a:ln w="0">
+            <a:noFill/>
+          </a:ln>
+        </p:spPr>
+        <p:txBody>
+          <a:bodyPr lIns="0" tIns="0" rIns="0" bIns="0" anchor="t">
+            <a:noAutofit/>
+          </a:bodyPr>
+          <a:p>
+            <a:pPr indent="0">
+              <a:lnSpc>
+                <a:spcPct val="90000"/>
+              </a:lnSpc>
+              <a:buNone/>
+              <a:tabLst>
+                <a:tab pos="0" algn="l"/>
+              </a:tabLst>
+              <a:defRPr/>
+            </a:pPr>
+            <a:r>
+              <a:rPr lang="de-DE" sz="3300" b="1" strike="noStrike" spc="-1">
+                <a:solidFill>
+                  <a:srgbClr val="FFFFFF"/>
+                </a:solidFill>
+                <a:latin typeface="Overpass"/>
+              </a:rPr>
+              <a:t>IPTW 2023</a:t>
+            </a:r>
+            <a:endParaRPr lang="en-US" sz="3300" b="0" strike="noStrike" spc="-1">
+              <a:solidFill>
+                <a:srgbClr val="000000"/>
+              </a:solidFill>
+              <a:latin typeface="Arial"/>
+            </a:endParaRPr>
+          </a:p>
+        </p:txBody>
+      </p:sp>
+      <p:sp>
+        <p:nvSpPr>
+          <p:cNvPr id="379" name="PlaceHolder 2"/>
+          <p:cNvSpPr>
+            <a:spLocks noGrp="1"/>
+          </p:cNvSpPr>
+          <p:nvPr>
+            <p:ph/>
+          </p:nvPr>
+        </p:nvSpPr>
+        <p:spPr bwMode="auto">
+          <a:xfrm>
+            <a:off x="623879" y="5419800"/>
+            <a:ext cx="7488360" cy="862560"/>
+          </a:xfrm>
+          <a:prstGeom prst="rect">
+            <a:avLst/>
+          </a:prstGeom>
+          <a:noFill/>
+          <a:ln w="0">
+            <a:noFill/>
+          </a:ln>
+        </p:spPr>
+        <p:txBody>
+          <a:bodyPr lIns="0" tIns="0" rIns="0" bIns="0" anchor="t">
+            <a:noAutofit/>
+          </a:bodyPr>
+          <a:p>
+            <a:pPr indent="0">
+              <a:lnSpc>
+                <a:spcPct val="90000"/>
+              </a:lnSpc>
+              <a:buNone/>
+              <a:tabLst>
+                <a:tab pos="0" algn="l"/>
+              </a:tabLst>
+              <a:defRPr/>
+            </a:pPr>
+            <a:r>
+              <a:rPr lang="de-DE" sz="1800" b="1" strike="noStrike" spc="-1">
+                <a:solidFill>
+                  <a:srgbClr val="FFFFFF"/>
+                </a:solidFill>
+                <a:latin typeface="Overpass"/>
+              </a:rPr>
+              <a:t>International Parallel Tools Workshop, 5./6. October 2023</a:t>
+            </a:r>
+            <a:endParaRPr lang="en-US" sz="1800" b="0" strike="noStrike" spc="-1">
+              <a:solidFill>
+                <a:srgbClr val="000000"/>
+              </a:solidFill>
+              <a:latin typeface="Arial"/>
+            </a:endParaRPr>
+          </a:p>
+        </p:txBody>
+      </p:sp>
+      <p:sp>
+        <p:nvSpPr>
+          <p:cNvPr id="380" name="Titel 1"/>
+          <p:cNvSpPr/>
+          <p:nvPr/>
+        </p:nvSpPr>
+        <p:spPr bwMode="auto">
+          <a:xfrm>
+            <a:off x="3600000" y="3164760"/>
+            <a:ext cx="7738920" cy="542160"/>
+          </a:xfrm>
+          <a:prstGeom prst="rect">
+            <a:avLst/>
+          </a:prstGeom>
+          <a:noFill/>
+          <a:ln w="0">
+            <a:noFill/>
+          </a:ln>
+        </p:spPr>
+        <p:style>
+          <a:lnRef idx="0"/>
+          <a:fillRef idx="0"/>
+          <a:effectRef idx="0"/>
+          <a:fontRef idx="minor"/>
+        </p:style>
+        <p:txBody>
+          <a:bodyPr lIns="0" tIns="0" rIns="0" bIns="0" anchor="t">
+            <a:noAutofit/>
+          </a:bodyPr>
+          <a:p>
+            <a:pPr>
+              <a:lnSpc>
+                <a:spcPct val="90000"/>
+              </a:lnSpc>
+              <a:defRPr/>
+            </a:pPr>
+            <a:r>
+              <a:rPr lang="de-DE" sz="4800" b="1" strike="noStrike" spc="-1">
+                <a:solidFill>
+                  <a:srgbClr val="FFFFFF"/>
+                </a:solidFill>
+                <a:latin typeface="Overpass"/>
+                <a:ea typeface="DejaVu Sans"/>
+              </a:rPr>
+              <a:t>Thanks for participating!</a:t>
+            </a:r>
+            <a:endParaRPr lang="en-US" sz="4800" b="0" strike="noStrike" spc="-1">
+              <a:solidFill>
+                <a:srgbClr val="000000"/>
+              </a:solidFill>
+              <a:latin typeface="Arial"/>
+            </a:endParaRPr>
           </a:p>
         </p:txBody>
       </p:sp>
@@ -5242,7 +9655,7 @@
       </p:grpSpPr>
       <p:sp>
         <p:nvSpPr>
-          <p:cNvPr id="365" name="PlaceHolder 1"/>
+          <p:cNvPr id="1892447804" name="PlaceHolder 1"/>
           <p:cNvSpPr>
             <a:spLocks noGrp="1"/>
           </p:cNvSpPr>
@@ -5252,7 +9665,7 @@
         </p:nvSpPr>
         <p:spPr bwMode="auto">
           <a:xfrm>
-            <a:off x="623879" y="479880"/>
+            <a:off x="623877" y="479880"/>
             <a:ext cx="8068320" cy="610200"/>
           </a:xfrm>
           <a:prstGeom prst="rect">
@@ -5279,6 +9692,116 @@
               <a:defRPr/>
             </a:pPr>
             <a:r>
+              <a:rPr lang="de-DE" sz="2400" b="1" strike="noStrike" spc="0">
+                <a:solidFill>
+                  <a:srgbClr val="1D3D91"/>
+                </a:solidFill>
+                <a:latin typeface="Overpass"/>
+              </a:rPr>
+              <a:t>MPI: Partitioned Communication</a:t>
+            </a:r>
+            <a:endParaRPr lang="en-US" sz="2400" b="0" strike="noStrike" spc="0">
+              <a:solidFill>
+                <a:srgbClr val="000000"/>
+              </a:solidFill>
+              <a:latin typeface="Arial"/>
+            </a:endParaRPr>
+          </a:p>
+        </p:txBody>
+      </p:sp>
+      <p:sp>
+        <p:nvSpPr>
+          <p:cNvPr id="2109916795" name="PlaceHolder 2"/>
+          <p:cNvSpPr>
+            <a:spLocks noGrp="1"/>
+          </p:cNvSpPr>
+          <p:nvPr>
+            <p:ph type="ftr" idx="16"/>
+          </p:nvPr>
+        </p:nvSpPr>
+        <p:spPr bwMode="auto"/>
+        <p:txBody>
+          <a:bodyPr/>
+          <a:p>
+            <a:pPr>
+              <a:defRPr/>
+            </a:pPr>
+            <a:endParaRPr/>
+          </a:p>
+        </p:txBody>
+      </p:sp>
+    </p:spTree>
+  </p:cSld>
+  <p:clrMapOvr>
+    <a:masterClrMapping/>
+  </p:clrMapOvr>
+  <mc:AlternateContent xmlns:mc="http://schemas.openxmlformats.org/markup-compatibility/2006">
+    <mc:Choice xmlns:p159="http://schemas.microsoft.com/office/powerpoint/2015/09/main" xmlns:p14="http://schemas.microsoft.com/office/powerpoint/2010/main" Requires="p159">
+      <p:transition p14:dur="2000" advClick="1"/>
+    </mc:Choice>
+    <mc:Fallback>
+      <p:transition advClick="1"/>
+    </mc:Fallback>
+  </mc:AlternateContent>
+</p:sld>
+</file>
+
+<file path=ppt/slides/slide4.xml><?xml version="1.0" encoding="utf-8"?>
+<p:sld xmlns:a="http://schemas.openxmlformats.org/drawingml/2006/main" xmlns:r="http://schemas.openxmlformats.org/officeDocument/2006/relationships" xmlns:p="http://schemas.openxmlformats.org/presentationml/2006/main" xmlns:m="http://schemas.openxmlformats.org/officeDocument/2006/math" xmlns:w="http://schemas.openxmlformats.org/wordprocessingml/2006/main" showMasterPhAnim="0" show="1">
+  <p:cSld name="">
+    <p:spTree>
+      <p:nvGrpSpPr>
+        <p:cNvPr id="1" name=""/>
+        <p:cNvGrpSpPr/>
+        <p:nvPr/>
+      </p:nvGrpSpPr>
+      <p:grpSpPr bwMode="auto">
+        <a:xfrm>
+          <a:off x="0" y="0"/>
+          <a:ext cx="0" cy="0"/>
+          <a:chOff x="0" y="0"/>
+          <a:chExt cx="0" cy="0"/>
+        </a:xfrm>
+      </p:grpSpPr>
+      <p:sp>
+        <p:nvSpPr>
+          <p:cNvPr id="365" name="PlaceHolder 1"/>
+          <p:cNvSpPr>
+            <a:spLocks noGrp="1"/>
+          </p:cNvSpPr>
+          <p:nvPr>
+            <p:ph type="title"/>
+          </p:nvPr>
+        </p:nvSpPr>
+        <p:spPr bwMode="auto">
+          <a:xfrm>
+            <a:off x="623879" y="479880"/>
+            <a:ext cx="8068320" cy="610200"/>
+          </a:xfrm>
+          <a:prstGeom prst="rect">
+            <a:avLst/>
+          </a:prstGeom>
+          <a:noFill/>
+          <a:ln w="0">
+            <a:noFill/>
+          </a:ln>
+        </p:spPr>
+        <p:txBody>
+          <a:bodyPr lIns="0" tIns="0" rIns="0" bIns="0" anchor="b">
+            <a:noAutofit/>
+          </a:bodyPr>
+          <a:p>
+            <a:pPr indent="0">
+              <a:lnSpc>
+                <a:spcPct val="90000"/>
+              </a:lnSpc>
+              <a:buNone/>
+              <a:tabLst>
+                <a:tab pos="0" algn="l"/>
+              </a:tabLst>
+              <a:defRPr/>
+            </a:pPr>
+            <a:r>
               <a:rPr lang="de-DE" sz="2400" b="1" strike="noStrike" spc="-1">
                 <a:solidFill>
                   <a:srgbClr val="1D3D91"/>
@@ -5366,7 +9889,7 @@
         <p:spPr bwMode="auto">
           <a:xfrm flipH="0" flipV="0">
             <a:off x="1813470" y="2344073"/>
-            <a:ext cx="1444892" cy="244199"/>
+            <a:ext cx="1444891" cy="244199"/>
           </a:xfrm>
           <a:prstGeom prst="rect">
             <a:avLst/>
@@ -5608,7 +10131,7 @@
           <p:nvPr/>
         </p:nvCxnSpPr>
         <p:spPr bwMode="auto">
-          <a:xfrm rot="5399978" flipH="0" flipV="1">
+          <a:xfrm rot="5399976" flipH="0" flipV="1">
             <a:off x="2353812" y="2163408"/>
             <a:ext cx="361330" cy="0"/>
           </a:xfrm>
@@ -5655,7 +10178,7 @@
           <p:nvPr/>
         </p:nvCxnSpPr>
         <p:spPr bwMode="auto">
-          <a:xfrm rot="5399978" flipH="0" flipV="1">
+          <a:xfrm rot="5399976" flipH="0" flipV="1">
             <a:off x="2355323" y="2768868"/>
             <a:ext cx="361188" cy="0"/>
           </a:xfrm>
@@ -5699,7 +10222,7 @@
           <p:nvPr/>
         </p:nvCxnSpPr>
         <p:spPr bwMode="auto">
-          <a:xfrm rot="5399978" flipH="0" flipV="0">
+          <a:xfrm rot="5399976" flipH="0" flipV="0">
             <a:off x="1826585" y="2240130"/>
             <a:ext cx="361188" cy="1057474"/>
           </a:xfrm>
@@ -5743,7 +10266,7 @@
           <p:nvPr/>
         </p:nvCxnSpPr>
         <p:spPr bwMode="auto">
-          <a:xfrm rot="5399978" flipH="0" flipV="1">
+          <a:xfrm rot="5399976" flipH="0" flipV="1">
             <a:off x="2878691" y="2245499"/>
             <a:ext cx="361188" cy="1046737"/>
           </a:xfrm>
@@ -5787,7 +10310,7 @@
           <p:nvPr/>
         </p:nvCxnSpPr>
         <p:spPr bwMode="auto">
-          <a:xfrm rot="5399978" flipH="0" flipV="1">
+          <a:xfrm rot="5399976" flipH="0" flipV="1">
             <a:off x="1864464" y="2807640"/>
             <a:ext cx="282911" cy="1054955"/>
           </a:xfrm>
@@ -5831,7 +10354,7 @@
           <p:nvPr/>
         </p:nvCxnSpPr>
         <p:spPr bwMode="auto">
-          <a:xfrm rot="5399978" flipH="0" flipV="0">
+          <a:xfrm rot="5399976" flipH="0" flipV="0">
             <a:off x="2393201" y="3335118"/>
             <a:ext cx="282911" cy="0"/>
           </a:xfrm>
@@ -5875,7 +10398,7 @@
           <p:nvPr/>
         </p:nvCxnSpPr>
         <p:spPr bwMode="auto">
-          <a:xfrm rot="5399978" flipH="0" flipV="0">
+          <a:xfrm rot="5399976" flipH="0" flipV="0">
             <a:off x="2916570" y="2810489"/>
             <a:ext cx="282911" cy="1049256"/>
           </a:xfrm>
@@ -5919,7 +10442,7 @@
           <p:nvPr/>
         </p:nvCxnSpPr>
         <p:spPr bwMode="auto">
-          <a:xfrm rot="5399978" flipH="0" flipV="1">
+          <a:xfrm rot="5399976" flipH="0" flipV="1">
             <a:off x="2399097" y="3859754"/>
             <a:ext cx="277959" cy="0"/>
           </a:xfrm>
@@ -5968,243 +10491,6 @@
 </p:sld>
 </file>
 
-<file path=ppt/slides/slide4.xml><?xml version="1.0" encoding="utf-8"?>
-<p:sld xmlns:a="http://schemas.openxmlformats.org/drawingml/2006/main" xmlns:r="http://schemas.openxmlformats.org/officeDocument/2006/relationships" xmlns:p="http://schemas.openxmlformats.org/presentationml/2006/main" xmlns:m="http://schemas.openxmlformats.org/officeDocument/2006/math" xmlns:w="http://schemas.openxmlformats.org/wordprocessingml/2006/main" showMasterPhAnim="0" show="1">
-  <p:cSld name="">
-    <p:spTree>
-      <p:nvGrpSpPr>
-        <p:cNvPr id="1" name=""/>
-        <p:cNvGrpSpPr/>
-        <p:nvPr/>
-      </p:nvGrpSpPr>
-      <p:grpSpPr bwMode="auto">
-        <a:xfrm>
-          <a:off x="0" y="0"/>
-          <a:ext cx="0" cy="0"/>
-          <a:chOff x="0" y="0"/>
-          <a:chExt cx="0" cy="0"/>
-        </a:xfrm>
-      </p:grpSpPr>
-      <p:sp>
-        <p:nvSpPr>
-          <p:cNvPr id="71453817" name="PlaceHolder 1"/>
-          <p:cNvSpPr>
-            <a:spLocks noGrp="1"/>
-          </p:cNvSpPr>
-          <p:nvPr>
-            <p:ph type="title"/>
-          </p:nvPr>
-        </p:nvSpPr>
-        <p:spPr bwMode="auto">
-          <a:xfrm>
-            <a:off x="623878" y="479880"/>
-            <a:ext cx="8068320" cy="610200"/>
-          </a:xfrm>
-          <a:prstGeom prst="rect">
-            <a:avLst/>
-          </a:prstGeom>
-          <a:noFill/>
-          <a:ln w="0">
-            <a:noFill/>
-          </a:ln>
-        </p:spPr>
-        <p:txBody>
-          <a:bodyPr lIns="0" tIns="0" rIns="0" bIns="0" anchor="b">
-            <a:noAutofit/>
-          </a:bodyPr>
-          <a:p>
-            <a:pPr indent="0">
-              <a:lnSpc>
-                <a:spcPct val="90000"/>
-              </a:lnSpc>
-              <a:buNone/>
-              <a:tabLst>
-                <a:tab pos="0" algn="l"/>
-              </a:tabLst>
-              <a:defRPr/>
-            </a:pPr>
-            <a:r>
-              <a:rPr lang="de-DE" sz="2400" b="1" strike="noStrike" spc="0">
-                <a:solidFill>
-                  <a:srgbClr val="1D3D91"/>
-                </a:solidFill>
-                <a:latin typeface="Overpass"/>
-              </a:rPr>
-              <a:t>MPI-4.1: Nonblocking Communication Operations</a:t>
-            </a:r>
-            <a:endParaRPr lang="en-US" sz="2400" b="0" strike="noStrike" spc="0">
-              <a:solidFill>
-                <a:srgbClr val="000000"/>
-              </a:solidFill>
-              <a:latin typeface="Arial"/>
-            </a:endParaRPr>
-          </a:p>
-        </p:txBody>
-      </p:sp>
-      <p:sp>
-        <p:nvSpPr>
-          <p:cNvPr id="1849045036" name=""/>
-          <p:cNvSpPr/>
-          <p:nvPr/>
-        </p:nvSpPr>
-        <p:spPr bwMode="auto">
-          <a:xfrm>
-            <a:off x="685800" y="1371600"/>
-            <a:ext cx="10743480" cy="4571280"/>
-          </a:xfrm>
-          <a:prstGeom prst="rect">
-            <a:avLst/>
-          </a:prstGeom>
-          <a:noFill/>
-          <a:ln w="0">
-            <a:noFill/>
-          </a:ln>
-        </p:spPr>
-        <p:style>
-          <a:lnRef idx="0"/>
-          <a:fillRef idx="0"/>
-          <a:effectRef idx="0"/>
-          <a:fontRef idx="minor"/>
-        </p:style>
-        <p:txBody>
-          <a:bodyPr lIns="90000" tIns="45000" rIns="90000" bIns="45000" anchor="t">
-            <a:noAutofit/>
-          </a:bodyPr>
-          <a:p>
-            <a:pPr>
-              <a:lnSpc>
-                <a:spcPct val="100000"/>
-              </a:lnSpc>
-              <a:defRPr/>
-            </a:pPr>
-            <a:r>
-              <a:rPr lang="en-US" sz="1800" b="1" strike="noStrike" spc="0">
-                <a:solidFill>
-                  <a:srgbClr val="000000"/>
-                </a:solidFill>
-                <a:latin typeface="Arial"/>
-                <a:ea typeface="DejaVu Sans"/>
-              </a:rPr>
-              <a:t>Progress</a:t>
-            </a:r>
-            <a:r>
-              <a:rPr lang="en-US" sz="1800" b="0" strike="noStrike" spc="0">
-                <a:solidFill>
-                  <a:srgbClr val="000000"/>
-                </a:solidFill>
-                <a:latin typeface="Arial"/>
-                <a:ea typeface="DejaVu Sans"/>
-              </a:rPr>
-              <a:t>. A call to MPI_WAIT that completes a receive will eventually terminate and return if a matching send has been started, unless the send is satisfied by another receive.</a:t>
-            </a:r>
-            <a:endParaRPr lang="en-US" sz="1800" b="0" strike="noStrike" spc="0">
-              <a:solidFill>
-                <a:srgbClr val="000000"/>
-              </a:solidFill>
-              <a:latin typeface="Arial"/>
-            </a:endParaRPr>
-          </a:p>
-          <a:p>
-            <a:pPr>
-              <a:lnSpc>
-                <a:spcPct val="100000"/>
-              </a:lnSpc>
-              <a:defRPr/>
-            </a:pPr>
-            <a:endParaRPr lang="en-US" sz="1800" b="0" strike="noStrike" spc="0">
-              <a:solidFill>
-                <a:srgbClr val="000000"/>
-              </a:solidFill>
-              <a:latin typeface="Arial"/>
-            </a:endParaRPr>
-          </a:p>
-          <a:p>
-            <a:pPr>
-              <a:lnSpc>
-                <a:spcPct val="100000"/>
-              </a:lnSpc>
-              <a:defRPr/>
-            </a:pPr>
-            <a:r>
-              <a:rPr lang="en-US" sz="1800" b="0" strike="noStrike" spc="0">
-                <a:solidFill>
-                  <a:srgbClr val="000000"/>
-                </a:solidFill>
-                <a:latin typeface="Arial"/>
-                <a:ea typeface="DejaVu Sans"/>
-              </a:rPr>
-              <a:t>In particular, if the matching send is nonblocking, then the receive should complete even if</a:t>
-            </a:r>
-            <a:endParaRPr lang="en-US" sz="1800" b="0" strike="noStrike" spc="0">
-              <a:solidFill>
-                <a:srgbClr val="000000"/>
-              </a:solidFill>
-              <a:latin typeface="Arial"/>
-            </a:endParaRPr>
-          </a:p>
-          <a:p>
-            <a:pPr>
-              <a:lnSpc>
-                <a:spcPct val="100000"/>
-              </a:lnSpc>
-              <a:defRPr/>
-            </a:pPr>
-            <a:r>
-              <a:rPr lang="en-US" sz="1800" b="0" strike="noStrike" spc="0">
-                <a:solidFill>
-                  <a:srgbClr val="000000"/>
-                </a:solidFill>
-                <a:latin typeface="Arial"/>
-                <a:ea typeface="DejaVu Sans"/>
-              </a:rPr>
-              <a:t>no call is executed by the sender to complete the send.</a:t>
-            </a:r>
-            <a:endParaRPr lang="en-US" sz="1800" b="0" strike="noStrike" spc="0">
-              <a:solidFill>
-                <a:srgbClr val="000000"/>
-              </a:solidFill>
-              <a:latin typeface="Arial"/>
-            </a:endParaRPr>
-          </a:p>
-        </p:txBody>
-      </p:sp>
-      <p:sp>
-        <p:nvSpPr>
-          <p:cNvPr id="1941926072" name="PlaceHolder 2"/>
-          <p:cNvSpPr>
-            <a:spLocks noGrp="1"/>
-          </p:cNvSpPr>
-          <p:nvPr>
-            <p:ph type="ftr" idx="16"/>
-          </p:nvPr>
-        </p:nvSpPr>
-        <p:spPr bwMode="auto"/>
-        <p:txBody>
-          <a:bodyPr/>
-          <a:p>
-            <a:pPr>
-              <a:defRPr/>
-            </a:pPr>
-            <a:endParaRPr/>
-          </a:p>
-        </p:txBody>
-      </p:sp>
-    </p:spTree>
-  </p:cSld>
-  <p:clrMapOvr>
-    <a:masterClrMapping/>
-  </p:clrMapOvr>
-  <mc:AlternateContent xmlns:mc="http://schemas.openxmlformats.org/markup-compatibility/2006">
-    <mc:Choice xmlns:p159="http://schemas.microsoft.com/office/powerpoint/2015/09/main" xmlns:p14="http://schemas.microsoft.com/office/powerpoint/2010/main" Requires="p159">
-      <p:transition p14:dur="2000" advClick="1"/>
-    </mc:Choice>
-    <mc:Fallback>
-      <p:transition advClick="1"/>
-    </mc:Fallback>
-  </mc:AlternateContent>
-</p:sld>
-</file>
-
 <file path=ppt/slides/slide5.xml><?xml version="1.0" encoding="utf-8"?>
 <p:sld xmlns:a="http://schemas.openxmlformats.org/drawingml/2006/main" xmlns:r="http://schemas.openxmlformats.org/officeDocument/2006/relationships" xmlns:p="http://schemas.openxmlformats.org/presentationml/2006/main" xmlns:m="http://schemas.openxmlformats.org/officeDocument/2006/math" xmlns:w="http://schemas.openxmlformats.org/wordprocessingml/2006/main" showMasterPhAnim="0" show="1">
   <p:cSld name="">
@@ -6309,6 +10595,103 @@
           </a:bodyPr>
           <a:p>
             <a:pPr>
+              <a:defRPr/>
+            </a:pPr>
+            <a:r>
+              <a:rPr lang="en-US" sz="1800" b="1" i="0" u="none" strike="noStrike" cap="none" spc="0">
+                <a:solidFill>
+                  <a:srgbClr val="000000"/>
+                </a:solidFill>
+                <a:latin typeface="Arial"/>
+                <a:ea typeface="Arial"/>
+                <a:cs typeface="Arial"/>
+              </a:rPr>
+              <a:t>Order (3.5)</a:t>
+            </a:r>
+            <a:r>
+              <a:rPr lang="en-US" sz="1800" b="0" i="0" u="none" strike="noStrike" cap="none" spc="0">
+                <a:solidFill>
+                  <a:srgbClr val="000000"/>
+                </a:solidFill>
+                <a:latin typeface="Arial"/>
+                <a:ea typeface="Arial"/>
+                <a:cs typeface="Arial"/>
+              </a:rPr>
+              <a:t>. Messages are nonovertaking: If a sender sends two messages in succession to the</a:t>
+            </a:r>
+            <a:endParaRPr lang="en-US" sz="1800" b="0" i="0" u="none" strike="noStrike" cap="none" spc="0">
+              <a:solidFill>
+                <a:srgbClr val="000000"/>
+              </a:solidFill>
+              <a:latin typeface="Arial"/>
+              <a:cs typeface="Arial"/>
+            </a:endParaRPr>
+          </a:p>
+          <a:p>
+            <a:pPr>
+              <a:defRPr/>
+            </a:pPr>
+            <a:r>
+              <a:rPr lang="en-US" sz="1800" b="0" i="0" u="none" strike="noStrike" cap="none" spc="0">
+                <a:solidFill>
+                  <a:srgbClr val="000000"/>
+                </a:solidFill>
+                <a:latin typeface="Arial"/>
+                <a:ea typeface="Arial"/>
+                <a:cs typeface="Arial"/>
+              </a:rPr>
+              <a:t>same destination, and both match the same receive, then this operation cannot receive the</a:t>
+            </a:r>
+            <a:endParaRPr lang="en-US" sz="1800" b="0" i="0" u="none" strike="noStrike" cap="none" spc="0">
+              <a:solidFill>
+                <a:srgbClr val="000000"/>
+              </a:solidFill>
+              <a:latin typeface="Arial"/>
+              <a:cs typeface="Arial"/>
+            </a:endParaRPr>
+          </a:p>
+          <a:p>
+            <a:pPr>
+              <a:lnSpc>
+                <a:spcPct val="100000"/>
+              </a:lnSpc>
+              <a:defRPr/>
+            </a:pPr>
+            <a:r>
+              <a:rPr lang="en-US" sz="1800" b="0" i="0" u="none" strike="noStrike" cap="none" spc="0">
+                <a:solidFill>
+                  <a:srgbClr val="000000"/>
+                </a:solidFill>
+                <a:latin typeface="Arial"/>
+                <a:ea typeface="Arial"/>
+                <a:cs typeface="Arial"/>
+              </a:rPr>
+              <a:t>second message if the first one is still pending.</a:t>
+            </a:r>
+            <a:endParaRPr lang="en-US" sz="1800" b="0" strike="noStrike" spc="0">
+              <a:solidFill>
+                <a:srgbClr val="000000"/>
+              </a:solidFill>
+              <a:latin typeface="Arial"/>
+            </a:endParaRPr>
+          </a:p>
+          <a:p>
+            <a:pPr>
+              <a:lnSpc>
+                <a:spcPct val="100000"/>
+              </a:lnSpc>
+              <a:defRPr/>
+            </a:pPr>
+            <a:endParaRPr lang="en-US" sz="1800" b="0" strike="noStrike" spc="0">
+              <a:solidFill>
+                <a:srgbClr val="000000"/>
+              </a:solidFill>
+              <a:latin typeface="Arial"/>
+              <a:ea typeface="DejaVu Sans"/>
+            </a:endParaRPr>
+          </a:p>
+          <a:p>
+            <a:pPr>
               <a:lnSpc>
                 <a:spcPct val="100000"/>
               </a:lnSpc>
@@ -6322,7 +10705,7 @@
                 <a:latin typeface="Arial"/>
                 <a:ea typeface="DejaVu Sans"/>
               </a:rPr>
-              <a:t>Order</a:t>
+              <a:t>Order (3.7.4)</a:t>
             </a:r>
             <a:r>
               <a:rPr lang="en-US" sz="1800" b="0" strike="noStrike" spc="-1">
@@ -6334,11 +10717,12 @@
               </a:rPr>
               <a:t>. Nonblocking communication operations are ordered according to the execution</a:t>
             </a:r>
-            <a:endParaRPr lang="en-US" sz="1800" b="0" strike="noStrike" spc="-1">
+            <a:endParaRPr lang="en-US" sz="1800" b="0" strike="noStrike" spc="0">
               <a:solidFill>
                 <a:srgbClr val="000000"/>
               </a:solidFill>
               <a:latin typeface="Arial"/>
+              <a:ea typeface="DejaVu Sans"/>
             </a:endParaRPr>
           </a:p>
           <a:p>
@@ -6423,7 +10807,7 @@
       </p:grpSpPr>
       <p:sp>
         <p:nvSpPr>
-          <p:cNvPr id="369" name="PlaceHolder 1"/>
+          <p:cNvPr id="71453817" name="PlaceHolder 1"/>
           <p:cNvSpPr>
             <a:spLocks noGrp="1"/>
           </p:cNvSpPr>
@@ -6433,7 +10817,7 @@
         </p:nvSpPr>
         <p:spPr bwMode="auto">
           <a:xfrm>
-            <a:off x="623879" y="479880"/>
+            <a:off x="623878" y="479880"/>
             <a:ext cx="8068320" cy="610200"/>
           </a:xfrm>
           <a:prstGeom prst="rect">
@@ -6460,15 +10844,15 @@
               <a:defRPr/>
             </a:pPr>
             <a:r>
-              <a:rPr lang="de-DE" sz="2400" b="1" strike="noStrike" spc="-1">
+              <a:rPr lang="de-DE" sz="2400" b="1" strike="noStrike" spc="0">
                 <a:solidFill>
                   <a:srgbClr val="1D3D91"/>
                 </a:solidFill>
                 <a:latin typeface="Overpass"/>
               </a:rPr>
-              <a:t>MPI-4.1: Partitioned Communication</a:t>
-            </a:r>
-            <a:endParaRPr lang="en-US" sz="2400" b="0" strike="noStrike" spc="-1">
+              <a:t>MPI-4.1: Nonblocking Communication Operations</a:t>
+            </a:r>
+            <a:endParaRPr lang="en-US" sz="2400" b="0" strike="noStrike" spc="0">
               <a:solidFill>
                 <a:srgbClr val="000000"/>
               </a:solidFill>
@@ -6479,7 +10863,7 @@
       </p:sp>
       <p:sp>
         <p:nvSpPr>
-          <p:cNvPr id="370" name=""/>
+          <p:cNvPr id="1849045036" name=""/>
           <p:cNvSpPr/>
           <p:nvPr/>
         </p:nvSpPr>
@@ -6514,26 +10898,26 @@
               <a:defRPr/>
             </a:pPr>
             <a:r>
-              <a:rPr lang="en-US" sz="1800" b="0" i="1" strike="noStrike" spc="-1">
+              <a:rPr lang="en-US" sz="1800" b="1" strike="noStrike" spc="0">
                 <a:solidFill>
                   <a:srgbClr val="000000"/>
                 </a:solidFill>
                 <a:latin typeface="Arial"/>
                 <a:ea typeface="DejaVu Sans"/>
               </a:rPr>
-              <a:t>Rationale</a:t>
-            </a:r>
-            <a:r>
-              <a:rPr lang="en-US" sz="1800" b="0" strike="noStrike" spc="-1">
+              <a:t>Progress (3.7.4)</a:t>
+            </a:r>
+            <a:r>
+              <a:rPr lang="en-US" sz="1800" b="0" strike="noStrike" spc="0">
                 <a:solidFill>
                   <a:srgbClr val="000000"/>
                 </a:solidFill>
                 <a:latin typeface="Arial"/>
                 <a:ea typeface="DejaVu Sans"/>
               </a:rPr>
-              <a:t>. Partitioned communication is designed to provide opportunities for MPI implementations to optimize data transfers. MPI is free to choose how many transfers to do within a partitioned communication send independent of how many partitions are reported as ready to MPI through MPI_PREADY calls. </a:t>
-            </a:r>
-            <a:endParaRPr lang="en-US" sz="1800" b="0" strike="noStrike" spc="-1">
+              <a:t>. A call to MPI_WAIT that completes a receive will eventually terminate and return if a matching send has been started, unless the send is satisfied by another receive.</a:t>
+            </a:r>
+            <a:endParaRPr lang="en-US" sz="1800" b="0" strike="noStrike" spc="0">
               <a:solidFill>
                 <a:srgbClr val="000000"/>
               </a:solidFill>
@@ -6547,17 +10931,31 @@
               </a:lnSpc>
               <a:defRPr/>
             </a:pPr>
-            <a:r>
-              <a:rPr lang="en-US" sz="1800" b="0" strike="noStrike" spc="-1">
+            <a:endParaRPr lang="en-US" sz="1800" b="0" strike="noStrike" spc="0">
+              <a:solidFill>
+                <a:srgbClr val="000000"/>
+              </a:solidFill>
+              <a:latin typeface="Arial"/>
+            </a:endParaRPr>
+          </a:p>
+          <a:p>
+            <a:pPr>
+              <a:lnSpc>
+                <a:spcPct val="100000"/>
+              </a:lnSpc>
+              <a:defRPr/>
+            </a:pPr>
+            <a:r>
+              <a:rPr lang="en-US" sz="1800" b="0" strike="noStrike" spc="0">
                 <a:solidFill>
                   <a:srgbClr val="000000"/>
                 </a:solidFill>
                 <a:latin typeface="Arial"/>
                 <a:ea typeface="DejaVu Sans"/>
               </a:rPr>
-              <a:t>Aggregation of partitions is permitted but not required. </a:t>
-            </a:r>
-            <a:endParaRPr lang="en-US" sz="1800" b="0" strike="noStrike" spc="-1">
+              <a:t>In particular, if the matching send is nonblocking, then the receive should complete even if</a:t>
+            </a:r>
+            <a:endParaRPr lang="en-US" sz="1800" b="0" strike="noStrike" spc="0">
               <a:solidFill>
                 <a:srgbClr val="000000"/>
               </a:solidFill>
@@ -6572,133 +10970,27 @@
               <a:defRPr/>
             </a:pPr>
             <a:r>
-              <a:rPr lang="en-US" sz="1800" b="0" strike="noStrike" spc="-1">
+              <a:rPr lang="en-US" sz="1800" b="0" strike="noStrike" spc="0">
                 <a:solidFill>
                   <a:srgbClr val="000000"/>
                 </a:solidFill>
                 <a:latin typeface="Arial"/>
                 <a:ea typeface="DejaVu Sans"/>
               </a:rPr>
-              <a:t>Ordering of partitions is permitted but not required.</a:t>
-            </a:r>
-            <a:endParaRPr lang="en-US" sz="1800" b="0" strike="noStrike" spc="-1">
+              <a:t>no call is executed by the sender to complete the send.</a:t>
+            </a:r>
+            <a:endParaRPr lang="en-US" sz="1800" b="0" strike="noStrike" spc="0">
               <a:solidFill>
                 <a:srgbClr val="000000"/>
               </a:solidFill>
               <a:latin typeface="Arial"/>
             </a:endParaRPr>
           </a:p>
-          <a:p>
-            <a:pPr>
-              <a:lnSpc>
-                <a:spcPct val="100000"/>
-              </a:lnSpc>
-              <a:defRPr/>
-            </a:pPr>
-            <a:endParaRPr lang="en-US" sz="1800" b="0" strike="noStrike" spc="-1">
-              <a:solidFill>
-                <a:srgbClr val="000000"/>
-              </a:solidFill>
-              <a:latin typeface="Arial"/>
-            </a:endParaRPr>
-          </a:p>
-          <a:p>
-            <a:pPr>
-              <a:lnSpc>
-                <a:spcPct val="100000"/>
-              </a:lnSpc>
-              <a:defRPr/>
-            </a:pPr>
-            <a:r>
-              <a:rPr lang="en-US" sz="1800" b="0" strike="noStrike" spc="-1">
-                <a:solidFill>
-                  <a:srgbClr val="000000"/>
-                </a:solidFill>
-                <a:latin typeface="Arial"/>
-                <a:ea typeface="DejaVu Sans"/>
-              </a:rPr>
-              <a:t>A naive implementation can simply wait for the entire message buffer to be marked ready before any transfer(s) occur and could wait until the completion function is called on a request before transferring data. </a:t>
-            </a:r>
-            <a:endParaRPr lang="en-US" sz="1800" b="0" strike="noStrike" spc="-1">
-              <a:solidFill>
-                <a:srgbClr val="000000"/>
-              </a:solidFill>
-              <a:latin typeface="Arial"/>
-            </a:endParaRPr>
-          </a:p>
-          <a:p>
-            <a:pPr>
-              <a:lnSpc>
-                <a:spcPct val="100000"/>
-              </a:lnSpc>
-              <a:defRPr/>
-            </a:pPr>
-            <a:r>
-              <a:rPr lang="en-US" sz="1800" b="0" strike="noStrike" spc="-1">
-                <a:solidFill>
-                  <a:srgbClr val="000000"/>
-                </a:solidFill>
-                <a:latin typeface="Arial"/>
-                <a:ea typeface="DejaVu Sans"/>
-              </a:rPr>
-              <a:t>However, this modality of communication gives MPI implementations far more flexibility in data movement than nonpartitioned</a:t>
-            </a:r>
-            <a:endParaRPr lang="en-US" sz="1800" b="0" strike="noStrike" spc="-1">
-              <a:solidFill>
-                <a:srgbClr val="000000"/>
-              </a:solidFill>
-              <a:latin typeface="Arial"/>
-            </a:endParaRPr>
-          </a:p>
-          <a:p>
-            <a:pPr>
-              <a:lnSpc>
-                <a:spcPct val="100000"/>
-              </a:lnSpc>
-              <a:defRPr/>
-            </a:pPr>
-            <a:r>
-              <a:rPr lang="en-US" sz="1800" b="0" strike="noStrike" spc="-1">
-                <a:solidFill>
-                  <a:srgbClr val="000000"/>
-                </a:solidFill>
-                <a:latin typeface="Arial"/>
-                <a:ea typeface="DejaVu Sans"/>
-              </a:rPr>
-              <a:t>communications. (</a:t>
-            </a:r>
-            <a:r>
-              <a:rPr lang="en-US" sz="1800" b="0" i="1" strike="noStrike" spc="-1">
-                <a:solidFill>
-                  <a:srgbClr val="000000"/>
-                </a:solidFill>
-                <a:latin typeface="Arial"/>
-                <a:ea typeface="DejaVu Sans"/>
-              </a:rPr>
-              <a:t>End of rationale.</a:t>
-            </a:r>
-            <a:r>
-              <a:rPr lang="en-US" sz="1800" b="0" strike="noStrike" spc="-1">
-                <a:solidFill>
-                  <a:srgbClr val="000000"/>
-                </a:solidFill>
-                <a:latin typeface="Arial"/>
-                <a:ea typeface="DejaVu Sans"/>
-              </a:rPr>
-              <a:t>)</a:t>
-            </a:r>
-            <a:endParaRPr lang="en-US" sz="1800" b="0" strike="noStrike" spc="-1">
-              <a:solidFill>
-                <a:srgbClr val="000000"/>
-              </a:solidFill>
-              <a:latin typeface="Arial"/>
-            </a:endParaRPr>
-          </a:p>
-        </p:txBody>
-      </p:sp>
-      <p:sp>
-        <p:nvSpPr>
-          <p:cNvPr id="3" name="PlaceHolder 2"/>
+        </p:txBody>
+      </p:sp>
+      <p:sp>
+        <p:nvSpPr>
+          <p:cNvPr id="1941926072" name="PlaceHolder 2"/>
           <p:cNvSpPr>
             <a:spLocks noGrp="1"/>
           </p:cNvSpPr>
@@ -6713,10 +11005,6 @@
             <a:pPr>
               <a:defRPr/>
             </a:pPr>
-            <a:r>
-              <a:rPr/>
-              <a:t>IPTW 2023 - 5./6. October 2023</a:t>
-            </a:r>
             <a:endParaRPr/>
           </a:p>
         </p:txBody>
@@ -6756,7 +11044,63 @@
       </p:grpSpPr>
       <p:sp>
         <p:nvSpPr>
-          <p:cNvPr id="371" name=""/>
+          <p:cNvPr id="369" name="PlaceHolder 1"/>
+          <p:cNvSpPr>
+            <a:spLocks noGrp="1"/>
+          </p:cNvSpPr>
+          <p:nvPr>
+            <p:ph type="title"/>
+          </p:nvPr>
+        </p:nvSpPr>
+        <p:spPr bwMode="auto">
+          <a:xfrm>
+            <a:off x="623879" y="479880"/>
+            <a:ext cx="8068320" cy="610200"/>
+          </a:xfrm>
+          <a:prstGeom prst="rect">
+            <a:avLst/>
+          </a:prstGeom>
+          <a:noFill/>
+          <a:ln w="0">
+            <a:noFill/>
+          </a:ln>
+        </p:spPr>
+        <p:txBody>
+          <a:bodyPr lIns="0" tIns="0" rIns="0" bIns="0" anchor="b">
+            <a:noAutofit/>
+          </a:bodyPr>
+          <a:p>
+            <a:pPr indent="0">
+              <a:lnSpc>
+                <a:spcPct val="90000"/>
+              </a:lnSpc>
+              <a:buNone/>
+              <a:tabLst>
+                <a:tab pos="0" algn="l"/>
+              </a:tabLst>
+              <a:defRPr/>
+            </a:pPr>
+            <a:r>
+              <a:rPr lang="de-DE" sz="2400" b="1" strike="noStrike" spc="-1">
+                <a:solidFill>
+                  <a:srgbClr val="1D3D91"/>
+                </a:solidFill>
+                <a:latin typeface="Overpass"/>
+              </a:rPr>
+              <a:t>MPI-4.1: Partitioned Communication</a:t>
+            </a:r>
+            <a:endParaRPr lang="en-US" sz="2400" b="0" strike="noStrike" spc="-1">
+              <a:solidFill>
+                <a:srgbClr val="000000"/>
+              </a:solidFill>
+              <a:latin typeface="Arial"/>
+            </a:endParaRPr>
+          </a:p>
+        </p:txBody>
+      </p:sp>
+      <p:sp>
+        <p:nvSpPr>
+          <p:cNvPr id="370" name=""/>
           <p:cNvSpPr/>
           <p:nvPr/>
         </p:nvSpPr>
@@ -6790,76 +11134,178 @@
               </a:lnSpc>
               <a:defRPr/>
             </a:pPr>
+            <a:r>
+              <a:rPr lang="en-US" sz="1800" b="0" i="1" strike="noStrike" spc="-1">
+                <a:solidFill>
+                  <a:srgbClr val="000000"/>
+                </a:solidFill>
+                <a:latin typeface="Arial"/>
+                <a:ea typeface="DejaVu Sans"/>
+              </a:rPr>
+              <a:t>Rationale</a:t>
+            </a:r>
+            <a:r>
+              <a:rPr lang="en-US" sz="1800" b="0" strike="noStrike" spc="-1">
+                <a:solidFill>
+                  <a:srgbClr val="000000"/>
+                </a:solidFill>
+                <a:latin typeface="Arial"/>
+                <a:ea typeface="DejaVu Sans"/>
+              </a:rPr>
+              <a:t>. Partitioned communication is designed to provide opportunities for MPI implementations to optimize data transfers. MPI is free to choose how many transfers to do within a partitioned communication send independent of how many partitions are reported as ready to MPI through MPI_PREADY calls. </a:t>
+            </a:r>
             <a:endParaRPr lang="en-US" sz="1800" b="0" strike="noStrike" spc="-1">
-              <a:solidFill>
-                <a:srgbClr val="000000"/>
-              </a:solidFill>
-              <a:latin typeface="Arial"/>
-              <a:ea typeface="DejaVu Sans"/>
-            </a:endParaRPr>
-          </a:p>
-        </p:txBody>
-      </p:sp>
-      <p:sp>
-        <p:nvSpPr>
-          <p:cNvPr id="372" name="PlaceHolder 3"/>
-          <p:cNvSpPr/>
-          <p:nvPr/>
-        </p:nvSpPr>
-        <p:spPr bwMode="auto">
-          <a:xfrm>
-            <a:off x="624240" y="479880"/>
-            <a:ext cx="8068320" cy="610200"/>
-          </a:xfrm>
-          <a:prstGeom prst="rect">
-            <a:avLst/>
-          </a:prstGeom>
-          <a:noFill/>
-          <a:ln w="0">
-            <a:noFill/>
-          </a:ln>
-        </p:spPr>
-        <p:style>
-          <a:lnRef idx="0"/>
-          <a:fillRef idx="0"/>
-          <a:effectRef idx="0"/>
-          <a:fontRef idx="minor"/>
-        </p:style>
-        <p:txBody>
-          <a:bodyPr lIns="0" tIns="0" rIns="0" bIns="0" anchor="b">
-            <a:noAutofit/>
-          </a:bodyPr>
-          <a:p>
-            <a:pPr>
-              <a:lnSpc>
-                <a:spcPct val="90000"/>
-              </a:lnSpc>
-              <a:tabLst>
-                <a:tab pos="0" algn="l"/>
-              </a:tabLst>
-              <a:defRPr/>
-            </a:pPr>
-            <a:r>
-              <a:rPr lang="de-DE" sz="2400" b="1" strike="noStrike" spc="-1">
-                <a:solidFill>
-                  <a:srgbClr val="1D3D91"/>
-                </a:solidFill>
-                <a:latin typeface="Overpass"/>
-              </a:rPr>
-              <a:t>Goals</a:t>
-            </a:r>
-            <a:endParaRPr lang="en-US" sz="2400" b="0" strike="noStrike" spc="-1">
               <a:solidFill>
                 <a:srgbClr val="000000"/>
               </a:solidFill>
               <a:latin typeface="Arial"/>
             </a:endParaRPr>
           </a:p>
-        </p:txBody>
-      </p:sp>
-      <p:sp>
-        <p:nvSpPr>
-          <p:cNvPr id="2" name="PlaceHolder 1"/>
+          <a:p>
+            <a:pPr>
+              <a:lnSpc>
+                <a:spcPct val="100000"/>
+              </a:lnSpc>
+              <a:defRPr/>
+            </a:pPr>
+            <a:r>
+              <a:rPr lang="en-US" sz="1800" b="0" strike="noStrike" spc="-1">
+                <a:solidFill>
+                  <a:srgbClr val="000000"/>
+                </a:solidFill>
+                <a:latin typeface="Arial"/>
+                <a:ea typeface="DejaVu Sans"/>
+              </a:rPr>
+              <a:t>Aggregation of partitions is permitted but not required. </a:t>
+            </a:r>
+            <a:endParaRPr lang="en-US" sz="1800" b="0" strike="noStrike" spc="-1">
+              <a:solidFill>
+                <a:srgbClr val="000000"/>
+              </a:solidFill>
+              <a:latin typeface="Arial"/>
+            </a:endParaRPr>
+          </a:p>
+          <a:p>
+            <a:pPr>
+              <a:lnSpc>
+                <a:spcPct val="100000"/>
+              </a:lnSpc>
+              <a:defRPr/>
+            </a:pPr>
+            <a:r>
+              <a:rPr lang="en-US" sz="1800" b="0" strike="noStrike" spc="-1">
+                <a:solidFill>
+                  <a:srgbClr val="000000"/>
+                </a:solidFill>
+                <a:latin typeface="Arial"/>
+                <a:ea typeface="DejaVu Sans"/>
+              </a:rPr>
+              <a:t>Ordering of partitions is permitted but not required.</a:t>
+            </a:r>
+            <a:endParaRPr lang="en-US" sz="1800" b="0" strike="noStrike" spc="-1">
+              <a:solidFill>
+                <a:srgbClr val="000000"/>
+              </a:solidFill>
+              <a:latin typeface="Arial"/>
+            </a:endParaRPr>
+          </a:p>
+          <a:p>
+            <a:pPr>
+              <a:lnSpc>
+                <a:spcPct val="100000"/>
+              </a:lnSpc>
+              <a:defRPr/>
+            </a:pPr>
+            <a:endParaRPr lang="en-US" sz="1800" b="0" strike="noStrike" spc="-1">
+              <a:solidFill>
+                <a:srgbClr val="000000"/>
+              </a:solidFill>
+              <a:latin typeface="Arial"/>
+            </a:endParaRPr>
+          </a:p>
+          <a:p>
+            <a:pPr>
+              <a:lnSpc>
+                <a:spcPct val="100000"/>
+              </a:lnSpc>
+              <a:defRPr/>
+            </a:pPr>
+            <a:r>
+              <a:rPr lang="en-US" sz="1800" b="0" strike="noStrike" spc="-1">
+                <a:solidFill>
+                  <a:srgbClr val="000000"/>
+                </a:solidFill>
+                <a:latin typeface="Arial"/>
+                <a:ea typeface="DejaVu Sans"/>
+              </a:rPr>
+              <a:t>A naive implementation can simply wait for the entire message buffer to be marked ready before any transfer(s) occur and could wait until the completion function is called on a request before transferring data. </a:t>
+            </a:r>
+            <a:endParaRPr lang="en-US" sz="1800" b="0" strike="noStrike" spc="-1">
+              <a:solidFill>
+                <a:srgbClr val="000000"/>
+              </a:solidFill>
+              <a:latin typeface="Arial"/>
+            </a:endParaRPr>
+          </a:p>
+          <a:p>
+            <a:pPr>
+              <a:lnSpc>
+                <a:spcPct val="100000"/>
+              </a:lnSpc>
+              <a:defRPr/>
+            </a:pPr>
+            <a:r>
+              <a:rPr lang="en-US" sz="1800" b="0" strike="noStrike" spc="-1">
+                <a:solidFill>
+                  <a:srgbClr val="000000"/>
+                </a:solidFill>
+                <a:latin typeface="Arial"/>
+                <a:ea typeface="DejaVu Sans"/>
+              </a:rPr>
+              <a:t>However, this modality of communication gives MPI implementations far more flexibility in data movement than nonpartitioned </a:t>
+            </a:r>
+            <a:r>
+              <a:rPr lang="en-US" sz="1800" b="0" strike="noStrike" spc="0">
+                <a:solidFill>
+                  <a:srgbClr val="000000"/>
+                </a:solidFill>
+                <a:latin typeface="Arial"/>
+                <a:ea typeface="DejaVu Sans"/>
+              </a:rPr>
+              <a:t>communications. (</a:t>
+            </a:r>
+            <a:r>
+              <a:rPr lang="en-US" sz="1800" b="0" i="1" strike="noStrike" spc="0">
+                <a:solidFill>
+                  <a:srgbClr val="000000"/>
+                </a:solidFill>
+                <a:latin typeface="Arial"/>
+                <a:ea typeface="DejaVu Sans"/>
+              </a:rPr>
+              <a:t>End of rationale.</a:t>
+            </a:r>
+            <a:r>
+              <a:rPr lang="en-US" sz="1800" b="0" strike="noStrike" spc="0">
+                <a:solidFill>
+                  <a:srgbClr val="000000"/>
+                </a:solidFill>
+                <a:latin typeface="Arial"/>
+                <a:ea typeface="DejaVu Sans"/>
+              </a:rPr>
+              <a:t>)</a:t>
+            </a:r>
+            <a:endParaRPr lang="en-US" sz="1800" b="0" strike="noStrike" spc="-1">
+              <a:solidFill>
+                <a:srgbClr val="000000"/>
+              </a:solidFill>
+              <a:latin typeface="Arial"/>
+            </a:endParaRPr>
+          </a:p>
+        </p:txBody>
+      </p:sp>
+      <p:sp>
+        <p:nvSpPr>
+          <p:cNvPr id="3" name="PlaceHolder 2"/>
           <p:cNvSpPr>
             <a:spLocks noGrp="1"/>
           </p:cNvSpPr>
@@ -6874,211 +11320,7 @@
             <a:pPr>
               <a:defRPr/>
             </a:pPr>
-            <a:r>
-              <a:rPr/>
-              <a:t>IPTW 2023 - 5./6. October 2023</a:t>
-            </a:r>
             <a:endParaRPr/>
-          </a:p>
-        </p:txBody>
-      </p:sp>
-      <p:sp>
-        <p:nvSpPr>
-          <p:cNvPr id="1299934248" name=""/>
-          <p:cNvSpPr txBox="1"/>
-          <p:nvPr/>
-        </p:nvSpPr>
-        <p:spPr bwMode="auto">
-          <a:xfrm flipH="0" flipV="0">
-            <a:off x="1230873" y="1757038"/>
-            <a:ext cx="7444296" cy="244199"/>
-          </a:xfrm>
-          <a:prstGeom prst="rect">
-            <a:avLst/>
-          </a:prstGeom>
-          <a:noFill/>
-        </p:spPr>
-        <p:txBody>
-          <a:bodyPr vertOverflow="overflow" horzOverflow="overflow" vert="horz" wrap="square" lIns="91440" tIns="45720" rIns="91440" bIns="45720" numCol="1" spcCol="0" rtlCol="0" fromWordArt="0" anchor="t" anchorCtr="0" forceAA="0" upright="0" compatLnSpc="0">
-            <a:spAutoFit/>
-          </a:bodyPr>
-          <a:p>
-            <a:pPr>
-              <a:defRPr/>
-            </a:pPr>
-            <a:endParaRPr/>
-          </a:p>
-        </p:txBody>
-      </p:sp>
-      <p:sp>
-        <p:nvSpPr>
-          <p:cNvPr id="337230923" name=""/>
-          <p:cNvSpPr/>
-          <p:nvPr/>
-        </p:nvSpPr>
-        <p:spPr bwMode="auto">
-          <a:xfrm>
-            <a:off x="838198" y="1523999"/>
-            <a:ext cx="10743480" cy="4571280"/>
-          </a:xfrm>
-          <a:prstGeom prst="rect">
-            <a:avLst/>
-          </a:prstGeom>
-          <a:noFill/>
-          <a:ln w="0">
-            <a:noFill/>
-          </a:ln>
-        </p:spPr>
-        <p:style>
-          <a:lnRef idx="0"/>
-          <a:fillRef idx="0"/>
-          <a:effectRef idx="0"/>
-          <a:fontRef idx="minor"/>
-        </p:style>
-        <p:txBody>
-          <a:bodyPr lIns="90000" tIns="45000" rIns="90000" bIns="45000" anchor="t">
-            <a:noAutofit/>
-          </a:bodyPr>
-          <a:p>
-            <a:pPr marL="261850" indent="-261850">
-              <a:buFont typeface="Arial"/>
-              <a:buChar char="•"/>
-              <a:defRPr/>
-            </a:pPr>
-            <a:r>
-              <a:rPr lang="en-US" sz="1600" b="0" i="0" u="none" strike="noStrike" cap="none" spc="0">
-                <a:solidFill>
-                  <a:srgbClr val="000000"/>
-                </a:solidFill>
-                <a:latin typeface="Arial"/>
-                <a:ea typeface="Arial"/>
-                <a:cs typeface="Arial"/>
-              </a:rPr>
-              <a:t>Measure effective bandwidth depending on message size</a:t>
-            </a:r>
-            <a:endParaRPr lang="en-US" sz="1600" b="0" i="0" u="none" strike="noStrike" cap="none" spc="0">
-              <a:solidFill>
-                <a:srgbClr val="000000"/>
-              </a:solidFill>
-              <a:latin typeface="Arial"/>
-              <a:ea typeface="Arial"/>
-              <a:cs typeface="Arial"/>
-            </a:endParaRPr>
-          </a:p>
-          <a:p>
-            <a:pPr marL="261850" indent="-261850">
-              <a:buFont typeface="Arial"/>
-              <a:buChar char="•"/>
-              <a:defRPr/>
-            </a:pPr>
-            <a:r>
-              <a:rPr lang="en-US" sz="1600" b="0" i="0" u="none" strike="noStrike" cap="none" spc="0">
-                <a:solidFill>
-                  <a:srgbClr val="000000"/>
-                </a:solidFill>
-                <a:latin typeface="Arial"/>
-                <a:ea typeface="Arial"/>
-                <a:cs typeface="Arial"/>
-              </a:rPr>
-              <a:t>Do different MPI-implementations perform optimizations (aggregation, reordering) on partitioned transfers?</a:t>
-            </a:r>
-            <a:endParaRPr lang="en-US" sz="1600" b="0" i="0" u="none" strike="noStrike" cap="none" spc="0">
-              <a:solidFill>
-                <a:srgbClr val="000000"/>
-              </a:solidFill>
-              <a:latin typeface="Arial"/>
-              <a:ea typeface="Arial"/>
-              <a:cs typeface="Arial"/>
-            </a:endParaRPr>
-          </a:p>
-          <a:p>
-            <a:pPr marL="261850" indent="-261850">
-              <a:buFont typeface="Arial"/>
-              <a:buChar char="•"/>
-              <a:defRPr/>
-            </a:pPr>
-            <a:r>
-              <a:rPr lang="en-US" sz="1600" b="0" i="0" u="none" strike="noStrike" cap="none" spc="0">
-                <a:solidFill>
-                  <a:srgbClr val="000000"/>
-                </a:solidFill>
-                <a:latin typeface="Arial"/>
-                <a:ea typeface="Arial"/>
-                <a:cs typeface="Arial"/>
-              </a:rPr>
-              <a:t>Is it possible to trigger early progress using completion tests?</a:t>
-            </a:r>
-            <a:endParaRPr lang="en-US" sz="1600" b="0" i="0" u="none" strike="noStrike" cap="none" spc="0">
-              <a:solidFill>
-                <a:srgbClr val="000000"/>
-              </a:solidFill>
-              <a:latin typeface="Arial"/>
-              <a:ea typeface="Arial"/>
-              <a:cs typeface="Arial"/>
-            </a:endParaRPr>
-          </a:p>
-          <a:p>
-            <a:pPr marL="261850" indent="-261850">
-              <a:buFont typeface="Arial"/>
-              <a:buChar char="•"/>
-              <a:defRPr/>
-            </a:pPr>
-            <a:r>
-              <a:rPr lang="en-US" sz="1600" b="0" i="0" u="none" strike="noStrike" cap="none" spc="0">
-                <a:solidFill>
-                  <a:srgbClr val="000000"/>
-                </a:solidFill>
-                <a:latin typeface="Arial"/>
-                <a:ea typeface="Arial"/>
-                <a:cs typeface="Arial"/>
-              </a:rPr>
-              <a:t>Do OpenMPIs </a:t>
-            </a:r>
-            <a:r>
-              <a:rPr lang="en-US" sz="1600" b="0" i="0" u="none" strike="noStrike" cap="none" spc="0">
-                <a:solidFill>
-                  <a:srgbClr val="000000"/>
-                </a:solidFill>
-                <a:latin typeface="Arial"/>
-                <a:ea typeface="Arial"/>
-                <a:cs typeface="Arial"/>
-              </a:rPr>
-              <a:t>Point-to-point Messaging Layer</a:t>
-            </a:r>
-            <a:r>
-              <a:rPr lang="en-US" sz="1600" b="0" i="0" u="none" strike="noStrike" cap="none" spc="0">
-                <a:solidFill>
-                  <a:srgbClr val="000000"/>
-                </a:solidFill>
-                <a:latin typeface="Arial"/>
-                <a:ea typeface="Arial"/>
-                <a:cs typeface="Arial"/>
-              </a:rPr>
-              <a:t> (PML) – components make use of hardware offloading?</a:t>
-            </a:r>
-            <a:endParaRPr lang="en-US" sz="1600" b="0" i="0" u="none" strike="noStrike" cap="none" spc="0">
-              <a:solidFill>
-                <a:srgbClr val="000000"/>
-              </a:solidFill>
-              <a:latin typeface="Arial"/>
-              <a:ea typeface="Arial"/>
-              <a:cs typeface="Arial"/>
-            </a:endParaRPr>
-          </a:p>
-          <a:p>
-            <a:pPr marL="261850" indent="-261850">
-              <a:buFont typeface="Arial"/>
-              <a:buChar char="•"/>
-              <a:defRPr/>
-            </a:pPr>
-            <a:endParaRPr lang="en-US" sz="1600" b="0" i="0" u="none" strike="noStrike" cap="none" spc="0">
-              <a:solidFill>
-                <a:srgbClr val="000000"/>
-              </a:solidFill>
-              <a:latin typeface="Arial"/>
-              <a:ea typeface="Arial"/>
-              <a:cs typeface="Arial"/>
-            </a:endParaRPr>
           </a:p>
         </p:txBody>
       </p:sp>
@@ -7117,7 +11359,63 @@
       </p:grpSpPr>
       <p:sp>
         <p:nvSpPr>
-          <p:cNvPr id="1264370888" name=""/>
+          <p:cNvPr id="1620248947" name="PlaceHolder 1"/>
+          <p:cNvSpPr>
+            <a:spLocks noGrp="1"/>
+          </p:cNvSpPr>
+          <p:nvPr>
+            <p:ph type="title"/>
+          </p:nvPr>
+        </p:nvSpPr>
+        <p:spPr bwMode="auto">
+          <a:xfrm>
+            <a:off x="623878" y="479880"/>
+            <a:ext cx="8068320" cy="610200"/>
+          </a:xfrm>
+          <a:prstGeom prst="rect">
+            <a:avLst/>
+          </a:prstGeom>
+          <a:noFill/>
+          <a:ln w="0">
+            <a:noFill/>
+          </a:ln>
+        </p:spPr>
+        <p:txBody>
+          <a:bodyPr lIns="0" tIns="0" rIns="0" bIns="0" anchor="b">
+            <a:noAutofit/>
+          </a:bodyPr>
+          <a:p>
+            <a:pPr indent="0">
+              <a:lnSpc>
+                <a:spcPct val="90000"/>
+              </a:lnSpc>
+              <a:buNone/>
+              <a:tabLst>
+                <a:tab pos="0" algn="l"/>
+              </a:tabLst>
+              <a:defRPr/>
+            </a:pPr>
+            <a:r>
+              <a:rPr lang="de-DE" sz="2400" b="1" strike="noStrike" spc="0">
+                <a:solidFill>
+                  <a:srgbClr val="1D3D91"/>
+                </a:solidFill>
+                <a:latin typeface="Overpass"/>
+              </a:rPr>
+              <a:t>Possible optimizations – Message aggregation</a:t>
+            </a:r>
+            <a:endParaRPr lang="en-US" sz="2400" b="0" strike="noStrike" spc="0">
+              <a:solidFill>
+                <a:srgbClr val="000000"/>
+              </a:solidFill>
+              <a:latin typeface="Arial"/>
+            </a:endParaRPr>
+          </a:p>
+        </p:txBody>
+      </p:sp>
+      <p:sp>
+        <p:nvSpPr>
+          <p:cNvPr id="1173219087" name=""/>
           <p:cNvSpPr/>
           <p:nvPr/>
         </p:nvSpPr>
@@ -7156,71 +11454,13 @@
                 <a:srgbClr val="000000"/>
               </a:solidFill>
               <a:latin typeface="Arial"/>
-              <a:ea typeface="DejaVu Sans"/>
             </a:endParaRPr>
           </a:p>
         </p:txBody>
       </p:sp>
       <p:sp>
         <p:nvSpPr>
-          <p:cNvPr id="588583207" name="PlaceHolder 3"/>
-          <p:cNvSpPr/>
-          <p:nvPr/>
-        </p:nvSpPr>
-        <p:spPr bwMode="auto">
-          <a:xfrm>
-            <a:off x="624240" y="479880"/>
-            <a:ext cx="8068320" cy="610200"/>
-          </a:xfrm>
-          <a:prstGeom prst="rect">
-            <a:avLst/>
-          </a:prstGeom>
-          <a:noFill/>
-          <a:ln w="0">
-            <a:noFill/>
-          </a:ln>
-        </p:spPr>
-        <p:style>
-          <a:lnRef idx="0"/>
-          <a:fillRef idx="0"/>
-          <a:effectRef idx="0"/>
-          <a:fontRef idx="minor"/>
-        </p:style>
-        <p:txBody>
-          <a:bodyPr lIns="0" tIns="0" rIns="0" bIns="0" anchor="b">
-            <a:noAutofit/>
-          </a:bodyPr>
-          <a:p>
-            <a:pPr>
-              <a:lnSpc>
-                <a:spcPct val="90000"/>
-              </a:lnSpc>
-              <a:tabLst>
-                <a:tab pos="0" algn="l"/>
-              </a:tabLst>
-              <a:defRPr/>
-            </a:pPr>
-            <a:r>
-              <a:rPr lang="de-DE" sz="2400" b="1" strike="noStrike" spc="0">
-                <a:solidFill>
-                  <a:srgbClr val="1D3D91"/>
-                </a:solidFill>
-                <a:latin typeface="Overpass"/>
-              </a:rPr>
-              <a:t>Benchmarking scheme</a:t>
-            </a:r>
-            <a:endParaRPr lang="en-US" sz="2400" b="0" strike="noStrike" spc="0">
-              <a:solidFill>
-                <a:srgbClr val="000000"/>
-              </a:solidFill>
-              <a:latin typeface="Arial"/>
-            </a:endParaRPr>
-          </a:p>
-        </p:txBody>
-      </p:sp>
-      <p:sp>
-        <p:nvSpPr>
-          <p:cNvPr id="203668650" name="PlaceHolder 1"/>
+          <p:cNvPr id="1514057236" name="PlaceHolder 2"/>
           <p:cNvSpPr>
             <a:spLocks noGrp="1"/>
           </p:cNvSpPr>
@@ -7235,381 +11475,32 @@
             <a:pPr>
               <a:defRPr/>
             </a:pPr>
-            <a:r>
-              <a:rPr/>
-              <a:t>IPTW 2023 - 5./6. October 2023</a:t>
-            </a:r>
             <a:endParaRPr/>
           </a:p>
         </p:txBody>
       </p:sp>
-      <p:sp>
-        <p:nvSpPr>
-          <p:cNvPr id="1306304012" name=""/>
-          <p:cNvSpPr txBox="1"/>
+      <p:pic>
+        <p:nvPicPr>
+          <p:cNvPr id="1258017502" name=""/>
+          <p:cNvPicPr>
+            <a:picLocks noChangeAspect="1"/>
+          </p:cNvPicPr>
           <p:nvPr/>
-        </p:nvSpPr>
+        </p:nvPicPr>
+        <p:blipFill>
+          <a:blip r:embed="rId3"/>
+          <a:stretch/>
+        </p:blipFill>
         <p:spPr bwMode="auto">
           <a:xfrm flipH="0" flipV="0">
-            <a:off x="1230872" y="1757037"/>
-            <a:ext cx="7444296" cy="244198"/>
+            <a:off x="2706429" y="2524587"/>
+            <a:ext cx="6215951" cy="2142252"/>
           </a:xfrm>
           <a:prstGeom prst="rect">
             <a:avLst/>
           </a:prstGeom>
-          <a:noFill/>
-        </p:spPr>
-        <p:txBody>
-          <a:bodyPr vertOverflow="overflow" horzOverflow="overflow" vert="horz" wrap="square" lIns="91440" tIns="45720" rIns="91440" bIns="45720" numCol="1" spcCol="0" rtlCol="0" fromWordArt="0" anchor="t" anchorCtr="0" forceAA="0" upright="0" compatLnSpc="0">
-            <a:spAutoFit/>
-          </a:bodyPr>
-          <a:p>
-            <a:pPr>
-              <a:defRPr/>
-            </a:pPr>
-            <a:endParaRPr/>
-          </a:p>
-        </p:txBody>
-      </p:sp>
-      <p:sp>
-        <p:nvSpPr>
-          <p:cNvPr id="1842793777" name=""/>
-          <p:cNvSpPr/>
-          <p:nvPr/>
-        </p:nvSpPr>
-        <p:spPr bwMode="auto">
-          <a:xfrm>
-            <a:off x="838197" y="1523998"/>
-            <a:ext cx="10743480" cy="4571280"/>
-          </a:xfrm>
-          <a:prstGeom prst="rect">
-            <a:avLst/>
-          </a:prstGeom>
-          <a:noFill/>
-          <a:ln w="0">
-            <a:noFill/>
-          </a:ln>
-        </p:spPr>
-        <p:style>
-          <a:lnRef idx="0"/>
-          <a:fillRef idx="0"/>
-          <a:effectRef idx="0"/>
-          <a:fontRef idx="minor"/>
-        </p:style>
-        <p:txBody>
-          <a:bodyPr lIns="90000" tIns="45000" rIns="90000" bIns="45000" anchor="t">
-            <a:noAutofit/>
-          </a:bodyPr>
-          <a:p>
-            <a:pPr>
-              <a:defRPr/>
-            </a:pPr>
-            <a:r>
-              <a:rPr lang="en-US" sz="1600" b="0" i="0" u="none" strike="noStrike" cap="none" spc="0">
-                <a:solidFill>
-                  <a:srgbClr val="000000"/>
-                </a:solidFill>
-                <a:latin typeface="Arial"/>
-                <a:ea typeface="Arial"/>
-                <a:cs typeface="Arial"/>
-              </a:rPr>
-              <a:t>// initialization</a:t>
-            </a:r>
-            <a:endParaRPr lang="en-US" sz="1600" b="0" i="0" u="none" strike="noStrike" cap="none" spc="0">
-              <a:solidFill>
-                <a:srgbClr val="000000"/>
-              </a:solidFill>
-              <a:latin typeface="Arial"/>
-              <a:ea typeface="Arial"/>
-              <a:cs typeface="Arial"/>
-            </a:endParaRPr>
-          </a:p>
-          <a:p>
-            <a:pPr>
-              <a:defRPr/>
-            </a:pPr>
-            <a:endParaRPr lang="en-US" sz="1600" b="0" i="0" u="none" strike="noStrike" cap="none" spc="0">
-              <a:solidFill>
-                <a:srgbClr val="000000"/>
-              </a:solidFill>
-              <a:latin typeface="Arial"/>
-              <a:ea typeface="Arial"/>
-              <a:cs typeface="Arial"/>
-            </a:endParaRPr>
-          </a:p>
-          <a:p>
-            <a:pPr>
-              <a:defRPr/>
-            </a:pPr>
-            <a:r>
-              <a:rPr lang="en-US" sz="1600" b="0" i="0" u="none" strike="noStrike" cap="none" spc="0">
-                <a:solidFill>
-                  <a:srgbClr val="000000"/>
-                </a:solidFill>
-                <a:latin typeface="Arial"/>
-                <a:ea typeface="Arial"/>
-                <a:cs typeface="Arial"/>
-              </a:rPr>
-              <a:t>for i in 0...num_iterations:</a:t>
-            </a:r>
-            <a:endParaRPr lang="en-US" sz="1600" b="0" i="0" u="none" strike="noStrike" cap="none" spc="0">
-              <a:solidFill>
-                <a:srgbClr val="000000"/>
-              </a:solidFill>
-              <a:latin typeface="Arial"/>
-              <a:ea typeface="Arial"/>
-              <a:cs typeface="Arial"/>
-            </a:endParaRPr>
-          </a:p>
-          <a:p>
-            <a:pPr>
-              <a:defRPr/>
-            </a:pPr>
-            <a:r>
-              <a:rPr lang="en-US" sz="1600" b="0" i="0" u="none" strike="noStrike" cap="none" spc="0">
-                <a:solidFill>
-                  <a:srgbClr val="000000"/>
-                </a:solidFill>
-                <a:latin typeface="Arial"/>
-                <a:ea typeface="Arial"/>
-                <a:cs typeface="Arial"/>
-              </a:rPr>
-              <a:t>	MPI_Barrier();		// synchronization</a:t>
-            </a:r>
-            <a:endParaRPr lang="en-US" sz="1600" b="0" i="0" u="none" strike="noStrike" cap="none" spc="0">
-              <a:solidFill>
-                <a:srgbClr val="000000"/>
-              </a:solidFill>
-              <a:latin typeface="Arial"/>
-              <a:ea typeface="Arial"/>
-              <a:cs typeface="Arial"/>
-            </a:endParaRPr>
-          </a:p>
-          <a:p>
-            <a:pPr>
-              <a:defRPr/>
-            </a:pPr>
-            <a:endParaRPr lang="en-US" sz="1600" b="0" i="0" u="none" strike="noStrike" cap="none" spc="0">
-              <a:solidFill>
-                <a:srgbClr val="000000"/>
-              </a:solidFill>
-              <a:latin typeface="Arial"/>
-              <a:ea typeface="Arial"/>
-              <a:cs typeface="Arial"/>
-            </a:endParaRPr>
-          </a:p>
-          <a:p>
-            <a:pPr>
-              <a:defRPr/>
-            </a:pPr>
-            <a:r>
-              <a:rPr lang="en-US" sz="1600" b="0" i="0" u="none" strike="noStrike" cap="none" spc="0">
-                <a:solidFill>
-                  <a:srgbClr val="000000"/>
-                </a:solidFill>
-                <a:latin typeface="Arial"/>
-                <a:ea typeface="Arial"/>
-                <a:cs typeface="Arial"/>
-              </a:rPr>
-              <a:t>	s_i = MPI_Wtime();</a:t>
-            </a:r>
-            <a:endParaRPr lang="en-US" sz="1600" b="0" i="0" u="none" strike="noStrike" cap="none" spc="0">
-              <a:solidFill>
-                <a:srgbClr val="000000"/>
-              </a:solidFill>
-              <a:latin typeface="Arial"/>
-              <a:cs typeface="Arial"/>
-            </a:endParaRPr>
-          </a:p>
-          <a:p>
-            <a:pPr>
-              <a:defRPr/>
-            </a:pPr>
-            <a:endParaRPr lang="en-US" sz="1600" b="0" i="0" u="none" strike="noStrike" cap="none" spc="0">
-              <a:solidFill>
-                <a:srgbClr val="000000"/>
-              </a:solidFill>
-              <a:latin typeface="Arial"/>
-              <a:cs typeface="Arial"/>
-            </a:endParaRPr>
-          </a:p>
-          <a:p>
-            <a:pPr>
-              <a:defRPr/>
-            </a:pPr>
-            <a:r>
-              <a:rPr lang="en-US" sz="1600" b="0" i="0" u="none" strike="noStrike" cap="none" spc="0">
-                <a:solidFill>
-                  <a:srgbClr val="000000"/>
-                </a:solidFill>
-                <a:latin typeface="Arial"/>
-                <a:ea typeface="Arial"/>
-                <a:cs typeface="Arial"/>
-              </a:rPr>
-              <a:t>	MPI_Start(&amp;request);</a:t>
-            </a:r>
-            <a:endParaRPr lang="en-US" sz="1600" b="0" i="0" u="none" strike="noStrike" cap="none" spc="0">
-              <a:solidFill>
-                <a:srgbClr val="000000"/>
-              </a:solidFill>
-              <a:latin typeface="Arial"/>
-              <a:cs typeface="Arial"/>
-            </a:endParaRPr>
-          </a:p>
-          <a:p>
-            <a:pPr>
-              <a:defRPr/>
-            </a:pPr>
-            <a:endParaRPr lang="en-US" sz="1600" b="0" i="0" u="none" strike="noStrike" cap="none" spc="0">
-              <a:solidFill>
-                <a:srgbClr val="000000"/>
-              </a:solidFill>
-              <a:latin typeface="Arial"/>
-              <a:cs typeface="Arial"/>
-            </a:endParaRPr>
-          </a:p>
-          <a:p>
-            <a:pPr>
-              <a:defRPr/>
-            </a:pPr>
-            <a:r>
-              <a:rPr lang="en-US" sz="1600" b="0" i="0" u="none" strike="noStrike" cap="none" spc="0">
-                <a:solidFill>
-                  <a:srgbClr val="000000"/>
-                </a:solidFill>
-                <a:latin typeface="Arial"/>
-                <a:ea typeface="Arial"/>
-                <a:cs typeface="Arial"/>
-              </a:rPr>
-              <a:t>	for p in 0...partition_count in some order:</a:t>
-            </a:r>
-            <a:endParaRPr lang="en-US" sz="1600" b="0" i="0" u="none" strike="noStrike" cap="none" spc="0">
-              <a:solidFill>
-                <a:srgbClr val="000000"/>
-              </a:solidFill>
-              <a:latin typeface="Arial"/>
-              <a:cs typeface="Arial"/>
-            </a:endParaRPr>
-          </a:p>
-          <a:p>
-            <a:pPr>
-              <a:defRPr/>
-            </a:pPr>
-            <a:r>
-              <a:rPr lang="en-US" sz="1600" b="0" i="0" u="none" strike="noStrike" cap="none" spc="0">
-                <a:solidFill>
-                  <a:srgbClr val="000000"/>
-                </a:solidFill>
-                <a:latin typeface="Arial"/>
-                <a:ea typeface="Arial"/>
-                <a:cs typeface="Arial"/>
-              </a:rPr>
-              <a:t>		perform some MPI operation to send/receive partition p</a:t>
-            </a:r>
-            <a:endParaRPr lang="en-US" sz="1600" b="0" i="0" u="none" strike="noStrike" cap="none" spc="0">
-              <a:solidFill>
-                <a:srgbClr val="000000"/>
-              </a:solidFill>
-              <a:latin typeface="Arial"/>
-              <a:cs typeface="Arial"/>
-            </a:endParaRPr>
-          </a:p>
-          <a:p>
-            <a:pPr>
-              <a:defRPr/>
-            </a:pPr>
-            <a:endParaRPr lang="en-US" sz="1600" b="0" i="0" u="none" strike="noStrike" cap="none" spc="0">
-              <a:solidFill>
-                <a:srgbClr val="000000"/>
-              </a:solidFill>
-              <a:latin typeface="Arial"/>
-              <a:cs typeface="Arial"/>
-            </a:endParaRPr>
-          </a:p>
-          <a:p>
-            <a:pPr>
-              <a:defRPr/>
-            </a:pPr>
-            <a:r>
-              <a:rPr lang="en-US" sz="1600" b="0" i="0" u="none" strike="noStrike" cap="none" spc="0">
-                <a:solidFill>
-                  <a:srgbClr val="000000"/>
-                </a:solidFill>
-                <a:latin typeface="Arial"/>
-                <a:ea typeface="Arial"/>
-                <a:cs typeface="Arial"/>
-              </a:rPr>
-              <a:t>	MPI_Wait(&amp;request, &amp;result-&gt;send_status);</a:t>
-            </a:r>
-            <a:endParaRPr lang="en-US" sz="1600" b="0" i="0" u="none" strike="noStrike" cap="none" spc="0">
-              <a:solidFill>
-                <a:srgbClr val="000000"/>
-              </a:solidFill>
-              <a:latin typeface="Arial"/>
-              <a:cs typeface="Arial"/>
-            </a:endParaRPr>
-          </a:p>
-          <a:p>
-            <a:pPr>
-              <a:defRPr/>
-            </a:pPr>
-            <a:endParaRPr lang="en-US" sz="1600" b="0" i="0" u="none" strike="noStrike" cap="none" spc="0">
-              <a:solidFill>
-                <a:srgbClr val="000000"/>
-              </a:solidFill>
-              <a:latin typeface="Arial"/>
-              <a:cs typeface="Arial"/>
-            </a:endParaRPr>
-          </a:p>
-          <a:p>
-            <a:pPr>
-              <a:defRPr/>
-            </a:pPr>
-            <a:r>
-              <a:rPr lang="en-US" sz="1600" b="0" i="0" u="none" strike="noStrike" cap="none" spc="0">
-                <a:solidFill>
-                  <a:srgbClr val="000000"/>
-                </a:solidFill>
-                <a:latin typeface="Arial"/>
-                <a:ea typeface="Arial"/>
-                <a:cs typeface="Arial"/>
-              </a:rPr>
-              <a:t>	e_i = MPI_Wtime();</a:t>
-            </a:r>
-            <a:endParaRPr lang="en-US" sz="1600" b="0" i="0" u="none" strike="noStrike" cap="none" spc="0">
-              <a:solidFill>
-                <a:srgbClr val="000000"/>
-              </a:solidFill>
-              <a:latin typeface="Arial"/>
-              <a:ea typeface="Arial"/>
-              <a:cs typeface="Arial"/>
-            </a:endParaRPr>
-          </a:p>
-          <a:p>
-            <a:pPr>
-              <a:defRPr/>
-            </a:pPr>
-            <a:endParaRPr sz="1600"/>
-          </a:p>
-          <a:p>
-            <a:pPr>
-              <a:defRPr/>
-            </a:pPr>
-            <a:r>
-              <a:rPr lang="en-US" sz="1600" b="0" i="0" u="none" strike="noStrike" cap="none" spc="0">
-                <a:solidFill>
-                  <a:srgbClr val="000000"/>
-                </a:solidFill>
-                <a:latin typeface="Arial"/>
-                <a:ea typeface="Arial"/>
-                <a:cs typeface="Arial"/>
-              </a:rPr>
-              <a:t>// cleanup</a:t>
-            </a:r>
-            <a:endParaRPr sz="1600"/>
-          </a:p>
-        </p:txBody>
-      </p:sp>
+        </p:spPr>
+      </p:pic>
     </p:spTree>
   </p:cSld>
   <p:clrMapOvr>
@@ -7645,14 +11536,14 @@
       </p:grpSpPr>
       <p:sp>
         <p:nvSpPr>
-          <p:cNvPr id="354304027" name=""/>
+          <p:cNvPr id="185802336" name="PlaceHolder 3"/>
           <p:cNvSpPr/>
           <p:nvPr/>
         </p:nvSpPr>
         <p:spPr bwMode="auto">
           <a:xfrm>
-            <a:off x="685800" y="1371600"/>
-            <a:ext cx="10743480" cy="4571280"/>
+            <a:off x="624240" y="479880"/>
+            <a:ext cx="8068320" cy="610200"/>
           </a:xfrm>
           <a:prstGeom prst="rect">
             <a:avLst/>
@@ -7669,52 +11560,6 @@
           <a:fontRef idx="minor"/>
         </p:style>
         <p:txBody>
-          <a:bodyPr lIns="90000" tIns="45000" rIns="90000" bIns="45000" anchor="t">
-            <a:noAutofit/>
-          </a:bodyPr>
-          <a:p>
-            <a:pPr>
-              <a:lnSpc>
-                <a:spcPct val="100000"/>
-              </a:lnSpc>
-              <a:defRPr/>
-            </a:pPr>
-            <a:endParaRPr lang="en-US" sz="1800" b="0" strike="noStrike" spc="0">
-              <a:solidFill>
-                <a:srgbClr val="000000"/>
-              </a:solidFill>
-              <a:latin typeface="Arial"/>
-              <a:ea typeface="DejaVu Sans"/>
-            </a:endParaRPr>
-          </a:p>
-        </p:txBody>
-      </p:sp>
-      <p:sp>
-        <p:nvSpPr>
-          <p:cNvPr id="582719015" name="PlaceHolder 3"/>
-          <p:cNvSpPr/>
-          <p:nvPr/>
-        </p:nvSpPr>
-        <p:spPr bwMode="auto">
-          <a:xfrm>
-            <a:off x="624240" y="479880"/>
-            <a:ext cx="8068320" cy="610200"/>
-          </a:xfrm>
-          <a:prstGeom prst="rect">
-            <a:avLst/>
-          </a:prstGeom>
-          <a:noFill/>
-          <a:ln w="0">
-            <a:noFill/>
-          </a:ln>
-        </p:spPr>
-        <p:style>
-          <a:lnRef idx="0"/>
-          <a:fillRef idx="0"/>
-          <a:effectRef idx="0"/>
-          <a:fontRef idx="minor"/>
-        </p:style>
-        <p:txBody>
           <a:bodyPr lIns="0" tIns="0" rIns="0" bIns="0" anchor="b">
             <a:noAutofit/>
           </a:bodyPr>
@@ -7735,7 +11580,7 @@
                 </a:solidFill>
                 <a:latin typeface="Overpass"/>
               </a:rPr>
-              <a:t>Benchmarks</a:t>
+              <a:t>Current implementations: OpenMPI/5.0.2</a:t>
             </a:r>
             <a:endParaRPr lang="en-US" sz="2400" b="0" strike="noStrike" spc="0">
               <a:solidFill>
@@ -7748,7 +11593,7 @@
       </p:sp>
       <p:sp>
         <p:nvSpPr>
-          <p:cNvPr id="1756453908" name="PlaceHolder 1"/>
+          <p:cNvPr id="1837433881" name="PlaceHolder 1"/>
           <p:cNvSpPr>
             <a:spLocks noGrp="1"/>
           </p:cNvSpPr>
@@ -7763,181 +11608,1266 @@
             <a:pPr>
               <a:defRPr/>
             </a:pPr>
-            <a:r>
-              <a:rPr/>
-              <a:t>IPTW 2023 - 5./6. October 2023</a:t>
-            </a:r>
             <a:endParaRPr/>
           </a:p>
         </p:txBody>
       </p:sp>
       <p:sp>
         <p:nvSpPr>
-          <p:cNvPr id="100202674" name=""/>
+          <p:cNvPr id="282452037" name=""/>
           <p:cNvSpPr txBox="1"/>
           <p:nvPr/>
         </p:nvSpPr>
         <p:spPr bwMode="auto">
           <a:xfrm flipH="0" flipV="0">
-            <a:off x="1230872" y="1757037"/>
-            <a:ext cx="7444296" cy="244198"/>
+            <a:off x="1859707" y="2200921"/>
+            <a:ext cx="1439492" cy="244199"/>
           </a:xfrm>
           <a:prstGeom prst="rect">
             <a:avLst/>
           </a:prstGeom>
           <a:noFill/>
+          <a:ln w="12699">
+            <a:solidFill>
+              <a:schemeClr val="accent1">
+                <a:lumMod val="50196"/>
+              </a:schemeClr>
+            </a:solidFill>
+            <a:prstDash val="solid"/>
+          </a:ln>
         </p:spPr>
         <p:txBody>
           <a:bodyPr vertOverflow="overflow" horzOverflow="overflow" vert="horz" wrap="square" lIns="91440" tIns="45720" rIns="91440" bIns="45720" numCol="1" spcCol="0" rtlCol="0" fromWordArt="0" anchor="t" anchorCtr="0" forceAA="0" upright="0" compatLnSpc="0">
             <a:spAutoFit/>
           </a:bodyPr>
           <a:p>
-            <a:pPr>
-              <a:defRPr/>
-            </a:pPr>
+            <a:pPr algn="ctr">
+              <a:defRPr/>
+            </a:pPr>
+            <a:r>
+              <a:rPr/>
+              <a:t>MPI_Psend_init</a:t>
+            </a:r>
             <a:endParaRPr/>
           </a:p>
         </p:txBody>
       </p:sp>
       <p:sp>
         <p:nvSpPr>
-          <p:cNvPr id="1259530350" name=""/>
-          <p:cNvSpPr/>
+          <p:cNvPr id="497510580" name=""/>
+          <p:cNvSpPr txBox="1"/>
           <p:nvPr/>
         </p:nvSpPr>
         <p:spPr bwMode="auto">
-          <a:xfrm>
-            <a:off x="838198" y="1523999"/>
-            <a:ext cx="10743480" cy="4571280"/>
+          <a:xfrm flipH="0" flipV="0">
+            <a:off x="1859707" y="2806451"/>
+            <a:ext cx="1445250" cy="244199"/>
           </a:xfrm>
           <a:prstGeom prst="rect">
             <a:avLst/>
           </a:prstGeom>
           <a:noFill/>
-          <a:ln w="0">
-            <a:noFill/>
+          <a:ln w="12699">
+            <a:solidFill>
+              <a:schemeClr val="accent1">
+                <a:lumMod val="50196"/>
+              </a:schemeClr>
+            </a:solidFill>
+            <a:prstDash val="solid"/>
+          </a:ln>
+        </p:spPr>
+        <p:txBody>
+          <a:bodyPr vertOverflow="overflow" horzOverflow="overflow" vert="horz" wrap="square" lIns="91440" tIns="45720" rIns="91440" bIns="45720" numCol="1" spcCol="0" rtlCol="0" fromWordArt="0" anchor="t" anchorCtr="0" forceAA="0" upright="0" compatLnSpc="0">
+            <a:spAutoFit/>
+          </a:bodyPr>
+          <a:p>
+            <a:pPr algn="ctr">
+              <a:defRPr/>
+            </a:pPr>
+            <a:r>
+              <a:rPr/>
+              <a:t>MPI_Start</a:t>
+            </a:r>
+            <a:endParaRPr/>
+          </a:p>
+        </p:txBody>
+      </p:sp>
+      <p:sp>
+        <p:nvSpPr>
+          <p:cNvPr id="208744531" name=""/>
+          <p:cNvSpPr txBox="1"/>
+          <p:nvPr/>
+        </p:nvSpPr>
+        <p:spPr bwMode="auto">
+          <a:xfrm flipH="0" flipV="0">
+            <a:off x="1077960" y="3411839"/>
+            <a:ext cx="893797" cy="244199"/>
+          </a:xfrm>
+          <a:prstGeom prst="rect">
+            <a:avLst/>
+          </a:prstGeom>
+          <a:noFill/>
+          <a:ln w="12699">
+            <a:solidFill>
+              <a:schemeClr val="accent1">
+                <a:lumMod val="50196"/>
+              </a:schemeClr>
+            </a:solidFill>
+            <a:prstDash val="solid"/>
+          </a:ln>
+        </p:spPr>
+        <p:txBody>
+          <a:bodyPr vertOverflow="overflow" horzOverflow="overflow" vert="horz" wrap="square" lIns="91440" tIns="45720" rIns="91440" bIns="45720" numCol="1" spcCol="0" rtlCol="0" fromWordArt="0" anchor="t" anchorCtr="0" forceAA="0" upright="0" compatLnSpc="0">
+            <a:spAutoFit/>
+          </a:bodyPr>
+          <a:p>
+            <a:pPr algn="ctr">
+              <a:defRPr/>
+            </a:pPr>
+            <a:r>
+              <a:rPr/>
+              <a:t>MPI_Pready</a:t>
+            </a:r>
+            <a:endParaRPr/>
+          </a:p>
+        </p:txBody>
+      </p:sp>
+      <p:sp>
+        <p:nvSpPr>
+          <p:cNvPr id="2091258320" name=""/>
+          <p:cNvSpPr txBox="1"/>
+          <p:nvPr/>
+        </p:nvSpPr>
+        <p:spPr bwMode="auto">
+          <a:xfrm flipH="0" flipV="0">
+            <a:off x="2135255" y="3735505"/>
+            <a:ext cx="894156" cy="244199"/>
+          </a:xfrm>
+          <a:prstGeom prst="rect">
+            <a:avLst/>
+          </a:prstGeom>
+          <a:noFill/>
+          <a:ln w="12699">
+            <a:solidFill>
+              <a:schemeClr val="accent1">
+                <a:lumMod val="50196"/>
+              </a:schemeClr>
+            </a:solidFill>
+            <a:prstDash val="solid"/>
+          </a:ln>
+        </p:spPr>
+        <p:txBody>
+          <a:bodyPr vertOverflow="overflow" horzOverflow="overflow" vert="horz" wrap="square" lIns="91440" tIns="45720" rIns="91440" bIns="45720" numCol="1" spcCol="0" rtlCol="0" fromWordArt="0" anchor="t" anchorCtr="0" forceAA="0" upright="0" compatLnSpc="0">
+            <a:spAutoFit/>
+          </a:bodyPr>
+          <a:p>
+            <a:pPr algn="ctr">
+              <a:defRPr/>
+            </a:pPr>
+            <a:r>
+              <a:rPr/>
+              <a:t>MPI_Pready</a:t>
+            </a:r>
+            <a:endParaRPr/>
+          </a:p>
+        </p:txBody>
+      </p:sp>
+      <p:sp>
+        <p:nvSpPr>
+          <p:cNvPr id="754481615" name=""/>
+          <p:cNvSpPr txBox="1"/>
+          <p:nvPr/>
+        </p:nvSpPr>
+        <p:spPr bwMode="auto">
+          <a:xfrm flipH="0" flipV="0">
+            <a:off x="3181812" y="4059170"/>
+            <a:ext cx="894516" cy="244199"/>
+          </a:xfrm>
+          <a:prstGeom prst="rect">
+            <a:avLst/>
+          </a:prstGeom>
+          <a:noFill/>
+          <a:ln w="12699">
+            <a:solidFill>
+              <a:schemeClr val="accent1">
+                <a:lumMod val="50196"/>
+              </a:schemeClr>
+            </a:solidFill>
+            <a:prstDash val="solid"/>
+          </a:ln>
+        </p:spPr>
+        <p:txBody>
+          <a:bodyPr vertOverflow="overflow" horzOverflow="overflow" vert="horz" wrap="square" lIns="91440" tIns="45720" rIns="91440" bIns="45720" numCol="1" spcCol="0" rtlCol="0" fromWordArt="0" anchor="t" anchorCtr="0" forceAA="0" upright="0" compatLnSpc="0">
+            <a:spAutoFit/>
+          </a:bodyPr>
+          <a:p>
+            <a:pPr algn="ctr">
+              <a:defRPr/>
+            </a:pPr>
+            <a:r>
+              <a:rPr/>
+              <a:t>MPI_Pready</a:t>
+            </a:r>
+            <a:endParaRPr/>
+          </a:p>
+        </p:txBody>
+      </p:sp>
+      <p:sp>
+        <p:nvSpPr>
+          <p:cNvPr id="1130645487" name=""/>
+          <p:cNvSpPr txBox="1"/>
+          <p:nvPr/>
+        </p:nvSpPr>
+        <p:spPr bwMode="auto">
+          <a:xfrm flipH="0" flipV="0">
+            <a:off x="1853948" y="4401331"/>
+            <a:ext cx="1451731" cy="244199"/>
+          </a:xfrm>
+          <a:prstGeom prst="rect">
+            <a:avLst/>
+          </a:prstGeom>
+          <a:noFill/>
+          <a:ln w="12699">
+            <a:solidFill>
+              <a:schemeClr val="accent1">
+                <a:lumMod val="50196"/>
+              </a:schemeClr>
+            </a:solidFill>
+            <a:prstDash val="solid"/>
+          </a:ln>
+        </p:spPr>
+        <p:txBody>
+          <a:bodyPr vertOverflow="overflow" horzOverflow="overflow" vert="horz" wrap="square" lIns="91440" tIns="45720" rIns="91440" bIns="45720" numCol="1" spcCol="0" rtlCol="0" fromWordArt="0" anchor="t" anchorCtr="0" forceAA="0" upright="0" compatLnSpc="0">
+            <a:spAutoFit/>
+          </a:bodyPr>
+          <a:p>
+            <a:pPr algn="ctr">
+              <a:defRPr/>
+            </a:pPr>
+            <a:r>
+              <a:rPr/>
+              <a:t>MPI_Wait/MPI_Test</a:t>
+            </a:r>
+            <a:endParaRPr/>
+          </a:p>
+        </p:txBody>
+      </p:sp>
+      <p:sp>
+        <p:nvSpPr>
+          <p:cNvPr id="2048604582" name=""/>
+          <p:cNvSpPr txBox="1"/>
+          <p:nvPr/>
+        </p:nvSpPr>
+        <p:spPr bwMode="auto">
+          <a:xfrm flipH="0" flipV="0">
+            <a:off x="1859707" y="4923491"/>
+            <a:ext cx="1458931" cy="244199"/>
+          </a:xfrm>
+          <a:prstGeom prst="rect">
+            <a:avLst/>
+          </a:prstGeom>
+          <a:noFill/>
+          <a:ln w="12699">
+            <a:solidFill>
+              <a:schemeClr val="accent1">
+                <a:lumMod val="50196"/>
+              </a:schemeClr>
+            </a:solidFill>
+            <a:prstDash val="solid"/>
+          </a:ln>
+        </p:spPr>
+        <p:txBody>
+          <a:bodyPr vertOverflow="overflow" horzOverflow="overflow" vert="horz" wrap="square" lIns="91440" tIns="45720" rIns="91440" bIns="45720" numCol="1" spcCol="0" rtlCol="0" fromWordArt="0" anchor="t" anchorCtr="0" forceAA="0" upright="0" compatLnSpc="0">
+            <a:spAutoFit/>
+          </a:bodyPr>
+          <a:p>
+            <a:pPr algn="ctr">
+              <a:defRPr/>
+            </a:pPr>
+            <a:r>
+              <a:rPr/>
+              <a:t>MPI_Request_free</a:t>
+            </a:r>
+            <a:endParaRPr/>
+          </a:p>
+        </p:txBody>
+      </p:sp>
+      <p:cxnSp>
+        <p:nvCxnSpPr>
+          <p:cNvPr id="46173142" name=""/>
+          <p:cNvCxnSpPr>
+            <a:cxnSpLocks/>
+          </p:cNvCxnSpPr>
+          <p:nvPr/>
+        </p:nvCxnSpPr>
+        <p:spPr bwMode="auto">
+          <a:xfrm rot="5399942" flipH="0" flipV="1">
+            <a:off x="2400049" y="2625786"/>
+            <a:ext cx="361329" cy="0"/>
+          </a:xfrm>
+          <a:prstGeom prst="line">
+            <a:avLst/>
+          </a:prstGeom>
+          <a:ln w="12699" cap="flat" cmpd="sng" algn="ctr">
+            <a:solidFill>
+              <a:schemeClr val="tx1">
+                <a:lumMod val="94901"/>
+                <a:lumOff val="5099"/>
+              </a:schemeClr>
+            </a:solidFill>
+            <a:prstDash val="solid"/>
+            <a:miter/>
+            <a:tailEnd type="arrow" len="med"/>
           </a:ln>
         </p:spPr>
         <p:style>
-          <a:lnRef idx="0"/>
-          <a:fillRef idx="0"/>
-          <a:effectRef idx="0"/>
-          <a:fontRef idx="minor"/>
+          <a:lnRef idx="1">
+            <a:schemeClr val="accent1">
+              <a:shade val="50000"/>
+            </a:schemeClr>
+          </a:lnRef>
+          <a:fillRef idx="0">
+            <a:schemeClr val="accent1"/>
+          </a:fillRef>
+          <a:effectRef idx="0">
+            <a:schemeClr val="accent1"/>
+          </a:effectRef>
+          <a:fontRef idx="minor">
+            <a:schemeClr val="tx1"/>
+          </a:fontRef>
         </p:style>
-        <p:txBody>
-          <a:bodyPr lIns="90000" tIns="45000" rIns="90000" bIns="45000" anchor="t">
-            <a:noAutofit/>
+      </p:cxnSp>
+      <p:cxnSp>
+        <p:nvCxnSpPr>
+          <p:cNvPr id="1811717032" name=""/>
+          <p:cNvCxnSpPr>
+            <a:cxnSpLocks/>
+            <a:endCxn id="2091258320" idx="0"/>
+          </p:cNvCxnSpPr>
+          <p:nvPr/>
+        </p:nvCxnSpPr>
+        <p:spPr bwMode="auto">
+          <a:xfrm rot="5399976" flipH="0" flipV="1">
+            <a:off x="2239817" y="3393078"/>
+            <a:ext cx="684852" cy="0"/>
+          </a:xfrm>
+          <a:prstGeom prst="line">
+            <a:avLst/>
+          </a:prstGeom>
+          <a:ln w="12699" cap="flat" cmpd="sng" algn="ctr">
+            <a:solidFill>
+              <a:schemeClr val="tx1"/>
+            </a:solidFill>
+            <a:prstDash val="solid"/>
+            <a:miter/>
+            <a:tailEnd type="arrow" len="med"/>
+          </a:ln>
+        </p:spPr>
+        <p:style>
+          <a:lnRef idx="1">
+            <a:schemeClr val="accent1">
+              <a:shade val="50000"/>
+            </a:schemeClr>
+          </a:lnRef>
+          <a:fillRef idx="0">
+            <a:schemeClr val="accent1"/>
+          </a:fillRef>
+          <a:effectRef idx="0">
+            <a:schemeClr val="accent1"/>
+          </a:effectRef>
+          <a:fontRef idx="minor">
+            <a:schemeClr val="tx1"/>
+          </a:fontRef>
+        </p:style>
+      </p:cxnSp>
+      <p:cxnSp>
+        <p:nvCxnSpPr>
+          <p:cNvPr id="1273503369" name=""/>
+          <p:cNvCxnSpPr>
+            <a:cxnSpLocks/>
+          </p:cNvCxnSpPr>
+          <p:nvPr/>
+        </p:nvCxnSpPr>
+        <p:spPr bwMode="auto">
+          <a:xfrm rot="5399942" flipH="0" flipV="0">
+            <a:off x="1872822" y="2702508"/>
+            <a:ext cx="361188" cy="1057473"/>
+          </a:xfrm>
+          <a:prstGeom prst="line">
+            <a:avLst/>
+          </a:prstGeom>
+          <a:ln w="12699" cap="flat" cmpd="sng" algn="ctr">
+            <a:solidFill>
+              <a:schemeClr val="tx1"/>
+            </a:solidFill>
+            <a:prstDash val="solid"/>
+            <a:miter/>
+            <a:tailEnd type="arrow" len="med"/>
+          </a:ln>
+        </p:spPr>
+        <p:style>
+          <a:lnRef idx="1">
+            <a:schemeClr val="accent1">
+              <a:shade val="50000"/>
+            </a:schemeClr>
+          </a:lnRef>
+          <a:fillRef idx="0">
+            <a:schemeClr val="accent1"/>
+          </a:fillRef>
+          <a:effectRef idx="0">
+            <a:schemeClr val="accent1"/>
+          </a:effectRef>
+          <a:fontRef idx="minor">
+            <a:schemeClr val="tx1"/>
+          </a:fontRef>
+        </p:style>
+      </p:cxnSp>
+      <p:cxnSp>
+        <p:nvCxnSpPr>
+          <p:cNvPr id="374939404" name=""/>
+          <p:cNvCxnSpPr>
+            <a:cxnSpLocks/>
+            <a:endCxn id="754481615" idx="0"/>
+          </p:cNvCxnSpPr>
+          <p:nvPr/>
+        </p:nvCxnSpPr>
+        <p:spPr bwMode="auto">
+          <a:xfrm rot="0" flipH="0" flipV="0">
+            <a:off x="2582152" y="3050655"/>
+            <a:ext cx="1046918" cy="1008514"/>
+          </a:xfrm>
+          <a:prstGeom prst="line">
+            <a:avLst/>
+          </a:prstGeom>
+          <a:ln w="12699" cap="flat" cmpd="sng" algn="ctr">
+            <a:solidFill>
+              <a:schemeClr val="tx1"/>
+            </a:solidFill>
+            <a:prstDash val="solid"/>
+            <a:miter/>
+            <a:tailEnd type="arrow" len="med"/>
+          </a:ln>
+        </p:spPr>
+        <p:style>
+          <a:lnRef idx="1">
+            <a:schemeClr val="accent1">
+              <a:shade val="50000"/>
+            </a:schemeClr>
+          </a:lnRef>
+          <a:fillRef idx="0">
+            <a:schemeClr val="accent1"/>
+          </a:fillRef>
+          <a:effectRef idx="0">
+            <a:schemeClr val="accent1"/>
+          </a:effectRef>
+          <a:fontRef idx="minor">
+            <a:schemeClr val="tx1"/>
+          </a:fontRef>
+        </p:style>
+      </p:cxnSp>
+      <p:cxnSp>
+        <p:nvCxnSpPr>
+          <p:cNvPr id="398109699" name=""/>
+          <p:cNvCxnSpPr>
+            <a:cxnSpLocks/>
+            <a:endCxn id="1130645487" idx="0"/>
+          </p:cNvCxnSpPr>
+          <p:nvPr/>
+        </p:nvCxnSpPr>
+        <p:spPr bwMode="auto">
+          <a:xfrm rot="0" flipH="0" flipV="0">
+            <a:off x="1524678" y="3656044"/>
+            <a:ext cx="1055135" cy="745286"/>
+          </a:xfrm>
+          <a:prstGeom prst="line">
+            <a:avLst/>
+          </a:prstGeom>
+          <a:ln w="12699" cap="flat" cmpd="sng" algn="ctr">
+            <a:solidFill>
+              <a:schemeClr val="tx1"/>
+            </a:solidFill>
+            <a:prstDash val="solid"/>
+            <a:miter/>
+            <a:tailEnd type="arrow" len="med"/>
+          </a:ln>
+        </p:spPr>
+        <p:style>
+          <a:lnRef idx="1">
+            <a:schemeClr val="accent1">
+              <a:shade val="50000"/>
+            </a:schemeClr>
+          </a:lnRef>
+          <a:fillRef idx="0">
+            <a:schemeClr val="accent1"/>
+          </a:fillRef>
+          <a:effectRef idx="0">
+            <a:schemeClr val="accent1"/>
+          </a:effectRef>
+          <a:fontRef idx="minor">
+            <a:schemeClr val="tx1"/>
+          </a:fontRef>
+        </p:style>
+      </p:cxnSp>
+      <p:cxnSp>
+        <p:nvCxnSpPr>
+          <p:cNvPr id="346786841" name=""/>
+          <p:cNvCxnSpPr>
+            <a:cxnSpLocks/>
+            <a:stCxn id="2091258320" idx="2"/>
+            <a:endCxn id="1130645487" idx="0"/>
+          </p:cNvCxnSpPr>
+          <p:nvPr/>
+        </p:nvCxnSpPr>
+        <p:spPr bwMode="auto">
+          <a:xfrm rot="5399976" flipH="0" flipV="0">
+            <a:off x="2370261" y="4190518"/>
+            <a:ext cx="421625" cy="0"/>
+          </a:xfrm>
+          <a:prstGeom prst="line">
+            <a:avLst/>
+          </a:prstGeom>
+          <a:ln w="12699" cap="flat" cmpd="sng" algn="ctr">
+            <a:solidFill>
+              <a:schemeClr val="tx1"/>
+            </a:solidFill>
+            <a:prstDash val="solid"/>
+            <a:miter/>
+            <a:tailEnd type="arrow" len="med"/>
+          </a:ln>
+        </p:spPr>
+        <p:style>
+          <a:lnRef idx="1">
+            <a:schemeClr val="accent1">
+              <a:shade val="50000"/>
+            </a:schemeClr>
+          </a:lnRef>
+          <a:fillRef idx="0">
+            <a:schemeClr val="accent1"/>
+          </a:fillRef>
+          <a:effectRef idx="0">
+            <a:schemeClr val="accent1"/>
+          </a:effectRef>
+          <a:fontRef idx="minor">
+            <a:schemeClr val="tx1"/>
+          </a:fontRef>
+        </p:style>
+      </p:cxnSp>
+      <p:cxnSp>
+        <p:nvCxnSpPr>
+          <p:cNvPr id="920265367" name=""/>
+          <p:cNvCxnSpPr>
+            <a:cxnSpLocks/>
+            <a:stCxn id="754481615" idx="2"/>
+            <a:endCxn id="1130645487" idx="0"/>
+          </p:cNvCxnSpPr>
+          <p:nvPr/>
+        </p:nvCxnSpPr>
+        <p:spPr bwMode="auto">
+          <a:xfrm rot="5399976" flipH="0" flipV="0">
+            <a:off x="3055462" y="3827722"/>
+            <a:ext cx="97960" cy="1049256"/>
+          </a:xfrm>
+          <a:prstGeom prst="line">
+            <a:avLst/>
+          </a:prstGeom>
+          <a:ln w="12699" cap="flat" cmpd="sng" algn="ctr">
+            <a:solidFill>
+              <a:schemeClr val="tx1"/>
+            </a:solidFill>
+            <a:prstDash val="solid"/>
+            <a:miter/>
+            <a:tailEnd type="arrow" len="med"/>
+          </a:ln>
+        </p:spPr>
+        <p:style>
+          <a:lnRef idx="1">
+            <a:schemeClr val="accent1">
+              <a:shade val="50000"/>
+            </a:schemeClr>
+          </a:lnRef>
+          <a:fillRef idx="0">
+            <a:schemeClr val="accent1"/>
+          </a:fillRef>
+          <a:effectRef idx="0">
+            <a:schemeClr val="accent1"/>
+          </a:effectRef>
+          <a:fontRef idx="minor">
+            <a:schemeClr val="tx1"/>
+          </a:fontRef>
+        </p:style>
+      </p:cxnSp>
+      <p:cxnSp>
+        <p:nvCxnSpPr>
+          <p:cNvPr id="116084237" name=""/>
+          <p:cNvCxnSpPr>
+            <a:cxnSpLocks/>
+          </p:cNvCxnSpPr>
+          <p:nvPr/>
+        </p:nvCxnSpPr>
+        <p:spPr bwMode="auto">
+          <a:xfrm rot="5399942" flipH="0" flipV="1">
+            <a:off x="2445334" y="4784511"/>
+            <a:ext cx="277958" cy="0"/>
+          </a:xfrm>
+          <a:prstGeom prst="line">
+            <a:avLst/>
+          </a:prstGeom>
+          <a:ln w="12699" cap="flat" cmpd="sng" algn="ctr">
+            <a:solidFill>
+              <a:schemeClr val="tx1"/>
+            </a:solidFill>
+            <a:prstDash val="solid"/>
+            <a:miter/>
+            <a:tailEnd type="arrow" len="med"/>
+          </a:ln>
+        </p:spPr>
+        <p:style>
+          <a:lnRef idx="1">
+            <a:schemeClr val="accent1">
+              <a:shade val="50000"/>
+            </a:schemeClr>
+          </a:lnRef>
+          <a:fillRef idx="0">
+            <a:schemeClr val="accent1"/>
+          </a:fillRef>
+          <a:effectRef idx="0">
+            <a:schemeClr val="accent1"/>
+          </a:effectRef>
+          <a:fontRef idx="minor">
+            <a:schemeClr val="tx1"/>
+          </a:fontRef>
+        </p:style>
+      </p:cxnSp>
+      <p:sp>
+        <p:nvSpPr>
+          <p:cNvPr id="1830584914" name=""/>
+          <p:cNvSpPr txBox="1"/>
+          <p:nvPr/>
+        </p:nvSpPr>
+        <p:spPr bwMode="auto">
+          <a:xfrm flipH="0" flipV="0">
+            <a:off x="6101758" y="2819870"/>
+            <a:ext cx="1451730" cy="244199"/>
+          </a:xfrm>
+          <a:prstGeom prst="rect">
+            <a:avLst/>
+          </a:prstGeom>
+          <a:noFill/>
+          <a:ln w="12699">
+            <a:solidFill>
+              <a:schemeClr val="accent1">
+                <a:lumMod val="50196"/>
+              </a:schemeClr>
+            </a:solidFill>
+            <a:prstDash val="solid"/>
+          </a:ln>
+        </p:spPr>
+        <p:txBody>
+          <a:bodyPr vertOverflow="overflow" horzOverflow="overflow" vert="horz" wrap="square" lIns="91440" tIns="45720" rIns="91440" bIns="45720" numCol="1" spcCol="0" rtlCol="0" fromWordArt="0" anchor="t" anchorCtr="0" forceAA="0" upright="0" compatLnSpc="0">
+            <a:spAutoFit/>
           </a:bodyPr>
           <a:p>
-            <a:pPr marL="239821" indent="-239821">
-              <a:buFont typeface="Arial"/>
-              <a:buChar char="•"/>
-              <a:defRPr/>
-            </a:pPr>
-            <a:r>
-              <a:rPr sz="1400"/>
-              <a:t>MPI_Send() -&gt; MPI_Recv()</a:t>
-            </a:r>
-            <a:endParaRPr sz="1400"/>
-          </a:p>
-          <a:p>
-            <a:pPr marL="239821" indent="-239821">
-              <a:buFont typeface="Arial"/>
-              <a:buChar char="•"/>
-              <a:defRPr/>
-            </a:pPr>
-            <a:r>
-              <a:rPr sz="1400"/>
-              <a:t>MPI_Isend() -&gt; MPI_Irecv()</a:t>
-            </a:r>
-            <a:endParaRPr sz="1400"/>
-          </a:p>
-          <a:p>
-            <a:pPr marL="239821" indent="-239821">
-              <a:buFont typeface="Arial"/>
-              <a:buChar char="•"/>
-              <a:defRPr/>
-            </a:pPr>
-            <a:r>
-              <a:rPr sz="1400"/>
-              <a:t>MPI_Isend(), MPI_Test() -&gt; MPI_Irecv()</a:t>
-            </a:r>
-            <a:endParaRPr sz="1400"/>
-          </a:p>
-          <a:p>
-            <a:pPr marL="239820" indent="-239820">
-              <a:buFont typeface="Arial"/>
-              <a:buChar char="•"/>
-              <a:defRPr/>
-            </a:pPr>
-            <a:r>
-              <a:rPr sz="1400"/>
-              <a:t>MPI_Psend()</a:t>
-            </a:r>
-            <a:endParaRPr sz="1400"/>
-          </a:p>
-          <a:p>
-            <a:pPr marL="239820" indent="-239820">
-              <a:buFont typeface="Arial"/>
-              <a:buChar char="•"/>
-              <a:defRPr/>
-            </a:pPr>
-            <a:r>
-              <a:rPr sz="1400"/>
-              <a:t>MPI_Psend(), MPI_Request_get_status()</a:t>
-            </a:r>
-            <a:endParaRPr sz="1400"/>
-          </a:p>
-          <a:p>
-            <a:pPr marL="239820" indent="-239820">
-              <a:buFont typeface="Arial"/>
-              <a:buChar char="•"/>
-              <a:defRPr/>
-            </a:pPr>
-            <a:r>
-              <a:rPr sz="1400"/>
-              <a:t>MPI_Psend(), additional thread calling MPI_Request_get_status()</a:t>
-            </a:r>
-            <a:endParaRPr sz="1400"/>
-          </a:p>
-          <a:p>
-            <a:pPr marL="239820" indent="-239820">
-              <a:buFont typeface="Arial"/>
-              <a:buChar char="•"/>
-              <a:defRPr/>
-            </a:pPr>
-            <a:r>
-              <a:rPr sz="1400"/>
-              <a:t>Multiple threads calling MPI_Psend()</a:t>
-            </a:r>
-            <a:endParaRPr sz="1400"/>
-          </a:p>
-          <a:p>
-            <a:pPr marL="239820" indent="-239820">
-              <a:buFont typeface="Arial"/>
-              <a:buChar char="•"/>
-              <a:defRPr/>
-            </a:pPr>
-            <a:r>
-              <a:rPr sz="1400"/>
-              <a:t>MPI_Win, MPI_Put() for each partition</a:t>
-            </a:r>
-            <a:endParaRPr sz="1400"/>
-          </a:p>
-          <a:p>
-            <a:pPr marL="239820" indent="-239820">
-              <a:buFont typeface="Arial"/>
-              <a:buChar char="•"/>
-              <a:defRPr/>
-            </a:pPr>
-            <a:r>
-              <a:rPr sz="1400"/>
-              <a:t>MPI_Win for each partition</a:t>
-            </a:r>
-            <a:endParaRPr sz="1400"/>
-          </a:p>
-        </p:txBody>
-      </p:sp>
+            <a:pPr algn="ctr">
+              <a:defRPr/>
+            </a:pPr>
+            <a:r>
+              <a:rPr/>
+              <a:t>isend_init</a:t>
+            </a:r>
+            <a:endParaRPr/>
+          </a:p>
+        </p:txBody>
+      </p:sp>
+      <p:sp>
+        <p:nvSpPr>
+          <p:cNvPr id="177809688" name=""/>
+          <p:cNvSpPr txBox="1"/>
+          <p:nvPr/>
+        </p:nvSpPr>
+        <p:spPr bwMode="auto">
+          <a:xfrm flipH="0" flipV="0">
+            <a:off x="6377306" y="3425259"/>
+            <a:ext cx="900276" cy="244199"/>
+          </a:xfrm>
+          <a:prstGeom prst="rect">
+            <a:avLst/>
+          </a:prstGeom>
+          <a:noFill/>
+          <a:ln w="12699">
+            <a:solidFill>
+              <a:schemeClr val="accent1">
+                <a:lumMod val="50196"/>
+              </a:schemeClr>
+            </a:solidFill>
+            <a:prstDash val="solid"/>
+          </a:ln>
+        </p:spPr>
+        <p:txBody>
+          <a:bodyPr vertOverflow="overflow" horzOverflow="overflow" vert="horz" wrap="square" lIns="91440" tIns="45720" rIns="91440" bIns="45720" numCol="1" spcCol="0" rtlCol="0" fromWordArt="0" anchor="t" anchorCtr="0" forceAA="0" upright="0" compatLnSpc="0">
+            <a:spAutoFit/>
+          </a:bodyPr>
+          <a:p>
+            <a:pPr algn="ctr">
+              <a:defRPr/>
+            </a:pPr>
+            <a:r>
+              <a:rPr/>
+              <a:t>start, </a:t>
+            </a:r>
+            <a:r>
+              <a:rPr/>
+              <a:t>test</a:t>
+            </a:r>
+            <a:endParaRPr/>
+          </a:p>
+        </p:txBody>
+      </p:sp>
+      <p:sp>
+        <p:nvSpPr>
+          <p:cNvPr id="531576741" name=""/>
+          <p:cNvSpPr txBox="1"/>
+          <p:nvPr/>
+        </p:nvSpPr>
+        <p:spPr bwMode="auto">
+          <a:xfrm flipH="0" flipV="0">
+            <a:off x="6095999" y="4401331"/>
+            <a:ext cx="1460731" cy="244199"/>
+          </a:xfrm>
+          <a:prstGeom prst="rect">
+            <a:avLst/>
+          </a:prstGeom>
+          <a:noFill/>
+          <a:ln w="12699">
+            <a:solidFill>
+              <a:schemeClr val="accent1">
+                <a:lumMod val="50196"/>
+              </a:schemeClr>
+            </a:solidFill>
+            <a:prstDash val="solid"/>
+          </a:ln>
+        </p:spPr>
+        <p:txBody>
+          <a:bodyPr vertOverflow="overflow" horzOverflow="overflow" vert="horz" wrap="square" lIns="91440" tIns="45720" rIns="91440" bIns="45720" numCol="1" spcCol="0" rtlCol="0" fromWordArt="0" anchor="t" anchorCtr="0" forceAA="0" upright="0" compatLnSpc="0">
+            <a:spAutoFit/>
+          </a:bodyPr>
+          <a:p>
+            <a:pPr algn="ctr">
+              <a:defRPr/>
+            </a:pPr>
+            <a:r>
+              <a:rPr/>
+              <a:t>opal_progress</a:t>
+            </a:r>
+            <a:endParaRPr/>
+          </a:p>
+        </p:txBody>
+      </p:sp>
+      <p:cxnSp>
+        <p:nvCxnSpPr>
+          <p:cNvPr id="841284919" name=""/>
+          <p:cNvCxnSpPr>
+            <a:cxnSpLocks/>
+          </p:cNvCxnSpPr>
+          <p:nvPr/>
+        </p:nvCxnSpPr>
+        <p:spPr bwMode="auto">
+          <a:xfrm rot="5399942" flipH="0" flipV="1">
+            <a:off x="6643611" y="3244665"/>
+            <a:ext cx="361188" cy="0"/>
+          </a:xfrm>
+          <a:prstGeom prst="line">
+            <a:avLst/>
+          </a:prstGeom>
+          <a:ln w="12699" cap="flat" cmpd="sng" algn="ctr">
+            <a:solidFill>
+              <a:schemeClr val="tx1"/>
+            </a:solidFill>
+            <a:prstDash val="solid"/>
+            <a:miter/>
+            <a:tailEnd type="arrow" len="med"/>
+          </a:ln>
+        </p:spPr>
+        <p:style>
+          <a:lnRef idx="1">
+            <a:schemeClr val="accent1">
+              <a:shade val="50000"/>
+            </a:schemeClr>
+          </a:lnRef>
+          <a:fillRef idx="0">
+            <a:schemeClr val="accent1"/>
+          </a:fillRef>
+          <a:effectRef idx="0">
+            <a:schemeClr val="accent1"/>
+          </a:effectRef>
+          <a:fontRef idx="minor">
+            <a:schemeClr val="tx1"/>
+          </a:fontRef>
+        </p:style>
+      </p:cxnSp>
+      <p:cxnSp>
+        <p:nvCxnSpPr>
+          <p:cNvPr id="1697173740" name=""/>
+          <p:cNvCxnSpPr>
+            <a:cxnSpLocks/>
+            <a:stCxn id="177809688" idx="2"/>
+            <a:endCxn id="531576741" idx="0"/>
+          </p:cNvCxnSpPr>
+          <p:nvPr/>
+        </p:nvCxnSpPr>
+        <p:spPr bwMode="auto">
+          <a:xfrm rot="5399976" flipH="0" flipV="0">
+            <a:off x="6458810" y="4035395"/>
+            <a:ext cx="731871" cy="0"/>
+          </a:xfrm>
+          <a:prstGeom prst="line">
+            <a:avLst/>
+          </a:prstGeom>
+          <a:ln w="12699" cap="flat" cmpd="sng" algn="ctr">
+            <a:solidFill>
+              <a:schemeClr val="tx1"/>
+            </a:solidFill>
+            <a:prstDash val="solid"/>
+            <a:miter/>
+            <a:tailEnd type="arrow" len="med"/>
+          </a:ln>
+        </p:spPr>
+        <p:style>
+          <a:lnRef idx="1">
+            <a:schemeClr val="accent1">
+              <a:shade val="50000"/>
+            </a:schemeClr>
+          </a:lnRef>
+          <a:fillRef idx="0">
+            <a:schemeClr val="accent1"/>
+          </a:fillRef>
+          <a:effectRef idx="0">
+            <a:schemeClr val="accent1"/>
+          </a:effectRef>
+          <a:fontRef idx="minor">
+            <a:schemeClr val="tx1"/>
+          </a:fontRef>
+        </p:style>
+      </p:cxnSp>
+      <p:sp>
+        <p:nvSpPr>
+          <p:cNvPr id="1928807004" name=""/>
+          <p:cNvSpPr txBox="1"/>
+          <p:nvPr/>
+        </p:nvSpPr>
+        <p:spPr bwMode="auto">
+          <a:xfrm flipH="0" flipV="0">
+            <a:off x="8046073" y="2819870"/>
+            <a:ext cx="1452089" cy="244199"/>
+          </a:xfrm>
+          <a:prstGeom prst="rect">
+            <a:avLst/>
+          </a:prstGeom>
+          <a:noFill/>
+          <a:ln w="12699">
+            <a:solidFill>
+              <a:schemeClr val="accent1">
+                <a:lumMod val="50196"/>
+              </a:schemeClr>
+            </a:solidFill>
+            <a:prstDash val="solid"/>
+          </a:ln>
+        </p:spPr>
+        <p:txBody>
+          <a:bodyPr vertOverflow="overflow" horzOverflow="overflow" vert="horz" wrap="square" lIns="91440" tIns="45720" rIns="91440" bIns="45720" numCol="1" spcCol="0" rtlCol="0" fromWordArt="0" anchor="t" anchorCtr="0" forceAA="0" upright="0" compatLnSpc="0">
+            <a:spAutoFit/>
+          </a:bodyPr>
+          <a:p>
+            <a:pPr algn="ctr">
+              <a:defRPr/>
+            </a:pPr>
+            <a:r>
+              <a:rPr/>
+              <a:t>isend_init</a:t>
+            </a:r>
+            <a:endParaRPr/>
+          </a:p>
+        </p:txBody>
+      </p:sp>
+      <p:sp>
+        <p:nvSpPr>
+          <p:cNvPr id="2092212706" name=""/>
+          <p:cNvSpPr txBox="1"/>
+          <p:nvPr/>
+        </p:nvSpPr>
+        <p:spPr bwMode="auto">
+          <a:xfrm flipH="0" flipV="0">
+            <a:off x="8321620" y="3702687"/>
+            <a:ext cx="900636" cy="244199"/>
+          </a:xfrm>
+          <a:prstGeom prst="rect">
+            <a:avLst/>
+          </a:prstGeom>
+          <a:noFill/>
+          <a:ln w="12699">
+            <a:solidFill>
+              <a:schemeClr val="accent1">
+                <a:lumMod val="50196"/>
+              </a:schemeClr>
+            </a:solidFill>
+            <a:prstDash val="solid"/>
+          </a:ln>
+        </p:spPr>
+        <p:txBody>
+          <a:bodyPr vertOverflow="overflow" horzOverflow="overflow" vert="horz" wrap="square" lIns="91440" tIns="45720" rIns="91440" bIns="45720" numCol="1" spcCol="0" rtlCol="0" fromWordArt="0" anchor="t" anchorCtr="0" forceAA="0" upright="0" compatLnSpc="0">
+            <a:spAutoFit/>
+          </a:bodyPr>
+          <a:p>
+            <a:pPr algn="ctr">
+              <a:defRPr/>
+            </a:pPr>
+            <a:r>
+              <a:rPr/>
+              <a:t>start, </a:t>
+            </a:r>
+            <a:r>
+              <a:rPr/>
+              <a:t>test</a:t>
+            </a:r>
+            <a:endParaRPr/>
+          </a:p>
+        </p:txBody>
+      </p:sp>
+      <p:sp>
+        <p:nvSpPr>
+          <p:cNvPr id="257352339" name=""/>
+          <p:cNvSpPr txBox="1"/>
+          <p:nvPr/>
+        </p:nvSpPr>
+        <p:spPr bwMode="auto">
+          <a:xfrm flipH="0" flipV="0">
+            <a:off x="8040314" y="4401331"/>
+            <a:ext cx="1460011" cy="244199"/>
+          </a:xfrm>
+          <a:prstGeom prst="rect">
+            <a:avLst/>
+          </a:prstGeom>
+          <a:noFill/>
+          <a:ln w="12699">
+            <a:solidFill>
+              <a:schemeClr val="accent1">
+                <a:lumMod val="50196"/>
+              </a:schemeClr>
+            </a:solidFill>
+            <a:prstDash val="solid"/>
+          </a:ln>
+        </p:spPr>
+        <p:txBody>
+          <a:bodyPr vertOverflow="overflow" horzOverflow="overflow" vert="horz" wrap="square" lIns="91440" tIns="45720" rIns="91440" bIns="45720" numCol="1" spcCol="0" rtlCol="0" fromWordArt="0" anchor="t" anchorCtr="0" forceAA="0" upright="0" compatLnSpc="0">
+            <a:spAutoFit/>
+          </a:bodyPr>
+          <a:p>
+            <a:pPr algn="ctr">
+              <a:defRPr/>
+            </a:pPr>
+            <a:r>
+              <a:rPr/>
+              <a:t>opal_progress</a:t>
+            </a:r>
+            <a:endParaRPr/>
+          </a:p>
+        </p:txBody>
+      </p:sp>
+      <p:cxnSp>
+        <p:nvCxnSpPr>
+          <p:cNvPr id="1048182870" name=""/>
+          <p:cNvCxnSpPr>
+            <a:cxnSpLocks/>
+            <a:endCxn id="2092212706" idx="0"/>
+          </p:cNvCxnSpPr>
+          <p:nvPr/>
+        </p:nvCxnSpPr>
+        <p:spPr bwMode="auto">
+          <a:xfrm rot="5399976" flipH="0" flipV="1">
+            <a:off x="8450922" y="3383379"/>
+            <a:ext cx="638615" cy="0"/>
+          </a:xfrm>
+          <a:prstGeom prst="line">
+            <a:avLst/>
+          </a:prstGeom>
+          <a:ln w="12699" cap="flat" cmpd="sng" algn="ctr">
+            <a:solidFill>
+              <a:schemeClr val="tx1"/>
+            </a:solidFill>
+            <a:prstDash val="solid"/>
+            <a:miter/>
+            <a:tailEnd type="arrow" len="med"/>
+          </a:ln>
+        </p:spPr>
+        <p:style>
+          <a:lnRef idx="1">
+            <a:schemeClr val="accent1">
+              <a:shade val="50000"/>
+            </a:schemeClr>
+          </a:lnRef>
+          <a:fillRef idx="0">
+            <a:schemeClr val="accent1"/>
+          </a:fillRef>
+          <a:effectRef idx="0">
+            <a:schemeClr val="accent1"/>
+          </a:effectRef>
+          <a:fontRef idx="minor">
+            <a:schemeClr val="tx1"/>
+          </a:fontRef>
+        </p:style>
+      </p:cxnSp>
+      <p:cxnSp>
+        <p:nvCxnSpPr>
+          <p:cNvPr id="1568915914" name=""/>
+          <p:cNvCxnSpPr>
+            <a:cxnSpLocks/>
+            <a:stCxn id="2092212706" idx="2"/>
+          </p:cNvCxnSpPr>
+          <p:nvPr/>
+        </p:nvCxnSpPr>
+        <p:spPr bwMode="auto">
+          <a:xfrm rot="5399976" flipH="0" flipV="0">
+            <a:off x="8543278" y="4174109"/>
+            <a:ext cx="454444" cy="0"/>
+          </a:xfrm>
+          <a:prstGeom prst="line">
+            <a:avLst/>
+          </a:prstGeom>
+          <a:ln w="12699" cap="flat" cmpd="sng" algn="ctr">
+            <a:solidFill>
+              <a:schemeClr val="tx1"/>
+            </a:solidFill>
+            <a:prstDash val="solid"/>
+            <a:miter/>
+            <a:tailEnd type="arrow" len="med"/>
+          </a:ln>
+        </p:spPr>
+        <p:style>
+          <a:lnRef idx="1">
+            <a:schemeClr val="accent1">
+              <a:shade val="50000"/>
+            </a:schemeClr>
+          </a:lnRef>
+          <a:fillRef idx="0">
+            <a:schemeClr val="accent1"/>
+          </a:fillRef>
+          <a:effectRef idx="0">
+            <a:schemeClr val="accent1"/>
+          </a:effectRef>
+          <a:fontRef idx="minor">
+            <a:schemeClr val="tx1"/>
+          </a:fontRef>
+        </p:style>
+      </p:cxnSp>
+      <p:sp>
+        <p:nvSpPr>
+          <p:cNvPr id="302116352" name=""/>
+          <p:cNvSpPr txBox="1"/>
+          <p:nvPr/>
+        </p:nvSpPr>
+        <p:spPr bwMode="auto">
+          <a:xfrm flipH="0" flipV="0">
+            <a:off x="10011312" y="2819870"/>
+            <a:ext cx="1452449" cy="244199"/>
+          </a:xfrm>
+          <a:prstGeom prst="rect">
+            <a:avLst/>
+          </a:prstGeom>
+          <a:noFill/>
+          <a:ln w="12699">
+            <a:solidFill>
+              <a:schemeClr val="accent1">
+                <a:lumMod val="50196"/>
+              </a:schemeClr>
+            </a:solidFill>
+            <a:prstDash val="solid"/>
+          </a:ln>
+        </p:spPr>
+        <p:txBody>
+          <a:bodyPr vertOverflow="overflow" horzOverflow="overflow" vert="horz" wrap="square" lIns="91440" tIns="45720" rIns="91440" bIns="45720" numCol="1" spcCol="0" rtlCol="0" fromWordArt="0" anchor="t" anchorCtr="0" forceAA="0" upright="0" compatLnSpc="0">
+            <a:spAutoFit/>
+          </a:bodyPr>
+          <a:p>
+            <a:pPr algn="ctr">
+              <a:defRPr/>
+            </a:pPr>
+            <a:r>
+              <a:rPr/>
+              <a:t>isend_init</a:t>
+            </a:r>
+            <a:endParaRPr/>
+          </a:p>
+        </p:txBody>
+      </p:sp>
+      <p:sp>
+        <p:nvSpPr>
+          <p:cNvPr id="946669540" name=""/>
+          <p:cNvSpPr txBox="1"/>
+          <p:nvPr/>
+        </p:nvSpPr>
+        <p:spPr bwMode="auto">
+          <a:xfrm flipH="0" flipV="0">
+            <a:off x="10281461" y="4035395"/>
+            <a:ext cx="900995" cy="244199"/>
+          </a:xfrm>
+          <a:prstGeom prst="rect">
+            <a:avLst/>
+          </a:prstGeom>
+          <a:noFill/>
+          <a:ln w="12699">
+            <a:solidFill>
+              <a:schemeClr val="accent1">
+                <a:lumMod val="50196"/>
+              </a:schemeClr>
+            </a:solidFill>
+            <a:prstDash val="solid"/>
+          </a:ln>
+        </p:spPr>
+        <p:txBody>
+          <a:bodyPr vertOverflow="overflow" horzOverflow="overflow" vert="horz" wrap="square" lIns="91440" tIns="45720" rIns="91440" bIns="45720" numCol="1" spcCol="0" rtlCol="0" fromWordArt="0" anchor="t" anchorCtr="0" forceAA="0" upright="0" compatLnSpc="0">
+            <a:spAutoFit/>
+          </a:bodyPr>
+          <a:p>
+            <a:pPr algn="ctr">
+              <a:defRPr/>
+            </a:pPr>
+            <a:r>
+              <a:rPr/>
+              <a:t>start, </a:t>
+            </a:r>
+            <a:r>
+              <a:rPr/>
+              <a:t>test</a:t>
+            </a:r>
+            <a:endParaRPr/>
+          </a:p>
+        </p:txBody>
+      </p:sp>
+      <p:sp>
+        <p:nvSpPr>
+          <p:cNvPr id="1693055267" name=""/>
+          <p:cNvSpPr txBox="1"/>
+          <p:nvPr/>
+        </p:nvSpPr>
+        <p:spPr bwMode="auto">
+          <a:xfrm flipH="0" flipV="0">
+            <a:off x="10005553" y="4401331"/>
+            <a:ext cx="1460371" cy="244199"/>
+          </a:xfrm>
+          <a:prstGeom prst="rect">
+            <a:avLst/>
+          </a:prstGeom>
+          <a:noFill/>
+          <a:ln w="12699">
+            <a:solidFill>
+              <a:schemeClr val="accent1">
+                <a:lumMod val="50196"/>
+              </a:schemeClr>
+            </a:solidFill>
+            <a:prstDash val="solid"/>
+          </a:ln>
+        </p:spPr>
+        <p:txBody>
+          <a:bodyPr vertOverflow="overflow" horzOverflow="overflow" vert="horz" wrap="square" lIns="91440" tIns="45720" rIns="91440" bIns="45720" numCol="1" spcCol="0" rtlCol="0" fromWordArt="0" anchor="t" anchorCtr="0" forceAA="0" upright="0" compatLnSpc="0">
+            <a:spAutoFit/>
+          </a:bodyPr>
+          <a:p>
+            <a:pPr algn="ctr">
+              <a:defRPr/>
+            </a:pPr>
+            <a:r>
+              <a:rPr/>
+              <a:t>opal_progress</a:t>
+            </a:r>
+            <a:endParaRPr/>
+          </a:p>
+        </p:txBody>
+      </p:sp>
+      <p:cxnSp>
+        <p:nvCxnSpPr>
+          <p:cNvPr id="737401190" name=""/>
+          <p:cNvCxnSpPr>
+            <a:cxnSpLocks/>
+            <a:endCxn id="946669540" idx="0"/>
+          </p:cNvCxnSpPr>
+          <p:nvPr/>
+        </p:nvCxnSpPr>
+        <p:spPr bwMode="auto">
+          <a:xfrm rot="5399976" flipH="0" flipV="0">
+            <a:off x="10248053" y="3549733"/>
+            <a:ext cx="971322" cy="0"/>
+          </a:xfrm>
+          <a:prstGeom prst="line">
+            <a:avLst/>
+          </a:prstGeom>
+          <a:ln w="12699" cap="flat" cmpd="sng" algn="ctr">
+            <a:solidFill>
+              <a:schemeClr val="tx1"/>
+            </a:solidFill>
+            <a:prstDash val="solid"/>
+            <a:miter/>
+            <a:tailEnd type="arrow" len="med"/>
+          </a:ln>
+        </p:spPr>
+        <p:style>
+          <a:lnRef idx="1">
+            <a:schemeClr val="accent1">
+              <a:shade val="50000"/>
+            </a:schemeClr>
+          </a:lnRef>
+          <a:fillRef idx="0">
+            <a:schemeClr val="accent1"/>
+          </a:fillRef>
+          <a:effectRef idx="0">
+            <a:schemeClr val="accent1"/>
+          </a:effectRef>
+          <a:fontRef idx="minor">
+            <a:schemeClr val="tx1"/>
+          </a:fontRef>
+        </p:style>
+      </p:cxnSp>
+      <p:cxnSp>
+        <p:nvCxnSpPr>
+          <p:cNvPr id="1145167837" name=""/>
+          <p:cNvCxnSpPr>
+            <a:cxnSpLocks/>
+            <a:stCxn id="946669540" idx="2"/>
+          </p:cNvCxnSpPr>
+          <p:nvPr/>
+        </p:nvCxnSpPr>
+        <p:spPr bwMode="auto">
+          <a:xfrm rot="5399976" flipH="0" flipV="1">
+            <a:off x="10672981" y="4340463"/>
+            <a:ext cx="121735" cy="0"/>
+          </a:xfrm>
+          <a:prstGeom prst="line">
+            <a:avLst/>
+          </a:prstGeom>
+          <a:ln w="12699" cap="flat" cmpd="sng" algn="ctr">
+            <a:solidFill>
+              <a:schemeClr val="tx1"/>
+            </a:solidFill>
+            <a:prstDash val="solid"/>
+            <a:miter/>
+            <a:tailEnd type="arrow" len="med"/>
+          </a:ln>
+        </p:spPr>
+        <p:style>
+          <a:lnRef idx="1">
+            <a:schemeClr val="accent1">
+              <a:shade val="50000"/>
+            </a:schemeClr>
+          </a:lnRef>
+          <a:fillRef idx="0">
+            <a:schemeClr val="accent1"/>
+          </a:fillRef>
+          <a:effectRef idx="0">
+            <a:schemeClr val="accent1"/>
+          </a:effectRef>
+          <a:fontRef idx="minor">
+            <a:schemeClr val="tx1"/>
+          </a:fontRef>
+        </p:style>
+      </p:cxnSp>
     </p:spTree>
   </p:cSld>
   <p:clrMapOvr>
